--- a/doc/images/ImageSources.pptx
+++ b/doc/images/ImageSources.pptx
@@ -7,6 +7,10 @@
   <p:sldIdLst>
     <p:sldId id="256" r:id="rId2"/>
     <p:sldId id="257" r:id="rId3"/>
+    <p:sldId id="259" r:id="rId4"/>
+    <p:sldId id="260" r:id="rId5"/>
+    <p:sldId id="261" r:id="rId6"/>
+    <p:sldId id="258" r:id="rId7"/>
   </p:sldIdLst>
   <p:sldSz cx="12192000" cy="6858000"/>
   <p:notesSz cx="6858000" cy="9144000"/>
@@ -106,6 +110,20 @@
     </a:lvl9pPr>
   </p:defaultTextStyle>
   <p:extLst>
+    <p:ext uri="{521415D9-36F7-43E2-AB2F-B90AF26B5E84}">
+      <p14:sectionLst xmlns:p14="http://schemas.microsoft.com/office/powerpoint/2010/main">
+        <p14:section name="Default Section" id="{A7BD87C3-F855-4348-B876-2AADA34CFF03}">
+          <p14:sldIdLst>
+            <p14:sldId id="256"/>
+            <p14:sldId id="257"/>
+            <p14:sldId id="259"/>
+            <p14:sldId id="260"/>
+            <p14:sldId id="261"/>
+            <p14:sldId id="258"/>
+          </p14:sldIdLst>
+        </p14:section>
+      </p14:sectionLst>
+    </p:ext>
     <p:ext uri="{EFAFB233-063F-42B5-8137-9DF3F51BA10A}">
       <p15:sldGuideLst xmlns:p15="http://schemas.microsoft.com/office/powerpoint/2012/main"/>
     </p:ext>
@@ -115,6 +133,121 @@
 
 <file path=ppt/revisionInfo.xml><?xml version="1.0" encoding="utf-8"?>
 <p1510:revInfo xmlns:a="http://schemas.openxmlformats.org/drawingml/2006/main" xmlns:r="http://schemas.openxmlformats.org/officeDocument/2006/relationships" xmlns:p1510="http://schemas.microsoft.com/office/powerpoint/2015/10/main"/>
+</file>
+
+<file path=ppt/ink/ink1.xml><?xml version="1.0" encoding="utf-8"?>
+<inkml:ink xmlns:inkml="http://www.w3.org/2003/InkML">
+  <inkml:definitions>
+    <inkml:context xml:id="ctx0">
+      <inkml:inkSource xml:id="inkSrc0">
+        <inkml:traceFormat>
+          <inkml:channel name="X" type="integer" min="-2.14748E9" max="2.14748E9" units="cm"/>
+          <inkml:channel name="Y" type="integer" min="-2.14748E9" max="2.14748E9" units="cm"/>
+        </inkml:traceFormat>
+        <inkml:channelProperties>
+          <inkml:channelProperty channel="X" name="resolution" value="1000" units="1/cm"/>
+          <inkml:channelProperty channel="Y" name="resolution" value="1000" units="1/cm"/>
+        </inkml:channelProperties>
+      </inkml:inkSource>
+      <inkml:timestamp xml:id="ts0" timeString="2019-04-21T20:29:32.921"/>
+    </inkml:context>
+    <inkml:brush xml:id="br0">
+      <inkml:brushProperty name="width" value="0.00588" units="cm"/>
+      <inkml:brushProperty name="height" value="0.00588" units="cm"/>
+      <inkml:brushProperty name="color" value="#A5A5A5"/>
+      <inkml:brushProperty name="ignorePressure" value="1"/>
+    </inkml:brush>
+  </inkml:definitions>
+  <inkml:trace contextRef="#ctx0" brushRef="#br0">371 1379</inkml:trace>
+  <inkml:trace contextRef="#ctx0" brushRef="#br0" timeOffset="0.5309">-1205 2225</inkml:trace>
+</inkml:ink>
+</file>
+
+<file path=ppt/ink/ink2.xml><?xml version="1.0" encoding="utf-8"?>
+<inkml:ink xmlns:inkml="http://www.w3.org/2003/InkML">
+  <inkml:definitions>
+    <inkml:context xml:id="ctx0">
+      <inkml:inkSource xml:id="inkSrc0">
+        <inkml:traceFormat>
+          <inkml:channel name="X" type="integer" min="-2.14748E9" max="2.14748E9" units="cm"/>
+          <inkml:channel name="Y" type="integer" min="-2.14748E9" max="2.14748E9" units="cm"/>
+        </inkml:traceFormat>
+        <inkml:channelProperties>
+          <inkml:channelProperty channel="X" name="resolution" value="1000" units="1/cm"/>
+          <inkml:channelProperty channel="Y" name="resolution" value="1000" units="1/cm"/>
+        </inkml:channelProperties>
+      </inkml:inkSource>
+      <inkml:timestamp xml:id="ts0" timeString="2019-04-21T20:29:32.923"/>
+    </inkml:context>
+    <inkml:brush xml:id="br0">
+      <inkml:brushProperty name="width" value="0.00588" units="cm"/>
+      <inkml:brushProperty name="height" value="0.00588" units="cm"/>
+      <inkml:brushProperty name="color" value="#A5A5A5"/>
+      <inkml:brushProperty name="ignorePressure" value="1"/>
+    </inkml:brush>
+  </inkml:definitions>
+  <inkml:trace contextRef="#ctx0" brushRef="#br0">2882 1174</inkml:trace>
+</inkml:ink>
+</file>
+
+<file path=ppt/ink/ink3.xml><?xml version="1.0" encoding="utf-8"?>
+<inkml:ink xmlns:inkml="http://www.w3.org/2003/InkML">
+  <inkml:definitions>
+    <inkml:context xml:id="ctx0">
+      <inkml:inkSource xml:id="inkSrc0">
+        <inkml:traceFormat>
+          <inkml:channel name="X" type="integer" min="-2.14748E9" max="2.14748E9" units="cm"/>
+          <inkml:channel name="Y" type="integer" min="-2.14748E9" max="2.14748E9" units="cm"/>
+        </inkml:traceFormat>
+        <inkml:channelProperties>
+          <inkml:channelProperty channel="X" name="resolution" value="1000" units="1/cm"/>
+          <inkml:channelProperty channel="Y" name="resolution" value="1000" units="1/cm"/>
+        </inkml:channelProperties>
+      </inkml:inkSource>
+      <inkml:timestamp xml:id="ts0" timeString="2019-04-21T20:29:32.924"/>
+    </inkml:context>
+    <inkml:brush xml:id="br0">
+      <inkml:brushProperty name="width" value="0.00588" units="cm"/>
+      <inkml:brushProperty name="height" value="0.00588" units="cm"/>
+      <inkml:brushProperty name="color" value="#A5A5A5"/>
+      <inkml:brushProperty name="ignorePressure" value="1"/>
+    </inkml:brush>
+  </inkml:definitions>
+  <inkml:trace contextRef="#ctx0" brushRef="#br0">1254 2053,'0'0</inkml:trace>
+</inkml:ink>
+</file>
+
+<file path=ppt/ink/ink4.xml><?xml version="1.0" encoding="utf-8"?>
+<inkml:ink xmlns:inkml="http://www.w3.org/2003/InkML">
+  <inkml:definitions>
+    <inkml:context xml:id="ctx0">
+      <inkml:inkSource xml:id="inkSrc0">
+        <inkml:traceFormat>
+          <inkml:channel name="X" type="integer" min="-2.14748E9" max="2.14748E9" units="cm"/>
+          <inkml:channel name="Y" type="integer" min="-2.14748E9" max="2.14748E9" units="cm"/>
+        </inkml:traceFormat>
+        <inkml:channelProperties>
+          <inkml:channelProperty channel="X" name="resolution" value="1000" units="1/cm"/>
+          <inkml:channelProperty channel="Y" name="resolution" value="1000" units="1/cm"/>
+        </inkml:channelProperties>
+      </inkml:inkSource>
+      <inkml:timestamp xml:id="ts0" timeString="2019-04-21T20:29:32.925"/>
+    </inkml:context>
+    <inkml:brush xml:id="br0">
+      <inkml:brushProperty name="width" value="0.00588" units="cm"/>
+      <inkml:brushProperty name="height" value="0.00588" units="cm"/>
+      <inkml:brushProperty name="color" value="#A5A5A5"/>
+      <inkml:brushProperty name="ignorePressure" value="1"/>
+    </inkml:brush>
+    <inkml:brush xml:id="br1">
+      <inkml:brushProperty name="width" value="0.00588" units="cm"/>
+      <inkml:brushProperty name="height" value="0.00588" units="cm"/>
+      <inkml:brushProperty name="ignorePressure" value="1"/>
+    </inkml:brush>
+  </inkml:definitions>
+  <inkml:trace contextRef="#ctx0" brushRef="#br0">976 2766</inkml:trace>
+  <inkml:trace contextRef="#ctx0" brushRef="#br1" timeOffset="1">5905 2124</inkml:trace>
+</inkml:ink>
 </file>
 
 <file path=ppt/slideLayouts/slideLayout1.xml><?xml version="1.0" encoding="utf-8"?>
@@ -4917,6 +5050,8992 @@
 </p:sld>
 </file>
 
+<file path=ppt/slides/slide3.xml><?xml version="1.0" encoding="utf-8"?>
+<p:sld xmlns:a="http://schemas.openxmlformats.org/drawingml/2006/main" xmlns:r="http://schemas.openxmlformats.org/officeDocument/2006/relationships" xmlns:p="http://schemas.openxmlformats.org/presentationml/2006/main">
+  <p:cSld>
+    <p:spTree>
+      <p:nvGrpSpPr>
+        <p:cNvPr id="1" name=""/>
+        <p:cNvGrpSpPr/>
+        <p:nvPr/>
+      </p:nvGrpSpPr>
+      <p:grpSpPr>
+        <a:xfrm>
+          <a:off x="0" y="0"/>
+          <a:ext cx="0" cy="0"/>
+          <a:chOff x="0" y="0"/>
+          <a:chExt cx="0" cy="0"/>
+        </a:xfrm>
+      </p:grpSpPr>
+      <p:sp>
+        <p:nvSpPr>
+          <p:cNvPr id="4" name="Title 1">
+            <a:extLst>
+              <a:ext uri="{FF2B5EF4-FFF2-40B4-BE49-F238E27FC236}">
+                <a16:creationId xmlns:a16="http://schemas.microsoft.com/office/drawing/2014/main" id="{CBCDBF9B-8FA6-4E2D-AED5-93740EFC4B05}"/>
+              </a:ext>
+            </a:extLst>
+          </p:cNvPr>
+          <p:cNvSpPr txBox="1">
+            <a:spLocks/>
+          </p:cNvSpPr>
+          <p:nvPr/>
+        </p:nvSpPr>
+        <p:spPr>
+          <a:xfrm>
+            <a:off x="560008" y="79267"/>
+            <a:ext cx="8369284" cy="613397"/>
+          </a:xfrm>
+          <a:prstGeom prst="rect">
+            <a:avLst/>
+          </a:prstGeom>
+        </p:spPr>
+        <p:txBody>
+          <a:bodyPr vert="horz" lIns="91440" tIns="45720" rIns="91440" bIns="45720" rtlCol="0" anchor="ctr">
+            <a:normAutofit/>
+          </a:bodyPr>
+          <a:lstStyle>
+            <a:lvl1pPr algn="l" defTabSz="914400" rtl="0" eaLnBrk="1" latinLnBrk="0" hangingPunct="1">
+              <a:lnSpc>
+                <a:spcPct val="90000"/>
+              </a:lnSpc>
+              <a:spcBef>
+                <a:spcPct val="0"/>
+              </a:spcBef>
+              <a:buNone/>
+              <a:defRPr sz="4400" kern="1200">
+                <a:solidFill>
+                  <a:schemeClr val="tx1"/>
+                </a:solidFill>
+                <a:latin typeface="+mj-lt"/>
+                <a:ea typeface="+mj-ea"/>
+                <a:cs typeface="+mj-cs"/>
+              </a:defRPr>
+            </a:lvl1pPr>
+          </a:lstStyle>
+          <a:p>
+            <a:r>
+              <a:rPr lang="en-US" sz="3600" b="1" dirty="0">
+                <a:solidFill>
+                  <a:srgbClr val="663F64"/>
+                </a:solidFill>
+                <a:latin typeface="Helvetica Neue"/>
+                <a:cs typeface="Helvetica Neue"/>
+              </a:rPr>
+              <a:t>Mapping the MedDRA  .</a:t>
+            </a:r>
+            <a:r>
+              <a:rPr lang="en-US" sz="3600" b="1" dirty="0" err="1">
+                <a:solidFill>
+                  <a:srgbClr val="663F64"/>
+                </a:solidFill>
+                <a:latin typeface="Helvetica Neue"/>
+                <a:cs typeface="Helvetica Neue"/>
+              </a:rPr>
+              <a:t>asc</a:t>
+            </a:r>
+            <a:r>
+              <a:rPr lang="en-US" sz="3600" b="1" dirty="0">
+                <a:solidFill>
+                  <a:srgbClr val="663F64"/>
+                </a:solidFill>
+                <a:latin typeface="Helvetica Neue"/>
+                <a:cs typeface="Helvetica Neue"/>
+              </a:rPr>
+              <a:t> files</a:t>
+            </a:r>
+          </a:p>
+        </p:txBody>
+      </p:sp>
+      <mc:AlternateContent xmlns:mc="http://schemas.openxmlformats.org/markup-compatibility/2006">
+        <mc:Choice xmlns:p14="http://schemas.microsoft.com/office/powerpoint/2010/main" Requires="p14">
+          <p:contentPart p14:bwMode="auto" r:id="rId2">
+            <p14:nvContentPartPr>
+              <p14:cNvPr id="5" name="Ink 4">
+                <a:extLst>
+                  <a:ext uri="{FF2B5EF4-FFF2-40B4-BE49-F238E27FC236}">
+                    <a16:creationId xmlns:a16="http://schemas.microsoft.com/office/drawing/2014/main" id="{DBE45629-4D58-459F-B257-5E15614C645F}"/>
+                  </a:ext>
+                </a:extLst>
+              </p14:cNvPr>
+              <p14:cNvContentPartPr/>
+              <p14:nvPr/>
+            </p14:nvContentPartPr>
+            <p14:xfrm>
+              <a:off x="3481635" y="2600680"/>
+              <a:ext cx="567587" cy="304920"/>
+            </p14:xfrm>
+          </p:contentPart>
+        </mc:Choice>
+        <mc:Fallback>
+          <p:pic>
+            <p:nvPicPr>
+              <p:cNvPr id="5" name="Ink 4">
+                <a:extLst>
+                  <a:ext uri="{FF2B5EF4-FFF2-40B4-BE49-F238E27FC236}">
+                    <a16:creationId xmlns:a16="http://schemas.microsoft.com/office/drawing/2014/main" id="{DBE45629-4D58-459F-B257-5E15614C645F}"/>
+                  </a:ext>
+                </a:extLst>
+              </p:cNvPr>
+              <p:cNvPicPr/>
+              <p:nvPr/>
+            </p:nvPicPr>
+            <p:blipFill>
+              <a:blip r:embed="rId3"/>
+              <a:stretch>
+                <a:fillRect/>
+              </a:stretch>
+            </p:blipFill>
+            <p:spPr>
+              <a:xfrm>
+                <a:off x="3480555" y="2599600"/>
+                <a:ext cx="569387" cy="306720"/>
+              </a:xfrm>
+              <a:prstGeom prst="rect">
+                <a:avLst/>
+              </a:prstGeom>
+            </p:spPr>
+          </p:pic>
+        </mc:Fallback>
+      </mc:AlternateContent>
+      <mc:AlternateContent xmlns:mc="http://schemas.openxmlformats.org/markup-compatibility/2006">
+        <mc:Choice xmlns:p14="http://schemas.microsoft.com/office/powerpoint/2010/main" Requires="p14">
+          <p:contentPart p14:bwMode="auto" r:id="rId4">
+            <p14:nvContentPartPr>
+              <p14:cNvPr id="6" name="Ink 5">
+                <a:extLst>
+                  <a:ext uri="{FF2B5EF4-FFF2-40B4-BE49-F238E27FC236}">
+                    <a16:creationId xmlns:a16="http://schemas.microsoft.com/office/drawing/2014/main" id="{D2E1578D-86F8-4DA1-8AB4-D3A94B2623E7}"/>
+                  </a:ext>
+                </a:extLst>
+              </p14:cNvPr>
+              <p14:cNvContentPartPr/>
+              <p14:nvPr/>
+            </p14:nvContentPartPr>
+            <p14:xfrm>
+              <a:off x="4954063" y="2115195"/>
+              <a:ext cx="290" cy="290"/>
+            </p14:xfrm>
+          </p:contentPart>
+        </mc:Choice>
+        <mc:Fallback>
+          <p:pic>
+            <p:nvPicPr>
+              <p:cNvPr id="6" name="Ink 5">
+                <a:extLst>
+                  <a:ext uri="{FF2B5EF4-FFF2-40B4-BE49-F238E27FC236}">
+                    <a16:creationId xmlns:a16="http://schemas.microsoft.com/office/drawing/2014/main" id="{D2E1578D-86F8-4DA1-8AB4-D3A94B2623E7}"/>
+                  </a:ext>
+                </a:extLst>
+              </p:cNvPr>
+              <p:cNvPicPr/>
+              <p:nvPr/>
+            </p:nvPicPr>
+            <p:blipFill>
+              <a:blip r:embed="rId5"/>
+              <a:stretch>
+                <a:fillRect/>
+              </a:stretch>
+            </p:blipFill>
+            <p:spPr>
+              <a:xfrm>
+                <a:off x="4953193" y="2114325"/>
+                <a:ext cx="1740" cy="1740"/>
+              </a:xfrm>
+              <a:prstGeom prst="rect">
+                <a:avLst/>
+              </a:prstGeom>
+            </p:spPr>
+          </p:pic>
+        </mc:Fallback>
+      </mc:AlternateContent>
+      <mc:AlternateContent xmlns:mc="http://schemas.openxmlformats.org/markup-compatibility/2006">
+        <mc:Choice xmlns:p14="http://schemas.microsoft.com/office/powerpoint/2010/main" Requires="p14">
+          <p:contentPart p14:bwMode="auto" r:id="rId6">
+            <p14:nvContentPartPr>
+              <p14:cNvPr id="7" name="Ink 6">
+                <a:extLst>
+                  <a:ext uri="{FF2B5EF4-FFF2-40B4-BE49-F238E27FC236}">
+                    <a16:creationId xmlns:a16="http://schemas.microsoft.com/office/drawing/2014/main" id="{AC675910-D063-4EBA-A940-7AEBDF175F2C}"/>
+                  </a:ext>
+                </a:extLst>
+              </p14:cNvPr>
+              <p14:cNvContentPartPr/>
+              <p14:nvPr/>
+            </p14:nvContentPartPr>
+            <p14:xfrm>
+              <a:off x="3782623" y="2748795"/>
+              <a:ext cx="290" cy="290"/>
+            </p14:xfrm>
+          </p:contentPart>
+        </mc:Choice>
+        <mc:Fallback>
+          <p:pic>
+            <p:nvPicPr>
+              <p:cNvPr id="7" name="Ink 6">
+                <a:extLst>
+                  <a:ext uri="{FF2B5EF4-FFF2-40B4-BE49-F238E27FC236}">
+                    <a16:creationId xmlns:a16="http://schemas.microsoft.com/office/drawing/2014/main" id="{AC675910-D063-4EBA-A940-7AEBDF175F2C}"/>
+                  </a:ext>
+                </a:extLst>
+              </p:cNvPr>
+              <p:cNvPicPr/>
+              <p:nvPr/>
+            </p:nvPicPr>
+            <p:blipFill>
+              <a:blip r:embed="rId5"/>
+              <a:stretch>
+                <a:fillRect/>
+              </a:stretch>
+            </p:blipFill>
+            <p:spPr>
+              <a:xfrm>
+                <a:off x="3781753" y="2747925"/>
+                <a:ext cx="1740" cy="1740"/>
+              </a:xfrm>
+              <a:prstGeom prst="rect">
+                <a:avLst/>
+              </a:prstGeom>
+            </p:spPr>
+          </p:pic>
+        </mc:Fallback>
+      </mc:AlternateContent>
+      <mc:AlternateContent xmlns:mc="http://schemas.openxmlformats.org/markup-compatibility/2006">
+        <mc:Choice xmlns:p14="http://schemas.microsoft.com/office/powerpoint/2010/main" Requires="p14">
+          <p:contentPart p14:bwMode="auto" r:id="rId7">
+            <p14:nvContentPartPr>
+              <p14:cNvPr id="8" name="Ink 7">
+                <a:extLst>
+                  <a:ext uri="{FF2B5EF4-FFF2-40B4-BE49-F238E27FC236}">
+                    <a16:creationId xmlns:a16="http://schemas.microsoft.com/office/drawing/2014/main" id="{D6BAAC5D-661C-4791-A9F3-2A80763335B5}"/>
+                  </a:ext>
+                </a:extLst>
+              </p14:cNvPr>
+              <p14:cNvContentPartPr/>
+              <p14:nvPr/>
+            </p14:nvContentPartPr>
+            <p14:xfrm>
+              <a:off x="3428946" y="2971351"/>
+              <a:ext cx="1774925" cy="231739"/>
+            </p14:xfrm>
+          </p:contentPart>
+        </mc:Choice>
+        <mc:Fallback>
+          <p:pic>
+            <p:nvPicPr>
+              <p:cNvPr id="8" name="Ink 7">
+                <a:extLst>
+                  <a:ext uri="{FF2B5EF4-FFF2-40B4-BE49-F238E27FC236}">
+                    <a16:creationId xmlns:a16="http://schemas.microsoft.com/office/drawing/2014/main" id="{D6BAAC5D-661C-4791-A9F3-2A80763335B5}"/>
+                  </a:ext>
+                </a:extLst>
+              </p:cNvPr>
+              <p:cNvPicPr/>
+              <p:nvPr/>
+            </p:nvPicPr>
+            <p:blipFill>
+              <a:blip r:embed="rId8"/>
+              <a:stretch>
+                <a:fillRect/>
+              </a:stretch>
+            </p:blipFill>
+            <p:spPr>
+              <a:xfrm>
+                <a:off x="3427866" y="2970270"/>
+                <a:ext cx="1776725" cy="233541"/>
+              </a:xfrm>
+              <a:prstGeom prst="rect">
+                <a:avLst/>
+              </a:prstGeom>
+            </p:spPr>
+          </p:pic>
+        </mc:Fallback>
+      </mc:AlternateContent>
+      <p:grpSp>
+        <p:nvGrpSpPr>
+          <p:cNvPr id="10" name="Group 9">
+            <a:extLst>
+              <a:ext uri="{FF2B5EF4-FFF2-40B4-BE49-F238E27FC236}">
+                <a16:creationId xmlns:a16="http://schemas.microsoft.com/office/drawing/2014/main" id="{F64527F2-4D98-4451-8E9F-4241C8EAC5A3}"/>
+              </a:ext>
+            </a:extLst>
+          </p:cNvPr>
+          <p:cNvGrpSpPr/>
+          <p:nvPr/>
+        </p:nvGrpSpPr>
+        <p:grpSpPr>
+          <a:xfrm>
+            <a:off x="2685341" y="1728905"/>
+            <a:ext cx="1830309" cy="1598190"/>
+            <a:chOff x="223303" y="842248"/>
+            <a:chExt cx="1512652" cy="1320818"/>
+          </a:xfrm>
+        </p:grpSpPr>
+        <p:sp>
+          <p:nvSpPr>
+            <p:cNvPr id="11" name="TextBox 10">
+              <a:extLst>
+                <a:ext uri="{FF2B5EF4-FFF2-40B4-BE49-F238E27FC236}">
+                  <a16:creationId xmlns:a16="http://schemas.microsoft.com/office/drawing/2014/main" id="{4B139D9C-5A48-486C-912B-0F28C9BC699B}"/>
+                </a:ext>
+              </a:extLst>
+            </p:cNvPr>
+            <p:cNvSpPr txBox="1"/>
+            <p:nvPr/>
+          </p:nvSpPr>
+          <p:spPr>
+            <a:xfrm>
+              <a:off x="223303" y="842248"/>
+              <a:ext cx="1512652" cy="406978"/>
+            </a:xfrm>
+            <a:prstGeom prst="rect">
+              <a:avLst/>
+            </a:prstGeom>
+            <a:noFill/>
+          </p:spPr>
+          <p:txBody>
+            <a:bodyPr wrap="none" lIns="0" rtlCol="0">
+              <a:spAutoFit/>
+            </a:bodyPr>
+            <a:lstStyle>
+              <a:defPPr>
+                <a:defRPr lang="en-US"/>
+              </a:defPPr>
+              <a:lvl1pPr>
+                <a:defRPr sz="1200"/>
+              </a:lvl1pPr>
+            </a:lstStyle>
+            <a:p>
+              <a:r>
+                <a:rPr lang="en-US" sz="1400" b="1" dirty="0"/>
+                <a:t>Lowest Level Term (LLT)</a:t>
+              </a:r>
+            </a:p>
+            <a:p>
+              <a:r>
+                <a:rPr lang="en-US" dirty="0" err="1">
+                  <a:latin typeface="Courier New" panose="02070309020205020404" pitchFamily="49" charset="0"/>
+                  <a:cs typeface="Courier New" panose="02070309020205020404" pitchFamily="49" charset="0"/>
+                </a:rPr>
+                <a:t>llt.asc</a:t>
+              </a:r>
+              <a:endParaRPr lang="en-US" dirty="0">
+                <a:latin typeface="Courier New" panose="02070309020205020404" pitchFamily="49" charset="0"/>
+                <a:cs typeface="Courier New" panose="02070309020205020404" pitchFamily="49" charset="0"/>
+              </a:endParaRPr>
+            </a:p>
+          </p:txBody>
+        </p:sp>
+        <p:grpSp>
+          <p:nvGrpSpPr>
+            <p:cNvPr id="12" name="Group 11">
+              <a:extLst>
+                <a:ext uri="{FF2B5EF4-FFF2-40B4-BE49-F238E27FC236}">
+                  <a16:creationId xmlns:a16="http://schemas.microsoft.com/office/drawing/2014/main" id="{6922128E-DC75-4954-B120-B29FB4A71D40}"/>
+                </a:ext>
+              </a:extLst>
+            </p:cNvPr>
+            <p:cNvGrpSpPr/>
+            <p:nvPr/>
+          </p:nvGrpSpPr>
+          <p:grpSpPr>
+            <a:xfrm>
+              <a:off x="223303" y="1304701"/>
+              <a:ext cx="821182" cy="858365"/>
+              <a:chOff x="4738347" y="1395663"/>
+              <a:chExt cx="821182" cy="858365"/>
+            </a:xfrm>
+          </p:grpSpPr>
+          <p:sp>
+            <p:nvSpPr>
+              <p:cNvPr id="13" name="Rectangle 12">
+                <a:extLst>
+                  <a:ext uri="{FF2B5EF4-FFF2-40B4-BE49-F238E27FC236}">
+                    <a16:creationId xmlns:a16="http://schemas.microsoft.com/office/drawing/2014/main" id="{69AA7E7E-BC1B-452B-A94E-5078E847895D}"/>
+                  </a:ext>
+                </a:extLst>
+              </p:cNvPr>
+              <p:cNvSpPr/>
+              <p:nvPr/>
+            </p:nvSpPr>
+            <p:spPr>
+              <a:xfrm>
+                <a:off x="4738347" y="1967696"/>
+                <a:ext cx="821182" cy="286332"/>
+              </a:xfrm>
+              <a:prstGeom prst="rect">
+                <a:avLst/>
+              </a:prstGeom>
+              <a:solidFill>
+                <a:schemeClr val="bg1"/>
+              </a:solidFill>
+              <a:ln>
+                <a:solidFill>
+                  <a:schemeClr val="bg1">
+                    <a:lumMod val="65000"/>
+                  </a:schemeClr>
+                </a:solidFill>
+              </a:ln>
+              <a:effectLst/>
+            </p:spPr>
+            <p:style>
+              <a:lnRef idx="1">
+                <a:schemeClr val="accent1"/>
+              </a:lnRef>
+              <a:fillRef idx="3">
+                <a:schemeClr val="accent1"/>
+              </a:fillRef>
+              <a:effectRef idx="2">
+                <a:schemeClr val="accent1"/>
+              </a:effectRef>
+              <a:fontRef idx="minor">
+                <a:schemeClr val="lt1"/>
+              </a:fontRef>
+            </p:style>
+            <p:txBody>
+              <a:bodyPr lIns="9144" rIns="9144" rtlCol="0" anchor="ctr"/>
+              <a:lstStyle/>
+              <a:p>
+                <a:pPr algn="ctr"/>
+                <a:r>
+                  <a:rPr lang="en-US" sz="1100" dirty="0" err="1">
+                    <a:solidFill>
+                      <a:schemeClr val="tx1"/>
+                    </a:solidFill>
+                    <a:latin typeface="Courier New" panose="02070309020205020404" pitchFamily="49" charset="0"/>
+                    <a:cs typeface="Courier New" panose="02070309020205020404" pitchFamily="49" charset="0"/>
+                  </a:rPr>
+                  <a:t>pt_code</a:t>
+                </a:r>
+                <a:endParaRPr lang="en-US" sz="1100" dirty="0">
+                  <a:solidFill>
+                    <a:schemeClr val="tx1"/>
+                  </a:solidFill>
+                  <a:latin typeface="Courier New" panose="02070309020205020404" pitchFamily="49" charset="0"/>
+                  <a:cs typeface="Courier New" panose="02070309020205020404" pitchFamily="49" charset="0"/>
+                </a:endParaRPr>
+              </a:p>
+            </p:txBody>
+          </p:sp>
+          <p:sp>
+            <p:nvSpPr>
+              <p:cNvPr id="14" name="Rectangle 13">
+                <a:extLst>
+                  <a:ext uri="{FF2B5EF4-FFF2-40B4-BE49-F238E27FC236}">
+                    <a16:creationId xmlns:a16="http://schemas.microsoft.com/office/drawing/2014/main" id="{16FA508E-F9BF-44F8-A490-5E1DC1763FB7}"/>
+                  </a:ext>
+                </a:extLst>
+              </p:cNvPr>
+              <p:cNvSpPr/>
+              <p:nvPr/>
+            </p:nvSpPr>
+            <p:spPr>
+              <a:xfrm>
+                <a:off x="4738347" y="1683102"/>
+                <a:ext cx="821182" cy="286332"/>
+              </a:xfrm>
+              <a:prstGeom prst="rect">
+                <a:avLst/>
+              </a:prstGeom>
+              <a:solidFill>
+                <a:schemeClr val="bg1"/>
+              </a:solidFill>
+              <a:ln>
+                <a:solidFill>
+                  <a:schemeClr val="bg1">
+                    <a:lumMod val="65000"/>
+                  </a:schemeClr>
+                </a:solidFill>
+              </a:ln>
+              <a:effectLst/>
+            </p:spPr>
+            <p:style>
+              <a:lnRef idx="1">
+                <a:schemeClr val="accent1"/>
+              </a:lnRef>
+              <a:fillRef idx="3">
+                <a:schemeClr val="accent1"/>
+              </a:fillRef>
+              <a:effectRef idx="2">
+                <a:schemeClr val="accent1"/>
+              </a:effectRef>
+              <a:fontRef idx="minor">
+                <a:schemeClr val="lt1"/>
+              </a:fontRef>
+            </p:style>
+            <p:txBody>
+              <a:bodyPr lIns="9144" rIns="9144" rtlCol="0" anchor="ctr"/>
+              <a:lstStyle/>
+              <a:p>
+                <a:pPr algn="ctr"/>
+                <a:r>
+                  <a:rPr lang="en-US" sz="1100" dirty="0">
+                    <a:solidFill>
+                      <a:schemeClr val="tx1"/>
+                    </a:solidFill>
+                    <a:latin typeface="Courier New" panose="02070309020205020404" pitchFamily="49" charset="0"/>
+                    <a:cs typeface="Courier New" panose="02070309020205020404" pitchFamily="49" charset="0"/>
+                  </a:rPr>
+                  <a:t>label</a:t>
+                </a:r>
+              </a:p>
+            </p:txBody>
+          </p:sp>
+          <p:sp>
+            <p:nvSpPr>
+              <p:cNvPr id="15" name="Rectangle 14">
+                <a:extLst>
+                  <a:ext uri="{FF2B5EF4-FFF2-40B4-BE49-F238E27FC236}">
+                    <a16:creationId xmlns:a16="http://schemas.microsoft.com/office/drawing/2014/main" id="{24C1D8E1-4A2C-42D5-B58D-95D77F6570DC}"/>
+                  </a:ext>
+                </a:extLst>
+              </p:cNvPr>
+              <p:cNvSpPr/>
+              <p:nvPr/>
+            </p:nvSpPr>
+            <p:spPr>
+              <a:xfrm>
+                <a:off x="4738347" y="1395663"/>
+                <a:ext cx="821182" cy="286332"/>
+              </a:xfrm>
+              <a:prstGeom prst="rect">
+                <a:avLst/>
+              </a:prstGeom>
+              <a:solidFill>
+                <a:schemeClr val="bg1"/>
+              </a:solidFill>
+              <a:ln>
+                <a:solidFill>
+                  <a:schemeClr val="bg1">
+                    <a:lumMod val="65000"/>
+                  </a:schemeClr>
+                </a:solidFill>
+              </a:ln>
+              <a:effectLst/>
+            </p:spPr>
+            <p:style>
+              <a:lnRef idx="1">
+                <a:schemeClr val="accent1"/>
+              </a:lnRef>
+              <a:fillRef idx="3">
+                <a:schemeClr val="accent1"/>
+              </a:fillRef>
+              <a:effectRef idx="2">
+                <a:schemeClr val="accent1"/>
+              </a:effectRef>
+              <a:fontRef idx="minor">
+                <a:schemeClr val="lt1"/>
+              </a:fontRef>
+            </p:style>
+            <p:txBody>
+              <a:bodyPr lIns="9144" rIns="9144" rtlCol="0" anchor="ctr"/>
+              <a:lstStyle/>
+              <a:p>
+                <a:pPr algn="ctr"/>
+                <a:r>
+                  <a:rPr lang="en-US" sz="1100" dirty="0">
+                    <a:solidFill>
+                      <a:schemeClr val="tx1"/>
+                    </a:solidFill>
+                    <a:latin typeface="Courier New" panose="02070309020205020404" pitchFamily="49" charset="0"/>
+                    <a:cs typeface="Courier New" panose="02070309020205020404" pitchFamily="49" charset="0"/>
+                  </a:rPr>
+                  <a:t>code</a:t>
+                </a:r>
+              </a:p>
+            </p:txBody>
+          </p:sp>
+        </p:grpSp>
+      </p:grpSp>
+      <p:grpSp>
+        <p:nvGrpSpPr>
+          <p:cNvPr id="16" name="Group 15">
+            <a:extLst>
+              <a:ext uri="{FF2B5EF4-FFF2-40B4-BE49-F238E27FC236}">
+                <a16:creationId xmlns:a16="http://schemas.microsoft.com/office/drawing/2014/main" id="{AC7B8E1B-A503-4C25-AA86-CE61CA41E5D0}"/>
+              </a:ext>
+            </a:extLst>
+          </p:cNvPr>
+          <p:cNvGrpSpPr/>
+          <p:nvPr/>
+        </p:nvGrpSpPr>
+        <p:grpSpPr>
+          <a:xfrm>
+            <a:off x="4708118" y="1729356"/>
+            <a:ext cx="1542602" cy="1592997"/>
+            <a:chOff x="1422809" y="2242252"/>
+            <a:chExt cx="1274878" cy="1316526"/>
+          </a:xfrm>
+        </p:grpSpPr>
+        <p:sp>
+          <p:nvSpPr>
+            <p:cNvPr id="17" name="TextBox 16">
+              <a:extLst>
+                <a:ext uri="{FF2B5EF4-FFF2-40B4-BE49-F238E27FC236}">
+                  <a16:creationId xmlns:a16="http://schemas.microsoft.com/office/drawing/2014/main" id="{3F27CC5E-A9C0-4F78-A222-162D75E525B1}"/>
+                </a:ext>
+              </a:extLst>
+            </p:cNvPr>
+            <p:cNvSpPr txBox="1"/>
+            <p:nvPr/>
+          </p:nvSpPr>
+          <p:spPr>
+            <a:xfrm>
+              <a:off x="1422809" y="2242252"/>
+              <a:ext cx="1274878" cy="406978"/>
+            </a:xfrm>
+            <a:prstGeom prst="rect">
+              <a:avLst/>
+            </a:prstGeom>
+            <a:noFill/>
+          </p:spPr>
+          <p:txBody>
+            <a:bodyPr wrap="none" lIns="0" rtlCol="0">
+              <a:spAutoFit/>
+            </a:bodyPr>
+            <a:lstStyle>
+              <a:defPPr>
+                <a:defRPr lang="en-US"/>
+              </a:defPPr>
+              <a:lvl1pPr>
+                <a:defRPr sz="1200"/>
+              </a:lvl1pPr>
+            </a:lstStyle>
+            <a:p>
+              <a:r>
+                <a:rPr lang="en-US" sz="1400" b="1" dirty="0"/>
+                <a:t>Preferred Term (PT)</a:t>
+              </a:r>
+            </a:p>
+            <a:p>
+              <a:r>
+                <a:rPr lang="en-US" dirty="0" err="1">
+                  <a:latin typeface="Courier New" panose="02070309020205020404" pitchFamily="49" charset="0"/>
+                  <a:cs typeface="Courier New" panose="02070309020205020404" pitchFamily="49" charset="0"/>
+                </a:rPr>
+                <a:t>pt.asc</a:t>
+              </a:r>
+              <a:endParaRPr lang="en-US" dirty="0"/>
+            </a:p>
+          </p:txBody>
+        </p:sp>
+        <p:grpSp>
+          <p:nvGrpSpPr>
+            <p:cNvPr id="18" name="Group 17">
+              <a:extLst>
+                <a:ext uri="{FF2B5EF4-FFF2-40B4-BE49-F238E27FC236}">
+                  <a16:creationId xmlns:a16="http://schemas.microsoft.com/office/drawing/2014/main" id="{D03F0554-4A40-412D-BE5A-67E145CF062A}"/>
+                </a:ext>
+              </a:extLst>
+            </p:cNvPr>
+            <p:cNvGrpSpPr/>
+            <p:nvPr/>
+          </p:nvGrpSpPr>
+          <p:grpSpPr>
+            <a:xfrm>
+              <a:off x="1422809" y="2706200"/>
+              <a:ext cx="821182" cy="852578"/>
+              <a:chOff x="416574" y="2696727"/>
+              <a:chExt cx="821182" cy="852578"/>
+            </a:xfrm>
+          </p:grpSpPr>
+          <p:sp>
+            <p:nvSpPr>
+              <p:cNvPr id="19" name="Rectangle 18">
+                <a:extLst>
+                  <a:ext uri="{FF2B5EF4-FFF2-40B4-BE49-F238E27FC236}">
+                    <a16:creationId xmlns:a16="http://schemas.microsoft.com/office/drawing/2014/main" id="{22BA9BE7-E1DB-42C1-B3E1-CA00E9FDFA06}"/>
+                  </a:ext>
+                </a:extLst>
+              </p:cNvPr>
+              <p:cNvSpPr/>
+              <p:nvPr/>
+            </p:nvSpPr>
+            <p:spPr>
+              <a:xfrm>
+                <a:off x="416574" y="3262973"/>
+                <a:ext cx="821182" cy="286332"/>
+              </a:xfrm>
+              <a:prstGeom prst="rect">
+                <a:avLst/>
+              </a:prstGeom>
+              <a:solidFill>
+                <a:schemeClr val="bg1"/>
+              </a:solidFill>
+              <a:ln>
+                <a:solidFill>
+                  <a:schemeClr val="bg1">
+                    <a:lumMod val="65000"/>
+                  </a:schemeClr>
+                </a:solidFill>
+              </a:ln>
+              <a:effectLst/>
+            </p:spPr>
+            <p:style>
+              <a:lnRef idx="1">
+                <a:schemeClr val="accent1"/>
+              </a:lnRef>
+              <a:fillRef idx="3">
+                <a:schemeClr val="accent1"/>
+              </a:fillRef>
+              <a:effectRef idx="2">
+                <a:schemeClr val="accent1"/>
+              </a:effectRef>
+              <a:fontRef idx="minor">
+                <a:schemeClr val="lt1"/>
+              </a:fontRef>
+            </p:style>
+            <p:txBody>
+              <a:bodyPr lIns="9144" rIns="9144" rtlCol="0" anchor="ctr"/>
+              <a:lstStyle/>
+              <a:p>
+                <a:pPr algn="ctr"/>
+                <a:r>
+                  <a:rPr lang="en-US" sz="1100" dirty="0" err="1">
+                    <a:solidFill>
+                      <a:schemeClr val="tx1"/>
+                    </a:solidFill>
+                    <a:latin typeface="Courier New" panose="02070309020205020404" pitchFamily="49" charset="0"/>
+                    <a:cs typeface="Courier New" panose="02070309020205020404" pitchFamily="49" charset="0"/>
+                  </a:rPr>
+                  <a:t>soc_code</a:t>
+                </a:r>
+                <a:endParaRPr lang="en-US" sz="1100" dirty="0">
+                  <a:solidFill>
+                    <a:schemeClr val="tx1"/>
+                  </a:solidFill>
+                  <a:latin typeface="Courier New" panose="02070309020205020404" pitchFamily="49" charset="0"/>
+                  <a:cs typeface="Courier New" panose="02070309020205020404" pitchFamily="49" charset="0"/>
+                </a:endParaRPr>
+              </a:p>
+            </p:txBody>
+          </p:sp>
+          <p:sp>
+            <p:nvSpPr>
+              <p:cNvPr id="20" name="Rectangle 19">
+                <a:extLst>
+                  <a:ext uri="{FF2B5EF4-FFF2-40B4-BE49-F238E27FC236}">
+                    <a16:creationId xmlns:a16="http://schemas.microsoft.com/office/drawing/2014/main" id="{7997FB19-4C0C-4579-B026-4B76E5FADE1B}"/>
+                  </a:ext>
+                </a:extLst>
+              </p:cNvPr>
+              <p:cNvSpPr/>
+              <p:nvPr/>
+            </p:nvSpPr>
+            <p:spPr>
+              <a:xfrm>
+                <a:off x="416574" y="2978379"/>
+                <a:ext cx="821182" cy="286332"/>
+              </a:xfrm>
+              <a:prstGeom prst="rect">
+                <a:avLst/>
+              </a:prstGeom>
+              <a:solidFill>
+                <a:schemeClr val="bg1"/>
+              </a:solidFill>
+              <a:ln>
+                <a:solidFill>
+                  <a:schemeClr val="bg1">
+                    <a:lumMod val="65000"/>
+                  </a:schemeClr>
+                </a:solidFill>
+              </a:ln>
+              <a:effectLst/>
+            </p:spPr>
+            <p:style>
+              <a:lnRef idx="1">
+                <a:schemeClr val="accent1"/>
+              </a:lnRef>
+              <a:fillRef idx="3">
+                <a:schemeClr val="accent1"/>
+              </a:fillRef>
+              <a:effectRef idx="2">
+                <a:schemeClr val="accent1"/>
+              </a:effectRef>
+              <a:fontRef idx="minor">
+                <a:schemeClr val="lt1"/>
+              </a:fontRef>
+            </p:style>
+            <p:txBody>
+              <a:bodyPr lIns="9144" rIns="9144" rtlCol="0" anchor="ctr"/>
+              <a:lstStyle/>
+              <a:p>
+                <a:pPr algn="ctr"/>
+                <a:r>
+                  <a:rPr lang="en-US" sz="1100" dirty="0">
+                    <a:solidFill>
+                      <a:schemeClr val="tx1"/>
+                    </a:solidFill>
+                    <a:latin typeface="Courier New" panose="02070309020205020404" pitchFamily="49" charset="0"/>
+                    <a:cs typeface="Courier New" panose="02070309020205020404" pitchFamily="49" charset="0"/>
+                  </a:rPr>
+                  <a:t>label</a:t>
+                </a:r>
+              </a:p>
+            </p:txBody>
+          </p:sp>
+          <p:sp>
+            <p:nvSpPr>
+              <p:cNvPr id="21" name="Rectangle 20">
+                <a:extLst>
+                  <a:ext uri="{FF2B5EF4-FFF2-40B4-BE49-F238E27FC236}">
+                    <a16:creationId xmlns:a16="http://schemas.microsoft.com/office/drawing/2014/main" id="{89210F12-9C0F-4256-B585-AF76BA0279B6}"/>
+                  </a:ext>
+                </a:extLst>
+              </p:cNvPr>
+              <p:cNvSpPr/>
+              <p:nvPr/>
+            </p:nvSpPr>
+            <p:spPr>
+              <a:xfrm>
+                <a:off x="416574" y="2696727"/>
+                <a:ext cx="821182" cy="286332"/>
+              </a:xfrm>
+              <a:prstGeom prst="rect">
+                <a:avLst/>
+              </a:prstGeom>
+              <a:solidFill>
+                <a:schemeClr val="bg1"/>
+              </a:solidFill>
+              <a:ln>
+                <a:solidFill>
+                  <a:schemeClr val="bg1">
+                    <a:lumMod val="65000"/>
+                  </a:schemeClr>
+                </a:solidFill>
+              </a:ln>
+              <a:effectLst/>
+            </p:spPr>
+            <p:style>
+              <a:lnRef idx="1">
+                <a:schemeClr val="accent1"/>
+              </a:lnRef>
+              <a:fillRef idx="3">
+                <a:schemeClr val="accent1"/>
+              </a:fillRef>
+              <a:effectRef idx="2">
+                <a:schemeClr val="accent1"/>
+              </a:effectRef>
+              <a:fontRef idx="minor">
+                <a:schemeClr val="lt1"/>
+              </a:fontRef>
+            </p:style>
+            <p:txBody>
+              <a:bodyPr lIns="9144" rIns="9144" rtlCol="0" anchor="ctr"/>
+              <a:lstStyle/>
+              <a:p>
+                <a:pPr algn="ctr"/>
+                <a:r>
+                  <a:rPr lang="en-US" sz="1100" dirty="0">
+                    <a:solidFill>
+                      <a:schemeClr val="tx1"/>
+                    </a:solidFill>
+                    <a:latin typeface="Courier New" panose="02070309020205020404" pitchFamily="49" charset="0"/>
+                    <a:cs typeface="Courier New" panose="02070309020205020404" pitchFamily="49" charset="0"/>
+                  </a:rPr>
+                  <a:t>code</a:t>
+                </a:r>
+              </a:p>
+            </p:txBody>
+          </p:sp>
+        </p:grpSp>
+      </p:grpSp>
+      <p:grpSp>
+        <p:nvGrpSpPr>
+          <p:cNvPr id="22" name="Group 21">
+            <a:extLst>
+              <a:ext uri="{FF2B5EF4-FFF2-40B4-BE49-F238E27FC236}">
+                <a16:creationId xmlns:a16="http://schemas.microsoft.com/office/drawing/2014/main" id="{F5C6A5E2-1C5A-4855-B7D6-E746F28CBE8C}"/>
+              </a:ext>
+            </a:extLst>
+          </p:cNvPr>
+          <p:cNvGrpSpPr/>
+          <p:nvPr/>
+        </p:nvGrpSpPr>
+        <p:grpSpPr>
+          <a:xfrm>
+            <a:off x="6444432" y="1759957"/>
+            <a:ext cx="1683346" cy="1240344"/>
+            <a:chOff x="3215883" y="860519"/>
+            <a:chExt cx="1391195" cy="1025077"/>
+          </a:xfrm>
+        </p:grpSpPr>
+        <p:sp>
+          <p:nvSpPr>
+            <p:cNvPr id="23" name="TextBox 22">
+              <a:extLst>
+                <a:ext uri="{FF2B5EF4-FFF2-40B4-BE49-F238E27FC236}">
+                  <a16:creationId xmlns:a16="http://schemas.microsoft.com/office/drawing/2014/main" id="{228278C0-1408-4196-AE03-94F445A2E07D}"/>
+                </a:ext>
+              </a:extLst>
+            </p:cNvPr>
+            <p:cNvSpPr txBox="1"/>
+            <p:nvPr/>
+          </p:nvSpPr>
+          <p:spPr>
+            <a:xfrm>
+              <a:off x="3215883" y="860519"/>
+              <a:ext cx="1391195" cy="406977"/>
+            </a:xfrm>
+            <a:prstGeom prst="rect">
+              <a:avLst/>
+            </a:prstGeom>
+            <a:noFill/>
+          </p:spPr>
+          <p:txBody>
+            <a:bodyPr wrap="none" lIns="0" rtlCol="0">
+              <a:spAutoFit/>
+            </a:bodyPr>
+            <a:lstStyle>
+              <a:defPPr>
+                <a:defRPr lang="en-US"/>
+              </a:defPPr>
+              <a:lvl1pPr>
+                <a:defRPr sz="1200"/>
+              </a:lvl1pPr>
+            </a:lstStyle>
+            <a:p>
+              <a:r>
+                <a:rPr lang="en-US" sz="1400" b="1" dirty="0"/>
+                <a:t>High Level Term (HLT)</a:t>
+              </a:r>
+            </a:p>
+            <a:p>
+              <a:r>
+                <a:rPr lang="en-US" dirty="0" err="1">
+                  <a:latin typeface="Courier New" panose="02070309020205020404" pitchFamily="49" charset="0"/>
+                  <a:cs typeface="Courier New" panose="02070309020205020404" pitchFamily="49" charset="0"/>
+                </a:rPr>
+                <a:t>hlt.asc</a:t>
+              </a:r>
+              <a:endParaRPr lang="en-US" dirty="0"/>
+            </a:p>
+          </p:txBody>
+        </p:sp>
+        <p:grpSp>
+          <p:nvGrpSpPr>
+            <p:cNvPr id="24" name="Group 23">
+              <a:extLst>
+                <a:ext uri="{FF2B5EF4-FFF2-40B4-BE49-F238E27FC236}">
+                  <a16:creationId xmlns:a16="http://schemas.microsoft.com/office/drawing/2014/main" id="{54D082C1-EF4A-4ABA-8F55-3E1E5A506F87}"/>
+                </a:ext>
+              </a:extLst>
+            </p:cNvPr>
+            <p:cNvGrpSpPr/>
+            <p:nvPr/>
+          </p:nvGrpSpPr>
+          <p:grpSpPr>
+            <a:xfrm>
+              <a:off x="3215883" y="1311825"/>
+              <a:ext cx="821182" cy="573771"/>
+              <a:chOff x="4177986" y="1311825"/>
+              <a:chExt cx="821182" cy="573771"/>
+            </a:xfrm>
+          </p:grpSpPr>
+          <p:sp>
+            <p:nvSpPr>
+              <p:cNvPr id="25" name="Rectangle 24">
+                <a:extLst>
+                  <a:ext uri="{FF2B5EF4-FFF2-40B4-BE49-F238E27FC236}">
+                    <a16:creationId xmlns:a16="http://schemas.microsoft.com/office/drawing/2014/main" id="{D0DA84F4-6BC2-483F-A4A6-D4224F2413D8}"/>
+                  </a:ext>
+                </a:extLst>
+              </p:cNvPr>
+              <p:cNvSpPr/>
+              <p:nvPr/>
+            </p:nvSpPr>
+            <p:spPr>
+              <a:xfrm>
+                <a:off x="4177986" y="1599264"/>
+                <a:ext cx="821182" cy="286332"/>
+              </a:xfrm>
+              <a:prstGeom prst="rect">
+                <a:avLst/>
+              </a:prstGeom>
+              <a:solidFill>
+                <a:schemeClr val="bg1"/>
+              </a:solidFill>
+              <a:ln>
+                <a:solidFill>
+                  <a:schemeClr val="bg1">
+                    <a:lumMod val="65000"/>
+                  </a:schemeClr>
+                </a:solidFill>
+              </a:ln>
+              <a:effectLst/>
+            </p:spPr>
+            <p:style>
+              <a:lnRef idx="1">
+                <a:schemeClr val="accent1"/>
+              </a:lnRef>
+              <a:fillRef idx="3">
+                <a:schemeClr val="accent1"/>
+              </a:fillRef>
+              <a:effectRef idx="2">
+                <a:schemeClr val="accent1"/>
+              </a:effectRef>
+              <a:fontRef idx="minor">
+                <a:schemeClr val="lt1"/>
+              </a:fontRef>
+            </p:style>
+            <p:txBody>
+              <a:bodyPr lIns="9144" rIns="9144" rtlCol="0" anchor="ctr"/>
+              <a:lstStyle/>
+              <a:p>
+                <a:pPr algn="ctr"/>
+                <a:r>
+                  <a:rPr lang="en-US" sz="1100" dirty="0">
+                    <a:solidFill>
+                      <a:schemeClr val="tx1"/>
+                    </a:solidFill>
+                    <a:latin typeface="Courier New" panose="02070309020205020404" pitchFamily="49" charset="0"/>
+                    <a:cs typeface="Courier New" panose="02070309020205020404" pitchFamily="49" charset="0"/>
+                  </a:rPr>
+                  <a:t>label</a:t>
+                </a:r>
+              </a:p>
+            </p:txBody>
+          </p:sp>
+          <p:sp>
+            <p:nvSpPr>
+              <p:cNvPr id="26" name="Rectangle 25">
+                <a:extLst>
+                  <a:ext uri="{FF2B5EF4-FFF2-40B4-BE49-F238E27FC236}">
+                    <a16:creationId xmlns:a16="http://schemas.microsoft.com/office/drawing/2014/main" id="{97B21693-ABF1-4D83-A71B-691F722DEA9E}"/>
+                  </a:ext>
+                </a:extLst>
+              </p:cNvPr>
+              <p:cNvSpPr/>
+              <p:nvPr/>
+            </p:nvSpPr>
+            <p:spPr>
+              <a:xfrm>
+                <a:off x="4177986" y="1311825"/>
+                <a:ext cx="821182" cy="286332"/>
+              </a:xfrm>
+              <a:prstGeom prst="rect">
+                <a:avLst/>
+              </a:prstGeom>
+              <a:solidFill>
+                <a:schemeClr val="bg1"/>
+              </a:solidFill>
+              <a:ln>
+                <a:solidFill>
+                  <a:schemeClr val="bg1">
+                    <a:lumMod val="65000"/>
+                  </a:schemeClr>
+                </a:solidFill>
+              </a:ln>
+              <a:effectLst/>
+            </p:spPr>
+            <p:style>
+              <a:lnRef idx="1">
+                <a:schemeClr val="accent1"/>
+              </a:lnRef>
+              <a:fillRef idx="3">
+                <a:schemeClr val="accent1"/>
+              </a:fillRef>
+              <a:effectRef idx="2">
+                <a:schemeClr val="accent1"/>
+              </a:effectRef>
+              <a:fontRef idx="minor">
+                <a:schemeClr val="lt1"/>
+              </a:fontRef>
+            </p:style>
+            <p:txBody>
+              <a:bodyPr lIns="9144" rIns="9144" rtlCol="0" anchor="ctr"/>
+              <a:lstStyle/>
+              <a:p>
+                <a:pPr algn="ctr"/>
+                <a:r>
+                  <a:rPr lang="en-US" sz="1100" dirty="0">
+                    <a:solidFill>
+                      <a:schemeClr val="tx1"/>
+                    </a:solidFill>
+                    <a:latin typeface="Courier New" panose="02070309020205020404" pitchFamily="49" charset="0"/>
+                    <a:cs typeface="Courier New" panose="02070309020205020404" pitchFamily="49" charset="0"/>
+                  </a:rPr>
+                  <a:t>code</a:t>
+                </a:r>
+              </a:p>
+            </p:txBody>
+          </p:sp>
+        </p:grpSp>
+      </p:grpSp>
+      <p:grpSp>
+        <p:nvGrpSpPr>
+          <p:cNvPr id="27" name="Group 26">
+            <a:extLst>
+              <a:ext uri="{FF2B5EF4-FFF2-40B4-BE49-F238E27FC236}">
+                <a16:creationId xmlns:a16="http://schemas.microsoft.com/office/drawing/2014/main" id="{D9A9B546-2190-40A9-B371-010610CBA16D}"/>
+              </a:ext>
+            </a:extLst>
+          </p:cNvPr>
+          <p:cNvGrpSpPr/>
+          <p:nvPr/>
+        </p:nvGrpSpPr>
+        <p:grpSpPr>
+          <a:xfrm>
+            <a:off x="6745132" y="3620841"/>
+            <a:ext cx="1461708" cy="1247124"/>
+            <a:chOff x="3540834" y="2213317"/>
+            <a:chExt cx="1208023" cy="1030681"/>
+          </a:xfrm>
+        </p:grpSpPr>
+        <p:grpSp>
+          <p:nvGrpSpPr>
+            <p:cNvPr id="28" name="Group 27">
+              <a:extLst>
+                <a:ext uri="{FF2B5EF4-FFF2-40B4-BE49-F238E27FC236}">
+                  <a16:creationId xmlns:a16="http://schemas.microsoft.com/office/drawing/2014/main" id="{AB76863F-0D39-4E8C-8FB7-93B12F8B7A04}"/>
+                </a:ext>
+              </a:extLst>
+            </p:cNvPr>
+            <p:cNvGrpSpPr/>
+            <p:nvPr/>
+          </p:nvGrpSpPr>
+          <p:grpSpPr>
+            <a:xfrm>
+              <a:off x="3546621" y="2676014"/>
+              <a:ext cx="821183" cy="567984"/>
+              <a:chOff x="4729309" y="2438362"/>
+              <a:chExt cx="821183" cy="567984"/>
+            </a:xfrm>
+          </p:grpSpPr>
+          <p:sp>
+            <p:nvSpPr>
+              <p:cNvPr id="30" name="Rectangle 29">
+                <a:extLst>
+                  <a:ext uri="{FF2B5EF4-FFF2-40B4-BE49-F238E27FC236}">
+                    <a16:creationId xmlns:a16="http://schemas.microsoft.com/office/drawing/2014/main" id="{CEDDFC5A-BE4C-41F8-AD61-01566906CDFB}"/>
+                  </a:ext>
+                </a:extLst>
+              </p:cNvPr>
+              <p:cNvSpPr/>
+              <p:nvPr/>
+            </p:nvSpPr>
+            <p:spPr>
+              <a:xfrm>
+                <a:off x="4729310" y="2720014"/>
+                <a:ext cx="821182" cy="286332"/>
+              </a:xfrm>
+              <a:prstGeom prst="rect">
+                <a:avLst/>
+              </a:prstGeom>
+              <a:solidFill>
+                <a:schemeClr val="bg1"/>
+              </a:solidFill>
+              <a:ln>
+                <a:solidFill>
+                  <a:schemeClr val="bg1">
+                    <a:lumMod val="65000"/>
+                  </a:schemeClr>
+                </a:solidFill>
+              </a:ln>
+              <a:effectLst/>
+            </p:spPr>
+            <p:style>
+              <a:lnRef idx="1">
+                <a:schemeClr val="accent1"/>
+              </a:lnRef>
+              <a:fillRef idx="3">
+                <a:schemeClr val="accent1"/>
+              </a:fillRef>
+              <a:effectRef idx="2">
+                <a:schemeClr val="accent1"/>
+              </a:effectRef>
+              <a:fontRef idx="minor">
+                <a:schemeClr val="lt1"/>
+              </a:fontRef>
+            </p:style>
+            <p:txBody>
+              <a:bodyPr lIns="9144" rIns="9144" rtlCol="0" anchor="ctr"/>
+              <a:lstStyle/>
+              <a:p>
+                <a:pPr algn="ctr"/>
+                <a:r>
+                  <a:rPr lang="en-US" sz="1100" dirty="0" err="1">
+                    <a:solidFill>
+                      <a:schemeClr val="tx1"/>
+                    </a:solidFill>
+                    <a:latin typeface="Courier New" panose="02070309020205020404" pitchFamily="49" charset="0"/>
+                    <a:cs typeface="Courier New" panose="02070309020205020404" pitchFamily="49" charset="0"/>
+                  </a:rPr>
+                  <a:t>hlt_code</a:t>
+                </a:r>
+                <a:endParaRPr lang="en-US" sz="1100" dirty="0">
+                  <a:solidFill>
+                    <a:schemeClr val="tx1"/>
+                  </a:solidFill>
+                  <a:latin typeface="Courier New" panose="02070309020205020404" pitchFamily="49" charset="0"/>
+                  <a:cs typeface="Courier New" panose="02070309020205020404" pitchFamily="49" charset="0"/>
+                </a:endParaRPr>
+              </a:p>
+            </p:txBody>
+          </p:sp>
+          <p:sp>
+            <p:nvSpPr>
+              <p:cNvPr id="31" name="Rectangle 30">
+                <a:extLst>
+                  <a:ext uri="{FF2B5EF4-FFF2-40B4-BE49-F238E27FC236}">
+                    <a16:creationId xmlns:a16="http://schemas.microsoft.com/office/drawing/2014/main" id="{D9972C14-1B27-4220-8D88-DB0254C11D98}"/>
+                  </a:ext>
+                </a:extLst>
+              </p:cNvPr>
+              <p:cNvSpPr/>
+              <p:nvPr/>
+            </p:nvSpPr>
+            <p:spPr>
+              <a:xfrm>
+                <a:off x="4729309" y="2438362"/>
+                <a:ext cx="821182" cy="286332"/>
+              </a:xfrm>
+              <a:prstGeom prst="rect">
+                <a:avLst/>
+              </a:prstGeom>
+              <a:solidFill>
+                <a:schemeClr val="bg1"/>
+              </a:solidFill>
+              <a:ln>
+                <a:solidFill>
+                  <a:schemeClr val="bg1">
+                    <a:lumMod val="65000"/>
+                  </a:schemeClr>
+                </a:solidFill>
+              </a:ln>
+              <a:effectLst/>
+            </p:spPr>
+            <p:style>
+              <a:lnRef idx="1">
+                <a:schemeClr val="accent1"/>
+              </a:lnRef>
+              <a:fillRef idx="3">
+                <a:schemeClr val="accent1"/>
+              </a:fillRef>
+              <a:effectRef idx="2">
+                <a:schemeClr val="accent1"/>
+              </a:effectRef>
+              <a:fontRef idx="minor">
+                <a:schemeClr val="lt1"/>
+              </a:fontRef>
+            </p:style>
+            <p:txBody>
+              <a:bodyPr lIns="9144" rIns="9144" rtlCol="0" anchor="ctr"/>
+              <a:lstStyle/>
+              <a:p>
+                <a:pPr algn="ctr"/>
+                <a:r>
+                  <a:rPr lang="en-US" sz="1100" dirty="0" err="1">
+                    <a:solidFill>
+                      <a:schemeClr val="tx1"/>
+                    </a:solidFill>
+                    <a:latin typeface="Courier New" panose="02070309020205020404" pitchFamily="49" charset="0"/>
+                    <a:cs typeface="Courier New" panose="02070309020205020404" pitchFamily="49" charset="0"/>
+                  </a:rPr>
+                  <a:t>hlgt_code</a:t>
+                </a:r>
+                <a:endParaRPr lang="en-US" sz="1100" dirty="0">
+                  <a:solidFill>
+                    <a:schemeClr val="tx1"/>
+                  </a:solidFill>
+                  <a:latin typeface="Courier New" panose="02070309020205020404" pitchFamily="49" charset="0"/>
+                  <a:cs typeface="Courier New" panose="02070309020205020404" pitchFamily="49" charset="0"/>
+                </a:endParaRPr>
+              </a:p>
+            </p:txBody>
+          </p:sp>
+        </p:grpSp>
+        <p:sp>
+          <p:nvSpPr>
+            <p:cNvPr id="29" name="TextBox 28">
+              <a:extLst>
+                <a:ext uri="{FF2B5EF4-FFF2-40B4-BE49-F238E27FC236}">
+                  <a16:creationId xmlns:a16="http://schemas.microsoft.com/office/drawing/2014/main" id="{D1932F95-93D0-4841-B31D-1970208F0BFF}"/>
+                </a:ext>
+              </a:extLst>
+            </p:cNvPr>
+            <p:cNvSpPr txBox="1"/>
+            <p:nvPr/>
+          </p:nvSpPr>
+          <p:spPr>
+            <a:xfrm>
+              <a:off x="3540834" y="2213317"/>
+              <a:ext cx="1208023" cy="461665"/>
+            </a:xfrm>
+            <a:prstGeom prst="rect">
+              <a:avLst/>
+            </a:prstGeom>
+            <a:noFill/>
+          </p:spPr>
+          <p:txBody>
+            <a:bodyPr wrap="none" lIns="0" rtlCol="0">
+              <a:spAutoFit/>
+            </a:bodyPr>
+            <a:lstStyle>
+              <a:defPPr>
+                <a:defRPr lang="en-US"/>
+              </a:defPPr>
+              <a:lvl1pPr>
+                <a:defRPr sz="1200"/>
+              </a:lvl1pPr>
+            </a:lstStyle>
+            <a:p>
+              <a:r>
+                <a:rPr lang="en-US" dirty="0">
+                  <a:solidFill>
+                    <a:schemeClr val="accent5">
+                      <a:lumMod val="50000"/>
+                    </a:schemeClr>
+                  </a:solidFill>
+                </a:rPr>
+                <a:t>Key table</a:t>
+              </a:r>
+            </a:p>
+            <a:p>
+              <a:r>
+                <a:rPr lang="en-US" dirty="0" err="1">
+                  <a:latin typeface="Courier New" panose="02070309020205020404" pitchFamily="49" charset="0"/>
+                  <a:cs typeface="Courier New" panose="02070309020205020404" pitchFamily="49" charset="0"/>
+                </a:rPr>
+                <a:t>hlgt_hlt.asc</a:t>
+              </a:r>
+              <a:endParaRPr lang="en-US" dirty="0"/>
+            </a:p>
+          </p:txBody>
+        </p:sp>
+      </p:grpSp>
+      <p:grpSp>
+        <p:nvGrpSpPr>
+          <p:cNvPr id="32" name="Group 31">
+            <a:extLst>
+              <a:ext uri="{FF2B5EF4-FFF2-40B4-BE49-F238E27FC236}">
+                <a16:creationId xmlns:a16="http://schemas.microsoft.com/office/drawing/2014/main" id="{A404719E-203B-4926-94E6-2AB5E39DA8DF}"/>
+              </a:ext>
+            </a:extLst>
+          </p:cNvPr>
+          <p:cNvGrpSpPr/>
+          <p:nvPr/>
+        </p:nvGrpSpPr>
+        <p:grpSpPr>
+          <a:xfrm>
+            <a:off x="5079080" y="3620575"/>
+            <a:ext cx="1236711" cy="1250201"/>
+            <a:chOff x="1906874" y="827012"/>
+            <a:chExt cx="1022075" cy="1033224"/>
+          </a:xfrm>
+        </p:grpSpPr>
+        <p:sp>
+          <p:nvSpPr>
+            <p:cNvPr id="33" name="TextBox 32">
+              <a:extLst>
+                <a:ext uri="{FF2B5EF4-FFF2-40B4-BE49-F238E27FC236}">
+                  <a16:creationId xmlns:a16="http://schemas.microsoft.com/office/drawing/2014/main" id="{FD4DFAD1-A48B-4B2D-9CB2-B8F7314D4168}"/>
+                </a:ext>
+              </a:extLst>
+            </p:cNvPr>
+            <p:cNvSpPr txBox="1"/>
+            <p:nvPr/>
+          </p:nvSpPr>
+          <p:spPr>
+            <a:xfrm>
+              <a:off x="1906874" y="827012"/>
+              <a:ext cx="1022075" cy="461665"/>
+            </a:xfrm>
+            <a:prstGeom prst="rect">
+              <a:avLst/>
+            </a:prstGeom>
+            <a:noFill/>
+          </p:spPr>
+          <p:txBody>
+            <a:bodyPr wrap="none" lIns="0" rtlCol="0">
+              <a:spAutoFit/>
+            </a:bodyPr>
+            <a:lstStyle>
+              <a:defPPr>
+                <a:defRPr lang="en-US"/>
+              </a:defPPr>
+              <a:lvl1pPr>
+                <a:defRPr sz="1200"/>
+              </a:lvl1pPr>
+            </a:lstStyle>
+            <a:p>
+              <a:r>
+                <a:rPr lang="en-US" dirty="0">
+                  <a:solidFill>
+                    <a:schemeClr val="accent5">
+                      <a:lumMod val="50000"/>
+                    </a:schemeClr>
+                  </a:solidFill>
+                </a:rPr>
+                <a:t>Key table</a:t>
+              </a:r>
+            </a:p>
+            <a:p>
+              <a:r>
+                <a:rPr lang="en-US" dirty="0" err="1">
+                  <a:latin typeface="Courier New" panose="02070309020205020404" pitchFamily="49" charset="0"/>
+                  <a:cs typeface="Courier New" panose="02070309020205020404" pitchFamily="49" charset="0"/>
+                </a:rPr>
+                <a:t>hlt_pt.asc</a:t>
+              </a:r>
+              <a:endParaRPr lang="en-US" dirty="0"/>
+            </a:p>
+          </p:txBody>
+        </p:sp>
+        <p:grpSp>
+          <p:nvGrpSpPr>
+            <p:cNvPr id="34" name="Group 33">
+              <a:extLst>
+                <a:ext uri="{FF2B5EF4-FFF2-40B4-BE49-F238E27FC236}">
+                  <a16:creationId xmlns:a16="http://schemas.microsoft.com/office/drawing/2014/main" id="{8DC5CB81-6F31-4978-9735-CE32367EB25A}"/>
+                </a:ext>
+              </a:extLst>
+            </p:cNvPr>
+            <p:cNvGrpSpPr/>
+            <p:nvPr/>
+          </p:nvGrpSpPr>
+          <p:grpSpPr>
+            <a:xfrm>
+              <a:off x="1906874" y="1292252"/>
+              <a:ext cx="821182" cy="567984"/>
+              <a:chOff x="4723522" y="2438362"/>
+              <a:chExt cx="821182" cy="567984"/>
+            </a:xfrm>
+          </p:grpSpPr>
+          <p:sp>
+            <p:nvSpPr>
+              <p:cNvPr id="35" name="Rectangle 34">
+                <a:extLst>
+                  <a:ext uri="{FF2B5EF4-FFF2-40B4-BE49-F238E27FC236}">
+                    <a16:creationId xmlns:a16="http://schemas.microsoft.com/office/drawing/2014/main" id="{16D8DF3E-011E-4966-BFFB-7CA35AE83384}"/>
+                  </a:ext>
+                </a:extLst>
+              </p:cNvPr>
+              <p:cNvSpPr/>
+              <p:nvPr/>
+            </p:nvSpPr>
+            <p:spPr>
+              <a:xfrm>
+                <a:off x="4723522" y="2720014"/>
+                <a:ext cx="821182" cy="286332"/>
+              </a:xfrm>
+              <a:prstGeom prst="rect">
+                <a:avLst/>
+              </a:prstGeom>
+              <a:solidFill>
+                <a:schemeClr val="bg1"/>
+              </a:solidFill>
+              <a:ln>
+                <a:solidFill>
+                  <a:schemeClr val="bg1">
+                    <a:lumMod val="65000"/>
+                  </a:schemeClr>
+                </a:solidFill>
+              </a:ln>
+              <a:effectLst/>
+            </p:spPr>
+            <p:style>
+              <a:lnRef idx="1">
+                <a:schemeClr val="accent1"/>
+              </a:lnRef>
+              <a:fillRef idx="3">
+                <a:schemeClr val="accent1"/>
+              </a:fillRef>
+              <a:effectRef idx="2">
+                <a:schemeClr val="accent1"/>
+              </a:effectRef>
+              <a:fontRef idx="minor">
+                <a:schemeClr val="lt1"/>
+              </a:fontRef>
+            </p:style>
+            <p:txBody>
+              <a:bodyPr lIns="9144" rIns="9144" rtlCol="0" anchor="ctr"/>
+              <a:lstStyle/>
+              <a:p>
+                <a:pPr algn="ctr"/>
+                <a:r>
+                  <a:rPr lang="en-US" sz="1100" dirty="0" err="1">
+                    <a:solidFill>
+                      <a:schemeClr val="tx1"/>
+                    </a:solidFill>
+                    <a:latin typeface="Courier New" panose="02070309020205020404" pitchFamily="49" charset="0"/>
+                    <a:cs typeface="Courier New" panose="02070309020205020404" pitchFamily="49" charset="0"/>
+                  </a:rPr>
+                  <a:t>pt_code</a:t>
+                </a:r>
+                <a:endParaRPr lang="en-US" sz="1100" dirty="0">
+                  <a:solidFill>
+                    <a:schemeClr val="tx1"/>
+                  </a:solidFill>
+                  <a:latin typeface="Courier New" panose="02070309020205020404" pitchFamily="49" charset="0"/>
+                  <a:cs typeface="Courier New" panose="02070309020205020404" pitchFamily="49" charset="0"/>
+                </a:endParaRPr>
+              </a:p>
+            </p:txBody>
+          </p:sp>
+          <p:sp>
+            <p:nvSpPr>
+              <p:cNvPr id="36" name="Rectangle 35">
+                <a:extLst>
+                  <a:ext uri="{FF2B5EF4-FFF2-40B4-BE49-F238E27FC236}">
+                    <a16:creationId xmlns:a16="http://schemas.microsoft.com/office/drawing/2014/main" id="{A9F27D5D-9A40-4456-BDF9-6138DC46D02E}"/>
+                  </a:ext>
+                </a:extLst>
+              </p:cNvPr>
+              <p:cNvSpPr/>
+              <p:nvPr/>
+            </p:nvSpPr>
+            <p:spPr>
+              <a:xfrm>
+                <a:off x="4723522" y="2438362"/>
+                <a:ext cx="821182" cy="286332"/>
+              </a:xfrm>
+              <a:prstGeom prst="rect">
+                <a:avLst/>
+              </a:prstGeom>
+              <a:solidFill>
+                <a:schemeClr val="bg1"/>
+              </a:solidFill>
+              <a:ln>
+                <a:solidFill>
+                  <a:schemeClr val="bg1">
+                    <a:lumMod val="65000"/>
+                  </a:schemeClr>
+                </a:solidFill>
+              </a:ln>
+              <a:effectLst/>
+            </p:spPr>
+            <p:style>
+              <a:lnRef idx="1">
+                <a:schemeClr val="accent1"/>
+              </a:lnRef>
+              <a:fillRef idx="3">
+                <a:schemeClr val="accent1"/>
+              </a:fillRef>
+              <a:effectRef idx="2">
+                <a:schemeClr val="accent1"/>
+              </a:effectRef>
+              <a:fontRef idx="minor">
+                <a:schemeClr val="lt1"/>
+              </a:fontRef>
+            </p:style>
+            <p:txBody>
+              <a:bodyPr lIns="9144" rIns="9144" rtlCol="0" anchor="ctr"/>
+              <a:lstStyle/>
+              <a:p>
+                <a:pPr algn="ctr"/>
+                <a:r>
+                  <a:rPr lang="en-US" sz="1100" dirty="0" err="1">
+                    <a:solidFill>
+                      <a:schemeClr val="tx1"/>
+                    </a:solidFill>
+                    <a:latin typeface="Courier New" panose="02070309020205020404" pitchFamily="49" charset="0"/>
+                    <a:cs typeface="Courier New" panose="02070309020205020404" pitchFamily="49" charset="0"/>
+                  </a:rPr>
+                  <a:t>hlt_code</a:t>
+                </a:r>
+                <a:endParaRPr lang="en-US" sz="1100" dirty="0">
+                  <a:solidFill>
+                    <a:schemeClr val="tx1"/>
+                  </a:solidFill>
+                  <a:latin typeface="Courier New" panose="02070309020205020404" pitchFamily="49" charset="0"/>
+                  <a:cs typeface="Courier New" panose="02070309020205020404" pitchFamily="49" charset="0"/>
+                </a:endParaRPr>
+              </a:p>
+            </p:txBody>
+          </p:sp>
+        </p:grpSp>
+      </p:grpSp>
+      <p:grpSp>
+        <p:nvGrpSpPr>
+          <p:cNvPr id="37" name="Group 36">
+            <a:extLst>
+              <a:ext uri="{FF2B5EF4-FFF2-40B4-BE49-F238E27FC236}">
+                <a16:creationId xmlns:a16="http://schemas.microsoft.com/office/drawing/2014/main" id="{97180B9A-79AD-4F4D-8175-8E8423427A0F}"/>
+              </a:ext>
+            </a:extLst>
+          </p:cNvPr>
+          <p:cNvGrpSpPr/>
+          <p:nvPr/>
+        </p:nvGrpSpPr>
+        <p:grpSpPr>
+          <a:xfrm>
+            <a:off x="8330124" y="1540914"/>
+            <a:ext cx="1508105" cy="1477495"/>
+            <a:chOff x="5664102" y="453819"/>
+            <a:chExt cx="1246368" cy="1221070"/>
+          </a:xfrm>
+        </p:grpSpPr>
+        <p:sp>
+          <p:nvSpPr>
+            <p:cNvPr id="38" name="TextBox 37">
+              <a:extLst>
+                <a:ext uri="{FF2B5EF4-FFF2-40B4-BE49-F238E27FC236}">
+                  <a16:creationId xmlns:a16="http://schemas.microsoft.com/office/drawing/2014/main" id="{B0D40249-0DC2-47B0-923C-B4343B7056F2}"/>
+                </a:ext>
+              </a:extLst>
+            </p:cNvPr>
+            <p:cNvSpPr txBox="1"/>
+            <p:nvPr/>
+          </p:nvSpPr>
+          <p:spPr>
+            <a:xfrm>
+              <a:off x="5664102" y="453819"/>
+              <a:ext cx="1246368" cy="585030"/>
+            </a:xfrm>
+            <a:prstGeom prst="rect">
+              <a:avLst/>
+            </a:prstGeom>
+            <a:noFill/>
+          </p:spPr>
+          <p:txBody>
+            <a:bodyPr wrap="none" lIns="0" rtlCol="0">
+              <a:spAutoFit/>
+            </a:bodyPr>
+            <a:lstStyle>
+              <a:defPPr>
+                <a:defRPr lang="en-US"/>
+              </a:defPPr>
+              <a:lvl1pPr>
+                <a:defRPr sz="1200"/>
+              </a:lvl1pPr>
+            </a:lstStyle>
+            <a:p>
+              <a:r>
+                <a:rPr lang="en-US" sz="1400" b="1" dirty="0"/>
+                <a:t>High Level </a:t>
+              </a:r>
+            </a:p>
+            <a:p>
+              <a:r>
+                <a:rPr lang="en-US" sz="1400" b="1" dirty="0"/>
+                <a:t>Group Term (HLGT)</a:t>
+              </a:r>
+            </a:p>
+            <a:p>
+              <a:r>
+                <a:rPr lang="en-US" dirty="0" err="1">
+                  <a:latin typeface="Courier New" panose="02070309020205020404" pitchFamily="49" charset="0"/>
+                  <a:cs typeface="Courier New" panose="02070309020205020404" pitchFamily="49" charset="0"/>
+                </a:rPr>
+                <a:t>hlgt.asc</a:t>
+              </a:r>
+              <a:endParaRPr lang="en-US" dirty="0">
+                <a:latin typeface="Courier New" panose="02070309020205020404" pitchFamily="49" charset="0"/>
+                <a:cs typeface="Courier New" panose="02070309020205020404" pitchFamily="49" charset="0"/>
+              </a:endParaRPr>
+            </a:p>
+          </p:txBody>
+        </p:sp>
+        <p:grpSp>
+          <p:nvGrpSpPr>
+            <p:cNvPr id="39" name="Group 38">
+              <a:extLst>
+                <a:ext uri="{FF2B5EF4-FFF2-40B4-BE49-F238E27FC236}">
+                  <a16:creationId xmlns:a16="http://schemas.microsoft.com/office/drawing/2014/main" id="{618E0BB2-2869-4E00-A6C1-C7FF173A6BC6}"/>
+                </a:ext>
+              </a:extLst>
+            </p:cNvPr>
+            <p:cNvGrpSpPr/>
+            <p:nvPr/>
+          </p:nvGrpSpPr>
+          <p:grpSpPr>
+            <a:xfrm>
+              <a:off x="5671684" y="1101118"/>
+              <a:ext cx="821182" cy="573771"/>
+              <a:chOff x="4177986" y="1311825"/>
+              <a:chExt cx="821182" cy="573771"/>
+            </a:xfrm>
+          </p:grpSpPr>
+          <p:sp>
+            <p:nvSpPr>
+              <p:cNvPr id="40" name="Rectangle 39">
+                <a:extLst>
+                  <a:ext uri="{FF2B5EF4-FFF2-40B4-BE49-F238E27FC236}">
+                    <a16:creationId xmlns:a16="http://schemas.microsoft.com/office/drawing/2014/main" id="{2D84A19A-BE86-4FDE-A8E5-F2F935012DFB}"/>
+                  </a:ext>
+                </a:extLst>
+              </p:cNvPr>
+              <p:cNvSpPr/>
+              <p:nvPr/>
+            </p:nvSpPr>
+            <p:spPr>
+              <a:xfrm>
+                <a:off x="4177986" y="1599264"/>
+                <a:ext cx="821182" cy="286332"/>
+              </a:xfrm>
+              <a:prstGeom prst="rect">
+                <a:avLst/>
+              </a:prstGeom>
+              <a:solidFill>
+                <a:schemeClr val="bg1"/>
+              </a:solidFill>
+              <a:ln>
+                <a:solidFill>
+                  <a:schemeClr val="bg1">
+                    <a:lumMod val="65000"/>
+                  </a:schemeClr>
+                </a:solidFill>
+              </a:ln>
+              <a:effectLst/>
+            </p:spPr>
+            <p:style>
+              <a:lnRef idx="1">
+                <a:schemeClr val="accent1"/>
+              </a:lnRef>
+              <a:fillRef idx="3">
+                <a:schemeClr val="accent1"/>
+              </a:fillRef>
+              <a:effectRef idx="2">
+                <a:schemeClr val="accent1"/>
+              </a:effectRef>
+              <a:fontRef idx="minor">
+                <a:schemeClr val="lt1"/>
+              </a:fontRef>
+            </p:style>
+            <p:txBody>
+              <a:bodyPr lIns="9144" rIns="9144" rtlCol="0" anchor="ctr"/>
+              <a:lstStyle/>
+              <a:p>
+                <a:pPr algn="ctr"/>
+                <a:r>
+                  <a:rPr lang="en-US" sz="1100" dirty="0">
+                    <a:solidFill>
+                      <a:schemeClr val="tx1"/>
+                    </a:solidFill>
+                    <a:latin typeface="Courier New" panose="02070309020205020404" pitchFamily="49" charset="0"/>
+                    <a:cs typeface="Courier New" panose="02070309020205020404" pitchFamily="49" charset="0"/>
+                  </a:rPr>
+                  <a:t>label</a:t>
+                </a:r>
+              </a:p>
+            </p:txBody>
+          </p:sp>
+          <p:sp>
+            <p:nvSpPr>
+              <p:cNvPr id="41" name="Rectangle 40">
+                <a:extLst>
+                  <a:ext uri="{FF2B5EF4-FFF2-40B4-BE49-F238E27FC236}">
+                    <a16:creationId xmlns:a16="http://schemas.microsoft.com/office/drawing/2014/main" id="{DF7B70BB-5122-402A-A2A7-C08494C867C6}"/>
+                  </a:ext>
+                </a:extLst>
+              </p:cNvPr>
+              <p:cNvSpPr/>
+              <p:nvPr/>
+            </p:nvSpPr>
+            <p:spPr>
+              <a:xfrm>
+                <a:off x="4177986" y="1311825"/>
+                <a:ext cx="821182" cy="286332"/>
+              </a:xfrm>
+              <a:prstGeom prst="rect">
+                <a:avLst/>
+              </a:prstGeom>
+              <a:solidFill>
+                <a:schemeClr val="bg1"/>
+              </a:solidFill>
+              <a:ln>
+                <a:solidFill>
+                  <a:schemeClr val="bg1">
+                    <a:lumMod val="65000"/>
+                  </a:schemeClr>
+                </a:solidFill>
+              </a:ln>
+              <a:effectLst/>
+            </p:spPr>
+            <p:style>
+              <a:lnRef idx="1">
+                <a:schemeClr val="accent1"/>
+              </a:lnRef>
+              <a:fillRef idx="3">
+                <a:schemeClr val="accent1"/>
+              </a:fillRef>
+              <a:effectRef idx="2">
+                <a:schemeClr val="accent1"/>
+              </a:effectRef>
+              <a:fontRef idx="minor">
+                <a:schemeClr val="lt1"/>
+              </a:fontRef>
+            </p:style>
+            <p:txBody>
+              <a:bodyPr lIns="9144" rIns="9144" rtlCol="0" anchor="ctr"/>
+              <a:lstStyle/>
+              <a:p>
+                <a:pPr algn="ctr"/>
+                <a:r>
+                  <a:rPr lang="en-US" sz="1100" dirty="0">
+                    <a:solidFill>
+                      <a:schemeClr val="tx1"/>
+                    </a:solidFill>
+                    <a:latin typeface="Courier New" panose="02070309020205020404" pitchFamily="49" charset="0"/>
+                    <a:cs typeface="Courier New" panose="02070309020205020404" pitchFamily="49" charset="0"/>
+                  </a:rPr>
+                  <a:t>code</a:t>
+                </a:r>
+              </a:p>
+            </p:txBody>
+          </p:sp>
+        </p:grpSp>
+      </p:grpSp>
+      <p:grpSp>
+        <p:nvGrpSpPr>
+          <p:cNvPr id="42" name="Group 41">
+            <a:extLst>
+              <a:ext uri="{FF2B5EF4-FFF2-40B4-BE49-F238E27FC236}">
+                <a16:creationId xmlns:a16="http://schemas.microsoft.com/office/drawing/2014/main" id="{317EA1EE-25FE-4B7E-914B-666DA155DD77}"/>
+              </a:ext>
+            </a:extLst>
+          </p:cNvPr>
+          <p:cNvGrpSpPr/>
+          <p:nvPr/>
+        </p:nvGrpSpPr>
+        <p:grpSpPr>
+          <a:xfrm>
+            <a:off x="8532417" y="3620234"/>
+            <a:ext cx="1461708" cy="1254127"/>
+            <a:chOff x="5053259" y="2199842"/>
+            <a:chExt cx="1208023" cy="1036468"/>
+          </a:xfrm>
+        </p:grpSpPr>
+        <p:grpSp>
+          <p:nvGrpSpPr>
+            <p:cNvPr id="43" name="Group 42">
+              <a:extLst>
+                <a:ext uri="{FF2B5EF4-FFF2-40B4-BE49-F238E27FC236}">
+                  <a16:creationId xmlns:a16="http://schemas.microsoft.com/office/drawing/2014/main" id="{A9CCD9A0-AF07-4C92-BA53-2B8FDBDE1FEF}"/>
+                </a:ext>
+              </a:extLst>
+            </p:cNvPr>
+            <p:cNvGrpSpPr/>
+            <p:nvPr/>
+          </p:nvGrpSpPr>
+          <p:grpSpPr>
+            <a:xfrm>
+              <a:off x="5053259" y="2668326"/>
+              <a:ext cx="821182" cy="567984"/>
+              <a:chOff x="4723522" y="2438362"/>
+              <a:chExt cx="821182" cy="567984"/>
+            </a:xfrm>
+          </p:grpSpPr>
+          <p:sp>
+            <p:nvSpPr>
+              <p:cNvPr id="45" name="Rectangle 44">
+                <a:extLst>
+                  <a:ext uri="{FF2B5EF4-FFF2-40B4-BE49-F238E27FC236}">
+                    <a16:creationId xmlns:a16="http://schemas.microsoft.com/office/drawing/2014/main" id="{94AD65B9-F169-4F45-8DD6-1A1A342FF6A4}"/>
+                  </a:ext>
+                </a:extLst>
+              </p:cNvPr>
+              <p:cNvSpPr/>
+              <p:nvPr/>
+            </p:nvSpPr>
+            <p:spPr>
+              <a:xfrm>
+                <a:off x="4723522" y="2720014"/>
+                <a:ext cx="821182" cy="286332"/>
+              </a:xfrm>
+              <a:prstGeom prst="rect">
+                <a:avLst/>
+              </a:prstGeom>
+              <a:solidFill>
+                <a:schemeClr val="bg1"/>
+              </a:solidFill>
+              <a:ln>
+                <a:solidFill>
+                  <a:schemeClr val="bg1">
+                    <a:lumMod val="65000"/>
+                  </a:schemeClr>
+                </a:solidFill>
+              </a:ln>
+              <a:effectLst/>
+            </p:spPr>
+            <p:style>
+              <a:lnRef idx="1">
+                <a:schemeClr val="accent1"/>
+              </a:lnRef>
+              <a:fillRef idx="3">
+                <a:schemeClr val="accent1"/>
+              </a:fillRef>
+              <a:effectRef idx="2">
+                <a:schemeClr val="accent1"/>
+              </a:effectRef>
+              <a:fontRef idx="minor">
+                <a:schemeClr val="lt1"/>
+              </a:fontRef>
+            </p:style>
+            <p:txBody>
+              <a:bodyPr lIns="9144" rIns="9144" rtlCol="0" anchor="ctr"/>
+              <a:lstStyle/>
+              <a:p>
+                <a:pPr algn="ctr"/>
+                <a:r>
+                  <a:rPr lang="en-US" sz="1100" dirty="0" err="1">
+                    <a:solidFill>
+                      <a:schemeClr val="tx1"/>
+                    </a:solidFill>
+                    <a:latin typeface="Courier New" panose="02070309020205020404" pitchFamily="49" charset="0"/>
+                    <a:cs typeface="Courier New" panose="02070309020205020404" pitchFamily="49" charset="0"/>
+                  </a:rPr>
+                  <a:t>hlgt_code</a:t>
+                </a:r>
+                <a:endParaRPr lang="en-US" sz="1100" dirty="0">
+                  <a:solidFill>
+                    <a:schemeClr val="tx1"/>
+                  </a:solidFill>
+                  <a:latin typeface="Courier New" panose="02070309020205020404" pitchFamily="49" charset="0"/>
+                  <a:cs typeface="Courier New" panose="02070309020205020404" pitchFamily="49" charset="0"/>
+                </a:endParaRPr>
+              </a:p>
+            </p:txBody>
+          </p:sp>
+          <p:sp>
+            <p:nvSpPr>
+              <p:cNvPr id="46" name="Rectangle 45">
+                <a:extLst>
+                  <a:ext uri="{FF2B5EF4-FFF2-40B4-BE49-F238E27FC236}">
+                    <a16:creationId xmlns:a16="http://schemas.microsoft.com/office/drawing/2014/main" id="{641082E0-7929-43FE-8F1C-46156B1D20F8}"/>
+                  </a:ext>
+                </a:extLst>
+              </p:cNvPr>
+              <p:cNvSpPr/>
+              <p:nvPr/>
+            </p:nvSpPr>
+            <p:spPr>
+              <a:xfrm>
+                <a:off x="4723522" y="2438362"/>
+                <a:ext cx="821182" cy="286332"/>
+              </a:xfrm>
+              <a:prstGeom prst="rect">
+                <a:avLst/>
+              </a:prstGeom>
+              <a:solidFill>
+                <a:schemeClr val="bg1"/>
+              </a:solidFill>
+              <a:ln>
+                <a:solidFill>
+                  <a:schemeClr val="bg1">
+                    <a:lumMod val="65000"/>
+                  </a:schemeClr>
+                </a:solidFill>
+              </a:ln>
+              <a:effectLst/>
+            </p:spPr>
+            <p:style>
+              <a:lnRef idx="1">
+                <a:schemeClr val="accent1"/>
+              </a:lnRef>
+              <a:fillRef idx="3">
+                <a:schemeClr val="accent1"/>
+              </a:fillRef>
+              <a:effectRef idx="2">
+                <a:schemeClr val="accent1"/>
+              </a:effectRef>
+              <a:fontRef idx="minor">
+                <a:schemeClr val="lt1"/>
+              </a:fontRef>
+            </p:style>
+            <p:txBody>
+              <a:bodyPr lIns="9144" rIns="9144" rtlCol="0" anchor="ctr"/>
+              <a:lstStyle/>
+              <a:p>
+                <a:pPr algn="ctr"/>
+                <a:r>
+                  <a:rPr lang="en-US" sz="1100" dirty="0" err="1">
+                    <a:solidFill>
+                      <a:schemeClr val="tx1"/>
+                    </a:solidFill>
+                    <a:latin typeface="Courier New" panose="02070309020205020404" pitchFamily="49" charset="0"/>
+                    <a:cs typeface="Courier New" panose="02070309020205020404" pitchFamily="49" charset="0"/>
+                  </a:rPr>
+                  <a:t>soc_code</a:t>
+                </a:r>
+                <a:endParaRPr lang="en-US" sz="1100" dirty="0">
+                  <a:solidFill>
+                    <a:schemeClr val="tx1"/>
+                  </a:solidFill>
+                  <a:latin typeface="Courier New" panose="02070309020205020404" pitchFamily="49" charset="0"/>
+                  <a:cs typeface="Courier New" panose="02070309020205020404" pitchFamily="49" charset="0"/>
+                </a:endParaRPr>
+              </a:p>
+            </p:txBody>
+          </p:sp>
+        </p:grpSp>
+        <p:sp>
+          <p:nvSpPr>
+            <p:cNvPr id="44" name="TextBox 43">
+              <a:extLst>
+                <a:ext uri="{FF2B5EF4-FFF2-40B4-BE49-F238E27FC236}">
+                  <a16:creationId xmlns:a16="http://schemas.microsoft.com/office/drawing/2014/main" id="{A8B00EC7-9135-4FC3-907D-86A89F161D3C}"/>
+                </a:ext>
+              </a:extLst>
+            </p:cNvPr>
+            <p:cNvSpPr txBox="1"/>
+            <p:nvPr/>
+          </p:nvSpPr>
+          <p:spPr>
+            <a:xfrm>
+              <a:off x="5053259" y="2199842"/>
+              <a:ext cx="1208023" cy="461665"/>
+            </a:xfrm>
+            <a:prstGeom prst="rect">
+              <a:avLst/>
+            </a:prstGeom>
+            <a:noFill/>
+          </p:spPr>
+          <p:txBody>
+            <a:bodyPr wrap="none" lIns="0" rtlCol="0">
+              <a:spAutoFit/>
+            </a:bodyPr>
+            <a:lstStyle>
+              <a:defPPr>
+                <a:defRPr lang="en-US"/>
+              </a:defPPr>
+              <a:lvl1pPr>
+                <a:defRPr sz="1200"/>
+              </a:lvl1pPr>
+            </a:lstStyle>
+            <a:p>
+              <a:r>
+                <a:rPr lang="en-US" dirty="0">
+                  <a:solidFill>
+                    <a:schemeClr val="accent5">
+                      <a:lumMod val="50000"/>
+                    </a:schemeClr>
+                  </a:solidFill>
+                </a:rPr>
+                <a:t>Key table</a:t>
+              </a:r>
+            </a:p>
+            <a:p>
+              <a:r>
+                <a:rPr lang="en-US" dirty="0" err="1">
+                  <a:latin typeface="Courier New" panose="02070309020205020404" pitchFamily="49" charset="0"/>
+                  <a:cs typeface="Courier New" panose="02070309020205020404" pitchFamily="49" charset="0"/>
+                </a:rPr>
+                <a:t>soc_hlgt.asc</a:t>
+              </a:r>
+              <a:endParaRPr lang="en-US" dirty="0"/>
+            </a:p>
+          </p:txBody>
+        </p:sp>
+      </p:grpSp>
+      <p:grpSp>
+        <p:nvGrpSpPr>
+          <p:cNvPr id="47" name="Group 46">
+            <a:extLst>
+              <a:ext uri="{FF2B5EF4-FFF2-40B4-BE49-F238E27FC236}">
+                <a16:creationId xmlns:a16="http://schemas.microsoft.com/office/drawing/2014/main" id="{CAC6F7E4-8981-49C8-9108-4C26A2EC6C21}"/>
+              </a:ext>
+            </a:extLst>
+          </p:cNvPr>
+          <p:cNvGrpSpPr/>
+          <p:nvPr/>
+        </p:nvGrpSpPr>
+        <p:grpSpPr>
+          <a:xfrm>
+            <a:off x="10092525" y="1534423"/>
+            <a:ext cx="1114792" cy="1470492"/>
+            <a:chOff x="5664102" y="459606"/>
+            <a:chExt cx="921316" cy="1215283"/>
+          </a:xfrm>
+        </p:grpSpPr>
+        <p:sp>
+          <p:nvSpPr>
+            <p:cNvPr id="48" name="TextBox 47">
+              <a:extLst>
+                <a:ext uri="{FF2B5EF4-FFF2-40B4-BE49-F238E27FC236}">
+                  <a16:creationId xmlns:a16="http://schemas.microsoft.com/office/drawing/2014/main" id="{3F6F06EF-2E8B-4866-A7D7-94ED28373D7E}"/>
+                </a:ext>
+              </a:extLst>
+            </p:cNvPr>
+            <p:cNvSpPr txBox="1"/>
+            <p:nvPr/>
+          </p:nvSpPr>
+          <p:spPr>
+            <a:xfrm>
+              <a:off x="5664102" y="459606"/>
+              <a:ext cx="921316" cy="585030"/>
+            </a:xfrm>
+            <a:prstGeom prst="rect">
+              <a:avLst/>
+            </a:prstGeom>
+            <a:noFill/>
+          </p:spPr>
+          <p:txBody>
+            <a:bodyPr wrap="none" lIns="0" rtlCol="0">
+              <a:spAutoFit/>
+            </a:bodyPr>
+            <a:lstStyle>
+              <a:defPPr>
+                <a:defRPr lang="en-US"/>
+              </a:defPPr>
+              <a:lvl1pPr>
+                <a:defRPr sz="1200"/>
+              </a:lvl1pPr>
+            </a:lstStyle>
+            <a:p>
+              <a:r>
+                <a:rPr lang="en-US" sz="1400" b="1" dirty="0"/>
+                <a:t>System Organ</a:t>
+              </a:r>
+            </a:p>
+            <a:p>
+              <a:r>
+                <a:rPr lang="en-US" sz="1400" b="1" dirty="0"/>
+                <a:t>Class (SOC)</a:t>
+              </a:r>
+            </a:p>
+            <a:p>
+              <a:r>
+                <a:rPr lang="en-US" dirty="0" err="1">
+                  <a:latin typeface="Courier New" panose="02070309020205020404" pitchFamily="49" charset="0"/>
+                  <a:cs typeface="Courier New" panose="02070309020205020404" pitchFamily="49" charset="0"/>
+                </a:rPr>
+                <a:t>soc.asc</a:t>
+              </a:r>
+              <a:endParaRPr lang="en-US" dirty="0">
+                <a:latin typeface="Courier New" panose="02070309020205020404" pitchFamily="49" charset="0"/>
+                <a:cs typeface="Courier New" panose="02070309020205020404" pitchFamily="49" charset="0"/>
+              </a:endParaRPr>
+            </a:p>
+          </p:txBody>
+        </p:sp>
+        <p:grpSp>
+          <p:nvGrpSpPr>
+            <p:cNvPr id="49" name="Group 48">
+              <a:extLst>
+                <a:ext uri="{FF2B5EF4-FFF2-40B4-BE49-F238E27FC236}">
+                  <a16:creationId xmlns:a16="http://schemas.microsoft.com/office/drawing/2014/main" id="{845CA32E-703B-4BE6-8747-52BAF4762F50}"/>
+                </a:ext>
+              </a:extLst>
+            </p:cNvPr>
+            <p:cNvGrpSpPr/>
+            <p:nvPr/>
+          </p:nvGrpSpPr>
+          <p:grpSpPr>
+            <a:xfrm>
+              <a:off x="5671684" y="1101118"/>
+              <a:ext cx="821182" cy="573771"/>
+              <a:chOff x="4177986" y="1311825"/>
+              <a:chExt cx="821182" cy="573771"/>
+            </a:xfrm>
+          </p:grpSpPr>
+          <p:sp>
+            <p:nvSpPr>
+              <p:cNvPr id="50" name="Rectangle 49">
+                <a:extLst>
+                  <a:ext uri="{FF2B5EF4-FFF2-40B4-BE49-F238E27FC236}">
+                    <a16:creationId xmlns:a16="http://schemas.microsoft.com/office/drawing/2014/main" id="{312395C6-C293-4E45-92E9-24EE2A8F9DF3}"/>
+                  </a:ext>
+                </a:extLst>
+              </p:cNvPr>
+              <p:cNvSpPr/>
+              <p:nvPr/>
+            </p:nvSpPr>
+            <p:spPr>
+              <a:xfrm>
+                <a:off x="4177986" y="1599264"/>
+                <a:ext cx="821182" cy="286332"/>
+              </a:xfrm>
+              <a:prstGeom prst="rect">
+                <a:avLst/>
+              </a:prstGeom>
+              <a:solidFill>
+                <a:schemeClr val="bg1"/>
+              </a:solidFill>
+              <a:ln>
+                <a:solidFill>
+                  <a:schemeClr val="bg1">
+                    <a:lumMod val="65000"/>
+                  </a:schemeClr>
+                </a:solidFill>
+              </a:ln>
+              <a:effectLst/>
+            </p:spPr>
+            <p:style>
+              <a:lnRef idx="1">
+                <a:schemeClr val="accent1"/>
+              </a:lnRef>
+              <a:fillRef idx="3">
+                <a:schemeClr val="accent1"/>
+              </a:fillRef>
+              <a:effectRef idx="2">
+                <a:schemeClr val="accent1"/>
+              </a:effectRef>
+              <a:fontRef idx="minor">
+                <a:schemeClr val="lt1"/>
+              </a:fontRef>
+            </p:style>
+            <p:txBody>
+              <a:bodyPr lIns="9144" rIns="9144" rtlCol="0" anchor="ctr"/>
+              <a:lstStyle/>
+              <a:p>
+                <a:pPr algn="ctr"/>
+                <a:r>
+                  <a:rPr lang="en-US" sz="1100" dirty="0">
+                    <a:solidFill>
+                      <a:schemeClr val="tx1"/>
+                    </a:solidFill>
+                    <a:latin typeface="Courier New" panose="02070309020205020404" pitchFamily="49" charset="0"/>
+                    <a:cs typeface="Courier New" panose="02070309020205020404" pitchFamily="49" charset="0"/>
+                  </a:rPr>
+                  <a:t>label</a:t>
+                </a:r>
+              </a:p>
+            </p:txBody>
+          </p:sp>
+          <p:sp>
+            <p:nvSpPr>
+              <p:cNvPr id="51" name="Rectangle 50">
+                <a:extLst>
+                  <a:ext uri="{FF2B5EF4-FFF2-40B4-BE49-F238E27FC236}">
+                    <a16:creationId xmlns:a16="http://schemas.microsoft.com/office/drawing/2014/main" id="{2C15A272-A4DE-466F-B9B4-13C8A654D54B}"/>
+                  </a:ext>
+                </a:extLst>
+              </p:cNvPr>
+              <p:cNvSpPr/>
+              <p:nvPr/>
+            </p:nvSpPr>
+            <p:spPr>
+              <a:xfrm>
+                <a:off x="4177986" y="1311825"/>
+                <a:ext cx="821182" cy="286332"/>
+              </a:xfrm>
+              <a:prstGeom prst="rect">
+                <a:avLst/>
+              </a:prstGeom>
+              <a:solidFill>
+                <a:schemeClr val="bg1"/>
+              </a:solidFill>
+              <a:ln>
+                <a:solidFill>
+                  <a:schemeClr val="bg1">
+                    <a:lumMod val="65000"/>
+                  </a:schemeClr>
+                </a:solidFill>
+              </a:ln>
+              <a:effectLst/>
+            </p:spPr>
+            <p:style>
+              <a:lnRef idx="1">
+                <a:schemeClr val="accent1"/>
+              </a:lnRef>
+              <a:fillRef idx="3">
+                <a:schemeClr val="accent1"/>
+              </a:fillRef>
+              <a:effectRef idx="2">
+                <a:schemeClr val="accent1"/>
+              </a:effectRef>
+              <a:fontRef idx="minor">
+                <a:schemeClr val="lt1"/>
+              </a:fontRef>
+            </p:style>
+            <p:txBody>
+              <a:bodyPr lIns="9144" rIns="9144" rtlCol="0" anchor="ctr"/>
+              <a:lstStyle/>
+              <a:p>
+                <a:pPr algn="ctr"/>
+                <a:r>
+                  <a:rPr lang="en-US" sz="1100" dirty="0">
+                    <a:solidFill>
+                      <a:schemeClr val="tx1"/>
+                    </a:solidFill>
+                    <a:latin typeface="Courier New" panose="02070309020205020404" pitchFamily="49" charset="0"/>
+                    <a:cs typeface="Courier New" panose="02070309020205020404" pitchFamily="49" charset="0"/>
+                  </a:rPr>
+                  <a:t>code</a:t>
+                </a:r>
+              </a:p>
+            </p:txBody>
+          </p:sp>
+        </p:grpSp>
+      </p:grpSp>
+      <p:cxnSp>
+        <p:nvCxnSpPr>
+          <p:cNvPr id="52" name="Connector: Elbow 51">
+            <a:extLst>
+              <a:ext uri="{FF2B5EF4-FFF2-40B4-BE49-F238E27FC236}">
+                <a16:creationId xmlns:a16="http://schemas.microsoft.com/office/drawing/2014/main" id="{622AA217-2DE3-4BEA-ADF8-A685BB2D3E75}"/>
+              </a:ext>
+            </a:extLst>
+          </p:cNvPr>
+          <p:cNvCxnSpPr>
+            <a:cxnSpLocks/>
+            <a:stCxn id="13" idx="3"/>
+            <a:endCxn id="21" idx="1"/>
+          </p:cNvCxnSpPr>
+          <p:nvPr/>
+        </p:nvCxnSpPr>
+        <p:spPr>
+          <a:xfrm flipV="1">
+            <a:off x="3678971" y="2463964"/>
+            <a:ext cx="1029147" cy="689900"/>
+          </a:xfrm>
+          <a:prstGeom prst="bentConnector3">
+            <a:avLst>
+              <a:gd name="adj1" fmla="val 50000"/>
+            </a:avLst>
+          </a:prstGeom>
+          <a:ln w="34925">
+            <a:headEnd type="triangle"/>
+            <a:tailEnd type="triangle"/>
+          </a:ln>
+        </p:spPr>
+        <p:style>
+          <a:lnRef idx="2">
+            <a:schemeClr val="accent1"/>
+          </a:lnRef>
+          <a:fillRef idx="0">
+            <a:schemeClr val="accent1"/>
+          </a:fillRef>
+          <a:effectRef idx="1">
+            <a:schemeClr val="accent1"/>
+          </a:effectRef>
+          <a:fontRef idx="minor">
+            <a:schemeClr val="tx1"/>
+          </a:fontRef>
+        </p:style>
+      </p:cxnSp>
+      <p:cxnSp>
+        <p:nvCxnSpPr>
+          <p:cNvPr id="53" name="Connector: Elbow 52">
+            <a:extLst>
+              <a:ext uri="{FF2B5EF4-FFF2-40B4-BE49-F238E27FC236}">
+                <a16:creationId xmlns:a16="http://schemas.microsoft.com/office/drawing/2014/main" id="{5ABB348A-32D6-4C8B-8C71-F394A47D61CA}"/>
+              </a:ext>
+            </a:extLst>
+          </p:cNvPr>
+          <p:cNvCxnSpPr>
+            <a:cxnSpLocks/>
+            <a:stCxn id="21" idx="3"/>
+            <a:endCxn id="35" idx="1"/>
+          </p:cNvCxnSpPr>
+          <p:nvPr/>
+        </p:nvCxnSpPr>
+        <p:spPr>
+          <a:xfrm flipH="1">
+            <a:off x="5079080" y="2463964"/>
+            <a:ext cx="622668" cy="2233581"/>
+          </a:xfrm>
+          <a:prstGeom prst="bentConnector5">
+            <a:avLst>
+              <a:gd name="adj1" fmla="val -36713"/>
+              <a:gd name="adj2" fmla="val 50000"/>
+              <a:gd name="adj3" fmla="val 136713"/>
+            </a:avLst>
+          </a:prstGeom>
+          <a:ln w="34925">
+            <a:headEnd type="triangle"/>
+            <a:tailEnd type="triangle"/>
+          </a:ln>
+        </p:spPr>
+        <p:style>
+          <a:lnRef idx="2">
+            <a:schemeClr val="accent1"/>
+          </a:lnRef>
+          <a:fillRef idx="0">
+            <a:schemeClr val="accent1"/>
+          </a:fillRef>
+          <a:effectRef idx="1">
+            <a:schemeClr val="accent1"/>
+          </a:effectRef>
+          <a:fontRef idx="minor">
+            <a:schemeClr val="tx1"/>
+          </a:fontRef>
+        </p:style>
+      </p:cxnSp>
+      <p:cxnSp>
+        <p:nvCxnSpPr>
+          <p:cNvPr id="54" name="Connector: Elbow 53">
+            <a:extLst>
+              <a:ext uri="{FF2B5EF4-FFF2-40B4-BE49-F238E27FC236}">
+                <a16:creationId xmlns:a16="http://schemas.microsoft.com/office/drawing/2014/main" id="{7DA284EA-1CF5-4B16-8E0D-2E485F9F2706}"/>
+              </a:ext>
+            </a:extLst>
+          </p:cNvPr>
+          <p:cNvCxnSpPr>
+            <a:cxnSpLocks/>
+            <a:stCxn id="36" idx="3"/>
+            <a:endCxn id="26" idx="1"/>
+          </p:cNvCxnSpPr>
+          <p:nvPr/>
+        </p:nvCxnSpPr>
+        <p:spPr>
+          <a:xfrm flipV="1">
+            <a:off x="6072710" y="2479269"/>
+            <a:ext cx="371721" cy="1877477"/>
+          </a:xfrm>
+          <a:prstGeom prst="bentConnector3">
+            <a:avLst/>
+          </a:prstGeom>
+          <a:ln w="34925">
+            <a:headEnd type="triangle"/>
+            <a:tailEnd type="triangle"/>
+          </a:ln>
+        </p:spPr>
+        <p:style>
+          <a:lnRef idx="2">
+            <a:schemeClr val="accent1"/>
+          </a:lnRef>
+          <a:fillRef idx="0">
+            <a:schemeClr val="accent1"/>
+          </a:fillRef>
+          <a:effectRef idx="1">
+            <a:schemeClr val="accent1"/>
+          </a:effectRef>
+          <a:fontRef idx="minor">
+            <a:schemeClr val="tx1"/>
+          </a:fontRef>
+        </p:style>
+      </p:cxnSp>
+      <p:cxnSp>
+        <p:nvCxnSpPr>
+          <p:cNvPr id="55" name="Connector: Elbow 54">
+            <a:extLst>
+              <a:ext uri="{FF2B5EF4-FFF2-40B4-BE49-F238E27FC236}">
+                <a16:creationId xmlns:a16="http://schemas.microsoft.com/office/drawing/2014/main" id="{E37796EA-0C02-43ED-85AE-F5AD41ED876F}"/>
+              </a:ext>
+            </a:extLst>
+          </p:cNvPr>
+          <p:cNvCxnSpPr>
+            <a:stCxn id="31" idx="3"/>
+            <a:endCxn id="41" idx="1"/>
+          </p:cNvCxnSpPr>
+          <p:nvPr/>
+        </p:nvCxnSpPr>
+        <p:spPr>
+          <a:xfrm flipV="1">
+            <a:off x="7745765" y="2497377"/>
+            <a:ext cx="593535" cy="1856558"/>
+          </a:xfrm>
+          <a:prstGeom prst="bentConnector3">
+            <a:avLst/>
+          </a:prstGeom>
+          <a:ln w="34925">
+            <a:headEnd type="triangle"/>
+            <a:tailEnd type="triangle"/>
+          </a:ln>
+        </p:spPr>
+        <p:style>
+          <a:lnRef idx="2">
+            <a:schemeClr val="accent1"/>
+          </a:lnRef>
+          <a:fillRef idx="0">
+            <a:schemeClr val="accent1"/>
+          </a:fillRef>
+          <a:effectRef idx="1">
+            <a:schemeClr val="accent1"/>
+          </a:effectRef>
+          <a:fontRef idx="minor">
+            <a:schemeClr val="tx1"/>
+          </a:fontRef>
+        </p:style>
+      </p:cxnSp>
+      <p:cxnSp>
+        <p:nvCxnSpPr>
+          <p:cNvPr id="56" name="Connector: Elbow 55">
+            <a:extLst>
+              <a:ext uri="{FF2B5EF4-FFF2-40B4-BE49-F238E27FC236}">
+                <a16:creationId xmlns:a16="http://schemas.microsoft.com/office/drawing/2014/main" id="{18CE9575-338D-4F03-9742-E89C5F488033}"/>
+              </a:ext>
+            </a:extLst>
+          </p:cNvPr>
+          <p:cNvCxnSpPr>
+            <a:stCxn id="46" idx="3"/>
+            <a:endCxn id="51" idx="1"/>
+          </p:cNvCxnSpPr>
+          <p:nvPr/>
+        </p:nvCxnSpPr>
+        <p:spPr>
+          <a:xfrm flipV="1">
+            <a:off x="9526047" y="2483883"/>
+            <a:ext cx="575653" cy="1876448"/>
+          </a:xfrm>
+          <a:prstGeom prst="bentConnector3">
+            <a:avLst>
+              <a:gd name="adj1" fmla="val 50000"/>
+            </a:avLst>
+          </a:prstGeom>
+          <a:ln w="34925">
+            <a:headEnd type="triangle"/>
+            <a:tailEnd type="triangle"/>
+          </a:ln>
+        </p:spPr>
+        <p:style>
+          <a:lnRef idx="2">
+            <a:schemeClr val="accent1"/>
+          </a:lnRef>
+          <a:fillRef idx="0">
+            <a:schemeClr val="accent1"/>
+          </a:fillRef>
+          <a:effectRef idx="1">
+            <a:schemeClr val="accent1"/>
+          </a:effectRef>
+          <a:fontRef idx="minor">
+            <a:schemeClr val="tx1"/>
+          </a:fontRef>
+        </p:style>
+      </p:cxnSp>
+      <p:cxnSp>
+        <p:nvCxnSpPr>
+          <p:cNvPr id="57" name="Connector: Elbow 56">
+            <a:extLst>
+              <a:ext uri="{FF2B5EF4-FFF2-40B4-BE49-F238E27FC236}">
+                <a16:creationId xmlns:a16="http://schemas.microsoft.com/office/drawing/2014/main" id="{2D956782-404B-411A-86C2-06E247CAE92B}"/>
+              </a:ext>
+            </a:extLst>
+          </p:cNvPr>
+          <p:cNvCxnSpPr>
+            <a:stCxn id="41" idx="3"/>
+            <a:endCxn id="45" idx="1"/>
+          </p:cNvCxnSpPr>
+          <p:nvPr/>
+        </p:nvCxnSpPr>
+        <p:spPr>
+          <a:xfrm flipH="1">
+            <a:off x="8532417" y="2497377"/>
+            <a:ext cx="800513" cy="2203753"/>
+          </a:xfrm>
+          <a:prstGeom prst="bentConnector5">
+            <a:avLst>
+              <a:gd name="adj1" fmla="val -28557"/>
+              <a:gd name="adj2" fmla="val 50000"/>
+              <a:gd name="adj3" fmla="val 128557"/>
+            </a:avLst>
+          </a:prstGeom>
+          <a:ln w="34925">
+            <a:headEnd type="triangle"/>
+            <a:tailEnd type="triangle"/>
+          </a:ln>
+        </p:spPr>
+        <p:style>
+          <a:lnRef idx="2">
+            <a:schemeClr val="accent1"/>
+          </a:lnRef>
+          <a:fillRef idx="0">
+            <a:schemeClr val="accent1"/>
+          </a:fillRef>
+          <a:effectRef idx="1">
+            <a:schemeClr val="accent1"/>
+          </a:effectRef>
+          <a:fontRef idx="minor">
+            <a:schemeClr val="tx1"/>
+          </a:fontRef>
+        </p:style>
+      </p:cxnSp>
+      <p:cxnSp>
+        <p:nvCxnSpPr>
+          <p:cNvPr id="58" name="Connector: Elbow 57">
+            <a:extLst>
+              <a:ext uri="{FF2B5EF4-FFF2-40B4-BE49-F238E27FC236}">
+                <a16:creationId xmlns:a16="http://schemas.microsoft.com/office/drawing/2014/main" id="{6D7B0DCF-C87E-41AF-81E5-2C8CA8469B90}"/>
+              </a:ext>
+            </a:extLst>
+          </p:cNvPr>
+          <p:cNvCxnSpPr>
+            <a:stCxn id="26" idx="3"/>
+            <a:endCxn id="30" idx="1"/>
+          </p:cNvCxnSpPr>
+          <p:nvPr/>
+        </p:nvCxnSpPr>
+        <p:spPr>
+          <a:xfrm flipH="1">
+            <a:off x="6752135" y="2479269"/>
+            <a:ext cx="685926" cy="2215465"/>
+          </a:xfrm>
+          <a:prstGeom prst="bentConnector5">
+            <a:avLst>
+              <a:gd name="adj1" fmla="val -33327"/>
+              <a:gd name="adj2" fmla="val 50000"/>
+              <a:gd name="adj3" fmla="val 133327"/>
+            </a:avLst>
+          </a:prstGeom>
+          <a:ln w="34925">
+            <a:headEnd type="triangle"/>
+            <a:tailEnd type="triangle"/>
+          </a:ln>
+        </p:spPr>
+        <p:style>
+          <a:lnRef idx="2">
+            <a:schemeClr val="accent1"/>
+          </a:lnRef>
+          <a:fillRef idx="0">
+            <a:schemeClr val="accent1"/>
+          </a:fillRef>
+          <a:effectRef idx="1">
+            <a:schemeClr val="accent1"/>
+          </a:effectRef>
+          <a:fontRef idx="minor">
+            <a:schemeClr val="tx1"/>
+          </a:fontRef>
+        </p:style>
+      </p:cxnSp>
+      <p:cxnSp>
+        <p:nvCxnSpPr>
+          <p:cNvPr id="59" name="Connector: Elbow 58">
+            <a:extLst>
+              <a:ext uri="{FF2B5EF4-FFF2-40B4-BE49-F238E27FC236}">
+                <a16:creationId xmlns:a16="http://schemas.microsoft.com/office/drawing/2014/main" id="{D68B7620-CB1D-4A47-BDC1-705B13D75697}"/>
+              </a:ext>
+            </a:extLst>
+          </p:cNvPr>
+          <p:cNvCxnSpPr>
+            <a:cxnSpLocks/>
+          </p:cNvCxnSpPr>
+          <p:nvPr/>
+        </p:nvCxnSpPr>
+        <p:spPr>
+          <a:xfrm rot="16200000" flipH="1">
+            <a:off x="3445393" y="3067389"/>
+            <a:ext cx="1370450" cy="1896924"/>
+          </a:xfrm>
+          <a:prstGeom prst="bentConnector2">
+            <a:avLst/>
+          </a:prstGeom>
+          <a:ln w="34925">
+            <a:headEnd type="triangle"/>
+            <a:tailEnd type="triangle"/>
+          </a:ln>
+        </p:spPr>
+        <p:style>
+          <a:lnRef idx="2">
+            <a:schemeClr val="accent1"/>
+          </a:lnRef>
+          <a:fillRef idx="0">
+            <a:schemeClr val="accent1"/>
+          </a:fillRef>
+          <a:effectRef idx="1">
+            <a:schemeClr val="accent1"/>
+          </a:effectRef>
+          <a:fontRef idx="minor">
+            <a:schemeClr val="tx1"/>
+          </a:fontRef>
+        </p:style>
+      </p:cxnSp>
+      <p:sp>
+        <p:nvSpPr>
+          <p:cNvPr id="61" name="Title 1">
+            <a:extLst>
+              <a:ext uri="{FF2B5EF4-FFF2-40B4-BE49-F238E27FC236}">
+                <a16:creationId xmlns:a16="http://schemas.microsoft.com/office/drawing/2014/main" id="{581519C1-3833-4A09-8497-4EE172E9FAA0}"/>
+              </a:ext>
+            </a:extLst>
+          </p:cNvPr>
+          <p:cNvSpPr txBox="1">
+            <a:spLocks/>
+          </p:cNvSpPr>
+          <p:nvPr/>
+        </p:nvSpPr>
+        <p:spPr>
+          <a:xfrm>
+            <a:off x="994181" y="4053632"/>
+            <a:ext cx="2212698" cy="613397"/>
+          </a:xfrm>
+          <a:prstGeom prst="rect">
+            <a:avLst/>
+          </a:prstGeom>
+        </p:spPr>
+        <p:txBody>
+          <a:bodyPr vert="horz" lIns="91440" tIns="45720" rIns="91440" bIns="45720" rtlCol="0" anchor="ctr">
+            <a:normAutofit lnSpcReduction="10000"/>
+          </a:bodyPr>
+          <a:lstStyle>
+            <a:lvl1pPr algn="l" defTabSz="914400" rtl="0" eaLnBrk="1" latinLnBrk="0" hangingPunct="1">
+              <a:lnSpc>
+                <a:spcPct val="90000"/>
+              </a:lnSpc>
+              <a:spcBef>
+                <a:spcPct val="0"/>
+              </a:spcBef>
+              <a:buNone/>
+              <a:defRPr sz="4400" kern="1200">
+                <a:solidFill>
+                  <a:schemeClr val="tx1"/>
+                </a:solidFill>
+                <a:latin typeface="+mj-lt"/>
+                <a:ea typeface="+mj-ea"/>
+                <a:cs typeface="+mj-cs"/>
+              </a:defRPr>
+            </a:lvl1pPr>
+          </a:lstStyle>
+          <a:p>
+            <a:r>
+              <a:rPr lang="en-US" sz="2000" b="1" dirty="0">
+                <a:solidFill>
+                  <a:srgbClr val="663F64"/>
+                </a:solidFill>
+                <a:latin typeface="Helvetica Neue"/>
+                <a:cs typeface="Helvetica Neue"/>
+              </a:rPr>
+              <a:t>Three Key </a:t>
+            </a:r>
+          </a:p>
+          <a:p>
+            <a:r>
+              <a:rPr lang="en-US" sz="2000" b="1" dirty="0">
+                <a:solidFill>
+                  <a:srgbClr val="663F64"/>
+                </a:solidFill>
+                <a:latin typeface="Helvetica Neue"/>
+                <a:cs typeface="Helvetica Neue"/>
+              </a:rPr>
+              <a:t>Tables</a:t>
+            </a:r>
+          </a:p>
+        </p:txBody>
+      </p:sp>
+      <p:sp>
+        <p:nvSpPr>
+          <p:cNvPr id="62" name="Title 1">
+            <a:extLst>
+              <a:ext uri="{FF2B5EF4-FFF2-40B4-BE49-F238E27FC236}">
+                <a16:creationId xmlns:a16="http://schemas.microsoft.com/office/drawing/2014/main" id="{C8504DD4-FF05-47B1-B53F-15A35236603C}"/>
+              </a:ext>
+            </a:extLst>
+          </p:cNvPr>
+          <p:cNvSpPr txBox="1">
+            <a:spLocks/>
+          </p:cNvSpPr>
+          <p:nvPr/>
+        </p:nvSpPr>
+        <p:spPr>
+          <a:xfrm>
+            <a:off x="994181" y="2316483"/>
+            <a:ext cx="2212698" cy="961069"/>
+          </a:xfrm>
+          <a:prstGeom prst="rect">
+            <a:avLst/>
+          </a:prstGeom>
+        </p:spPr>
+        <p:txBody>
+          <a:bodyPr vert="horz" lIns="91440" tIns="45720" rIns="91440" bIns="45720" rtlCol="0" anchor="ctr">
+            <a:noAutofit/>
+          </a:bodyPr>
+          <a:lstStyle>
+            <a:lvl1pPr algn="l" defTabSz="914400" rtl="0" eaLnBrk="1" latinLnBrk="0" hangingPunct="1">
+              <a:lnSpc>
+                <a:spcPct val="90000"/>
+              </a:lnSpc>
+              <a:spcBef>
+                <a:spcPct val="0"/>
+              </a:spcBef>
+              <a:buNone/>
+              <a:defRPr sz="4400" kern="1200">
+                <a:solidFill>
+                  <a:schemeClr val="tx1"/>
+                </a:solidFill>
+                <a:latin typeface="+mj-lt"/>
+                <a:ea typeface="+mj-ea"/>
+                <a:cs typeface="+mj-cs"/>
+              </a:defRPr>
+            </a:lvl1pPr>
+          </a:lstStyle>
+          <a:p>
+            <a:r>
+              <a:rPr lang="en-US" sz="2000" b="1" dirty="0">
+                <a:solidFill>
+                  <a:srgbClr val="663F64"/>
+                </a:solidFill>
+                <a:latin typeface="Helvetica Neue"/>
+                <a:cs typeface="Helvetica Neue"/>
+              </a:rPr>
+              <a:t>Five</a:t>
+            </a:r>
+          </a:p>
+          <a:p>
+            <a:r>
+              <a:rPr lang="en-US" sz="2000" b="1" dirty="0">
+                <a:solidFill>
+                  <a:srgbClr val="663F64"/>
+                </a:solidFill>
+                <a:latin typeface="Helvetica Neue"/>
+                <a:cs typeface="Helvetica Neue"/>
+              </a:rPr>
+              <a:t>Terminology </a:t>
+            </a:r>
+          </a:p>
+          <a:p>
+            <a:r>
+              <a:rPr lang="en-US" sz="2000" b="1" dirty="0">
+                <a:solidFill>
+                  <a:srgbClr val="663F64"/>
+                </a:solidFill>
+                <a:latin typeface="Helvetica Neue"/>
+                <a:cs typeface="Helvetica Neue"/>
+              </a:rPr>
+              <a:t>Tables</a:t>
+            </a:r>
+          </a:p>
+        </p:txBody>
+      </p:sp>
+    </p:spTree>
+    <p:extLst>
+      <p:ext uri="{BB962C8B-B14F-4D97-AF65-F5344CB8AC3E}">
+        <p14:creationId xmlns:p14="http://schemas.microsoft.com/office/powerpoint/2010/main" val="562196404"/>
+      </p:ext>
+    </p:extLst>
+  </p:cSld>
+  <p:clrMapOvr>
+    <a:masterClrMapping/>
+  </p:clrMapOvr>
+</p:sld>
+</file>
+
+<file path=ppt/slides/slide4.xml><?xml version="1.0" encoding="utf-8"?>
+<p:sld xmlns:a="http://schemas.openxmlformats.org/drawingml/2006/main" xmlns:r="http://schemas.openxmlformats.org/officeDocument/2006/relationships" xmlns:p="http://schemas.openxmlformats.org/presentationml/2006/main">
+  <p:cSld>
+    <p:spTree>
+      <p:nvGrpSpPr>
+        <p:cNvPr id="1" name=""/>
+        <p:cNvGrpSpPr/>
+        <p:nvPr/>
+      </p:nvGrpSpPr>
+      <p:grpSpPr>
+        <a:xfrm>
+          <a:off x="0" y="0"/>
+          <a:ext cx="0" cy="0"/>
+          <a:chOff x="0" y="0"/>
+          <a:chExt cx="0" cy="0"/>
+        </a:xfrm>
+      </p:grpSpPr>
+      <p:sp>
+        <p:nvSpPr>
+          <p:cNvPr id="48" name="Rectangle 47">
+            <a:extLst>
+              <a:ext uri="{FF2B5EF4-FFF2-40B4-BE49-F238E27FC236}">
+                <a16:creationId xmlns:a16="http://schemas.microsoft.com/office/drawing/2014/main" id="{510F476C-C0E8-4E7B-9C4A-788559DA1CD0}"/>
+              </a:ext>
+            </a:extLst>
+          </p:cNvPr>
+          <p:cNvSpPr/>
+          <p:nvPr/>
+        </p:nvSpPr>
+        <p:spPr>
+          <a:xfrm>
+            <a:off x="1515790" y="1387747"/>
+            <a:ext cx="1280160" cy="4562061"/>
+          </a:xfrm>
+          <a:prstGeom prst="rect">
+            <a:avLst/>
+          </a:prstGeom>
+          <a:solidFill>
+            <a:sysClr val="window" lastClr="FFFFFF"/>
+          </a:solidFill>
+          <a:ln w="9525" cap="flat" cmpd="sng" algn="ctr">
+            <a:solidFill>
+              <a:srgbClr val="4F81BD">
+                <a:shade val="95000"/>
+                <a:satMod val="105000"/>
+              </a:srgbClr>
+            </a:solidFill>
+            <a:prstDash val="solid"/>
+          </a:ln>
+          <a:effectLst>
+            <a:outerShdw blurRad="40000" dist="23000" dir="5400000" rotWithShape="0">
+              <a:srgbClr val="000000">
+                <a:alpha val="35000"/>
+              </a:srgbClr>
+            </a:outerShdw>
+          </a:effectLst>
+        </p:spPr>
+        <p:txBody>
+          <a:bodyPr rtlCol="0" anchor="ctr"/>
+          <a:lstStyle/>
+          <a:p>
+            <a:pPr marL="0" marR="0" lvl="0" indent="0" algn="ctr" defTabSz="457200" eaLnBrk="1" fontAlgn="auto" latinLnBrk="0" hangingPunct="1">
+              <a:lnSpc>
+                <a:spcPct val="100000"/>
+              </a:lnSpc>
+              <a:spcBef>
+                <a:spcPts val="0"/>
+              </a:spcBef>
+              <a:spcAft>
+                <a:spcPts val="0"/>
+              </a:spcAft>
+              <a:buClrTx/>
+              <a:buSzTx/>
+              <a:buFontTx/>
+              <a:buNone/>
+              <a:tabLst/>
+              <a:defRPr/>
+            </a:pPr>
+            <a:endParaRPr kumimoji="0" lang="en-US" sz="1800" b="0" i="0" u="none" strike="noStrike" kern="0" cap="none" spc="0" normalizeH="0" baseline="0" noProof="0" dirty="0">
+              <a:ln>
+                <a:noFill/>
+              </a:ln>
+              <a:solidFill>
+                <a:prstClr val="white"/>
+              </a:solidFill>
+              <a:effectLst/>
+              <a:uLnTx/>
+              <a:uFillTx/>
+              <a:latin typeface="Calibri"/>
+              <a:ea typeface="+mn-ea"/>
+              <a:cs typeface="+mn-cs"/>
+            </a:endParaRPr>
+          </a:p>
+        </p:txBody>
+      </p:sp>
+      <p:sp>
+        <p:nvSpPr>
+          <p:cNvPr id="49" name="Rectangle 48">
+            <a:extLst>
+              <a:ext uri="{FF2B5EF4-FFF2-40B4-BE49-F238E27FC236}">
+                <a16:creationId xmlns:a16="http://schemas.microsoft.com/office/drawing/2014/main" id="{13454AA6-32AB-4F4F-8CA1-A3962956B8D6}"/>
+              </a:ext>
+            </a:extLst>
+          </p:cNvPr>
+          <p:cNvSpPr/>
+          <p:nvPr/>
+        </p:nvSpPr>
+        <p:spPr>
+          <a:xfrm>
+            <a:off x="3419861" y="1387747"/>
+            <a:ext cx="1280160" cy="4562061"/>
+          </a:xfrm>
+          <a:prstGeom prst="rect">
+            <a:avLst/>
+          </a:prstGeom>
+          <a:solidFill>
+            <a:srgbClr val="8064A2">
+              <a:lumMod val="20000"/>
+              <a:lumOff val="80000"/>
+            </a:srgbClr>
+          </a:solidFill>
+          <a:ln w="9525" cap="flat" cmpd="sng" algn="ctr">
+            <a:solidFill>
+              <a:srgbClr val="4F81BD">
+                <a:shade val="95000"/>
+                <a:satMod val="105000"/>
+              </a:srgbClr>
+            </a:solidFill>
+            <a:prstDash val="solid"/>
+          </a:ln>
+          <a:effectLst>
+            <a:outerShdw blurRad="40000" dist="23000" dir="5400000" rotWithShape="0">
+              <a:srgbClr val="000000">
+                <a:alpha val="35000"/>
+              </a:srgbClr>
+            </a:outerShdw>
+          </a:effectLst>
+        </p:spPr>
+        <p:txBody>
+          <a:bodyPr rtlCol="0" anchor="ctr"/>
+          <a:lstStyle/>
+          <a:p>
+            <a:pPr marL="0" marR="0" lvl="0" indent="0" algn="ctr" defTabSz="457200" eaLnBrk="1" fontAlgn="auto" latinLnBrk="0" hangingPunct="1">
+              <a:lnSpc>
+                <a:spcPct val="100000"/>
+              </a:lnSpc>
+              <a:spcBef>
+                <a:spcPts val="0"/>
+              </a:spcBef>
+              <a:spcAft>
+                <a:spcPts val="0"/>
+              </a:spcAft>
+              <a:buClrTx/>
+              <a:buSzTx/>
+              <a:buFontTx/>
+              <a:buNone/>
+              <a:tabLst/>
+              <a:defRPr/>
+            </a:pPr>
+            <a:endParaRPr kumimoji="0" lang="en-US" sz="1800" b="0" i="0" u="none" strike="noStrike" kern="0" cap="none" spc="0" normalizeH="0" baseline="0" noProof="0">
+              <a:ln>
+                <a:noFill/>
+              </a:ln>
+              <a:solidFill>
+                <a:prstClr val="white"/>
+              </a:solidFill>
+              <a:effectLst/>
+              <a:uLnTx/>
+              <a:uFillTx/>
+              <a:latin typeface="Calibri"/>
+              <a:ea typeface="+mn-ea"/>
+              <a:cs typeface="+mn-cs"/>
+            </a:endParaRPr>
+          </a:p>
+        </p:txBody>
+      </p:sp>
+      <p:sp>
+        <p:nvSpPr>
+          <p:cNvPr id="50" name="Rectangle 49">
+            <a:extLst>
+              <a:ext uri="{FF2B5EF4-FFF2-40B4-BE49-F238E27FC236}">
+                <a16:creationId xmlns:a16="http://schemas.microsoft.com/office/drawing/2014/main" id="{55AB75C0-56FB-4410-9D35-7733BF006E69}"/>
+              </a:ext>
+            </a:extLst>
+          </p:cNvPr>
+          <p:cNvSpPr/>
+          <p:nvPr/>
+        </p:nvSpPr>
+        <p:spPr>
+          <a:xfrm>
+            <a:off x="5323932" y="1387747"/>
+            <a:ext cx="1280160" cy="4562061"/>
+          </a:xfrm>
+          <a:prstGeom prst="rect">
+            <a:avLst/>
+          </a:prstGeom>
+          <a:solidFill>
+            <a:srgbClr val="8064A2">
+              <a:lumMod val="40000"/>
+              <a:lumOff val="60000"/>
+            </a:srgbClr>
+          </a:solidFill>
+          <a:ln w="9525" cap="flat" cmpd="sng" algn="ctr">
+            <a:solidFill>
+              <a:srgbClr val="4F81BD">
+                <a:shade val="95000"/>
+                <a:satMod val="105000"/>
+              </a:srgbClr>
+            </a:solidFill>
+            <a:prstDash val="solid"/>
+          </a:ln>
+          <a:effectLst>
+            <a:outerShdw blurRad="40000" dist="23000" dir="5400000" rotWithShape="0">
+              <a:srgbClr val="000000">
+                <a:alpha val="35000"/>
+              </a:srgbClr>
+            </a:outerShdw>
+          </a:effectLst>
+        </p:spPr>
+        <p:txBody>
+          <a:bodyPr rtlCol="0" anchor="ctr"/>
+          <a:lstStyle/>
+          <a:p>
+            <a:pPr marL="0" marR="0" lvl="0" indent="0" algn="ctr" defTabSz="457200" eaLnBrk="1" fontAlgn="auto" latinLnBrk="0" hangingPunct="1">
+              <a:lnSpc>
+                <a:spcPct val="100000"/>
+              </a:lnSpc>
+              <a:spcBef>
+                <a:spcPts val="0"/>
+              </a:spcBef>
+              <a:spcAft>
+                <a:spcPts val="0"/>
+              </a:spcAft>
+              <a:buClrTx/>
+              <a:buSzTx/>
+              <a:buFontTx/>
+              <a:buNone/>
+              <a:tabLst/>
+              <a:defRPr/>
+            </a:pPr>
+            <a:endParaRPr kumimoji="0" lang="en-US" sz="1800" b="0" i="0" u="none" strike="noStrike" kern="0" cap="none" spc="0" normalizeH="0" baseline="0" noProof="0">
+              <a:ln>
+                <a:noFill/>
+              </a:ln>
+              <a:solidFill>
+                <a:prstClr val="white"/>
+              </a:solidFill>
+              <a:effectLst/>
+              <a:uLnTx/>
+              <a:uFillTx/>
+              <a:latin typeface="Calibri"/>
+              <a:ea typeface="+mn-ea"/>
+              <a:cs typeface="+mn-cs"/>
+            </a:endParaRPr>
+          </a:p>
+        </p:txBody>
+      </p:sp>
+      <p:sp>
+        <p:nvSpPr>
+          <p:cNvPr id="51" name="Rectangle 50">
+            <a:extLst>
+              <a:ext uri="{FF2B5EF4-FFF2-40B4-BE49-F238E27FC236}">
+                <a16:creationId xmlns:a16="http://schemas.microsoft.com/office/drawing/2014/main" id="{9F3DBF50-5D54-405B-AA6C-CE687D4D2F1A}"/>
+              </a:ext>
+            </a:extLst>
+          </p:cNvPr>
+          <p:cNvSpPr/>
+          <p:nvPr/>
+        </p:nvSpPr>
+        <p:spPr>
+          <a:xfrm>
+            <a:off x="7228003" y="1387747"/>
+            <a:ext cx="1280160" cy="4562061"/>
+          </a:xfrm>
+          <a:prstGeom prst="rect">
+            <a:avLst/>
+          </a:prstGeom>
+          <a:solidFill>
+            <a:srgbClr val="8064A2">
+              <a:lumMod val="60000"/>
+              <a:lumOff val="40000"/>
+            </a:srgbClr>
+          </a:solidFill>
+          <a:ln w="9525" cap="flat" cmpd="sng" algn="ctr">
+            <a:solidFill>
+              <a:srgbClr val="4F81BD">
+                <a:shade val="95000"/>
+                <a:satMod val="105000"/>
+              </a:srgbClr>
+            </a:solidFill>
+            <a:prstDash val="solid"/>
+          </a:ln>
+          <a:effectLst>
+            <a:outerShdw blurRad="40000" dist="23000" dir="5400000" rotWithShape="0">
+              <a:srgbClr val="000000">
+                <a:alpha val="35000"/>
+              </a:srgbClr>
+            </a:outerShdw>
+          </a:effectLst>
+        </p:spPr>
+        <p:txBody>
+          <a:bodyPr rtlCol="0" anchor="ctr"/>
+          <a:lstStyle/>
+          <a:p>
+            <a:pPr marL="0" marR="0" lvl="0" indent="0" algn="ctr" defTabSz="457200" eaLnBrk="1" fontAlgn="auto" latinLnBrk="0" hangingPunct="1">
+              <a:lnSpc>
+                <a:spcPct val="100000"/>
+              </a:lnSpc>
+              <a:spcBef>
+                <a:spcPts val="0"/>
+              </a:spcBef>
+              <a:spcAft>
+                <a:spcPts val="0"/>
+              </a:spcAft>
+              <a:buClrTx/>
+              <a:buSzTx/>
+              <a:buFontTx/>
+              <a:buNone/>
+              <a:tabLst/>
+              <a:defRPr/>
+            </a:pPr>
+            <a:endParaRPr kumimoji="0" lang="en-US" sz="1800" b="0" i="0" u="none" strike="noStrike" kern="0" cap="none" spc="0" normalizeH="0" baseline="0" noProof="0">
+              <a:ln>
+                <a:noFill/>
+              </a:ln>
+              <a:solidFill>
+                <a:prstClr val="white"/>
+              </a:solidFill>
+              <a:effectLst/>
+              <a:uLnTx/>
+              <a:uFillTx/>
+              <a:latin typeface="Calibri"/>
+              <a:ea typeface="+mn-ea"/>
+              <a:cs typeface="+mn-cs"/>
+            </a:endParaRPr>
+          </a:p>
+        </p:txBody>
+      </p:sp>
+      <p:sp>
+        <p:nvSpPr>
+          <p:cNvPr id="52" name="Rectangle: Rounded Corners 51">
+            <a:extLst>
+              <a:ext uri="{FF2B5EF4-FFF2-40B4-BE49-F238E27FC236}">
+                <a16:creationId xmlns:a16="http://schemas.microsoft.com/office/drawing/2014/main" id="{36094765-C28B-4A05-8285-AD4481A70C6C}"/>
+              </a:ext>
+            </a:extLst>
+          </p:cNvPr>
+          <p:cNvSpPr/>
+          <p:nvPr/>
+        </p:nvSpPr>
+        <p:spPr>
+          <a:xfrm>
+            <a:off x="1698670" y="3314279"/>
+            <a:ext cx="914400" cy="285887"/>
+          </a:xfrm>
+          <a:prstGeom prst="roundRect">
+            <a:avLst/>
+          </a:prstGeom>
+          <a:solidFill>
+            <a:srgbClr val="9BBB59">
+              <a:lumMod val="60000"/>
+              <a:lumOff val="40000"/>
+            </a:srgbClr>
+          </a:solidFill>
+          <a:ln w="9525" cap="flat" cmpd="sng" algn="ctr">
+            <a:solidFill>
+              <a:srgbClr val="4F81BD">
+                <a:shade val="95000"/>
+                <a:satMod val="105000"/>
+              </a:srgbClr>
+            </a:solidFill>
+            <a:prstDash val="solid"/>
+          </a:ln>
+          <a:effectLst>
+            <a:outerShdw blurRad="40000" dist="23000" dir="5400000" rotWithShape="0">
+              <a:srgbClr val="000000">
+                <a:alpha val="35000"/>
+              </a:srgbClr>
+            </a:outerShdw>
+          </a:effectLst>
+        </p:spPr>
+        <p:txBody>
+          <a:bodyPr rtlCol="0" anchor="ctr"/>
+          <a:lstStyle/>
+          <a:p>
+            <a:pPr marL="0" marR="0" lvl="0" indent="0" algn="ctr" defTabSz="457200" eaLnBrk="1" fontAlgn="auto" latinLnBrk="0" hangingPunct="1">
+              <a:lnSpc>
+                <a:spcPct val="100000"/>
+              </a:lnSpc>
+              <a:spcBef>
+                <a:spcPts val="0"/>
+              </a:spcBef>
+              <a:spcAft>
+                <a:spcPts val="0"/>
+              </a:spcAft>
+              <a:buClrTx/>
+              <a:buSzTx/>
+              <a:buFontTx/>
+              <a:buNone/>
+              <a:tabLst/>
+              <a:defRPr/>
+            </a:pPr>
+            <a:r>
+              <a:rPr kumimoji="0" lang="en-US" sz="1200" b="0" i="0" u="none" strike="noStrike" kern="0" cap="none" spc="0" normalizeH="0" baseline="0" noProof="0" dirty="0">
+                <a:ln>
+                  <a:noFill/>
+                </a:ln>
+                <a:solidFill>
+                  <a:prstClr val="black"/>
+                </a:solidFill>
+                <a:effectLst/>
+                <a:uLnTx/>
+                <a:uFillTx/>
+                <a:latin typeface="Calibri"/>
+                <a:ea typeface="+mn-ea"/>
+                <a:cs typeface="+mn-cs"/>
+              </a:rPr>
+              <a:t>10003047</a:t>
+            </a:r>
+          </a:p>
+        </p:txBody>
+      </p:sp>
+      <p:sp>
+        <p:nvSpPr>
+          <p:cNvPr id="53" name="TextBox 52">
+            <a:extLst>
+              <a:ext uri="{FF2B5EF4-FFF2-40B4-BE49-F238E27FC236}">
+                <a16:creationId xmlns:a16="http://schemas.microsoft.com/office/drawing/2014/main" id="{53E13AB3-CD3B-49FB-98FB-5C5FB1DFE302}"/>
+              </a:ext>
+            </a:extLst>
+          </p:cNvPr>
+          <p:cNvSpPr txBox="1"/>
+          <p:nvPr/>
+        </p:nvSpPr>
+        <p:spPr>
+          <a:xfrm>
+            <a:off x="1521525" y="1137253"/>
+            <a:ext cx="1621598" cy="276999"/>
+          </a:xfrm>
+          <a:prstGeom prst="rect">
+            <a:avLst/>
+          </a:prstGeom>
+          <a:noFill/>
+        </p:spPr>
+        <p:txBody>
+          <a:bodyPr wrap="none" lIns="0" rtlCol="0">
+            <a:spAutoFit/>
+          </a:bodyPr>
+          <a:lstStyle>
+            <a:defPPr>
+              <a:defRPr lang="en-US"/>
+            </a:defPPr>
+            <a:lvl1pPr>
+              <a:defRPr sz="1200"/>
+            </a:lvl1pPr>
+          </a:lstStyle>
+          <a:p>
+            <a:pPr marL="0" marR="0" lvl="0" indent="0" defTabSz="457200" eaLnBrk="1" fontAlgn="auto" latinLnBrk="0" hangingPunct="1">
+              <a:lnSpc>
+                <a:spcPct val="100000"/>
+              </a:lnSpc>
+              <a:spcBef>
+                <a:spcPts val="0"/>
+              </a:spcBef>
+              <a:spcAft>
+                <a:spcPts val="0"/>
+              </a:spcAft>
+              <a:buClrTx/>
+              <a:buSzTx/>
+              <a:buFontTx/>
+              <a:buNone/>
+              <a:tabLst/>
+              <a:defRPr/>
+            </a:pPr>
+            <a:r>
+              <a:rPr kumimoji="0" lang="en-US" sz="1200" b="1" i="0" u="none" strike="noStrike" kern="0" cap="none" spc="0" normalizeH="0" baseline="0" noProof="0" dirty="0">
+                <a:ln>
+                  <a:noFill/>
+                </a:ln>
+                <a:solidFill>
+                  <a:prstClr val="black"/>
+                </a:solidFill>
+                <a:effectLst/>
+                <a:uLnTx/>
+                <a:uFillTx/>
+              </a:rPr>
+              <a:t>Lowest Level Term (LLT)</a:t>
+            </a:r>
+          </a:p>
+        </p:txBody>
+      </p:sp>
+      <p:sp>
+        <p:nvSpPr>
+          <p:cNvPr id="54" name="TextBox 53">
+            <a:extLst>
+              <a:ext uri="{FF2B5EF4-FFF2-40B4-BE49-F238E27FC236}">
+                <a16:creationId xmlns:a16="http://schemas.microsoft.com/office/drawing/2014/main" id="{75F8BD55-CD25-4209-96AD-27C69509FD0F}"/>
+              </a:ext>
+            </a:extLst>
+          </p:cNvPr>
+          <p:cNvSpPr txBox="1"/>
+          <p:nvPr/>
+        </p:nvSpPr>
+        <p:spPr>
+          <a:xfrm>
+            <a:off x="3418592" y="1137253"/>
+            <a:ext cx="1404936" cy="276999"/>
+          </a:xfrm>
+          <a:prstGeom prst="rect">
+            <a:avLst/>
+          </a:prstGeom>
+          <a:noFill/>
+        </p:spPr>
+        <p:txBody>
+          <a:bodyPr wrap="none" lIns="0" rtlCol="0">
+            <a:spAutoFit/>
+          </a:bodyPr>
+          <a:lstStyle>
+            <a:defPPr>
+              <a:defRPr lang="en-US"/>
+            </a:defPPr>
+            <a:lvl1pPr>
+              <a:defRPr sz="1200"/>
+            </a:lvl1pPr>
+          </a:lstStyle>
+          <a:p>
+            <a:pPr marL="0" marR="0" lvl="0" indent="0" defTabSz="457200" eaLnBrk="1" fontAlgn="auto" latinLnBrk="0" hangingPunct="1">
+              <a:lnSpc>
+                <a:spcPct val="100000"/>
+              </a:lnSpc>
+              <a:spcBef>
+                <a:spcPts val="0"/>
+              </a:spcBef>
+              <a:spcAft>
+                <a:spcPts val="0"/>
+              </a:spcAft>
+              <a:buClrTx/>
+              <a:buSzTx/>
+              <a:buFontTx/>
+              <a:buNone/>
+              <a:tabLst/>
+              <a:defRPr/>
+            </a:pPr>
+            <a:r>
+              <a:rPr kumimoji="0" lang="en-US" b="1" i="0" u="none" strike="noStrike" kern="0" cap="none" spc="0" normalizeH="0" baseline="0" noProof="0" dirty="0">
+                <a:ln>
+                  <a:noFill/>
+                </a:ln>
+                <a:solidFill>
+                  <a:prstClr val="black"/>
+                </a:solidFill>
+                <a:effectLst/>
+                <a:uLnTx/>
+                <a:uFillTx/>
+              </a:rPr>
+              <a:t>Preferred Term (PT)</a:t>
+            </a:r>
+          </a:p>
+        </p:txBody>
+      </p:sp>
+      <p:sp>
+        <p:nvSpPr>
+          <p:cNvPr id="55" name="TextBox 54">
+            <a:extLst>
+              <a:ext uri="{FF2B5EF4-FFF2-40B4-BE49-F238E27FC236}">
+                <a16:creationId xmlns:a16="http://schemas.microsoft.com/office/drawing/2014/main" id="{DBCD7185-01D3-46FE-835B-0BA8918D6469}"/>
+              </a:ext>
+            </a:extLst>
+          </p:cNvPr>
+          <p:cNvSpPr txBox="1"/>
+          <p:nvPr/>
+        </p:nvSpPr>
+        <p:spPr>
+          <a:xfrm>
+            <a:off x="5331008" y="1137253"/>
+            <a:ext cx="1526444" cy="276999"/>
+          </a:xfrm>
+          <a:prstGeom prst="rect">
+            <a:avLst/>
+          </a:prstGeom>
+          <a:noFill/>
+        </p:spPr>
+        <p:txBody>
+          <a:bodyPr wrap="none" lIns="0" rtlCol="0">
+            <a:spAutoFit/>
+          </a:bodyPr>
+          <a:lstStyle>
+            <a:defPPr>
+              <a:defRPr lang="en-US"/>
+            </a:defPPr>
+            <a:lvl1pPr>
+              <a:defRPr sz="1200"/>
+            </a:lvl1pPr>
+          </a:lstStyle>
+          <a:p>
+            <a:pPr marL="0" marR="0" lvl="0" indent="0" defTabSz="457200" eaLnBrk="1" fontAlgn="auto" latinLnBrk="0" hangingPunct="1">
+              <a:lnSpc>
+                <a:spcPct val="100000"/>
+              </a:lnSpc>
+              <a:spcBef>
+                <a:spcPts val="0"/>
+              </a:spcBef>
+              <a:spcAft>
+                <a:spcPts val="0"/>
+              </a:spcAft>
+              <a:buClrTx/>
+              <a:buSzTx/>
+              <a:buFontTx/>
+              <a:buNone/>
+              <a:tabLst/>
+              <a:defRPr/>
+            </a:pPr>
+            <a:r>
+              <a:rPr kumimoji="0" lang="en-US" sz="1200" b="1" i="0" u="none" strike="noStrike" kern="0" cap="none" spc="0" normalizeH="0" baseline="0" noProof="0" dirty="0">
+                <a:ln>
+                  <a:noFill/>
+                </a:ln>
+                <a:solidFill>
+                  <a:prstClr val="black"/>
+                </a:solidFill>
+                <a:effectLst/>
+                <a:uLnTx/>
+                <a:uFillTx/>
+              </a:rPr>
+              <a:t>High Level Term (HLT)</a:t>
+            </a:r>
+          </a:p>
+        </p:txBody>
+      </p:sp>
+      <p:sp>
+        <p:nvSpPr>
+          <p:cNvPr id="56" name="Rectangle 55">
+            <a:extLst>
+              <a:ext uri="{FF2B5EF4-FFF2-40B4-BE49-F238E27FC236}">
+                <a16:creationId xmlns:a16="http://schemas.microsoft.com/office/drawing/2014/main" id="{AB40CE04-42D4-4EB1-B165-FF2FF260422A}"/>
+              </a:ext>
+            </a:extLst>
+          </p:cNvPr>
+          <p:cNvSpPr/>
+          <p:nvPr/>
+        </p:nvSpPr>
+        <p:spPr>
+          <a:xfrm>
+            <a:off x="9132073" y="1387747"/>
+            <a:ext cx="1280160" cy="4562061"/>
+          </a:xfrm>
+          <a:prstGeom prst="rect">
+            <a:avLst/>
+          </a:prstGeom>
+          <a:solidFill>
+            <a:srgbClr val="8064A2">
+              <a:lumMod val="75000"/>
+            </a:srgbClr>
+          </a:solidFill>
+          <a:ln w="9525" cap="flat" cmpd="sng" algn="ctr">
+            <a:solidFill>
+              <a:srgbClr val="4F81BD">
+                <a:shade val="95000"/>
+                <a:satMod val="105000"/>
+              </a:srgbClr>
+            </a:solidFill>
+            <a:prstDash val="solid"/>
+          </a:ln>
+          <a:effectLst>
+            <a:outerShdw blurRad="40000" dist="23000" dir="5400000" rotWithShape="0">
+              <a:srgbClr val="000000">
+                <a:alpha val="35000"/>
+              </a:srgbClr>
+            </a:outerShdw>
+          </a:effectLst>
+        </p:spPr>
+        <p:txBody>
+          <a:bodyPr rtlCol="0" anchor="ctr"/>
+          <a:lstStyle/>
+          <a:p>
+            <a:pPr marL="0" marR="0" lvl="0" indent="0" algn="ctr" defTabSz="457200" eaLnBrk="1" fontAlgn="auto" latinLnBrk="0" hangingPunct="1">
+              <a:lnSpc>
+                <a:spcPct val="100000"/>
+              </a:lnSpc>
+              <a:spcBef>
+                <a:spcPts val="0"/>
+              </a:spcBef>
+              <a:spcAft>
+                <a:spcPts val="0"/>
+              </a:spcAft>
+              <a:buClrTx/>
+              <a:buSzTx/>
+              <a:buFontTx/>
+              <a:buNone/>
+              <a:tabLst/>
+              <a:defRPr/>
+            </a:pPr>
+            <a:endParaRPr kumimoji="0" lang="en-US" sz="1800" b="0" i="0" u="none" strike="noStrike" kern="0" cap="none" spc="0" normalizeH="0" baseline="0" noProof="0">
+              <a:ln>
+                <a:noFill/>
+              </a:ln>
+              <a:solidFill>
+                <a:prstClr val="white"/>
+              </a:solidFill>
+              <a:effectLst/>
+              <a:uLnTx/>
+              <a:uFillTx/>
+              <a:latin typeface="Calibri"/>
+              <a:ea typeface="+mn-ea"/>
+              <a:cs typeface="+mn-cs"/>
+            </a:endParaRPr>
+          </a:p>
+        </p:txBody>
+      </p:sp>
+      <p:sp>
+        <p:nvSpPr>
+          <p:cNvPr id="57" name="TextBox 56">
+            <a:extLst>
+              <a:ext uri="{FF2B5EF4-FFF2-40B4-BE49-F238E27FC236}">
+                <a16:creationId xmlns:a16="http://schemas.microsoft.com/office/drawing/2014/main" id="{A4E56C83-EE44-4E27-8460-1D17432659B6}"/>
+              </a:ext>
+            </a:extLst>
+          </p:cNvPr>
+          <p:cNvSpPr txBox="1"/>
+          <p:nvPr/>
+        </p:nvSpPr>
+        <p:spPr>
+          <a:xfrm>
+            <a:off x="7232120" y="952587"/>
+            <a:ext cx="1333057" cy="461665"/>
+          </a:xfrm>
+          <a:prstGeom prst="rect">
+            <a:avLst/>
+          </a:prstGeom>
+          <a:noFill/>
+        </p:spPr>
+        <p:txBody>
+          <a:bodyPr wrap="none" lIns="0" rtlCol="0">
+            <a:spAutoFit/>
+          </a:bodyPr>
+          <a:lstStyle>
+            <a:defPPr>
+              <a:defRPr lang="en-US"/>
+            </a:defPPr>
+            <a:lvl1pPr>
+              <a:defRPr sz="1200"/>
+            </a:lvl1pPr>
+          </a:lstStyle>
+          <a:p>
+            <a:pPr marL="0" marR="0" lvl="0" indent="0" defTabSz="457200" eaLnBrk="1" fontAlgn="auto" latinLnBrk="0" hangingPunct="1">
+              <a:lnSpc>
+                <a:spcPct val="100000"/>
+              </a:lnSpc>
+              <a:spcBef>
+                <a:spcPts val="0"/>
+              </a:spcBef>
+              <a:spcAft>
+                <a:spcPts val="0"/>
+              </a:spcAft>
+              <a:buClrTx/>
+              <a:buSzTx/>
+              <a:buFontTx/>
+              <a:buNone/>
+              <a:tabLst/>
+              <a:defRPr/>
+            </a:pPr>
+            <a:r>
+              <a:rPr kumimoji="0" lang="en-US" sz="1200" b="1" i="0" u="none" strike="noStrike" kern="0" cap="none" spc="0" normalizeH="0" baseline="0" noProof="0" dirty="0">
+                <a:ln>
+                  <a:noFill/>
+                </a:ln>
+                <a:solidFill>
+                  <a:prstClr val="black"/>
+                </a:solidFill>
+                <a:effectLst/>
+                <a:uLnTx/>
+                <a:uFillTx/>
+              </a:rPr>
+              <a:t>High Level </a:t>
+            </a:r>
+          </a:p>
+          <a:p>
+            <a:pPr marL="0" marR="0" lvl="0" indent="0" defTabSz="457200" eaLnBrk="1" fontAlgn="auto" latinLnBrk="0" hangingPunct="1">
+              <a:lnSpc>
+                <a:spcPct val="100000"/>
+              </a:lnSpc>
+              <a:spcBef>
+                <a:spcPts val="0"/>
+              </a:spcBef>
+              <a:spcAft>
+                <a:spcPts val="0"/>
+              </a:spcAft>
+              <a:buClrTx/>
+              <a:buSzTx/>
+              <a:buFontTx/>
+              <a:buNone/>
+              <a:tabLst/>
+              <a:defRPr/>
+            </a:pPr>
+            <a:r>
+              <a:rPr kumimoji="0" lang="en-US" sz="1200" b="1" i="0" u="none" strike="noStrike" kern="0" cap="none" spc="0" normalizeH="0" baseline="0" noProof="0" dirty="0">
+                <a:ln>
+                  <a:noFill/>
+                </a:ln>
+                <a:solidFill>
+                  <a:prstClr val="black"/>
+                </a:solidFill>
+                <a:effectLst/>
+                <a:uLnTx/>
+                <a:uFillTx/>
+              </a:rPr>
+              <a:t>Group Term (HLGT)</a:t>
+            </a:r>
+          </a:p>
+        </p:txBody>
+      </p:sp>
+      <p:sp>
+        <p:nvSpPr>
+          <p:cNvPr id="58" name="TextBox 57">
+            <a:extLst>
+              <a:ext uri="{FF2B5EF4-FFF2-40B4-BE49-F238E27FC236}">
+                <a16:creationId xmlns:a16="http://schemas.microsoft.com/office/drawing/2014/main" id="{2F1AAC04-8374-4056-9815-C7DB69F76A88}"/>
+              </a:ext>
+            </a:extLst>
+          </p:cNvPr>
+          <p:cNvSpPr txBox="1"/>
+          <p:nvPr/>
+        </p:nvSpPr>
+        <p:spPr>
+          <a:xfrm>
+            <a:off x="9164824" y="952587"/>
+            <a:ext cx="978794" cy="461665"/>
+          </a:xfrm>
+          <a:prstGeom prst="rect">
+            <a:avLst/>
+          </a:prstGeom>
+          <a:noFill/>
+        </p:spPr>
+        <p:txBody>
+          <a:bodyPr wrap="none" lIns="0" rtlCol="0">
+            <a:spAutoFit/>
+          </a:bodyPr>
+          <a:lstStyle/>
+          <a:p>
+            <a:pPr marL="0" marR="0" lvl="0" indent="0" defTabSz="457200" eaLnBrk="1" fontAlgn="auto" latinLnBrk="0" hangingPunct="1">
+              <a:lnSpc>
+                <a:spcPct val="100000"/>
+              </a:lnSpc>
+              <a:spcBef>
+                <a:spcPts val="0"/>
+              </a:spcBef>
+              <a:spcAft>
+                <a:spcPts val="0"/>
+              </a:spcAft>
+              <a:buClrTx/>
+              <a:buSzTx/>
+              <a:buFontTx/>
+              <a:buNone/>
+              <a:tabLst/>
+              <a:defRPr/>
+            </a:pPr>
+            <a:r>
+              <a:rPr kumimoji="0" lang="en-US" sz="1200" b="1" i="0" u="none" strike="noStrike" kern="0" cap="none" spc="0" normalizeH="0" baseline="0" noProof="0" dirty="0">
+                <a:ln>
+                  <a:noFill/>
+                </a:ln>
+                <a:solidFill>
+                  <a:prstClr val="black"/>
+                </a:solidFill>
+                <a:effectLst/>
+                <a:uLnTx/>
+                <a:uFillTx/>
+              </a:rPr>
+              <a:t>System Organ</a:t>
+            </a:r>
+          </a:p>
+          <a:p>
+            <a:pPr marL="0" marR="0" lvl="0" indent="0" defTabSz="457200" eaLnBrk="1" fontAlgn="auto" latinLnBrk="0" hangingPunct="1">
+              <a:lnSpc>
+                <a:spcPct val="100000"/>
+              </a:lnSpc>
+              <a:spcBef>
+                <a:spcPts val="0"/>
+              </a:spcBef>
+              <a:spcAft>
+                <a:spcPts val="0"/>
+              </a:spcAft>
+              <a:buClrTx/>
+              <a:buSzTx/>
+              <a:buFontTx/>
+              <a:buNone/>
+              <a:tabLst/>
+              <a:defRPr/>
+            </a:pPr>
+            <a:r>
+              <a:rPr kumimoji="0" lang="en-US" sz="1200" b="1" i="0" u="none" strike="noStrike" kern="0" cap="none" spc="0" normalizeH="0" baseline="0" noProof="0" dirty="0">
+                <a:ln>
+                  <a:noFill/>
+                </a:ln>
+                <a:solidFill>
+                  <a:prstClr val="black"/>
+                </a:solidFill>
+                <a:effectLst/>
+                <a:uLnTx/>
+                <a:uFillTx/>
+              </a:rPr>
+              <a:t>Class (SOC)</a:t>
+            </a:r>
+          </a:p>
+        </p:txBody>
+      </p:sp>
+      <p:sp>
+        <p:nvSpPr>
+          <p:cNvPr id="59" name="Rectangle: Rounded Corners 58">
+            <a:extLst>
+              <a:ext uri="{FF2B5EF4-FFF2-40B4-BE49-F238E27FC236}">
+                <a16:creationId xmlns:a16="http://schemas.microsoft.com/office/drawing/2014/main" id="{4F4E0A80-C5DD-4107-B10F-BA28998B4D76}"/>
+              </a:ext>
+            </a:extLst>
+          </p:cNvPr>
+          <p:cNvSpPr/>
+          <p:nvPr/>
+        </p:nvSpPr>
+        <p:spPr>
+          <a:xfrm>
+            <a:off x="3602741" y="3314279"/>
+            <a:ext cx="914400" cy="285887"/>
+          </a:xfrm>
+          <a:prstGeom prst="roundRect">
+            <a:avLst/>
+          </a:prstGeom>
+          <a:solidFill>
+            <a:srgbClr val="9BBB59">
+              <a:lumMod val="60000"/>
+              <a:lumOff val="40000"/>
+            </a:srgbClr>
+          </a:solidFill>
+          <a:ln w="9525" cap="flat" cmpd="sng" algn="ctr">
+            <a:solidFill>
+              <a:srgbClr val="4F81BD">
+                <a:shade val="95000"/>
+                <a:satMod val="105000"/>
+              </a:srgbClr>
+            </a:solidFill>
+            <a:prstDash val="solid"/>
+          </a:ln>
+          <a:effectLst>
+            <a:outerShdw blurRad="40000" dist="23000" dir="5400000" rotWithShape="0">
+              <a:srgbClr val="000000">
+                <a:alpha val="35000"/>
+              </a:srgbClr>
+            </a:outerShdw>
+          </a:effectLst>
+        </p:spPr>
+        <p:txBody>
+          <a:bodyPr rtlCol="0" anchor="ctr"/>
+          <a:lstStyle/>
+          <a:p>
+            <a:pPr marL="0" marR="0" lvl="0" indent="0" algn="ctr" defTabSz="457200" eaLnBrk="1" fontAlgn="auto" latinLnBrk="0" hangingPunct="1">
+              <a:lnSpc>
+                <a:spcPct val="100000"/>
+              </a:lnSpc>
+              <a:spcBef>
+                <a:spcPts val="0"/>
+              </a:spcBef>
+              <a:spcAft>
+                <a:spcPts val="0"/>
+              </a:spcAft>
+              <a:buClrTx/>
+              <a:buSzTx/>
+              <a:buFontTx/>
+              <a:buNone/>
+              <a:tabLst/>
+              <a:defRPr/>
+            </a:pPr>
+            <a:r>
+              <a:rPr kumimoji="0" lang="en-US" sz="1200" b="0" i="0" u="none" strike="noStrike" kern="0" cap="none" spc="0" normalizeH="0" baseline="0" noProof="0" dirty="0">
+                <a:ln>
+                  <a:noFill/>
+                </a:ln>
+                <a:solidFill>
+                  <a:prstClr val="black"/>
+                </a:solidFill>
+                <a:effectLst/>
+                <a:uLnTx/>
+                <a:uFillTx/>
+                <a:latin typeface="Calibri"/>
+                <a:ea typeface="+mn-ea"/>
+                <a:cs typeface="+mn-cs"/>
+              </a:rPr>
+              <a:t>10003053</a:t>
+            </a:r>
+          </a:p>
+        </p:txBody>
+      </p:sp>
+      <p:sp>
+        <p:nvSpPr>
+          <p:cNvPr id="60" name="Rectangle: Rounded Corners 59">
+            <a:extLst>
+              <a:ext uri="{FF2B5EF4-FFF2-40B4-BE49-F238E27FC236}">
+                <a16:creationId xmlns:a16="http://schemas.microsoft.com/office/drawing/2014/main" id="{0EFFAE54-FE15-4E60-A7CF-AD5A204EC1DE}"/>
+              </a:ext>
+            </a:extLst>
+          </p:cNvPr>
+          <p:cNvSpPr/>
+          <p:nvPr/>
+        </p:nvSpPr>
+        <p:spPr>
+          <a:xfrm>
+            <a:off x="5506812" y="2874899"/>
+            <a:ext cx="914400" cy="285887"/>
+          </a:xfrm>
+          <a:prstGeom prst="roundRect">
+            <a:avLst/>
+          </a:prstGeom>
+          <a:solidFill>
+            <a:srgbClr val="9BBB59">
+              <a:lumMod val="60000"/>
+              <a:lumOff val="40000"/>
+            </a:srgbClr>
+          </a:solidFill>
+          <a:ln w="9525" cap="flat" cmpd="sng" algn="ctr">
+            <a:solidFill>
+              <a:srgbClr val="4F81BD">
+                <a:shade val="95000"/>
+                <a:satMod val="105000"/>
+              </a:srgbClr>
+            </a:solidFill>
+            <a:prstDash val="solid"/>
+          </a:ln>
+          <a:effectLst>
+            <a:outerShdw blurRad="40000" dist="23000" dir="5400000" rotWithShape="0">
+              <a:srgbClr val="000000">
+                <a:alpha val="35000"/>
+              </a:srgbClr>
+            </a:outerShdw>
+          </a:effectLst>
+        </p:spPr>
+        <p:txBody>
+          <a:bodyPr rtlCol="0" anchor="ctr"/>
+          <a:lstStyle/>
+          <a:p>
+            <a:pPr marL="0" marR="0" lvl="0" indent="0" algn="ctr" defTabSz="457200" eaLnBrk="1" fontAlgn="auto" latinLnBrk="0" hangingPunct="1">
+              <a:lnSpc>
+                <a:spcPct val="100000"/>
+              </a:lnSpc>
+              <a:spcBef>
+                <a:spcPts val="0"/>
+              </a:spcBef>
+              <a:spcAft>
+                <a:spcPts val="0"/>
+              </a:spcAft>
+              <a:buClrTx/>
+              <a:buSzTx/>
+              <a:buFontTx/>
+              <a:buNone/>
+              <a:tabLst/>
+              <a:defRPr/>
+            </a:pPr>
+            <a:r>
+              <a:rPr kumimoji="0" lang="en-US" sz="1200" b="0" i="0" u="none" strike="noStrike" kern="0" cap="none" spc="0" normalizeH="0" baseline="0" noProof="0" dirty="0">
+                <a:ln>
+                  <a:noFill/>
+                </a:ln>
+                <a:solidFill>
+                  <a:prstClr val="black"/>
+                </a:solidFill>
+                <a:effectLst/>
+                <a:uLnTx/>
+                <a:uFillTx/>
+                <a:latin typeface="Calibri"/>
+                <a:ea typeface="+mn-ea"/>
+                <a:cs typeface="+mn-cs"/>
+              </a:rPr>
+              <a:t>10003057</a:t>
+            </a:r>
+          </a:p>
+        </p:txBody>
+      </p:sp>
+      <p:sp>
+        <p:nvSpPr>
+          <p:cNvPr id="61" name="Rectangle: Rounded Corners 60">
+            <a:extLst>
+              <a:ext uri="{FF2B5EF4-FFF2-40B4-BE49-F238E27FC236}">
+                <a16:creationId xmlns:a16="http://schemas.microsoft.com/office/drawing/2014/main" id="{D351CBAF-53BA-4697-85F3-F721D1EB6E84}"/>
+              </a:ext>
+            </a:extLst>
+          </p:cNvPr>
+          <p:cNvSpPr/>
+          <p:nvPr/>
+        </p:nvSpPr>
+        <p:spPr>
+          <a:xfrm>
+            <a:off x="5506812" y="4712526"/>
+            <a:ext cx="914400" cy="285887"/>
+          </a:xfrm>
+          <a:prstGeom prst="roundRect">
+            <a:avLst/>
+          </a:prstGeom>
+          <a:solidFill>
+            <a:srgbClr val="9BBB59">
+              <a:lumMod val="60000"/>
+              <a:lumOff val="40000"/>
+            </a:srgbClr>
+          </a:solidFill>
+          <a:ln w="9525" cap="flat" cmpd="sng" algn="ctr">
+            <a:solidFill>
+              <a:srgbClr val="4F81BD">
+                <a:shade val="95000"/>
+                <a:satMod val="105000"/>
+              </a:srgbClr>
+            </a:solidFill>
+            <a:prstDash val="solid"/>
+          </a:ln>
+          <a:effectLst>
+            <a:outerShdw blurRad="40000" dist="23000" dir="5400000" rotWithShape="0">
+              <a:srgbClr val="000000">
+                <a:alpha val="35000"/>
+              </a:srgbClr>
+            </a:outerShdw>
+          </a:effectLst>
+        </p:spPr>
+        <p:txBody>
+          <a:bodyPr rtlCol="0" anchor="ctr"/>
+          <a:lstStyle/>
+          <a:p>
+            <a:pPr marL="0" marR="0" lvl="0" indent="0" algn="ctr" defTabSz="457200" eaLnBrk="1" fontAlgn="auto" latinLnBrk="0" hangingPunct="1">
+              <a:lnSpc>
+                <a:spcPct val="100000"/>
+              </a:lnSpc>
+              <a:spcBef>
+                <a:spcPts val="0"/>
+              </a:spcBef>
+              <a:spcAft>
+                <a:spcPts val="0"/>
+              </a:spcAft>
+              <a:buClrTx/>
+              <a:buSzTx/>
+              <a:buFontTx/>
+              <a:buNone/>
+              <a:tabLst/>
+              <a:defRPr/>
+            </a:pPr>
+            <a:r>
+              <a:rPr kumimoji="0" lang="en-US" sz="1200" b="0" i="0" u="none" strike="noStrike" kern="0" cap="none" spc="0" normalizeH="0" baseline="0" noProof="0" dirty="0">
+                <a:ln>
+                  <a:noFill/>
+                </a:ln>
+                <a:solidFill>
+                  <a:prstClr val="black"/>
+                </a:solidFill>
+                <a:effectLst/>
+                <a:uLnTx/>
+                <a:uFillTx/>
+                <a:latin typeface="Calibri"/>
+                <a:ea typeface="+mn-ea"/>
+                <a:cs typeface="+mn-cs"/>
+              </a:rPr>
+              <a:t>10049293</a:t>
+            </a:r>
+          </a:p>
+        </p:txBody>
+      </p:sp>
+      <p:sp>
+        <p:nvSpPr>
+          <p:cNvPr id="62" name="Rectangle: Rounded Corners 61">
+            <a:extLst>
+              <a:ext uri="{FF2B5EF4-FFF2-40B4-BE49-F238E27FC236}">
+                <a16:creationId xmlns:a16="http://schemas.microsoft.com/office/drawing/2014/main" id="{2A4FD82B-36C5-40DF-9FC6-AC20DB128D49}"/>
+              </a:ext>
+            </a:extLst>
+          </p:cNvPr>
+          <p:cNvSpPr/>
+          <p:nvPr/>
+        </p:nvSpPr>
+        <p:spPr>
+          <a:xfrm>
+            <a:off x="7410883" y="2874899"/>
+            <a:ext cx="914400" cy="285887"/>
+          </a:xfrm>
+          <a:prstGeom prst="roundRect">
+            <a:avLst/>
+          </a:prstGeom>
+          <a:solidFill>
+            <a:srgbClr val="9BBB59">
+              <a:lumMod val="60000"/>
+              <a:lumOff val="40000"/>
+            </a:srgbClr>
+          </a:solidFill>
+          <a:ln w="9525" cap="flat" cmpd="sng" algn="ctr">
+            <a:solidFill>
+              <a:srgbClr val="4F81BD">
+                <a:shade val="95000"/>
+                <a:satMod val="105000"/>
+              </a:srgbClr>
+            </a:solidFill>
+            <a:prstDash val="solid"/>
+          </a:ln>
+          <a:effectLst>
+            <a:outerShdw blurRad="40000" dist="23000" dir="5400000" rotWithShape="0">
+              <a:srgbClr val="000000">
+                <a:alpha val="35000"/>
+              </a:srgbClr>
+            </a:outerShdw>
+          </a:effectLst>
+        </p:spPr>
+        <p:txBody>
+          <a:bodyPr rtlCol="0" anchor="ctr"/>
+          <a:lstStyle/>
+          <a:p>
+            <a:pPr marL="0" marR="0" lvl="0" indent="0" algn="ctr" defTabSz="457200" eaLnBrk="1" fontAlgn="auto" latinLnBrk="0" hangingPunct="1">
+              <a:lnSpc>
+                <a:spcPct val="100000"/>
+              </a:lnSpc>
+              <a:spcBef>
+                <a:spcPts val="0"/>
+              </a:spcBef>
+              <a:spcAft>
+                <a:spcPts val="0"/>
+              </a:spcAft>
+              <a:buClrTx/>
+              <a:buSzTx/>
+              <a:buFontTx/>
+              <a:buNone/>
+              <a:tabLst/>
+              <a:defRPr/>
+            </a:pPr>
+            <a:r>
+              <a:rPr kumimoji="0" lang="en-US" sz="1200" b="0" i="0" u="none" strike="noStrike" kern="0" cap="none" spc="0" normalizeH="0" baseline="0" noProof="0" dirty="0">
+                <a:ln>
+                  <a:noFill/>
+                </a:ln>
+                <a:solidFill>
+                  <a:prstClr val="black"/>
+                </a:solidFill>
+                <a:effectLst/>
+                <a:uLnTx/>
+                <a:uFillTx/>
+                <a:latin typeface="Calibri"/>
+                <a:ea typeface="+mn-ea"/>
+                <a:cs typeface="+mn-cs"/>
+              </a:rPr>
+              <a:t>10001316</a:t>
+            </a:r>
+          </a:p>
+        </p:txBody>
+      </p:sp>
+      <p:sp>
+        <p:nvSpPr>
+          <p:cNvPr id="63" name="Rectangle: Rounded Corners 62">
+            <a:extLst>
+              <a:ext uri="{FF2B5EF4-FFF2-40B4-BE49-F238E27FC236}">
+                <a16:creationId xmlns:a16="http://schemas.microsoft.com/office/drawing/2014/main" id="{9316F08E-2094-4998-A4B3-E9759D9EA10D}"/>
+              </a:ext>
+            </a:extLst>
+          </p:cNvPr>
+          <p:cNvSpPr/>
+          <p:nvPr/>
+        </p:nvSpPr>
+        <p:spPr>
+          <a:xfrm>
+            <a:off x="9314953" y="2398242"/>
+            <a:ext cx="914400" cy="285887"/>
+          </a:xfrm>
+          <a:prstGeom prst="roundRect">
+            <a:avLst/>
+          </a:prstGeom>
+          <a:solidFill>
+            <a:srgbClr val="9BBB59">
+              <a:lumMod val="60000"/>
+              <a:lumOff val="40000"/>
+            </a:srgbClr>
+          </a:solidFill>
+          <a:ln w="9525" cap="flat" cmpd="sng" algn="ctr">
+            <a:solidFill>
+              <a:srgbClr val="4F81BD">
+                <a:shade val="95000"/>
+                <a:satMod val="105000"/>
+              </a:srgbClr>
+            </a:solidFill>
+            <a:prstDash val="solid"/>
+          </a:ln>
+          <a:effectLst>
+            <a:outerShdw blurRad="40000" dist="23000" dir="5400000" rotWithShape="0">
+              <a:srgbClr val="000000">
+                <a:alpha val="35000"/>
+              </a:srgbClr>
+            </a:outerShdw>
+          </a:effectLst>
+        </p:spPr>
+        <p:txBody>
+          <a:bodyPr rtlCol="0" anchor="ctr"/>
+          <a:lstStyle/>
+          <a:p>
+            <a:pPr marL="0" marR="0" lvl="0" indent="0" algn="ctr" defTabSz="457200" eaLnBrk="1" fontAlgn="auto" latinLnBrk="0" hangingPunct="1">
+              <a:lnSpc>
+                <a:spcPct val="100000"/>
+              </a:lnSpc>
+              <a:spcBef>
+                <a:spcPts val="0"/>
+              </a:spcBef>
+              <a:spcAft>
+                <a:spcPts val="0"/>
+              </a:spcAft>
+              <a:buClrTx/>
+              <a:buSzTx/>
+              <a:buFontTx/>
+              <a:buNone/>
+              <a:tabLst/>
+              <a:defRPr/>
+            </a:pPr>
+            <a:r>
+              <a:rPr kumimoji="0" lang="en-US" sz="1200" b="0" i="0" u="none" strike="noStrike" kern="0" cap="none" spc="0" normalizeH="0" baseline="0" noProof="0" dirty="0">
+                <a:ln>
+                  <a:noFill/>
+                </a:ln>
+                <a:solidFill>
+                  <a:prstClr val="black"/>
+                </a:solidFill>
+                <a:effectLst/>
+                <a:uLnTx/>
+                <a:uFillTx/>
+                <a:latin typeface="Calibri"/>
+                <a:ea typeface="+mn-ea"/>
+                <a:cs typeface="+mn-cs"/>
+              </a:rPr>
+              <a:t>10018065</a:t>
+            </a:r>
+          </a:p>
+        </p:txBody>
+      </p:sp>
+      <p:sp>
+        <p:nvSpPr>
+          <p:cNvPr id="64" name="Rectangle: Rounded Corners 63">
+            <a:extLst>
+              <a:ext uri="{FF2B5EF4-FFF2-40B4-BE49-F238E27FC236}">
+                <a16:creationId xmlns:a16="http://schemas.microsoft.com/office/drawing/2014/main" id="{77EAC02B-4794-4F6C-872C-797E1ADB4654}"/>
+              </a:ext>
+            </a:extLst>
+          </p:cNvPr>
+          <p:cNvSpPr/>
+          <p:nvPr/>
+        </p:nvSpPr>
+        <p:spPr>
+          <a:xfrm>
+            <a:off x="9314953" y="3314279"/>
+            <a:ext cx="914400" cy="285887"/>
+          </a:xfrm>
+          <a:prstGeom prst="roundRect">
+            <a:avLst/>
+          </a:prstGeom>
+          <a:solidFill>
+            <a:srgbClr val="9BBB59">
+              <a:lumMod val="60000"/>
+              <a:lumOff val="40000"/>
+            </a:srgbClr>
+          </a:solidFill>
+          <a:ln w="9525" cap="flat" cmpd="sng" algn="ctr">
+            <a:solidFill>
+              <a:srgbClr val="4F81BD">
+                <a:shade val="95000"/>
+                <a:satMod val="105000"/>
+              </a:srgbClr>
+            </a:solidFill>
+            <a:prstDash val="solid"/>
+          </a:ln>
+          <a:effectLst>
+            <a:outerShdw blurRad="40000" dist="23000" dir="5400000" rotWithShape="0">
+              <a:srgbClr val="000000">
+                <a:alpha val="35000"/>
+              </a:srgbClr>
+            </a:outerShdw>
+          </a:effectLst>
+        </p:spPr>
+        <p:txBody>
+          <a:bodyPr rtlCol="0" anchor="ctr"/>
+          <a:lstStyle/>
+          <a:p>
+            <a:pPr marL="0" marR="0" lvl="0" indent="0" algn="ctr" defTabSz="457200" eaLnBrk="1" fontAlgn="auto" latinLnBrk="0" hangingPunct="1">
+              <a:lnSpc>
+                <a:spcPct val="100000"/>
+              </a:lnSpc>
+              <a:spcBef>
+                <a:spcPts val="0"/>
+              </a:spcBef>
+              <a:spcAft>
+                <a:spcPts val="0"/>
+              </a:spcAft>
+              <a:buClrTx/>
+              <a:buSzTx/>
+              <a:buFontTx/>
+              <a:buNone/>
+              <a:tabLst/>
+              <a:defRPr/>
+            </a:pPr>
+            <a:r>
+              <a:rPr kumimoji="0" lang="en-US" sz="1200" b="0" i="0" u="none" strike="noStrike" kern="0" cap="none" spc="0" normalizeH="0" baseline="0" noProof="0" dirty="0">
+                <a:ln>
+                  <a:noFill/>
+                </a:ln>
+                <a:solidFill>
+                  <a:prstClr val="black"/>
+                </a:solidFill>
+                <a:effectLst/>
+                <a:uLnTx/>
+                <a:uFillTx/>
+                <a:latin typeface="Calibri"/>
+                <a:ea typeface="+mn-ea"/>
+                <a:cs typeface="+mn-cs"/>
+              </a:rPr>
+              <a:t>10022117</a:t>
+            </a:r>
+          </a:p>
+        </p:txBody>
+      </p:sp>
+      <p:sp>
+        <p:nvSpPr>
+          <p:cNvPr id="65" name="Rectangle: Rounded Corners 64">
+            <a:extLst>
+              <a:ext uri="{FF2B5EF4-FFF2-40B4-BE49-F238E27FC236}">
+                <a16:creationId xmlns:a16="http://schemas.microsoft.com/office/drawing/2014/main" id="{479E7432-B65E-45D3-B186-D180BC1FE9DC}"/>
+              </a:ext>
+            </a:extLst>
+          </p:cNvPr>
+          <p:cNvSpPr/>
+          <p:nvPr/>
+        </p:nvSpPr>
+        <p:spPr>
+          <a:xfrm>
+            <a:off x="7410883" y="4712526"/>
+            <a:ext cx="914400" cy="285887"/>
+          </a:xfrm>
+          <a:prstGeom prst="roundRect">
+            <a:avLst/>
+          </a:prstGeom>
+          <a:solidFill>
+            <a:srgbClr val="9BBB59">
+              <a:lumMod val="60000"/>
+              <a:lumOff val="40000"/>
+            </a:srgbClr>
+          </a:solidFill>
+          <a:ln w="9525" cap="flat" cmpd="sng" algn="ctr">
+            <a:solidFill>
+              <a:srgbClr val="4F81BD">
+                <a:shade val="95000"/>
+                <a:satMod val="105000"/>
+              </a:srgbClr>
+            </a:solidFill>
+            <a:prstDash val="solid"/>
+          </a:ln>
+          <a:effectLst>
+            <a:outerShdw blurRad="40000" dist="23000" dir="5400000" rotWithShape="0">
+              <a:srgbClr val="000000">
+                <a:alpha val="35000"/>
+              </a:srgbClr>
+            </a:outerShdw>
+          </a:effectLst>
+        </p:spPr>
+        <p:txBody>
+          <a:bodyPr rtlCol="0" anchor="ctr"/>
+          <a:lstStyle/>
+          <a:p>
+            <a:pPr marL="0" marR="0" lvl="0" indent="0" algn="ctr" defTabSz="457200" eaLnBrk="1" fontAlgn="auto" latinLnBrk="0" hangingPunct="1">
+              <a:lnSpc>
+                <a:spcPct val="100000"/>
+              </a:lnSpc>
+              <a:spcBef>
+                <a:spcPts val="0"/>
+              </a:spcBef>
+              <a:spcAft>
+                <a:spcPts val="0"/>
+              </a:spcAft>
+              <a:buClrTx/>
+              <a:buSzTx/>
+              <a:buFontTx/>
+              <a:buNone/>
+              <a:tabLst/>
+              <a:defRPr/>
+            </a:pPr>
+            <a:r>
+              <a:rPr kumimoji="0" lang="en-US" sz="1200" b="0" i="0" u="none" strike="noStrike" kern="0" cap="none" spc="0" normalizeH="0" baseline="0" noProof="0" dirty="0">
+                <a:ln>
+                  <a:noFill/>
+                </a:ln>
+                <a:solidFill>
+                  <a:prstClr val="black"/>
+                </a:solidFill>
+                <a:effectLst/>
+                <a:uLnTx/>
+                <a:uFillTx/>
+                <a:latin typeface="Calibri"/>
+                <a:ea typeface="+mn-ea"/>
+                <a:cs typeface="+mn-cs"/>
+              </a:rPr>
+              <a:t>10014982</a:t>
+            </a:r>
+          </a:p>
+        </p:txBody>
+      </p:sp>
+      <p:sp>
+        <p:nvSpPr>
+          <p:cNvPr id="66" name="Rectangle: Rounded Corners 65">
+            <a:extLst>
+              <a:ext uri="{FF2B5EF4-FFF2-40B4-BE49-F238E27FC236}">
+                <a16:creationId xmlns:a16="http://schemas.microsoft.com/office/drawing/2014/main" id="{CCF19A2F-2C00-4839-9B4D-6086EC2D2CB7}"/>
+              </a:ext>
+            </a:extLst>
+          </p:cNvPr>
+          <p:cNvSpPr/>
+          <p:nvPr/>
+        </p:nvSpPr>
+        <p:spPr>
+          <a:xfrm>
+            <a:off x="9314953" y="4712526"/>
+            <a:ext cx="914400" cy="285887"/>
+          </a:xfrm>
+          <a:prstGeom prst="roundRect">
+            <a:avLst/>
+          </a:prstGeom>
+          <a:solidFill>
+            <a:srgbClr val="9BBB59">
+              <a:lumMod val="60000"/>
+              <a:lumOff val="40000"/>
+            </a:srgbClr>
+          </a:solidFill>
+          <a:ln w="9525" cap="flat" cmpd="sng" algn="ctr">
+            <a:solidFill>
+              <a:srgbClr val="4F81BD">
+                <a:shade val="95000"/>
+                <a:satMod val="105000"/>
+              </a:srgbClr>
+            </a:solidFill>
+            <a:prstDash val="solid"/>
+          </a:ln>
+          <a:effectLst>
+            <a:outerShdw blurRad="40000" dist="23000" dir="5400000" rotWithShape="0">
+              <a:srgbClr val="000000">
+                <a:alpha val="35000"/>
+              </a:srgbClr>
+            </a:outerShdw>
+          </a:effectLst>
+        </p:spPr>
+        <p:txBody>
+          <a:bodyPr rtlCol="0" anchor="ctr"/>
+          <a:lstStyle/>
+          <a:p>
+            <a:pPr marL="0" marR="0" lvl="0" indent="0" algn="ctr" defTabSz="457200" eaLnBrk="1" fontAlgn="auto" latinLnBrk="0" hangingPunct="1">
+              <a:lnSpc>
+                <a:spcPct val="100000"/>
+              </a:lnSpc>
+              <a:spcBef>
+                <a:spcPts val="0"/>
+              </a:spcBef>
+              <a:spcAft>
+                <a:spcPts val="0"/>
+              </a:spcAft>
+              <a:buClrTx/>
+              <a:buSzTx/>
+              <a:buFontTx/>
+              <a:buNone/>
+              <a:tabLst/>
+              <a:defRPr/>
+            </a:pPr>
+            <a:r>
+              <a:rPr kumimoji="0" lang="en-US" sz="1200" b="0" i="0" u="none" strike="noStrike" kern="0" cap="none" spc="0" normalizeH="0" baseline="0" noProof="0" dirty="0">
+                <a:ln>
+                  <a:noFill/>
+                </a:ln>
+                <a:solidFill>
+                  <a:prstClr val="black"/>
+                </a:solidFill>
+                <a:effectLst/>
+                <a:uLnTx/>
+                <a:uFillTx/>
+                <a:latin typeface="Calibri"/>
+                <a:ea typeface="+mn-ea"/>
+                <a:cs typeface="+mn-cs"/>
+              </a:rPr>
+              <a:t>10040785</a:t>
+            </a:r>
+          </a:p>
+        </p:txBody>
+      </p:sp>
+      <p:cxnSp>
+        <p:nvCxnSpPr>
+          <p:cNvPr id="67" name="Straight Arrow Connector 66">
+            <a:extLst>
+              <a:ext uri="{FF2B5EF4-FFF2-40B4-BE49-F238E27FC236}">
+                <a16:creationId xmlns:a16="http://schemas.microsoft.com/office/drawing/2014/main" id="{56B09CBC-0C9D-4154-B7D4-64729EFFB1E1}"/>
+              </a:ext>
+            </a:extLst>
+          </p:cNvPr>
+          <p:cNvCxnSpPr>
+            <a:stCxn id="52" idx="3"/>
+            <a:endCxn id="59" idx="1"/>
+          </p:cNvCxnSpPr>
+          <p:nvPr/>
+        </p:nvCxnSpPr>
+        <p:spPr>
+          <a:xfrm>
+            <a:off x="2613070" y="3457223"/>
+            <a:ext cx="989671" cy="0"/>
+          </a:xfrm>
+          <a:prstGeom prst="straightConnector1">
+            <a:avLst/>
+          </a:prstGeom>
+          <a:noFill/>
+          <a:ln w="25400" cap="flat" cmpd="sng" algn="ctr">
+            <a:solidFill>
+              <a:srgbClr val="4F81BD"/>
+            </a:solidFill>
+            <a:prstDash val="solid"/>
+            <a:tailEnd type="triangle"/>
+          </a:ln>
+          <a:effectLst>
+            <a:outerShdw blurRad="40000" dist="20000" dir="5400000" rotWithShape="0">
+              <a:srgbClr val="000000">
+                <a:alpha val="38000"/>
+              </a:srgbClr>
+            </a:outerShdw>
+          </a:effectLst>
+        </p:spPr>
+      </p:cxnSp>
+      <p:cxnSp>
+        <p:nvCxnSpPr>
+          <p:cNvPr id="68" name="Straight Arrow Connector 67">
+            <a:extLst>
+              <a:ext uri="{FF2B5EF4-FFF2-40B4-BE49-F238E27FC236}">
+                <a16:creationId xmlns:a16="http://schemas.microsoft.com/office/drawing/2014/main" id="{C68F8D12-6269-4AD1-8CDF-8C7143B02F04}"/>
+              </a:ext>
+            </a:extLst>
+          </p:cNvPr>
+          <p:cNvCxnSpPr>
+            <a:cxnSpLocks/>
+            <a:stCxn id="59" idx="3"/>
+            <a:endCxn id="60" idx="1"/>
+          </p:cNvCxnSpPr>
+          <p:nvPr/>
+        </p:nvCxnSpPr>
+        <p:spPr>
+          <a:xfrm flipV="1">
+            <a:off x="4517141" y="3017843"/>
+            <a:ext cx="989671" cy="439380"/>
+          </a:xfrm>
+          <a:prstGeom prst="straightConnector1">
+            <a:avLst/>
+          </a:prstGeom>
+          <a:noFill/>
+          <a:ln w="25400" cap="flat" cmpd="sng" algn="ctr">
+            <a:solidFill>
+              <a:srgbClr val="4F81BD"/>
+            </a:solidFill>
+            <a:prstDash val="solid"/>
+            <a:tailEnd type="triangle"/>
+          </a:ln>
+          <a:effectLst>
+            <a:outerShdw blurRad="40000" dist="20000" dir="5400000" rotWithShape="0">
+              <a:srgbClr val="000000">
+                <a:alpha val="38000"/>
+              </a:srgbClr>
+            </a:outerShdw>
+          </a:effectLst>
+        </p:spPr>
+      </p:cxnSp>
+      <p:cxnSp>
+        <p:nvCxnSpPr>
+          <p:cNvPr id="69" name="Straight Arrow Connector 68">
+            <a:extLst>
+              <a:ext uri="{FF2B5EF4-FFF2-40B4-BE49-F238E27FC236}">
+                <a16:creationId xmlns:a16="http://schemas.microsoft.com/office/drawing/2014/main" id="{D215E94B-B3AE-487D-BA65-5DF873EEE5B4}"/>
+              </a:ext>
+            </a:extLst>
+          </p:cNvPr>
+          <p:cNvCxnSpPr>
+            <a:cxnSpLocks/>
+            <a:stCxn id="59" idx="3"/>
+            <a:endCxn id="61" idx="1"/>
+          </p:cNvCxnSpPr>
+          <p:nvPr/>
+        </p:nvCxnSpPr>
+        <p:spPr>
+          <a:xfrm>
+            <a:off x="4517141" y="3457223"/>
+            <a:ext cx="989671" cy="1398247"/>
+          </a:xfrm>
+          <a:prstGeom prst="straightConnector1">
+            <a:avLst/>
+          </a:prstGeom>
+          <a:noFill/>
+          <a:ln w="25400" cap="flat" cmpd="sng" algn="ctr">
+            <a:solidFill>
+              <a:srgbClr val="4F81BD"/>
+            </a:solidFill>
+            <a:prstDash val="solid"/>
+            <a:tailEnd type="triangle"/>
+          </a:ln>
+          <a:effectLst>
+            <a:outerShdw blurRad="40000" dist="20000" dir="5400000" rotWithShape="0">
+              <a:srgbClr val="000000">
+                <a:alpha val="38000"/>
+              </a:srgbClr>
+            </a:outerShdw>
+          </a:effectLst>
+        </p:spPr>
+      </p:cxnSp>
+      <p:cxnSp>
+        <p:nvCxnSpPr>
+          <p:cNvPr id="70" name="Straight Arrow Connector 69">
+            <a:extLst>
+              <a:ext uri="{FF2B5EF4-FFF2-40B4-BE49-F238E27FC236}">
+                <a16:creationId xmlns:a16="http://schemas.microsoft.com/office/drawing/2014/main" id="{0B983F0F-15A1-49F1-ABFE-6263E547F583}"/>
+              </a:ext>
+            </a:extLst>
+          </p:cNvPr>
+          <p:cNvCxnSpPr>
+            <a:cxnSpLocks/>
+            <a:stCxn id="60" idx="3"/>
+            <a:endCxn id="62" idx="1"/>
+          </p:cNvCxnSpPr>
+          <p:nvPr/>
+        </p:nvCxnSpPr>
+        <p:spPr>
+          <a:xfrm>
+            <a:off x="6421212" y="3017843"/>
+            <a:ext cx="989671" cy="0"/>
+          </a:xfrm>
+          <a:prstGeom prst="straightConnector1">
+            <a:avLst/>
+          </a:prstGeom>
+          <a:noFill/>
+          <a:ln w="25400" cap="flat" cmpd="sng" algn="ctr">
+            <a:solidFill>
+              <a:srgbClr val="4F81BD"/>
+            </a:solidFill>
+            <a:prstDash val="solid"/>
+            <a:tailEnd type="triangle"/>
+          </a:ln>
+          <a:effectLst>
+            <a:outerShdw blurRad="40000" dist="20000" dir="5400000" rotWithShape="0">
+              <a:srgbClr val="000000">
+                <a:alpha val="38000"/>
+              </a:srgbClr>
+            </a:outerShdw>
+          </a:effectLst>
+        </p:spPr>
+      </p:cxnSp>
+      <p:cxnSp>
+        <p:nvCxnSpPr>
+          <p:cNvPr id="71" name="Straight Arrow Connector 70">
+            <a:extLst>
+              <a:ext uri="{FF2B5EF4-FFF2-40B4-BE49-F238E27FC236}">
+                <a16:creationId xmlns:a16="http://schemas.microsoft.com/office/drawing/2014/main" id="{1A1C6D70-0A1E-45CC-8D90-F768037A6179}"/>
+              </a:ext>
+            </a:extLst>
+          </p:cNvPr>
+          <p:cNvCxnSpPr>
+            <a:cxnSpLocks/>
+            <a:stCxn id="61" idx="3"/>
+            <a:endCxn id="65" idx="1"/>
+          </p:cNvCxnSpPr>
+          <p:nvPr/>
+        </p:nvCxnSpPr>
+        <p:spPr>
+          <a:xfrm>
+            <a:off x="6421212" y="4855470"/>
+            <a:ext cx="989671" cy="0"/>
+          </a:xfrm>
+          <a:prstGeom prst="straightConnector1">
+            <a:avLst/>
+          </a:prstGeom>
+          <a:noFill/>
+          <a:ln w="25400" cap="flat" cmpd="sng" algn="ctr">
+            <a:solidFill>
+              <a:srgbClr val="4F81BD"/>
+            </a:solidFill>
+            <a:prstDash val="solid"/>
+            <a:tailEnd type="triangle"/>
+          </a:ln>
+          <a:effectLst>
+            <a:outerShdw blurRad="40000" dist="20000" dir="5400000" rotWithShape="0">
+              <a:srgbClr val="000000">
+                <a:alpha val="38000"/>
+              </a:srgbClr>
+            </a:outerShdw>
+          </a:effectLst>
+        </p:spPr>
+      </p:cxnSp>
+      <p:cxnSp>
+        <p:nvCxnSpPr>
+          <p:cNvPr id="72" name="Straight Arrow Connector 71">
+            <a:extLst>
+              <a:ext uri="{FF2B5EF4-FFF2-40B4-BE49-F238E27FC236}">
+                <a16:creationId xmlns:a16="http://schemas.microsoft.com/office/drawing/2014/main" id="{D41F3DE5-6C84-465F-B0DE-698BF6EF1C5C}"/>
+              </a:ext>
+            </a:extLst>
+          </p:cNvPr>
+          <p:cNvCxnSpPr>
+            <a:cxnSpLocks/>
+            <a:stCxn id="62" idx="3"/>
+            <a:endCxn id="63" idx="1"/>
+          </p:cNvCxnSpPr>
+          <p:nvPr/>
+        </p:nvCxnSpPr>
+        <p:spPr>
+          <a:xfrm flipV="1">
+            <a:off x="8325283" y="2541186"/>
+            <a:ext cx="989670" cy="476657"/>
+          </a:xfrm>
+          <a:prstGeom prst="straightConnector1">
+            <a:avLst/>
+          </a:prstGeom>
+          <a:noFill/>
+          <a:ln w="25400" cap="flat" cmpd="sng" algn="ctr">
+            <a:solidFill>
+              <a:srgbClr val="4F81BD"/>
+            </a:solidFill>
+            <a:prstDash val="solid"/>
+            <a:tailEnd type="triangle"/>
+          </a:ln>
+          <a:effectLst>
+            <a:outerShdw blurRad="40000" dist="20000" dir="5400000" rotWithShape="0">
+              <a:srgbClr val="000000">
+                <a:alpha val="38000"/>
+              </a:srgbClr>
+            </a:outerShdw>
+          </a:effectLst>
+        </p:spPr>
+      </p:cxnSp>
+      <p:cxnSp>
+        <p:nvCxnSpPr>
+          <p:cNvPr id="73" name="Straight Arrow Connector 72">
+            <a:extLst>
+              <a:ext uri="{FF2B5EF4-FFF2-40B4-BE49-F238E27FC236}">
+                <a16:creationId xmlns:a16="http://schemas.microsoft.com/office/drawing/2014/main" id="{ECB932B2-E0B5-4C21-923B-A696F33573E5}"/>
+              </a:ext>
+            </a:extLst>
+          </p:cNvPr>
+          <p:cNvCxnSpPr>
+            <a:cxnSpLocks/>
+            <a:stCxn id="65" idx="3"/>
+            <a:endCxn id="66" idx="1"/>
+          </p:cNvCxnSpPr>
+          <p:nvPr/>
+        </p:nvCxnSpPr>
+        <p:spPr>
+          <a:xfrm>
+            <a:off x="8325283" y="4855470"/>
+            <a:ext cx="989670" cy="0"/>
+          </a:xfrm>
+          <a:prstGeom prst="straightConnector1">
+            <a:avLst/>
+          </a:prstGeom>
+          <a:noFill/>
+          <a:ln w="25400" cap="flat" cmpd="sng" algn="ctr">
+            <a:solidFill>
+              <a:srgbClr val="4F81BD"/>
+            </a:solidFill>
+            <a:prstDash val="solid"/>
+            <a:tailEnd type="triangle"/>
+          </a:ln>
+          <a:effectLst>
+            <a:outerShdw blurRad="40000" dist="20000" dir="5400000" rotWithShape="0">
+              <a:srgbClr val="000000">
+                <a:alpha val="38000"/>
+              </a:srgbClr>
+            </a:outerShdw>
+          </a:effectLst>
+        </p:spPr>
+      </p:cxnSp>
+      <p:sp>
+        <p:nvSpPr>
+          <p:cNvPr id="74" name="TextBox 73">
+            <a:extLst>
+              <a:ext uri="{FF2B5EF4-FFF2-40B4-BE49-F238E27FC236}">
+                <a16:creationId xmlns:a16="http://schemas.microsoft.com/office/drawing/2014/main" id="{B9710264-0D22-4152-9F23-F5D388C8BF8D}"/>
+              </a:ext>
+            </a:extLst>
+          </p:cNvPr>
+          <p:cNvSpPr txBox="1"/>
+          <p:nvPr/>
+        </p:nvSpPr>
+        <p:spPr>
+          <a:xfrm>
+            <a:off x="1528356" y="3671530"/>
+            <a:ext cx="1252728" cy="461665"/>
+          </a:xfrm>
+          <a:prstGeom prst="rect">
+            <a:avLst/>
+          </a:prstGeom>
+          <a:noFill/>
+        </p:spPr>
+        <p:txBody>
+          <a:bodyPr wrap="square" rtlCol="0">
+            <a:spAutoFit/>
+          </a:bodyPr>
+          <a:lstStyle/>
+          <a:p>
+            <a:pPr marL="0" marR="0" lvl="0" indent="0" algn="ctr" defTabSz="457200" eaLnBrk="1" fontAlgn="auto" latinLnBrk="0" hangingPunct="1">
+              <a:lnSpc>
+                <a:spcPct val="100000"/>
+              </a:lnSpc>
+              <a:spcBef>
+                <a:spcPts val="0"/>
+              </a:spcBef>
+              <a:spcAft>
+                <a:spcPts val="0"/>
+              </a:spcAft>
+              <a:buClrTx/>
+              <a:buSzTx/>
+              <a:buFontTx/>
+              <a:buNone/>
+              <a:tabLst/>
+              <a:defRPr/>
+            </a:pPr>
+            <a:r>
+              <a:rPr kumimoji="0" lang="en-US" sz="1200" b="0" i="1" u="none" strike="noStrike" kern="0" cap="none" spc="0" normalizeH="0" baseline="0" noProof="0" dirty="0">
+                <a:ln>
+                  <a:noFill/>
+                </a:ln>
+                <a:solidFill>
+                  <a:prstClr val="black"/>
+                </a:solidFill>
+                <a:effectLst/>
+                <a:uLnTx/>
+                <a:uFillTx/>
+              </a:rPr>
+              <a:t>Application site itching</a:t>
+            </a:r>
+          </a:p>
+        </p:txBody>
+      </p:sp>
+      <p:sp>
+        <p:nvSpPr>
+          <p:cNvPr id="75" name="TextBox 74">
+            <a:extLst>
+              <a:ext uri="{FF2B5EF4-FFF2-40B4-BE49-F238E27FC236}">
+                <a16:creationId xmlns:a16="http://schemas.microsoft.com/office/drawing/2014/main" id="{C8F15B18-6F85-47CA-91D4-BF98151ACA5B}"/>
+              </a:ext>
+            </a:extLst>
+          </p:cNvPr>
+          <p:cNvSpPr txBox="1"/>
+          <p:nvPr/>
+        </p:nvSpPr>
+        <p:spPr>
+          <a:xfrm>
+            <a:off x="3443172" y="3671530"/>
+            <a:ext cx="1252728" cy="461665"/>
+          </a:xfrm>
+          <a:prstGeom prst="rect">
+            <a:avLst/>
+          </a:prstGeom>
+          <a:noFill/>
+        </p:spPr>
+        <p:txBody>
+          <a:bodyPr wrap="square" rtlCol="0">
+            <a:spAutoFit/>
+          </a:bodyPr>
+          <a:lstStyle/>
+          <a:p>
+            <a:pPr marL="0" marR="0" lvl="0" indent="0" algn="ctr" defTabSz="457200" eaLnBrk="1" fontAlgn="auto" latinLnBrk="0" hangingPunct="1">
+              <a:lnSpc>
+                <a:spcPct val="100000"/>
+              </a:lnSpc>
+              <a:spcBef>
+                <a:spcPts val="0"/>
+              </a:spcBef>
+              <a:spcAft>
+                <a:spcPts val="0"/>
+              </a:spcAft>
+              <a:buClrTx/>
+              <a:buSzTx/>
+              <a:buFontTx/>
+              <a:buNone/>
+              <a:tabLst/>
+              <a:defRPr/>
+            </a:pPr>
+            <a:r>
+              <a:rPr kumimoji="0" lang="en-US" sz="1200" b="0" i="1" u="none" strike="noStrike" kern="0" cap="none" spc="0" normalizeH="0" baseline="0" noProof="0" dirty="0">
+                <a:ln>
+                  <a:noFill/>
+                </a:ln>
+                <a:solidFill>
+                  <a:prstClr val="black"/>
+                </a:solidFill>
+                <a:effectLst/>
+                <a:uLnTx/>
+                <a:uFillTx/>
+              </a:rPr>
+              <a:t>Application site pruritus</a:t>
+            </a:r>
+          </a:p>
+        </p:txBody>
+      </p:sp>
+      <p:sp>
+        <p:nvSpPr>
+          <p:cNvPr id="76" name="TextBox 75">
+            <a:extLst>
+              <a:ext uri="{FF2B5EF4-FFF2-40B4-BE49-F238E27FC236}">
+                <a16:creationId xmlns:a16="http://schemas.microsoft.com/office/drawing/2014/main" id="{FC421935-871D-4D99-9B2A-C940B9E39B26}"/>
+              </a:ext>
+            </a:extLst>
+          </p:cNvPr>
+          <p:cNvSpPr txBox="1"/>
+          <p:nvPr/>
+        </p:nvSpPr>
+        <p:spPr>
+          <a:xfrm>
+            <a:off x="2809662" y="3182738"/>
+            <a:ext cx="980450" cy="276999"/>
+          </a:xfrm>
+          <a:prstGeom prst="rect">
+            <a:avLst/>
+          </a:prstGeom>
+          <a:noFill/>
+        </p:spPr>
+        <p:txBody>
+          <a:bodyPr wrap="square" rtlCol="0">
+            <a:spAutoFit/>
+          </a:bodyPr>
+          <a:lstStyle/>
+          <a:p>
+            <a:pPr marL="0" marR="0" lvl="0" indent="0" defTabSz="457200" eaLnBrk="1" fontAlgn="auto" latinLnBrk="0" hangingPunct="1">
+              <a:lnSpc>
+                <a:spcPct val="100000"/>
+              </a:lnSpc>
+              <a:spcBef>
+                <a:spcPts val="0"/>
+              </a:spcBef>
+              <a:spcAft>
+                <a:spcPts val="0"/>
+              </a:spcAft>
+              <a:buClrTx/>
+              <a:buSzTx/>
+              <a:buFontTx/>
+              <a:buNone/>
+              <a:tabLst/>
+              <a:defRPr/>
+            </a:pPr>
+            <a:r>
+              <a:rPr kumimoji="0" lang="en-US" sz="1200" b="1" i="1" u="none" strike="noStrike" kern="0" cap="none" spc="0" normalizeH="0" baseline="0" noProof="0" dirty="0" err="1">
+                <a:ln>
+                  <a:noFill/>
+                </a:ln>
+                <a:solidFill>
+                  <a:srgbClr val="C0504D">
+                    <a:lumMod val="75000"/>
+                  </a:srgbClr>
+                </a:solidFill>
+                <a:effectLst/>
+                <a:uLnTx/>
+                <a:uFillTx/>
+              </a:rPr>
+              <a:t>hasPT</a:t>
+            </a:r>
+            <a:endParaRPr kumimoji="0" lang="en-US" sz="1200" b="1" i="1" u="none" strike="noStrike" kern="0" cap="none" spc="0" normalizeH="0" baseline="0" noProof="0" dirty="0">
+              <a:ln>
+                <a:noFill/>
+              </a:ln>
+              <a:solidFill>
+                <a:srgbClr val="C0504D">
+                  <a:lumMod val="75000"/>
+                </a:srgbClr>
+              </a:solidFill>
+              <a:effectLst/>
+              <a:uLnTx/>
+              <a:uFillTx/>
+            </a:endParaRPr>
+          </a:p>
+        </p:txBody>
+      </p:sp>
+      <p:cxnSp>
+        <p:nvCxnSpPr>
+          <p:cNvPr id="77" name="Straight Arrow Connector 76">
+            <a:extLst>
+              <a:ext uri="{FF2B5EF4-FFF2-40B4-BE49-F238E27FC236}">
+                <a16:creationId xmlns:a16="http://schemas.microsoft.com/office/drawing/2014/main" id="{1EB3AEE2-4897-41D7-B5F2-A8EC4C1B4226}"/>
+              </a:ext>
+            </a:extLst>
+          </p:cNvPr>
+          <p:cNvCxnSpPr>
+            <a:cxnSpLocks/>
+            <a:stCxn id="62" idx="3"/>
+            <a:endCxn id="64" idx="1"/>
+          </p:cNvCxnSpPr>
+          <p:nvPr/>
+        </p:nvCxnSpPr>
+        <p:spPr>
+          <a:xfrm>
+            <a:off x="8325283" y="3017843"/>
+            <a:ext cx="989670" cy="439380"/>
+          </a:xfrm>
+          <a:prstGeom prst="straightConnector1">
+            <a:avLst/>
+          </a:prstGeom>
+          <a:noFill/>
+          <a:ln w="25400" cap="flat" cmpd="sng" algn="ctr">
+            <a:solidFill>
+              <a:srgbClr val="4F81BD"/>
+            </a:solidFill>
+            <a:prstDash val="solid"/>
+            <a:tailEnd type="triangle"/>
+          </a:ln>
+          <a:effectLst>
+            <a:outerShdw blurRad="40000" dist="20000" dir="5400000" rotWithShape="0">
+              <a:srgbClr val="000000">
+                <a:alpha val="38000"/>
+              </a:srgbClr>
+            </a:outerShdw>
+          </a:effectLst>
+        </p:spPr>
+      </p:cxnSp>
+      <p:sp>
+        <p:nvSpPr>
+          <p:cNvPr id="78" name="TextBox 77">
+            <a:extLst>
+              <a:ext uri="{FF2B5EF4-FFF2-40B4-BE49-F238E27FC236}">
+                <a16:creationId xmlns:a16="http://schemas.microsoft.com/office/drawing/2014/main" id="{FCA550C5-7844-463C-B890-23F6985756ED}"/>
+              </a:ext>
+            </a:extLst>
+          </p:cNvPr>
+          <p:cNvSpPr txBox="1"/>
+          <p:nvPr/>
+        </p:nvSpPr>
+        <p:spPr>
+          <a:xfrm>
+            <a:off x="4680416" y="2885297"/>
+            <a:ext cx="980450" cy="276999"/>
+          </a:xfrm>
+          <a:prstGeom prst="rect">
+            <a:avLst/>
+          </a:prstGeom>
+          <a:noFill/>
+        </p:spPr>
+        <p:txBody>
+          <a:bodyPr wrap="square" rtlCol="0">
+            <a:spAutoFit/>
+          </a:bodyPr>
+          <a:lstStyle/>
+          <a:p>
+            <a:pPr marL="0" marR="0" lvl="0" indent="0" defTabSz="457200" eaLnBrk="1" fontAlgn="auto" latinLnBrk="0" hangingPunct="1">
+              <a:lnSpc>
+                <a:spcPct val="100000"/>
+              </a:lnSpc>
+              <a:spcBef>
+                <a:spcPts val="0"/>
+              </a:spcBef>
+              <a:spcAft>
+                <a:spcPts val="0"/>
+              </a:spcAft>
+              <a:buClrTx/>
+              <a:buSzTx/>
+              <a:buFontTx/>
+              <a:buNone/>
+              <a:tabLst/>
+              <a:defRPr/>
+            </a:pPr>
+            <a:r>
+              <a:rPr kumimoji="0" lang="en-US" sz="1200" b="1" i="1" u="none" strike="noStrike" kern="0" cap="none" spc="0" normalizeH="0" baseline="0" noProof="0" dirty="0" err="1">
+                <a:ln>
+                  <a:noFill/>
+                </a:ln>
+                <a:solidFill>
+                  <a:srgbClr val="C0504D">
+                    <a:lumMod val="75000"/>
+                  </a:srgbClr>
+                </a:solidFill>
+                <a:effectLst/>
+                <a:uLnTx/>
+                <a:uFillTx/>
+              </a:rPr>
+              <a:t>hasHLT</a:t>
+            </a:r>
+            <a:endParaRPr kumimoji="0" lang="en-US" sz="1200" b="1" i="1" u="none" strike="noStrike" kern="0" cap="none" spc="0" normalizeH="0" baseline="0" noProof="0" dirty="0">
+              <a:ln>
+                <a:noFill/>
+              </a:ln>
+              <a:solidFill>
+                <a:srgbClr val="C0504D">
+                  <a:lumMod val="75000"/>
+                </a:srgbClr>
+              </a:solidFill>
+              <a:effectLst/>
+              <a:uLnTx/>
+              <a:uFillTx/>
+            </a:endParaRPr>
+          </a:p>
+        </p:txBody>
+      </p:sp>
+      <p:sp>
+        <p:nvSpPr>
+          <p:cNvPr id="79" name="TextBox 78">
+            <a:extLst>
+              <a:ext uri="{FF2B5EF4-FFF2-40B4-BE49-F238E27FC236}">
+                <a16:creationId xmlns:a16="http://schemas.microsoft.com/office/drawing/2014/main" id="{92DFAE67-CBC7-4000-A8C2-B503AD9D76F7}"/>
+              </a:ext>
+            </a:extLst>
+          </p:cNvPr>
+          <p:cNvSpPr txBox="1"/>
+          <p:nvPr/>
+        </p:nvSpPr>
+        <p:spPr>
+          <a:xfrm>
+            <a:off x="4650827" y="4457933"/>
+            <a:ext cx="980450" cy="276999"/>
+          </a:xfrm>
+          <a:prstGeom prst="rect">
+            <a:avLst/>
+          </a:prstGeom>
+          <a:noFill/>
+        </p:spPr>
+        <p:txBody>
+          <a:bodyPr wrap="square" rtlCol="0">
+            <a:spAutoFit/>
+          </a:bodyPr>
+          <a:lstStyle/>
+          <a:p>
+            <a:pPr marL="0" marR="0" lvl="0" indent="0" defTabSz="457200" eaLnBrk="1" fontAlgn="auto" latinLnBrk="0" hangingPunct="1">
+              <a:lnSpc>
+                <a:spcPct val="100000"/>
+              </a:lnSpc>
+              <a:spcBef>
+                <a:spcPts val="0"/>
+              </a:spcBef>
+              <a:spcAft>
+                <a:spcPts val="0"/>
+              </a:spcAft>
+              <a:buClrTx/>
+              <a:buSzTx/>
+              <a:buFontTx/>
+              <a:buNone/>
+              <a:tabLst/>
+              <a:defRPr/>
+            </a:pPr>
+            <a:r>
+              <a:rPr kumimoji="0" lang="en-US" sz="1200" b="1" i="1" u="none" strike="noStrike" kern="0" cap="none" spc="0" normalizeH="0" baseline="0" noProof="0" dirty="0" err="1">
+                <a:ln>
+                  <a:noFill/>
+                </a:ln>
+                <a:solidFill>
+                  <a:srgbClr val="C0504D">
+                    <a:lumMod val="75000"/>
+                  </a:srgbClr>
+                </a:solidFill>
+                <a:effectLst/>
+                <a:uLnTx/>
+                <a:uFillTx/>
+              </a:rPr>
+              <a:t>hasHLT</a:t>
+            </a:r>
+            <a:endParaRPr kumimoji="0" lang="en-US" sz="1200" b="1" i="1" u="none" strike="noStrike" kern="0" cap="none" spc="0" normalizeH="0" baseline="0" noProof="0" dirty="0">
+              <a:ln>
+                <a:noFill/>
+              </a:ln>
+              <a:solidFill>
+                <a:srgbClr val="C0504D">
+                  <a:lumMod val="75000"/>
+                </a:srgbClr>
+              </a:solidFill>
+              <a:effectLst/>
+              <a:uLnTx/>
+              <a:uFillTx/>
+            </a:endParaRPr>
+          </a:p>
+        </p:txBody>
+      </p:sp>
+      <p:sp>
+        <p:nvSpPr>
+          <p:cNvPr id="80" name="TextBox 79">
+            <a:extLst>
+              <a:ext uri="{FF2B5EF4-FFF2-40B4-BE49-F238E27FC236}">
+                <a16:creationId xmlns:a16="http://schemas.microsoft.com/office/drawing/2014/main" id="{052BE881-2469-46B9-B864-476DCC2624C2}"/>
+              </a:ext>
+            </a:extLst>
+          </p:cNvPr>
+          <p:cNvSpPr txBox="1"/>
+          <p:nvPr/>
+        </p:nvSpPr>
+        <p:spPr>
+          <a:xfrm>
+            <a:off x="5347740" y="2214535"/>
+            <a:ext cx="1256352" cy="646331"/>
+          </a:xfrm>
+          <a:prstGeom prst="rect">
+            <a:avLst/>
+          </a:prstGeom>
+          <a:noFill/>
+        </p:spPr>
+        <p:txBody>
+          <a:bodyPr wrap="square" rtlCol="0">
+            <a:spAutoFit/>
+          </a:bodyPr>
+          <a:lstStyle/>
+          <a:p>
+            <a:pPr marL="0" marR="0" lvl="0" indent="0" algn="ctr" defTabSz="457200" eaLnBrk="1" fontAlgn="auto" latinLnBrk="0" hangingPunct="1">
+              <a:lnSpc>
+                <a:spcPct val="100000"/>
+              </a:lnSpc>
+              <a:spcBef>
+                <a:spcPts val="0"/>
+              </a:spcBef>
+              <a:spcAft>
+                <a:spcPts val="0"/>
+              </a:spcAft>
+              <a:buClrTx/>
+              <a:buSzTx/>
+              <a:buFontTx/>
+              <a:buNone/>
+              <a:tabLst/>
+              <a:defRPr/>
+            </a:pPr>
+            <a:r>
+              <a:rPr kumimoji="0" lang="en-US" sz="1200" b="0" i="1" u="none" strike="noStrike" kern="0" cap="none" spc="0" normalizeH="0" baseline="0" noProof="0" dirty="0">
+                <a:ln>
+                  <a:noFill/>
+                </a:ln>
+                <a:solidFill>
+                  <a:prstClr val="black"/>
+                </a:solidFill>
+                <a:effectLst/>
+                <a:uLnTx/>
+                <a:uFillTx/>
+              </a:rPr>
+              <a:t>Application and instillation site reactions</a:t>
+            </a:r>
+          </a:p>
+        </p:txBody>
+      </p:sp>
+      <p:sp>
+        <p:nvSpPr>
+          <p:cNvPr id="81" name="TextBox 80">
+            <a:extLst>
+              <a:ext uri="{FF2B5EF4-FFF2-40B4-BE49-F238E27FC236}">
+                <a16:creationId xmlns:a16="http://schemas.microsoft.com/office/drawing/2014/main" id="{FCBB3E9C-CF49-4BE6-A193-B9B4CDBC481E}"/>
+              </a:ext>
+            </a:extLst>
+          </p:cNvPr>
+          <p:cNvSpPr txBox="1"/>
+          <p:nvPr/>
+        </p:nvSpPr>
+        <p:spPr>
+          <a:xfrm>
+            <a:off x="5344369" y="5037401"/>
+            <a:ext cx="1252728" cy="276999"/>
+          </a:xfrm>
+          <a:prstGeom prst="rect">
+            <a:avLst/>
+          </a:prstGeom>
+          <a:noFill/>
+        </p:spPr>
+        <p:txBody>
+          <a:bodyPr wrap="square" rtlCol="0">
+            <a:spAutoFit/>
+          </a:bodyPr>
+          <a:lstStyle/>
+          <a:p>
+            <a:pPr marL="0" marR="0" lvl="0" indent="0" algn="ctr" defTabSz="457200" eaLnBrk="1" fontAlgn="auto" latinLnBrk="0" hangingPunct="1">
+              <a:lnSpc>
+                <a:spcPct val="100000"/>
+              </a:lnSpc>
+              <a:spcBef>
+                <a:spcPts val="0"/>
+              </a:spcBef>
+              <a:spcAft>
+                <a:spcPts val="0"/>
+              </a:spcAft>
+              <a:buClrTx/>
+              <a:buSzTx/>
+              <a:buFontTx/>
+              <a:buNone/>
+              <a:tabLst/>
+              <a:defRPr/>
+            </a:pPr>
+            <a:r>
+              <a:rPr kumimoji="0" lang="en-US" sz="1200" b="0" i="1" u="none" strike="noStrike" kern="0" cap="none" spc="0" normalizeH="0" baseline="0" noProof="0" dirty="0">
+                <a:ln>
+                  <a:noFill/>
+                </a:ln>
+                <a:solidFill>
+                  <a:prstClr val="black"/>
+                </a:solidFill>
+                <a:effectLst/>
+                <a:uLnTx/>
+                <a:uFillTx/>
+              </a:rPr>
+              <a:t>Pruritus NE C</a:t>
+            </a:r>
+          </a:p>
+        </p:txBody>
+      </p:sp>
+      <p:sp>
+        <p:nvSpPr>
+          <p:cNvPr id="82" name="TextBox 81">
+            <a:extLst>
+              <a:ext uri="{FF2B5EF4-FFF2-40B4-BE49-F238E27FC236}">
+                <a16:creationId xmlns:a16="http://schemas.microsoft.com/office/drawing/2014/main" id="{D71F7CFD-DEF4-4FAD-810B-F627E8206F6B}"/>
+              </a:ext>
+            </a:extLst>
+          </p:cNvPr>
+          <p:cNvSpPr txBox="1"/>
+          <p:nvPr/>
+        </p:nvSpPr>
+        <p:spPr>
+          <a:xfrm>
+            <a:off x="7240003" y="5037401"/>
+            <a:ext cx="1252728" cy="646331"/>
+          </a:xfrm>
+          <a:prstGeom prst="rect">
+            <a:avLst/>
+          </a:prstGeom>
+          <a:noFill/>
+        </p:spPr>
+        <p:txBody>
+          <a:bodyPr wrap="square" rtlCol="0">
+            <a:spAutoFit/>
+          </a:bodyPr>
+          <a:lstStyle/>
+          <a:p>
+            <a:pPr marL="0" marR="0" lvl="0" indent="0" algn="ctr" defTabSz="457200" eaLnBrk="1" fontAlgn="auto" latinLnBrk="0" hangingPunct="1">
+              <a:lnSpc>
+                <a:spcPct val="100000"/>
+              </a:lnSpc>
+              <a:spcBef>
+                <a:spcPts val="0"/>
+              </a:spcBef>
+              <a:spcAft>
+                <a:spcPts val="0"/>
+              </a:spcAft>
+              <a:buClrTx/>
+              <a:buSzTx/>
+              <a:buFontTx/>
+              <a:buNone/>
+              <a:tabLst/>
+              <a:defRPr/>
+            </a:pPr>
+            <a:r>
+              <a:rPr kumimoji="0" lang="en-US" sz="1200" b="0" i="1" u="none" strike="noStrike" kern="0" cap="none" spc="0" normalizeH="0" baseline="0" noProof="0" dirty="0">
+                <a:ln>
+                  <a:noFill/>
+                </a:ln>
+                <a:solidFill>
+                  <a:prstClr val="black"/>
+                </a:solidFill>
+                <a:effectLst/>
+                <a:uLnTx/>
+                <a:uFillTx/>
+              </a:rPr>
+              <a:t>Epidermal and dermal conditions</a:t>
+            </a:r>
+          </a:p>
+        </p:txBody>
+      </p:sp>
+      <p:sp>
+        <p:nvSpPr>
+          <p:cNvPr id="83" name="TextBox 82">
+            <a:extLst>
+              <a:ext uri="{FF2B5EF4-FFF2-40B4-BE49-F238E27FC236}">
+                <a16:creationId xmlns:a16="http://schemas.microsoft.com/office/drawing/2014/main" id="{E5CC7DF6-35F1-46C4-9374-8683E484D7C4}"/>
+              </a:ext>
+            </a:extLst>
+          </p:cNvPr>
+          <p:cNvSpPr txBox="1"/>
+          <p:nvPr/>
+        </p:nvSpPr>
+        <p:spPr>
+          <a:xfrm>
+            <a:off x="9150852" y="5037401"/>
+            <a:ext cx="1252728" cy="646331"/>
+          </a:xfrm>
+          <a:prstGeom prst="rect">
+            <a:avLst/>
+          </a:prstGeom>
+          <a:noFill/>
+        </p:spPr>
+        <p:txBody>
+          <a:bodyPr wrap="square" rtlCol="0">
+            <a:spAutoFit/>
+          </a:bodyPr>
+          <a:lstStyle/>
+          <a:p>
+            <a:pPr marL="0" marR="0" lvl="0" indent="0" algn="ctr" defTabSz="457200" eaLnBrk="1" fontAlgn="auto" latinLnBrk="0" hangingPunct="1">
+              <a:lnSpc>
+                <a:spcPct val="100000"/>
+              </a:lnSpc>
+              <a:spcBef>
+                <a:spcPts val="0"/>
+              </a:spcBef>
+              <a:spcAft>
+                <a:spcPts val="0"/>
+              </a:spcAft>
+              <a:buClrTx/>
+              <a:buSzTx/>
+              <a:buFontTx/>
+              <a:buNone/>
+              <a:tabLst/>
+              <a:defRPr/>
+            </a:pPr>
+            <a:r>
+              <a:rPr kumimoji="0" lang="en-US" sz="1200" b="0" i="1" u="none" strike="noStrike" kern="0" cap="none" spc="0" normalizeH="0" baseline="0" noProof="0" dirty="0">
+                <a:ln>
+                  <a:noFill/>
+                </a:ln>
+                <a:solidFill>
+                  <a:prstClr val="white">
+                    <a:lumMod val="95000"/>
+                  </a:prstClr>
+                </a:solidFill>
+                <a:effectLst/>
+                <a:uLnTx/>
+                <a:uFillTx/>
+              </a:rPr>
+              <a:t>Skin and subcutaneous  tissue disorders</a:t>
+            </a:r>
+          </a:p>
+        </p:txBody>
+      </p:sp>
+      <p:sp>
+        <p:nvSpPr>
+          <p:cNvPr id="84" name="TextBox 83">
+            <a:extLst>
+              <a:ext uri="{FF2B5EF4-FFF2-40B4-BE49-F238E27FC236}">
+                <a16:creationId xmlns:a16="http://schemas.microsoft.com/office/drawing/2014/main" id="{CF43B7DD-C435-42FF-B328-D3918E68BC18}"/>
+              </a:ext>
+            </a:extLst>
+          </p:cNvPr>
+          <p:cNvSpPr txBox="1"/>
+          <p:nvPr/>
+        </p:nvSpPr>
+        <p:spPr>
+          <a:xfrm>
+            <a:off x="6557749" y="2739795"/>
+            <a:ext cx="980450" cy="276999"/>
+          </a:xfrm>
+          <a:prstGeom prst="rect">
+            <a:avLst/>
+          </a:prstGeom>
+          <a:noFill/>
+        </p:spPr>
+        <p:txBody>
+          <a:bodyPr wrap="square" rtlCol="0">
+            <a:spAutoFit/>
+          </a:bodyPr>
+          <a:lstStyle/>
+          <a:p>
+            <a:pPr marL="0" marR="0" lvl="0" indent="0" defTabSz="457200" eaLnBrk="1" fontAlgn="auto" latinLnBrk="0" hangingPunct="1">
+              <a:lnSpc>
+                <a:spcPct val="100000"/>
+              </a:lnSpc>
+              <a:spcBef>
+                <a:spcPts val="0"/>
+              </a:spcBef>
+              <a:spcAft>
+                <a:spcPts val="0"/>
+              </a:spcAft>
+              <a:buClrTx/>
+              <a:buSzTx/>
+              <a:buFontTx/>
+              <a:buNone/>
+              <a:tabLst/>
+              <a:defRPr/>
+            </a:pPr>
+            <a:r>
+              <a:rPr kumimoji="0" lang="en-US" sz="1200" b="1" i="1" u="none" strike="noStrike" kern="0" cap="none" spc="0" normalizeH="0" baseline="0" noProof="0" dirty="0" err="1">
+                <a:ln>
+                  <a:noFill/>
+                </a:ln>
+                <a:solidFill>
+                  <a:srgbClr val="C0504D">
+                    <a:lumMod val="75000"/>
+                  </a:srgbClr>
+                </a:solidFill>
+                <a:effectLst/>
+                <a:uLnTx/>
+                <a:uFillTx/>
+              </a:rPr>
+              <a:t>hasHLGT</a:t>
+            </a:r>
+            <a:endParaRPr kumimoji="0" lang="en-US" sz="1200" b="1" i="1" u="none" strike="noStrike" kern="0" cap="none" spc="0" normalizeH="0" baseline="0" noProof="0" dirty="0">
+              <a:ln>
+                <a:noFill/>
+              </a:ln>
+              <a:solidFill>
+                <a:srgbClr val="C0504D">
+                  <a:lumMod val="75000"/>
+                </a:srgbClr>
+              </a:solidFill>
+              <a:effectLst/>
+              <a:uLnTx/>
+              <a:uFillTx/>
+            </a:endParaRPr>
+          </a:p>
+        </p:txBody>
+      </p:sp>
+      <p:sp>
+        <p:nvSpPr>
+          <p:cNvPr id="85" name="TextBox 84">
+            <a:extLst>
+              <a:ext uri="{FF2B5EF4-FFF2-40B4-BE49-F238E27FC236}">
+                <a16:creationId xmlns:a16="http://schemas.microsoft.com/office/drawing/2014/main" id="{69597800-091A-4FFE-B2C1-444A7CD7A1AB}"/>
+              </a:ext>
+            </a:extLst>
+          </p:cNvPr>
+          <p:cNvSpPr txBox="1"/>
+          <p:nvPr/>
+        </p:nvSpPr>
+        <p:spPr>
+          <a:xfrm>
+            <a:off x="6540234" y="4512004"/>
+            <a:ext cx="980450" cy="276999"/>
+          </a:xfrm>
+          <a:prstGeom prst="rect">
+            <a:avLst/>
+          </a:prstGeom>
+          <a:noFill/>
+        </p:spPr>
+        <p:txBody>
+          <a:bodyPr wrap="square" rtlCol="0">
+            <a:spAutoFit/>
+          </a:bodyPr>
+          <a:lstStyle/>
+          <a:p>
+            <a:pPr marL="0" marR="0" lvl="0" indent="0" defTabSz="457200" eaLnBrk="1" fontAlgn="auto" latinLnBrk="0" hangingPunct="1">
+              <a:lnSpc>
+                <a:spcPct val="100000"/>
+              </a:lnSpc>
+              <a:spcBef>
+                <a:spcPts val="0"/>
+              </a:spcBef>
+              <a:spcAft>
+                <a:spcPts val="0"/>
+              </a:spcAft>
+              <a:buClrTx/>
+              <a:buSzTx/>
+              <a:buFontTx/>
+              <a:buNone/>
+              <a:tabLst/>
+              <a:defRPr/>
+            </a:pPr>
+            <a:r>
+              <a:rPr kumimoji="0" lang="en-US" sz="1200" b="1" i="1" u="none" strike="noStrike" kern="0" cap="none" spc="0" normalizeH="0" baseline="0" noProof="0" dirty="0" err="1">
+                <a:ln>
+                  <a:noFill/>
+                </a:ln>
+                <a:solidFill>
+                  <a:srgbClr val="C0504D">
+                    <a:lumMod val="75000"/>
+                  </a:srgbClr>
+                </a:solidFill>
+                <a:effectLst/>
+                <a:uLnTx/>
+                <a:uFillTx/>
+              </a:rPr>
+              <a:t>hasHLGT</a:t>
+            </a:r>
+            <a:endParaRPr kumimoji="0" lang="en-US" sz="1200" b="1" i="1" u="none" strike="noStrike" kern="0" cap="none" spc="0" normalizeH="0" baseline="0" noProof="0" dirty="0">
+              <a:ln>
+                <a:noFill/>
+              </a:ln>
+              <a:solidFill>
+                <a:srgbClr val="C0504D">
+                  <a:lumMod val="75000"/>
+                </a:srgbClr>
+              </a:solidFill>
+              <a:effectLst/>
+              <a:uLnTx/>
+              <a:uFillTx/>
+            </a:endParaRPr>
+          </a:p>
+        </p:txBody>
+      </p:sp>
+      <p:sp>
+        <p:nvSpPr>
+          <p:cNvPr id="86" name="TextBox 85">
+            <a:extLst>
+              <a:ext uri="{FF2B5EF4-FFF2-40B4-BE49-F238E27FC236}">
+                <a16:creationId xmlns:a16="http://schemas.microsoft.com/office/drawing/2014/main" id="{52703848-49B9-4E48-AC14-69421F7E51EC}"/>
+              </a:ext>
+            </a:extLst>
+          </p:cNvPr>
+          <p:cNvSpPr txBox="1"/>
+          <p:nvPr/>
+        </p:nvSpPr>
+        <p:spPr>
+          <a:xfrm>
+            <a:off x="8482103" y="2422724"/>
+            <a:ext cx="980450" cy="277000"/>
+          </a:xfrm>
+          <a:prstGeom prst="rect">
+            <a:avLst/>
+          </a:prstGeom>
+          <a:noFill/>
+        </p:spPr>
+        <p:txBody>
+          <a:bodyPr wrap="square" rtlCol="0">
+            <a:spAutoFit/>
+          </a:bodyPr>
+          <a:lstStyle/>
+          <a:p>
+            <a:pPr marL="0" marR="0" lvl="0" indent="0" defTabSz="457200" eaLnBrk="1" fontAlgn="auto" latinLnBrk="0" hangingPunct="1">
+              <a:lnSpc>
+                <a:spcPct val="100000"/>
+              </a:lnSpc>
+              <a:spcBef>
+                <a:spcPts val="0"/>
+              </a:spcBef>
+              <a:spcAft>
+                <a:spcPts val="0"/>
+              </a:spcAft>
+              <a:buClrTx/>
+              <a:buSzTx/>
+              <a:buFontTx/>
+              <a:buNone/>
+              <a:tabLst/>
+              <a:defRPr/>
+            </a:pPr>
+            <a:r>
+              <a:rPr kumimoji="0" lang="en-US" sz="1200" b="1" i="1" u="none" strike="noStrike" kern="0" cap="none" spc="0" normalizeH="0" baseline="0" noProof="0" dirty="0" err="1">
+                <a:ln>
+                  <a:noFill/>
+                </a:ln>
+                <a:solidFill>
+                  <a:srgbClr val="C0504D">
+                    <a:lumMod val="75000"/>
+                  </a:srgbClr>
+                </a:solidFill>
+                <a:effectLst/>
+                <a:uLnTx/>
+                <a:uFillTx/>
+              </a:rPr>
+              <a:t>hasSOC</a:t>
+            </a:r>
+            <a:endParaRPr kumimoji="0" lang="en-US" sz="1200" b="1" i="1" u="none" strike="noStrike" kern="0" cap="none" spc="0" normalizeH="0" baseline="0" noProof="0" dirty="0">
+              <a:ln>
+                <a:noFill/>
+              </a:ln>
+              <a:solidFill>
+                <a:srgbClr val="C0504D">
+                  <a:lumMod val="75000"/>
+                </a:srgbClr>
+              </a:solidFill>
+              <a:effectLst/>
+              <a:uLnTx/>
+              <a:uFillTx/>
+            </a:endParaRPr>
+          </a:p>
+        </p:txBody>
+      </p:sp>
+      <p:sp>
+        <p:nvSpPr>
+          <p:cNvPr id="87" name="TextBox 86">
+            <a:extLst>
+              <a:ext uri="{FF2B5EF4-FFF2-40B4-BE49-F238E27FC236}">
+                <a16:creationId xmlns:a16="http://schemas.microsoft.com/office/drawing/2014/main" id="{41419843-768E-415A-99E3-34C223E74472}"/>
+              </a:ext>
+            </a:extLst>
+          </p:cNvPr>
+          <p:cNvSpPr txBox="1"/>
+          <p:nvPr/>
+        </p:nvSpPr>
+        <p:spPr>
+          <a:xfrm>
+            <a:off x="8478972" y="3371822"/>
+            <a:ext cx="684457" cy="276999"/>
+          </a:xfrm>
+          <a:prstGeom prst="rect">
+            <a:avLst/>
+          </a:prstGeom>
+          <a:noFill/>
+        </p:spPr>
+        <p:txBody>
+          <a:bodyPr wrap="square" rtlCol="0">
+            <a:spAutoFit/>
+          </a:bodyPr>
+          <a:lstStyle/>
+          <a:p>
+            <a:pPr marL="0" marR="0" lvl="0" indent="0" defTabSz="457200" eaLnBrk="1" fontAlgn="auto" latinLnBrk="0" hangingPunct="1">
+              <a:lnSpc>
+                <a:spcPct val="100000"/>
+              </a:lnSpc>
+              <a:spcBef>
+                <a:spcPts val="0"/>
+              </a:spcBef>
+              <a:spcAft>
+                <a:spcPts val="0"/>
+              </a:spcAft>
+              <a:buClrTx/>
+              <a:buSzTx/>
+              <a:buFontTx/>
+              <a:buNone/>
+              <a:tabLst/>
+              <a:defRPr/>
+            </a:pPr>
+            <a:r>
+              <a:rPr kumimoji="0" lang="en-US" sz="1200" b="1" i="1" u="none" strike="noStrike" kern="0" cap="none" spc="0" normalizeH="0" baseline="0" noProof="0" dirty="0" err="1">
+                <a:ln>
+                  <a:noFill/>
+                </a:ln>
+                <a:solidFill>
+                  <a:srgbClr val="C0504D">
+                    <a:lumMod val="75000"/>
+                  </a:srgbClr>
+                </a:solidFill>
+                <a:effectLst/>
+                <a:uLnTx/>
+                <a:uFillTx/>
+              </a:rPr>
+              <a:t>hasSOC</a:t>
+            </a:r>
+            <a:endParaRPr kumimoji="0" lang="en-US" sz="1200" b="1" i="1" u="none" strike="noStrike" kern="0" cap="none" spc="0" normalizeH="0" baseline="0" noProof="0" dirty="0">
+              <a:ln>
+                <a:noFill/>
+              </a:ln>
+              <a:solidFill>
+                <a:srgbClr val="C0504D">
+                  <a:lumMod val="75000"/>
+                </a:srgbClr>
+              </a:solidFill>
+              <a:effectLst/>
+              <a:uLnTx/>
+              <a:uFillTx/>
+            </a:endParaRPr>
+          </a:p>
+        </p:txBody>
+      </p:sp>
+      <p:sp>
+        <p:nvSpPr>
+          <p:cNvPr id="88" name="TextBox 87">
+            <a:extLst>
+              <a:ext uri="{FF2B5EF4-FFF2-40B4-BE49-F238E27FC236}">
+                <a16:creationId xmlns:a16="http://schemas.microsoft.com/office/drawing/2014/main" id="{E7408093-A5AF-4539-8CC6-20F6D8B09AB2}"/>
+              </a:ext>
+            </a:extLst>
+          </p:cNvPr>
+          <p:cNvSpPr txBox="1"/>
+          <p:nvPr/>
+        </p:nvSpPr>
+        <p:spPr>
+          <a:xfrm>
+            <a:off x="8482103" y="4523718"/>
+            <a:ext cx="980450" cy="276999"/>
+          </a:xfrm>
+          <a:prstGeom prst="rect">
+            <a:avLst/>
+          </a:prstGeom>
+          <a:noFill/>
+        </p:spPr>
+        <p:txBody>
+          <a:bodyPr wrap="square" rtlCol="0">
+            <a:spAutoFit/>
+          </a:bodyPr>
+          <a:lstStyle/>
+          <a:p>
+            <a:pPr marL="0" marR="0" lvl="0" indent="0" defTabSz="457200" eaLnBrk="1" fontAlgn="auto" latinLnBrk="0" hangingPunct="1">
+              <a:lnSpc>
+                <a:spcPct val="100000"/>
+              </a:lnSpc>
+              <a:spcBef>
+                <a:spcPts val="0"/>
+              </a:spcBef>
+              <a:spcAft>
+                <a:spcPts val="0"/>
+              </a:spcAft>
+              <a:buClrTx/>
+              <a:buSzTx/>
+              <a:buFontTx/>
+              <a:buNone/>
+              <a:tabLst/>
+              <a:defRPr/>
+            </a:pPr>
+            <a:r>
+              <a:rPr kumimoji="0" lang="en-US" sz="1200" b="1" i="1" u="none" strike="noStrike" kern="0" cap="none" spc="0" normalizeH="0" baseline="0" noProof="0" dirty="0" err="1">
+                <a:ln>
+                  <a:noFill/>
+                </a:ln>
+                <a:solidFill>
+                  <a:srgbClr val="C0504D">
+                    <a:lumMod val="75000"/>
+                  </a:srgbClr>
+                </a:solidFill>
+                <a:effectLst/>
+                <a:uLnTx/>
+                <a:uFillTx/>
+              </a:rPr>
+              <a:t>hasSOC</a:t>
+            </a:r>
+            <a:endParaRPr kumimoji="0" lang="en-US" sz="1200" b="1" i="1" u="none" strike="noStrike" kern="0" cap="none" spc="0" normalizeH="0" baseline="0" noProof="0" dirty="0">
+              <a:ln>
+                <a:noFill/>
+              </a:ln>
+              <a:solidFill>
+                <a:srgbClr val="C0504D">
+                  <a:lumMod val="75000"/>
+                </a:srgbClr>
+              </a:solidFill>
+              <a:effectLst/>
+              <a:uLnTx/>
+              <a:uFillTx/>
+            </a:endParaRPr>
+          </a:p>
+        </p:txBody>
+      </p:sp>
+      <p:sp>
+        <p:nvSpPr>
+          <p:cNvPr id="89" name="TextBox 88">
+            <a:extLst>
+              <a:ext uri="{FF2B5EF4-FFF2-40B4-BE49-F238E27FC236}">
+                <a16:creationId xmlns:a16="http://schemas.microsoft.com/office/drawing/2014/main" id="{49456963-00B3-4A33-851C-1C965C4D30D8}"/>
+              </a:ext>
+            </a:extLst>
+          </p:cNvPr>
+          <p:cNvSpPr txBox="1"/>
+          <p:nvPr/>
+        </p:nvSpPr>
+        <p:spPr>
+          <a:xfrm>
+            <a:off x="7240003" y="2421005"/>
+            <a:ext cx="1256352" cy="461665"/>
+          </a:xfrm>
+          <a:prstGeom prst="rect">
+            <a:avLst/>
+          </a:prstGeom>
+          <a:noFill/>
+        </p:spPr>
+        <p:txBody>
+          <a:bodyPr wrap="square" rtlCol="0">
+            <a:spAutoFit/>
+          </a:bodyPr>
+          <a:lstStyle/>
+          <a:p>
+            <a:pPr marL="0" marR="0" lvl="0" indent="0" algn="ctr" defTabSz="457200" eaLnBrk="1" fontAlgn="auto" latinLnBrk="0" hangingPunct="1">
+              <a:lnSpc>
+                <a:spcPct val="100000"/>
+              </a:lnSpc>
+              <a:spcBef>
+                <a:spcPts val="0"/>
+              </a:spcBef>
+              <a:spcAft>
+                <a:spcPts val="0"/>
+              </a:spcAft>
+              <a:buClrTx/>
+              <a:buSzTx/>
+              <a:buFontTx/>
+              <a:buNone/>
+              <a:tabLst/>
+              <a:defRPr/>
+            </a:pPr>
+            <a:r>
+              <a:rPr kumimoji="0" lang="en-US" sz="1200" b="0" i="1" u="none" strike="noStrike" kern="0" cap="none" spc="0" normalizeH="0" baseline="0" noProof="0" dirty="0">
+                <a:ln>
+                  <a:noFill/>
+                </a:ln>
+                <a:solidFill>
+                  <a:prstClr val="black"/>
+                </a:solidFill>
+                <a:effectLst/>
+                <a:uLnTx/>
+                <a:uFillTx/>
+              </a:rPr>
+              <a:t>Administration site reactions</a:t>
+            </a:r>
+          </a:p>
+        </p:txBody>
+      </p:sp>
+      <p:sp>
+        <p:nvSpPr>
+          <p:cNvPr id="90" name="TextBox 89">
+            <a:extLst>
+              <a:ext uri="{FF2B5EF4-FFF2-40B4-BE49-F238E27FC236}">
+                <a16:creationId xmlns:a16="http://schemas.microsoft.com/office/drawing/2014/main" id="{D30A3A44-57B0-42A1-BAEE-F82E1E6EFF0A}"/>
+              </a:ext>
+            </a:extLst>
+          </p:cNvPr>
+          <p:cNvSpPr txBox="1"/>
+          <p:nvPr/>
+        </p:nvSpPr>
+        <p:spPr>
+          <a:xfrm>
+            <a:off x="9100556" y="1583717"/>
+            <a:ext cx="1252728" cy="830997"/>
+          </a:xfrm>
+          <a:prstGeom prst="rect">
+            <a:avLst/>
+          </a:prstGeom>
+          <a:noFill/>
+        </p:spPr>
+        <p:txBody>
+          <a:bodyPr wrap="square" rtlCol="0">
+            <a:spAutoFit/>
+          </a:bodyPr>
+          <a:lstStyle/>
+          <a:p>
+            <a:pPr marL="0" marR="0" lvl="0" indent="0" algn="ctr" defTabSz="457200" eaLnBrk="1" fontAlgn="auto" latinLnBrk="0" hangingPunct="1">
+              <a:lnSpc>
+                <a:spcPct val="100000"/>
+              </a:lnSpc>
+              <a:spcBef>
+                <a:spcPts val="0"/>
+              </a:spcBef>
+              <a:spcAft>
+                <a:spcPts val="0"/>
+              </a:spcAft>
+              <a:buClrTx/>
+              <a:buSzTx/>
+              <a:buFontTx/>
+              <a:buNone/>
+              <a:tabLst/>
+              <a:defRPr/>
+            </a:pPr>
+            <a:r>
+              <a:rPr kumimoji="0" lang="en-US" sz="1200" b="0" i="1" u="none" strike="noStrike" kern="0" cap="none" spc="0" normalizeH="0" baseline="0" noProof="0" dirty="0">
+                <a:ln>
+                  <a:noFill/>
+                </a:ln>
+                <a:solidFill>
+                  <a:prstClr val="white">
+                    <a:lumMod val="95000"/>
+                  </a:prstClr>
+                </a:solidFill>
+                <a:effectLst/>
+                <a:uLnTx/>
+                <a:uFillTx/>
+              </a:rPr>
+              <a:t>General disorders and administration site conditions</a:t>
+            </a:r>
+          </a:p>
+        </p:txBody>
+      </p:sp>
+      <p:sp>
+        <p:nvSpPr>
+          <p:cNvPr id="91" name="TextBox 90">
+            <a:extLst>
+              <a:ext uri="{FF2B5EF4-FFF2-40B4-BE49-F238E27FC236}">
+                <a16:creationId xmlns:a16="http://schemas.microsoft.com/office/drawing/2014/main" id="{991EA09A-9DEF-400D-BAA0-FB150621345C}"/>
+              </a:ext>
+            </a:extLst>
+          </p:cNvPr>
+          <p:cNvSpPr txBox="1"/>
+          <p:nvPr/>
+        </p:nvSpPr>
+        <p:spPr>
+          <a:xfrm>
+            <a:off x="9163429" y="3617852"/>
+            <a:ext cx="1252728" cy="646331"/>
+          </a:xfrm>
+          <a:prstGeom prst="rect">
+            <a:avLst/>
+          </a:prstGeom>
+          <a:noFill/>
+        </p:spPr>
+        <p:txBody>
+          <a:bodyPr wrap="square" rtlCol="0">
+            <a:spAutoFit/>
+          </a:bodyPr>
+          <a:lstStyle/>
+          <a:p>
+            <a:pPr marL="0" marR="0" lvl="0" indent="0" algn="ctr" defTabSz="457200" eaLnBrk="1" fontAlgn="auto" latinLnBrk="0" hangingPunct="1">
+              <a:lnSpc>
+                <a:spcPct val="100000"/>
+              </a:lnSpc>
+              <a:spcBef>
+                <a:spcPts val="0"/>
+              </a:spcBef>
+              <a:spcAft>
+                <a:spcPts val="0"/>
+              </a:spcAft>
+              <a:buClrTx/>
+              <a:buSzTx/>
+              <a:buFontTx/>
+              <a:buNone/>
+              <a:tabLst/>
+              <a:defRPr/>
+            </a:pPr>
+            <a:r>
+              <a:rPr kumimoji="0" lang="en-US" sz="1200" b="0" i="1" u="none" strike="noStrike" kern="0" cap="none" spc="0" normalizeH="0" baseline="0" noProof="0" dirty="0">
+                <a:ln>
+                  <a:noFill/>
+                </a:ln>
+                <a:solidFill>
+                  <a:prstClr val="white">
+                    <a:lumMod val="95000"/>
+                  </a:prstClr>
+                </a:solidFill>
+                <a:effectLst/>
+                <a:uLnTx/>
+                <a:uFillTx/>
+              </a:rPr>
+              <a:t>Injury, poisoning, and procedural complications</a:t>
+            </a:r>
+          </a:p>
+        </p:txBody>
+      </p:sp>
+    </p:spTree>
+    <p:extLst>
+      <p:ext uri="{BB962C8B-B14F-4D97-AF65-F5344CB8AC3E}">
+        <p14:creationId xmlns:p14="http://schemas.microsoft.com/office/powerpoint/2010/main" val="1792381466"/>
+      </p:ext>
+    </p:extLst>
+  </p:cSld>
+  <p:clrMapOvr>
+    <a:masterClrMapping/>
+  </p:clrMapOvr>
+</p:sld>
+</file>
+
+<file path=ppt/slides/slide5.xml><?xml version="1.0" encoding="utf-8"?>
+<p:sld xmlns:a="http://schemas.openxmlformats.org/drawingml/2006/main" xmlns:r="http://schemas.openxmlformats.org/officeDocument/2006/relationships" xmlns:p="http://schemas.openxmlformats.org/presentationml/2006/main">
+  <p:cSld>
+    <p:spTree>
+      <p:nvGrpSpPr>
+        <p:cNvPr id="1" name=""/>
+        <p:cNvGrpSpPr/>
+        <p:nvPr/>
+      </p:nvGrpSpPr>
+      <p:grpSpPr>
+        <a:xfrm>
+          <a:off x="0" y="0"/>
+          <a:ext cx="0" cy="0"/>
+          <a:chOff x="0" y="0"/>
+          <a:chExt cx="0" cy="0"/>
+        </a:xfrm>
+      </p:grpSpPr>
+      <p:pic>
+        <p:nvPicPr>
+          <p:cNvPr id="4" name="Picture 3">
+            <a:extLst>
+              <a:ext uri="{FF2B5EF4-FFF2-40B4-BE49-F238E27FC236}">
+                <a16:creationId xmlns:a16="http://schemas.microsoft.com/office/drawing/2014/main" id="{4B9B41CB-22D1-44BF-88FF-716F8B21025B}"/>
+              </a:ext>
+            </a:extLst>
+          </p:cNvPr>
+          <p:cNvPicPr>
+            <a:picLocks noChangeAspect="1"/>
+          </p:cNvPicPr>
+          <p:nvPr/>
+        </p:nvPicPr>
+        <p:blipFill>
+          <a:blip r:embed="rId2"/>
+          <a:stretch>
+            <a:fillRect/>
+          </a:stretch>
+        </p:blipFill>
+        <p:spPr>
+          <a:xfrm>
+            <a:off x="1515972" y="877959"/>
+            <a:ext cx="8301593" cy="5397655"/>
+          </a:xfrm>
+          <a:prstGeom prst="rect">
+            <a:avLst/>
+          </a:prstGeom>
+        </p:spPr>
+      </p:pic>
+    </p:spTree>
+    <p:extLst>
+      <p:ext uri="{BB962C8B-B14F-4D97-AF65-F5344CB8AC3E}">
+        <p14:creationId xmlns:p14="http://schemas.microsoft.com/office/powerpoint/2010/main" val="3816191388"/>
+      </p:ext>
+    </p:extLst>
+  </p:cSld>
+  <p:clrMapOvr>
+    <a:masterClrMapping/>
+  </p:clrMapOvr>
+</p:sld>
+</file>
+
+<file path=ppt/slides/slide6.xml><?xml version="1.0" encoding="utf-8"?>
+<p:sld xmlns:a="http://schemas.openxmlformats.org/drawingml/2006/main" xmlns:r="http://schemas.openxmlformats.org/officeDocument/2006/relationships" xmlns:p="http://schemas.openxmlformats.org/presentationml/2006/main">
+  <p:cSld>
+    <p:spTree>
+      <p:nvGrpSpPr>
+        <p:cNvPr id="1" name=""/>
+        <p:cNvGrpSpPr/>
+        <p:nvPr/>
+      </p:nvGrpSpPr>
+      <p:grpSpPr>
+        <a:xfrm>
+          <a:off x="0" y="0"/>
+          <a:ext cx="0" cy="0"/>
+          <a:chOff x="0" y="0"/>
+          <a:chExt cx="0" cy="0"/>
+        </a:xfrm>
+      </p:grpSpPr>
+      <p:sp>
+        <p:nvSpPr>
+          <p:cNvPr id="4" name="Rectangle: Rounded Corners 3">
+            <a:extLst>
+              <a:ext uri="{FF2B5EF4-FFF2-40B4-BE49-F238E27FC236}">
+                <a16:creationId xmlns:a16="http://schemas.microsoft.com/office/drawing/2014/main" id="{C78C5C24-5466-4645-968F-987FBEB60528}"/>
+              </a:ext>
+            </a:extLst>
+          </p:cNvPr>
+          <p:cNvSpPr/>
+          <p:nvPr/>
+        </p:nvSpPr>
+        <p:spPr>
+          <a:xfrm>
+            <a:off x="1790950" y="346442"/>
+            <a:ext cx="1645920" cy="365760"/>
+          </a:xfrm>
+          <a:prstGeom prst="roundRect">
+            <a:avLst/>
+          </a:prstGeom>
+          <a:solidFill>
+            <a:schemeClr val="accent1">
+              <a:lumMod val="60000"/>
+              <a:lumOff val="40000"/>
+            </a:schemeClr>
+          </a:solidFill>
+        </p:spPr>
+        <p:style>
+          <a:lnRef idx="2">
+            <a:schemeClr val="accent1">
+              <a:shade val="50000"/>
+            </a:schemeClr>
+          </a:lnRef>
+          <a:fillRef idx="1">
+            <a:schemeClr val="accent1"/>
+          </a:fillRef>
+          <a:effectRef idx="0">
+            <a:schemeClr val="accent1"/>
+          </a:effectRef>
+          <a:fontRef idx="minor">
+            <a:schemeClr val="lt1"/>
+          </a:fontRef>
+        </p:style>
+        <p:txBody>
+          <a:bodyPr rtlCol="0" anchor="ctr"/>
+          <a:lstStyle/>
+          <a:p>
+            <a:pPr algn="ctr"/>
+            <a:r>
+              <a:rPr lang="en-US" sz="1400" b="1" dirty="0" err="1">
+                <a:solidFill>
+                  <a:schemeClr val="tx1"/>
+                </a:solidFill>
+              </a:rPr>
+              <a:t>medDRAReadAsc.R</a:t>
+            </a:r>
+            <a:endParaRPr lang="en-US" sz="1400" b="1" dirty="0">
+              <a:solidFill>
+                <a:schemeClr val="tx1"/>
+              </a:solidFill>
+            </a:endParaRPr>
+          </a:p>
+        </p:txBody>
+      </p:sp>
+      <p:sp>
+        <p:nvSpPr>
+          <p:cNvPr id="9" name="TextBox 8">
+            <a:extLst>
+              <a:ext uri="{FF2B5EF4-FFF2-40B4-BE49-F238E27FC236}">
+                <a16:creationId xmlns:a16="http://schemas.microsoft.com/office/drawing/2014/main" id="{DAA08777-1FA1-4F6D-91F1-085A5A676404}"/>
+              </a:ext>
+            </a:extLst>
+          </p:cNvPr>
+          <p:cNvSpPr txBox="1"/>
+          <p:nvPr/>
+        </p:nvSpPr>
+        <p:spPr>
+          <a:xfrm flipH="1">
+            <a:off x="3549574" y="351636"/>
+            <a:ext cx="1479468" cy="276999"/>
+          </a:xfrm>
+          <a:prstGeom prst="rect">
+            <a:avLst/>
+          </a:prstGeom>
+          <a:noFill/>
+        </p:spPr>
+        <p:txBody>
+          <a:bodyPr wrap="square" rtlCol="0">
+            <a:spAutoFit/>
+          </a:bodyPr>
+          <a:lstStyle/>
+          <a:p>
+            <a:r>
+              <a:rPr lang="en-US" sz="1200" dirty="0"/>
+              <a:t>Conversion Program</a:t>
+            </a:r>
+          </a:p>
+        </p:txBody>
+      </p:sp>
+      <p:cxnSp>
+        <p:nvCxnSpPr>
+          <p:cNvPr id="11" name="Straight Arrow Connector 10">
+            <a:extLst>
+              <a:ext uri="{FF2B5EF4-FFF2-40B4-BE49-F238E27FC236}">
+                <a16:creationId xmlns:a16="http://schemas.microsoft.com/office/drawing/2014/main" id="{5374CE40-28B3-40AD-83CB-9F02ED36A7B3}"/>
+              </a:ext>
+            </a:extLst>
+          </p:cNvPr>
+          <p:cNvCxnSpPr>
+            <a:cxnSpLocks/>
+            <a:stCxn id="10" idx="3"/>
+            <a:endCxn id="273" idx="1"/>
+          </p:cNvCxnSpPr>
+          <p:nvPr/>
+        </p:nvCxnSpPr>
+        <p:spPr>
+          <a:xfrm>
+            <a:off x="1895792" y="1074067"/>
+            <a:ext cx="640849" cy="1"/>
+          </a:xfrm>
+          <a:prstGeom prst="straightConnector1">
+            <a:avLst/>
+          </a:prstGeom>
+          <a:ln w="25400">
+            <a:tailEnd type="triangle"/>
+          </a:ln>
+        </p:spPr>
+        <p:style>
+          <a:lnRef idx="1">
+            <a:schemeClr val="accent1"/>
+          </a:lnRef>
+          <a:fillRef idx="0">
+            <a:schemeClr val="accent1"/>
+          </a:fillRef>
+          <a:effectRef idx="0">
+            <a:schemeClr val="accent1"/>
+          </a:effectRef>
+          <a:fontRef idx="minor">
+            <a:schemeClr val="tx1"/>
+          </a:fontRef>
+        </p:style>
+      </p:cxnSp>
+      <p:cxnSp>
+        <p:nvCxnSpPr>
+          <p:cNvPr id="19" name="Straight Arrow Connector 18">
+            <a:extLst>
+              <a:ext uri="{FF2B5EF4-FFF2-40B4-BE49-F238E27FC236}">
+                <a16:creationId xmlns:a16="http://schemas.microsoft.com/office/drawing/2014/main" id="{4219D928-B0F9-48A7-B56F-9979FD1C6D72}"/>
+              </a:ext>
+            </a:extLst>
+          </p:cNvPr>
+          <p:cNvCxnSpPr>
+            <a:cxnSpLocks/>
+            <a:stCxn id="63" idx="1"/>
+            <a:endCxn id="280" idx="3"/>
+          </p:cNvCxnSpPr>
+          <p:nvPr/>
+        </p:nvCxnSpPr>
+        <p:spPr>
+          <a:xfrm flipH="1">
+            <a:off x="2688506" y="2442691"/>
+            <a:ext cx="546472" cy="3193"/>
+          </a:xfrm>
+          <a:prstGeom prst="straightConnector1">
+            <a:avLst/>
+          </a:prstGeom>
+          <a:ln w="25400">
+            <a:tailEnd type="triangle"/>
+          </a:ln>
+        </p:spPr>
+        <p:style>
+          <a:lnRef idx="1">
+            <a:schemeClr val="accent1"/>
+          </a:lnRef>
+          <a:fillRef idx="0">
+            <a:schemeClr val="accent1"/>
+          </a:fillRef>
+          <a:effectRef idx="0">
+            <a:schemeClr val="accent1"/>
+          </a:effectRef>
+          <a:fontRef idx="minor">
+            <a:schemeClr val="tx1"/>
+          </a:fontRef>
+        </p:style>
+      </p:cxnSp>
+      <p:sp>
+        <p:nvSpPr>
+          <p:cNvPr id="20" name="Rectangle: Rounded Corners 19">
+            <a:extLst>
+              <a:ext uri="{FF2B5EF4-FFF2-40B4-BE49-F238E27FC236}">
+                <a16:creationId xmlns:a16="http://schemas.microsoft.com/office/drawing/2014/main" id="{BED2EE9A-8BD8-47D1-8F7C-3799999C287B}"/>
+              </a:ext>
+            </a:extLst>
+          </p:cNvPr>
+          <p:cNvSpPr/>
+          <p:nvPr/>
+        </p:nvSpPr>
+        <p:spPr>
+          <a:xfrm>
+            <a:off x="7103766" y="1656081"/>
+            <a:ext cx="1920240" cy="365760"/>
+          </a:xfrm>
+          <a:prstGeom prst="roundRect">
+            <a:avLst/>
+          </a:prstGeom>
+          <a:solidFill>
+            <a:schemeClr val="bg1">
+              <a:lumMod val="85000"/>
+            </a:schemeClr>
+          </a:solidFill>
+        </p:spPr>
+        <p:style>
+          <a:lnRef idx="2">
+            <a:schemeClr val="accent1">
+              <a:shade val="50000"/>
+            </a:schemeClr>
+          </a:lnRef>
+          <a:fillRef idx="1">
+            <a:schemeClr val="accent1"/>
+          </a:fillRef>
+          <a:effectRef idx="0">
+            <a:schemeClr val="accent1"/>
+          </a:effectRef>
+          <a:fontRef idx="minor">
+            <a:schemeClr val="lt1"/>
+          </a:fontRef>
+        </p:style>
+        <p:txBody>
+          <a:bodyPr lIns="45720" rIns="45720" rtlCol="0" anchor="ctr"/>
+          <a:lstStyle/>
+          <a:p>
+            <a:pPr algn="ctr"/>
+            <a:r>
+              <a:rPr lang="en-US" sz="1200" dirty="0">
+                <a:solidFill>
+                  <a:schemeClr val="tx1"/>
+                </a:solidFill>
+              </a:rPr>
+              <a:t>_</a:t>
+            </a:r>
+            <a:r>
+              <a:rPr lang="en-US" sz="1200" dirty="0" err="1">
+                <a:solidFill>
+                  <a:schemeClr val="tx1"/>
+                </a:solidFill>
+              </a:rPr>
+              <a:t>SAS_Audit_im_map.TTL</a:t>
+            </a:r>
+            <a:endParaRPr lang="en-US" sz="1200" dirty="0">
+              <a:solidFill>
+                <a:schemeClr val="tx1"/>
+              </a:solidFill>
+            </a:endParaRPr>
+          </a:p>
+        </p:txBody>
+      </p:sp>
+      <p:sp>
+        <p:nvSpPr>
+          <p:cNvPr id="21" name="Rectangle: Rounded Corners 20">
+            <a:extLst>
+              <a:ext uri="{FF2B5EF4-FFF2-40B4-BE49-F238E27FC236}">
+                <a16:creationId xmlns:a16="http://schemas.microsoft.com/office/drawing/2014/main" id="{AE3C5127-F46D-4BE9-AD67-B14D2CA1209D}"/>
+              </a:ext>
+            </a:extLst>
+          </p:cNvPr>
+          <p:cNvSpPr/>
+          <p:nvPr/>
+        </p:nvSpPr>
+        <p:spPr>
+          <a:xfrm>
+            <a:off x="7103766" y="976951"/>
+            <a:ext cx="1920240" cy="365760"/>
+          </a:xfrm>
+          <a:prstGeom prst="roundRect">
+            <a:avLst/>
+          </a:prstGeom>
+          <a:solidFill>
+            <a:schemeClr val="bg1">
+              <a:lumMod val="85000"/>
+            </a:schemeClr>
+          </a:solidFill>
+        </p:spPr>
+        <p:style>
+          <a:lnRef idx="2">
+            <a:schemeClr val="accent1">
+              <a:shade val="50000"/>
+            </a:schemeClr>
+          </a:lnRef>
+          <a:fillRef idx="1">
+            <a:schemeClr val="accent1"/>
+          </a:fillRef>
+          <a:effectRef idx="0">
+            <a:schemeClr val="accent1"/>
+          </a:effectRef>
+          <a:fontRef idx="minor">
+            <a:schemeClr val="lt1"/>
+          </a:fontRef>
+        </p:style>
+        <p:txBody>
+          <a:bodyPr lIns="45720" rIns="45720" rtlCol="0" anchor="ctr"/>
+          <a:lstStyle/>
+          <a:p>
+            <a:pPr algn="ctr"/>
+            <a:r>
+              <a:rPr lang="en-US" sz="1200" dirty="0" err="1">
+                <a:solidFill>
+                  <a:schemeClr val="tx1"/>
+                </a:solidFill>
+              </a:rPr>
+              <a:t>people_im_map.TTL</a:t>
+            </a:r>
+            <a:endParaRPr lang="en-US" sz="1200" dirty="0">
+              <a:solidFill>
+                <a:schemeClr val="tx1"/>
+              </a:solidFill>
+            </a:endParaRPr>
+          </a:p>
+        </p:txBody>
+      </p:sp>
+      <p:cxnSp>
+        <p:nvCxnSpPr>
+          <p:cNvPr id="24" name="Straight Arrow Connector 23">
+            <a:extLst>
+              <a:ext uri="{FF2B5EF4-FFF2-40B4-BE49-F238E27FC236}">
+                <a16:creationId xmlns:a16="http://schemas.microsoft.com/office/drawing/2014/main" id="{104A12A4-4129-45C0-9AAD-9EE58A50F8B8}"/>
+              </a:ext>
+            </a:extLst>
+          </p:cNvPr>
+          <p:cNvCxnSpPr>
+            <a:cxnSpLocks/>
+            <a:stCxn id="4" idx="2"/>
+            <a:endCxn id="273" idx="0"/>
+          </p:cNvCxnSpPr>
+          <p:nvPr/>
+        </p:nvCxnSpPr>
+        <p:spPr>
+          <a:xfrm flipH="1">
+            <a:off x="2612574" y="712202"/>
+            <a:ext cx="1336" cy="265315"/>
+          </a:xfrm>
+          <a:prstGeom prst="straightConnector1">
+            <a:avLst/>
+          </a:prstGeom>
+          <a:ln w="25400">
+            <a:solidFill>
+              <a:schemeClr val="bg1">
+                <a:lumMod val="65000"/>
+              </a:schemeClr>
+            </a:solidFill>
+            <a:tailEnd type="triangle"/>
+          </a:ln>
+        </p:spPr>
+        <p:style>
+          <a:lnRef idx="1">
+            <a:schemeClr val="accent1"/>
+          </a:lnRef>
+          <a:fillRef idx="0">
+            <a:schemeClr val="accent1"/>
+          </a:fillRef>
+          <a:effectRef idx="0">
+            <a:schemeClr val="accent1"/>
+          </a:effectRef>
+          <a:fontRef idx="minor">
+            <a:schemeClr val="tx1"/>
+          </a:fontRef>
+        </p:style>
+      </p:cxnSp>
+      <p:grpSp>
+        <p:nvGrpSpPr>
+          <p:cNvPr id="30" name="Group 29">
+            <a:extLst>
+              <a:ext uri="{FF2B5EF4-FFF2-40B4-BE49-F238E27FC236}">
+                <a16:creationId xmlns:a16="http://schemas.microsoft.com/office/drawing/2014/main" id="{1569E72C-91CB-4F72-B4A2-86A08AB1799F}"/>
+              </a:ext>
+            </a:extLst>
+          </p:cNvPr>
+          <p:cNvGrpSpPr/>
+          <p:nvPr/>
+        </p:nvGrpSpPr>
+        <p:grpSpPr>
+          <a:xfrm>
+            <a:off x="7149865" y="2806605"/>
+            <a:ext cx="1760037" cy="1013910"/>
+            <a:chOff x="184552" y="3858794"/>
+            <a:chExt cx="1760037" cy="1013910"/>
+          </a:xfrm>
+        </p:grpSpPr>
+        <p:sp>
+          <p:nvSpPr>
+            <p:cNvPr id="31" name="Rectangle 30">
+              <a:extLst>
+                <a:ext uri="{FF2B5EF4-FFF2-40B4-BE49-F238E27FC236}">
+                  <a16:creationId xmlns:a16="http://schemas.microsoft.com/office/drawing/2014/main" id="{5515EAA1-5025-4523-8877-ABAE30063C88}"/>
+                </a:ext>
+              </a:extLst>
+            </p:cNvPr>
+            <p:cNvSpPr/>
+            <p:nvPr/>
+          </p:nvSpPr>
+          <p:spPr>
+            <a:xfrm>
+              <a:off x="221059" y="3858794"/>
+              <a:ext cx="1502735" cy="1013910"/>
+            </a:xfrm>
+            <a:prstGeom prst="rect">
+              <a:avLst/>
+            </a:prstGeom>
+            <a:solidFill>
+              <a:schemeClr val="accent4">
+                <a:lumMod val="40000"/>
+                <a:lumOff val="60000"/>
+              </a:schemeClr>
+            </a:solidFill>
+          </p:spPr>
+          <p:style>
+            <a:lnRef idx="2">
+              <a:schemeClr val="accent1">
+                <a:shade val="50000"/>
+              </a:schemeClr>
+            </a:lnRef>
+            <a:fillRef idx="1">
+              <a:schemeClr val="accent1"/>
+            </a:fillRef>
+            <a:effectRef idx="0">
+              <a:schemeClr val="accent1"/>
+            </a:effectRef>
+            <a:fontRef idx="minor">
+              <a:schemeClr val="lt1"/>
+            </a:fontRef>
+          </p:style>
+          <p:txBody>
+            <a:bodyPr rtlCol="0" anchor="ctr"/>
+            <a:lstStyle/>
+            <a:p>
+              <a:pPr algn="ctr"/>
+              <a:endParaRPr lang="en-US"/>
+            </a:p>
+          </p:txBody>
+        </p:sp>
+        <p:sp>
+          <p:nvSpPr>
+            <p:cNvPr id="32" name="Flowchart: Magnetic Disk 31">
+              <a:extLst>
+                <a:ext uri="{FF2B5EF4-FFF2-40B4-BE49-F238E27FC236}">
+                  <a16:creationId xmlns:a16="http://schemas.microsoft.com/office/drawing/2014/main" id="{12029AB4-C7C6-484A-97A8-330065B3BB05}"/>
+                </a:ext>
+              </a:extLst>
+            </p:cNvPr>
+            <p:cNvSpPr/>
+            <p:nvPr/>
+          </p:nvSpPr>
+          <p:spPr>
+            <a:xfrm>
+              <a:off x="784585" y="4130743"/>
+              <a:ext cx="375683" cy="401695"/>
+            </a:xfrm>
+            <a:prstGeom prst="flowChartMagneticDisk">
+              <a:avLst/>
+            </a:prstGeom>
+            <a:solidFill>
+              <a:srgbClr val="FFC000"/>
+            </a:solidFill>
+            <a:ln>
+              <a:solidFill>
+                <a:schemeClr val="tx1"/>
+              </a:solidFill>
+            </a:ln>
+          </p:spPr>
+          <p:style>
+            <a:lnRef idx="2">
+              <a:schemeClr val="accent1">
+                <a:shade val="50000"/>
+              </a:schemeClr>
+            </a:lnRef>
+            <a:fillRef idx="1">
+              <a:schemeClr val="accent1"/>
+            </a:fillRef>
+            <a:effectRef idx="0">
+              <a:schemeClr val="accent1"/>
+            </a:effectRef>
+            <a:fontRef idx="minor">
+              <a:schemeClr val="lt1"/>
+            </a:fontRef>
+          </p:style>
+          <p:txBody>
+            <a:bodyPr rtlCol="0" anchor="ctr"/>
+            <a:lstStyle/>
+            <a:p>
+              <a:pPr algn="ctr"/>
+              <a:endParaRPr lang="en-US"/>
+            </a:p>
+          </p:txBody>
+        </p:sp>
+        <p:sp>
+          <p:nvSpPr>
+            <p:cNvPr id="33" name="TextBox 32">
+              <a:extLst>
+                <a:ext uri="{FF2B5EF4-FFF2-40B4-BE49-F238E27FC236}">
+                  <a16:creationId xmlns:a16="http://schemas.microsoft.com/office/drawing/2014/main" id="{1B84E0EF-7BCE-432A-812A-F8FB00BD09B5}"/>
+                </a:ext>
+              </a:extLst>
+            </p:cNvPr>
+            <p:cNvSpPr txBox="1"/>
+            <p:nvPr/>
+          </p:nvSpPr>
+          <p:spPr>
+            <a:xfrm flipH="1">
+              <a:off x="184552" y="4523887"/>
+              <a:ext cx="1760037" cy="253916"/>
+            </a:xfrm>
+            <a:prstGeom prst="rect">
+              <a:avLst/>
+            </a:prstGeom>
+            <a:noFill/>
+          </p:spPr>
+          <p:txBody>
+            <a:bodyPr wrap="square" rtlCol="0">
+              <a:spAutoFit/>
+            </a:bodyPr>
+            <a:lstStyle/>
+            <a:p>
+              <a:r>
+                <a:rPr lang="en-US" sz="1050" b="1" dirty="0" err="1"/>
+                <a:t>DataReviewTool-Ont.TTL</a:t>
+              </a:r>
+              <a:endParaRPr lang="en-US" sz="1050" b="1" dirty="0"/>
+            </a:p>
+          </p:txBody>
+        </p:sp>
+      </p:grpSp>
+      <p:sp>
+        <p:nvSpPr>
+          <p:cNvPr id="35" name="Flowchart: Magnetic Disk 34">
+            <a:extLst>
+              <a:ext uri="{FF2B5EF4-FFF2-40B4-BE49-F238E27FC236}">
+                <a16:creationId xmlns:a16="http://schemas.microsoft.com/office/drawing/2014/main" id="{C9385CCC-1272-4D32-BA5B-D66DC5EEA09D}"/>
+              </a:ext>
+            </a:extLst>
+          </p:cNvPr>
+          <p:cNvSpPr/>
+          <p:nvPr/>
+        </p:nvSpPr>
+        <p:spPr>
+          <a:xfrm>
+            <a:off x="11158924" y="3463406"/>
+            <a:ext cx="375683" cy="401695"/>
+          </a:xfrm>
+          <a:prstGeom prst="flowChartMagneticDisk">
+            <a:avLst/>
+          </a:prstGeom>
+          <a:solidFill>
+            <a:srgbClr val="CC99FF"/>
+          </a:solidFill>
+          <a:ln>
+            <a:solidFill>
+              <a:schemeClr val="tx1"/>
+            </a:solidFill>
+          </a:ln>
+        </p:spPr>
+        <p:style>
+          <a:lnRef idx="2">
+            <a:schemeClr val="accent1">
+              <a:shade val="50000"/>
+            </a:schemeClr>
+          </a:lnRef>
+          <a:fillRef idx="1">
+            <a:schemeClr val="accent1"/>
+          </a:fillRef>
+          <a:effectRef idx="0">
+            <a:schemeClr val="accent1"/>
+          </a:effectRef>
+          <a:fontRef idx="minor">
+            <a:schemeClr val="lt1"/>
+          </a:fontRef>
+        </p:style>
+        <p:txBody>
+          <a:bodyPr rtlCol="0" anchor="ctr"/>
+          <a:lstStyle/>
+          <a:p>
+            <a:pPr algn="ctr"/>
+            <a:endParaRPr lang="en-US"/>
+          </a:p>
+        </p:txBody>
+      </p:sp>
+      <p:sp>
+        <p:nvSpPr>
+          <p:cNvPr id="37" name="Rectangle: Rounded Corners 36">
+            <a:extLst>
+              <a:ext uri="{FF2B5EF4-FFF2-40B4-BE49-F238E27FC236}">
+                <a16:creationId xmlns:a16="http://schemas.microsoft.com/office/drawing/2014/main" id="{36F0524D-C4D2-406B-B29F-D8B995EF1F1B}"/>
+              </a:ext>
+            </a:extLst>
+          </p:cNvPr>
+          <p:cNvSpPr/>
+          <p:nvPr/>
+        </p:nvSpPr>
+        <p:spPr>
+          <a:xfrm>
+            <a:off x="8472761" y="3193917"/>
+            <a:ext cx="1737360" cy="365760"/>
+          </a:xfrm>
+          <a:prstGeom prst="roundRect">
+            <a:avLst/>
+          </a:prstGeom>
+          <a:solidFill>
+            <a:schemeClr val="accent6">
+              <a:lumMod val="20000"/>
+              <a:lumOff val="80000"/>
+            </a:schemeClr>
+          </a:solidFill>
+        </p:spPr>
+        <p:style>
+          <a:lnRef idx="2">
+            <a:schemeClr val="accent1">
+              <a:shade val="50000"/>
+            </a:schemeClr>
+          </a:lnRef>
+          <a:fillRef idx="1">
+            <a:schemeClr val="accent1"/>
+          </a:fillRef>
+          <a:effectRef idx="0">
+            <a:schemeClr val="accent1"/>
+          </a:effectRef>
+          <a:fontRef idx="minor">
+            <a:schemeClr val="lt1"/>
+          </a:fontRef>
+        </p:style>
+        <p:txBody>
+          <a:bodyPr rtlCol="0" anchor="ctr"/>
+          <a:lstStyle/>
+          <a:p>
+            <a:pPr algn="ctr"/>
+            <a:r>
+              <a:rPr lang="en-US" sz="1200" dirty="0" err="1">
+                <a:solidFill>
+                  <a:schemeClr val="tx1"/>
+                </a:solidFill>
+              </a:rPr>
+              <a:t>ChecksOntToJSON</a:t>
+            </a:r>
+            <a:r>
+              <a:rPr lang="en-US" sz="1200" dirty="0">
+                <a:solidFill>
+                  <a:schemeClr val="tx1"/>
+                </a:solidFill>
+              </a:rPr>
+              <a:t>-TTL.R</a:t>
+            </a:r>
+          </a:p>
+        </p:txBody>
+      </p:sp>
+      <p:cxnSp>
+        <p:nvCxnSpPr>
+          <p:cNvPr id="38" name="Connector: Elbow 37">
+            <a:extLst>
+              <a:ext uri="{FF2B5EF4-FFF2-40B4-BE49-F238E27FC236}">
+                <a16:creationId xmlns:a16="http://schemas.microsoft.com/office/drawing/2014/main" id="{241E245B-054A-4AA8-BF09-BD33B1D5F9CC}"/>
+              </a:ext>
+            </a:extLst>
+          </p:cNvPr>
+          <p:cNvCxnSpPr>
+            <a:cxnSpLocks/>
+            <a:stCxn id="31" idx="2"/>
+            <a:endCxn id="37" idx="1"/>
+          </p:cNvCxnSpPr>
+          <p:nvPr/>
+        </p:nvCxnSpPr>
+        <p:spPr>
+          <a:xfrm rot="5400000" flipH="1" flipV="1">
+            <a:off x="7983391" y="3331145"/>
+            <a:ext cx="443718" cy="535021"/>
+          </a:xfrm>
+          <a:prstGeom prst="bentConnector4">
+            <a:avLst>
+              <a:gd name="adj1" fmla="val -51519"/>
+              <a:gd name="adj2" fmla="val -183164"/>
+            </a:avLst>
+          </a:prstGeom>
+          <a:ln w="25400">
+            <a:tailEnd type="triangle"/>
+          </a:ln>
+        </p:spPr>
+        <p:style>
+          <a:lnRef idx="1">
+            <a:schemeClr val="accent1"/>
+          </a:lnRef>
+          <a:fillRef idx="0">
+            <a:schemeClr val="accent1"/>
+          </a:fillRef>
+          <a:effectRef idx="0">
+            <a:schemeClr val="accent1"/>
+          </a:effectRef>
+          <a:fontRef idx="minor">
+            <a:schemeClr val="tx1"/>
+          </a:fontRef>
+        </p:style>
+      </p:cxnSp>
+      <p:sp>
+        <p:nvSpPr>
+          <p:cNvPr id="39" name="TextBox 38">
+            <a:extLst>
+              <a:ext uri="{FF2B5EF4-FFF2-40B4-BE49-F238E27FC236}">
+                <a16:creationId xmlns:a16="http://schemas.microsoft.com/office/drawing/2014/main" id="{35BD5E6D-BA76-4DDC-8EBB-6A0DBF416E07}"/>
+              </a:ext>
+            </a:extLst>
+          </p:cNvPr>
+          <p:cNvSpPr txBox="1"/>
+          <p:nvPr/>
+        </p:nvSpPr>
+        <p:spPr>
+          <a:xfrm>
+            <a:off x="6958374" y="6003767"/>
+            <a:ext cx="1614545" cy="246221"/>
+          </a:xfrm>
+          <a:prstGeom prst="rect">
+            <a:avLst/>
+          </a:prstGeom>
+          <a:noFill/>
+        </p:spPr>
+        <p:txBody>
+          <a:bodyPr wrap="none" rtlCol="0">
+            <a:spAutoFit/>
+          </a:bodyPr>
+          <a:lstStyle/>
+          <a:p>
+            <a:r>
+              <a:rPr lang="en-US" sz="1000" dirty="0"/>
+              <a:t>Source: ProgramFlows.pptx</a:t>
+            </a:r>
+          </a:p>
+        </p:txBody>
+      </p:sp>
+      <p:cxnSp>
+        <p:nvCxnSpPr>
+          <p:cNvPr id="40" name="Straight Arrow Connector 39">
+            <a:extLst>
+              <a:ext uri="{FF2B5EF4-FFF2-40B4-BE49-F238E27FC236}">
+                <a16:creationId xmlns:a16="http://schemas.microsoft.com/office/drawing/2014/main" id="{38D90F9A-6980-46EB-981C-8930A74DC9DA}"/>
+              </a:ext>
+            </a:extLst>
+          </p:cNvPr>
+          <p:cNvCxnSpPr>
+            <a:cxnSpLocks/>
+            <a:stCxn id="37" idx="3"/>
+            <a:endCxn id="35" idx="2"/>
+          </p:cNvCxnSpPr>
+          <p:nvPr/>
+        </p:nvCxnSpPr>
+        <p:spPr>
+          <a:xfrm>
+            <a:off x="10210121" y="3376797"/>
+            <a:ext cx="948803" cy="287457"/>
+          </a:xfrm>
+          <a:prstGeom prst="straightConnector1">
+            <a:avLst/>
+          </a:prstGeom>
+          <a:ln w="25400">
+            <a:tailEnd type="triangle"/>
+          </a:ln>
+        </p:spPr>
+        <p:style>
+          <a:lnRef idx="1">
+            <a:schemeClr val="accent1"/>
+          </a:lnRef>
+          <a:fillRef idx="0">
+            <a:schemeClr val="accent1"/>
+          </a:fillRef>
+          <a:effectRef idx="0">
+            <a:schemeClr val="accent1"/>
+          </a:effectRef>
+          <a:fontRef idx="minor">
+            <a:schemeClr val="tx1"/>
+          </a:fontRef>
+        </p:style>
+      </p:cxnSp>
+      <p:sp>
+        <p:nvSpPr>
+          <p:cNvPr id="44" name="Flowchart: Magnetic Disk 43">
+            <a:extLst>
+              <a:ext uri="{FF2B5EF4-FFF2-40B4-BE49-F238E27FC236}">
+                <a16:creationId xmlns:a16="http://schemas.microsoft.com/office/drawing/2014/main" id="{547116EF-90FC-4268-963E-D951F4878940}"/>
+              </a:ext>
+            </a:extLst>
+          </p:cNvPr>
+          <p:cNvSpPr/>
+          <p:nvPr/>
+        </p:nvSpPr>
+        <p:spPr>
+          <a:xfrm>
+            <a:off x="2066982" y="6097997"/>
+            <a:ext cx="1095375" cy="550546"/>
+          </a:xfrm>
+          <a:prstGeom prst="flowChartMagneticDisk">
+            <a:avLst/>
+          </a:prstGeom>
+          <a:solidFill>
+            <a:schemeClr val="bg1"/>
+          </a:solidFill>
+          <a:ln>
+            <a:solidFill>
+              <a:schemeClr val="tx1">
+                <a:lumMod val="75000"/>
+                <a:lumOff val="25000"/>
+              </a:schemeClr>
+            </a:solidFill>
+          </a:ln>
+        </p:spPr>
+        <p:style>
+          <a:lnRef idx="2">
+            <a:schemeClr val="accent1">
+              <a:shade val="50000"/>
+            </a:schemeClr>
+          </a:lnRef>
+          <a:fillRef idx="1">
+            <a:schemeClr val="accent1"/>
+          </a:fillRef>
+          <a:effectRef idx="0">
+            <a:schemeClr val="accent1"/>
+          </a:effectRef>
+          <a:fontRef idx="minor">
+            <a:schemeClr val="lt1"/>
+          </a:fontRef>
+        </p:style>
+        <p:txBody>
+          <a:bodyPr rtlCol="0" anchor="ctr"/>
+          <a:lstStyle/>
+          <a:p>
+            <a:pPr algn="ctr"/>
+            <a:r>
+              <a:rPr lang="en-US" sz="1400" dirty="0">
+                <a:solidFill>
+                  <a:schemeClr val="tx1"/>
+                </a:solidFill>
+              </a:rPr>
+              <a:t>Stardog</a:t>
+            </a:r>
+          </a:p>
+        </p:txBody>
+      </p:sp>
+      <p:sp>
+        <p:nvSpPr>
+          <p:cNvPr id="48" name="TextBox 47">
+            <a:extLst>
+              <a:ext uri="{FF2B5EF4-FFF2-40B4-BE49-F238E27FC236}">
+                <a16:creationId xmlns:a16="http://schemas.microsoft.com/office/drawing/2014/main" id="{16611592-3848-465A-9296-23EAF17AE811}"/>
+              </a:ext>
+            </a:extLst>
+          </p:cNvPr>
+          <p:cNvSpPr txBox="1"/>
+          <p:nvPr/>
+        </p:nvSpPr>
+        <p:spPr>
+          <a:xfrm flipH="1">
+            <a:off x="7103766" y="2792862"/>
+            <a:ext cx="782545" cy="276999"/>
+          </a:xfrm>
+          <a:prstGeom prst="rect">
+            <a:avLst/>
+          </a:prstGeom>
+          <a:noFill/>
+        </p:spPr>
+        <p:txBody>
+          <a:bodyPr wrap="square" rtlCol="0">
+            <a:spAutoFit/>
+          </a:bodyPr>
+          <a:lstStyle/>
+          <a:p>
+            <a:r>
+              <a:rPr lang="en-US" sz="1200" dirty="0"/>
+              <a:t>Ontology</a:t>
+            </a:r>
+          </a:p>
+        </p:txBody>
+      </p:sp>
+      <p:cxnSp>
+        <p:nvCxnSpPr>
+          <p:cNvPr id="49" name="Straight Arrow Connector 48">
+            <a:extLst>
+              <a:ext uri="{FF2B5EF4-FFF2-40B4-BE49-F238E27FC236}">
+                <a16:creationId xmlns:a16="http://schemas.microsoft.com/office/drawing/2014/main" id="{57F0946F-A5E9-4BA1-9363-9C2034760E64}"/>
+              </a:ext>
+            </a:extLst>
+          </p:cNvPr>
+          <p:cNvCxnSpPr>
+            <a:cxnSpLocks/>
+            <a:stCxn id="67" idx="2"/>
+            <a:endCxn id="44" idx="1"/>
+          </p:cNvCxnSpPr>
+          <p:nvPr/>
+        </p:nvCxnSpPr>
+        <p:spPr>
+          <a:xfrm>
+            <a:off x="2614182" y="5555276"/>
+            <a:ext cx="488" cy="542721"/>
+          </a:xfrm>
+          <a:prstGeom prst="straightConnector1">
+            <a:avLst/>
+          </a:prstGeom>
+          <a:ln w="41275">
+            <a:prstDash val="sysDot"/>
+            <a:tailEnd type="triangle"/>
+          </a:ln>
+        </p:spPr>
+        <p:style>
+          <a:lnRef idx="1">
+            <a:schemeClr val="accent1"/>
+          </a:lnRef>
+          <a:fillRef idx="0">
+            <a:schemeClr val="accent1"/>
+          </a:fillRef>
+          <a:effectRef idx="0">
+            <a:schemeClr val="accent1"/>
+          </a:effectRef>
+          <a:fontRef idx="minor">
+            <a:schemeClr val="tx1"/>
+          </a:fontRef>
+        </p:style>
+      </p:cxnSp>
+      <p:sp>
+        <p:nvSpPr>
+          <p:cNvPr id="50" name="Rectangle: Rounded Corners 49">
+            <a:extLst>
+              <a:ext uri="{FF2B5EF4-FFF2-40B4-BE49-F238E27FC236}">
+                <a16:creationId xmlns:a16="http://schemas.microsoft.com/office/drawing/2014/main" id="{4787233B-CA50-447C-81E6-A8E45D5A9364}"/>
+              </a:ext>
+            </a:extLst>
+          </p:cNvPr>
+          <p:cNvSpPr/>
+          <p:nvPr/>
+        </p:nvSpPr>
+        <p:spPr>
+          <a:xfrm>
+            <a:off x="9919905" y="2509521"/>
+            <a:ext cx="1237140" cy="365760"/>
+          </a:xfrm>
+          <a:prstGeom prst="roundRect">
+            <a:avLst/>
+          </a:prstGeom>
+          <a:solidFill>
+            <a:schemeClr val="accent1">
+              <a:lumMod val="50000"/>
+            </a:schemeClr>
+          </a:solidFill>
+          <a:ln w="25400">
+            <a:solidFill>
+              <a:schemeClr val="bg1">
+                <a:lumMod val="75000"/>
+              </a:schemeClr>
+            </a:solidFill>
+            <a:prstDash val="solid"/>
+          </a:ln>
+        </p:spPr>
+        <p:style>
+          <a:lnRef idx="2">
+            <a:schemeClr val="accent1">
+              <a:shade val="50000"/>
+            </a:schemeClr>
+          </a:lnRef>
+          <a:fillRef idx="1">
+            <a:schemeClr val="accent1"/>
+          </a:fillRef>
+          <a:effectRef idx="0">
+            <a:schemeClr val="accent1"/>
+          </a:effectRef>
+          <a:fontRef idx="minor">
+            <a:schemeClr val="lt1"/>
+          </a:fontRef>
+        </p:style>
+        <p:txBody>
+          <a:bodyPr rtlCol="0" anchor="ctr"/>
+          <a:lstStyle/>
+          <a:p>
+            <a:pPr algn="ctr"/>
+            <a:r>
+              <a:rPr lang="en-US" sz="1200" dirty="0" err="1">
+                <a:solidFill>
+                  <a:schemeClr val="bg1">
+                    <a:lumMod val="85000"/>
+                  </a:schemeClr>
+                </a:solidFill>
+              </a:rPr>
+              <a:t>SMSMapVis</a:t>
+            </a:r>
+            <a:r>
+              <a:rPr lang="en-US" sz="1200" dirty="0">
+                <a:solidFill>
+                  <a:schemeClr val="bg1">
+                    <a:lumMod val="85000"/>
+                  </a:schemeClr>
+                </a:solidFill>
+              </a:rPr>
+              <a:t>-app</a:t>
+            </a:r>
+          </a:p>
+        </p:txBody>
+      </p:sp>
+      <p:sp>
+        <p:nvSpPr>
+          <p:cNvPr id="51" name="Rectangle: Rounded Corners 50">
+            <a:extLst>
+              <a:ext uri="{FF2B5EF4-FFF2-40B4-BE49-F238E27FC236}">
+                <a16:creationId xmlns:a16="http://schemas.microsoft.com/office/drawing/2014/main" id="{7F75D476-E583-4F30-A03A-14454691CC79}"/>
+              </a:ext>
+            </a:extLst>
+          </p:cNvPr>
+          <p:cNvSpPr/>
+          <p:nvPr/>
+        </p:nvSpPr>
+        <p:spPr>
+          <a:xfrm>
+            <a:off x="5534841" y="6184077"/>
+            <a:ext cx="1613847" cy="381743"/>
+          </a:xfrm>
+          <a:prstGeom prst="roundRect">
+            <a:avLst/>
+          </a:prstGeom>
+          <a:solidFill>
+            <a:schemeClr val="accent1">
+              <a:lumMod val="50000"/>
+            </a:schemeClr>
+          </a:solidFill>
+          <a:ln w="25400">
+            <a:solidFill>
+              <a:schemeClr val="bg1">
+                <a:lumMod val="75000"/>
+              </a:schemeClr>
+            </a:solidFill>
+            <a:prstDash val="solid"/>
+          </a:ln>
+        </p:spPr>
+        <p:style>
+          <a:lnRef idx="2">
+            <a:schemeClr val="accent1">
+              <a:shade val="50000"/>
+            </a:schemeClr>
+          </a:lnRef>
+          <a:fillRef idx="1">
+            <a:schemeClr val="accent1"/>
+          </a:fillRef>
+          <a:effectRef idx="0">
+            <a:schemeClr val="accent1"/>
+          </a:effectRef>
+          <a:fontRef idx="minor">
+            <a:schemeClr val="lt1"/>
+          </a:fontRef>
+        </p:style>
+        <p:txBody>
+          <a:bodyPr rtlCol="0" anchor="ctr"/>
+          <a:lstStyle/>
+          <a:p>
+            <a:pPr algn="ctr"/>
+            <a:r>
+              <a:rPr lang="en-US" sz="1200" dirty="0">
+                <a:solidFill>
+                  <a:schemeClr val="bg1">
+                    <a:lumMod val="85000"/>
+                  </a:schemeClr>
+                </a:solidFill>
+              </a:rPr>
+              <a:t>foo-</a:t>
+            </a:r>
+            <a:r>
+              <a:rPr lang="en-US" sz="1200" dirty="0" err="1">
+                <a:solidFill>
+                  <a:schemeClr val="bg1">
+                    <a:lumMod val="85000"/>
+                  </a:schemeClr>
+                </a:solidFill>
+              </a:rPr>
+              <a:t>app.R</a:t>
+            </a:r>
+            <a:endParaRPr lang="en-US" sz="1200" dirty="0">
+              <a:solidFill>
+                <a:schemeClr val="bg1">
+                  <a:lumMod val="85000"/>
+                </a:schemeClr>
+              </a:solidFill>
+            </a:endParaRPr>
+          </a:p>
+        </p:txBody>
+      </p:sp>
+      <p:cxnSp>
+        <p:nvCxnSpPr>
+          <p:cNvPr id="53" name="Straight Arrow Connector 52">
+            <a:extLst>
+              <a:ext uri="{FF2B5EF4-FFF2-40B4-BE49-F238E27FC236}">
+                <a16:creationId xmlns:a16="http://schemas.microsoft.com/office/drawing/2014/main" id="{EEB5A954-DCBF-4249-9581-259C56501FBF}"/>
+              </a:ext>
+            </a:extLst>
+          </p:cNvPr>
+          <p:cNvCxnSpPr>
+            <a:endCxn id="50" idx="1"/>
+          </p:cNvCxnSpPr>
+          <p:nvPr/>
+        </p:nvCxnSpPr>
+        <p:spPr>
+          <a:xfrm>
+            <a:off x="9454536" y="2692401"/>
+            <a:ext cx="465369" cy="0"/>
+          </a:xfrm>
+          <a:prstGeom prst="straightConnector1">
+            <a:avLst/>
+          </a:prstGeom>
+          <a:ln w="25400">
+            <a:tailEnd type="triangle"/>
+          </a:ln>
+        </p:spPr>
+        <p:style>
+          <a:lnRef idx="1">
+            <a:schemeClr val="accent1"/>
+          </a:lnRef>
+          <a:fillRef idx="0">
+            <a:schemeClr val="accent1"/>
+          </a:fillRef>
+          <a:effectRef idx="0">
+            <a:schemeClr val="accent1"/>
+          </a:effectRef>
+          <a:fontRef idx="minor">
+            <a:schemeClr val="tx1"/>
+          </a:fontRef>
+        </p:style>
+      </p:cxnSp>
+      <p:cxnSp>
+        <p:nvCxnSpPr>
+          <p:cNvPr id="59" name="Straight Arrow Connector 58">
+            <a:extLst>
+              <a:ext uri="{FF2B5EF4-FFF2-40B4-BE49-F238E27FC236}">
+                <a16:creationId xmlns:a16="http://schemas.microsoft.com/office/drawing/2014/main" id="{85B4EF94-FCE6-45C2-94E0-71935D82283E}"/>
+              </a:ext>
+            </a:extLst>
+          </p:cNvPr>
+          <p:cNvCxnSpPr>
+            <a:cxnSpLocks/>
+            <a:stCxn id="56" idx="3"/>
+            <a:endCxn id="279" idx="1"/>
+          </p:cNvCxnSpPr>
+          <p:nvPr/>
+        </p:nvCxnSpPr>
+        <p:spPr>
+          <a:xfrm>
+            <a:off x="1895792" y="1982075"/>
+            <a:ext cx="640849" cy="6537"/>
+          </a:xfrm>
+          <a:prstGeom prst="straightConnector1">
+            <a:avLst/>
+          </a:prstGeom>
+          <a:ln w="25400">
+            <a:tailEnd type="triangle"/>
+          </a:ln>
+        </p:spPr>
+        <p:style>
+          <a:lnRef idx="1">
+            <a:schemeClr val="accent1"/>
+          </a:lnRef>
+          <a:fillRef idx="0">
+            <a:schemeClr val="accent1"/>
+          </a:fillRef>
+          <a:effectRef idx="0">
+            <a:schemeClr val="accent1"/>
+          </a:effectRef>
+          <a:fontRef idx="minor">
+            <a:schemeClr val="tx1"/>
+          </a:fontRef>
+        </p:style>
+      </p:cxnSp>
+      <p:sp>
+        <p:nvSpPr>
+          <p:cNvPr id="60" name="Rectangle: Rounded Corners 59">
+            <a:extLst>
+              <a:ext uri="{FF2B5EF4-FFF2-40B4-BE49-F238E27FC236}">
+                <a16:creationId xmlns:a16="http://schemas.microsoft.com/office/drawing/2014/main" id="{802C3779-9A6D-49B6-8BD6-2FCCBBA72DD3}"/>
+              </a:ext>
+            </a:extLst>
+          </p:cNvPr>
+          <p:cNvSpPr/>
+          <p:nvPr/>
+        </p:nvSpPr>
+        <p:spPr>
+          <a:xfrm>
+            <a:off x="7106038" y="2272508"/>
+            <a:ext cx="1920240" cy="365760"/>
+          </a:xfrm>
+          <a:prstGeom prst="roundRect">
+            <a:avLst/>
+          </a:prstGeom>
+          <a:solidFill>
+            <a:schemeClr val="bg1">
+              <a:lumMod val="85000"/>
+            </a:schemeClr>
+          </a:solidFill>
+        </p:spPr>
+        <p:style>
+          <a:lnRef idx="2">
+            <a:schemeClr val="accent1">
+              <a:shade val="50000"/>
+            </a:schemeClr>
+          </a:lnRef>
+          <a:fillRef idx="1">
+            <a:schemeClr val="accent1"/>
+          </a:fillRef>
+          <a:effectRef idx="0">
+            <a:schemeClr val="accent1"/>
+          </a:effectRef>
+          <a:fontRef idx="minor">
+            <a:schemeClr val="lt1"/>
+          </a:fontRef>
+        </p:style>
+        <p:txBody>
+          <a:bodyPr lIns="45720" rIns="45720" rtlCol="0" anchor="ctr"/>
+          <a:lstStyle/>
+          <a:p>
+            <a:pPr algn="ctr"/>
+            <a:r>
+              <a:rPr lang="en-US" sz="1200" dirty="0">
+                <a:solidFill>
+                  <a:schemeClr val="tx1"/>
+                </a:solidFill>
+              </a:rPr>
+              <a:t>_</a:t>
+            </a:r>
+            <a:r>
+              <a:rPr lang="en-US" sz="1200" dirty="0" err="1">
+                <a:solidFill>
+                  <a:schemeClr val="tx1"/>
+                </a:solidFill>
+              </a:rPr>
+              <a:t>TBD_im_map.TTL</a:t>
+            </a:r>
+            <a:endParaRPr lang="en-US" sz="1200" dirty="0">
+              <a:solidFill>
+                <a:schemeClr val="tx1"/>
+              </a:solidFill>
+            </a:endParaRPr>
+          </a:p>
+        </p:txBody>
+      </p:sp>
+      <p:sp>
+        <p:nvSpPr>
+          <p:cNvPr id="67" name="Rectangle: Rounded Corners 66">
+            <a:extLst>
+              <a:ext uri="{FF2B5EF4-FFF2-40B4-BE49-F238E27FC236}">
+                <a16:creationId xmlns:a16="http://schemas.microsoft.com/office/drawing/2014/main" id="{61DF0158-CCCB-497E-8E93-0550BCF78DC4}"/>
+              </a:ext>
+            </a:extLst>
+          </p:cNvPr>
+          <p:cNvSpPr/>
+          <p:nvPr/>
+        </p:nvSpPr>
+        <p:spPr>
+          <a:xfrm>
+            <a:off x="1928382" y="5189516"/>
+            <a:ext cx="1371600" cy="365760"/>
+          </a:xfrm>
+          <a:prstGeom prst="roundRect">
+            <a:avLst/>
+          </a:prstGeom>
+          <a:solidFill>
+            <a:schemeClr val="bg1">
+              <a:lumMod val="85000"/>
+            </a:schemeClr>
+          </a:solidFill>
+        </p:spPr>
+        <p:style>
+          <a:lnRef idx="2">
+            <a:schemeClr val="accent1">
+              <a:shade val="50000"/>
+            </a:schemeClr>
+          </a:lnRef>
+          <a:fillRef idx="1">
+            <a:schemeClr val="accent1"/>
+          </a:fillRef>
+          <a:effectRef idx="0">
+            <a:schemeClr val="accent1"/>
+          </a:effectRef>
+          <a:fontRef idx="minor">
+            <a:schemeClr val="lt1"/>
+          </a:fontRef>
+        </p:style>
+        <p:txBody>
+          <a:bodyPr lIns="45720" rIns="45720" rtlCol="0" anchor="ctr"/>
+          <a:lstStyle/>
+          <a:p>
+            <a:pPr algn="ctr"/>
+            <a:r>
+              <a:rPr lang="en-US" sz="1200" dirty="0">
+                <a:solidFill>
+                  <a:schemeClr val="tx1"/>
+                </a:solidFill>
+              </a:rPr>
+              <a:t>MedDRA211-R.TTL</a:t>
+            </a:r>
+          </a:p>
+        </p:txBody>
+      </p:sp>
+      <p:sp>
+        <p:nvSpPr>
+          <p:cNvPr id="10" name="Rectangle: Rounded Corners 9">
+            <a:extLst>
+              <a:ext uri="{FF2B5EF4-FFF2-40B4-BE49-F238E27FC236}">
+                <a16:creationId xmlns:a16="http://schemas.microsoft.com/office/drawing/2014/main" id="{003E9D0D-D2C2-4221-962F-E1522A0AEC57}"/>
+              </a:ext>
+            </a:extLst>
+          </p:cNvPr>
+          <p:cNvSpPr/>
+          <p:nvPr/>
+        </p:nvSpPr>
+        <p:spPr>
+          <a:xfrm>
+            <a:off x="524192" y="891187"/>
+            <a:ext cx="1371600" cy="365760"/>
+          </a:xfrm>
+          <a:prstGeom prst="roundRect">
+            <a:avLst/>
+          </a:prstGeom>
+          <a:solidFill>
+            <a:schemeClr val="accent6">
+              <a:lumMod val="20000"/>
+              <a:lumOff val="80000"/>
+            </a:schemeClr>
+          </a:solidFill>
+          <a:ln w="25400"/>
+        </p:spPr>
+        <p:style>
+          <a:lnRef idx="2">
+            <a:schemeClr val="accent1">
+              <a:shade val="50000"/>
+            </a:schemeClr>
+          </a:lnRef>
+          <a:fillRef idx="1">
+            <a:schemeClr val="accent1"/>
+          </a:fillRef>
+          <a:effectRef idx="0">
+            <a:schemeClr val="accent1"/>
+          </a:effectRef>
+          <a:fontRef idx="minor">
+            <a:schemeClr val="lt1"/>
+          </a:fontRef>
+        </p:style>
+        <p:txBody>
+          <a:bodyPr rtlCol="0" anchor="ctr"/>
+          <a:lstStyle/>
+          <a:p>
+            <a:pPr algn="ctr"/>
+            <a:r>
+              <a:rPr lang="en-US" sz="1400" b="1" dirty="0" err="1">
+                <a:solidFill>
+                  <a:schemeClr val="tx1"/>
+                </a:solidFill>
+              </a:rPr>
+              <a:t>llt.asc</a:t>
+            </a:r>
+            <a:endParaRPr lang="en-US" sz="1400" b="1" dirty="0">
+              <a:solidFill>
+                <a:schemeClr val="tx1"/>
+              </a:solidFill>
+            </a:endParaRPr>
+          </a:p>
+        </p:txBody>
+      </p:sp>
+      <p:sp>
+        <p:nvSpPr>
+          <p:cNvPr id="14" name="Rectangle: Rounded Corners 13">
+            <a:extLst>
+              <a:ext uri="{FF2B5EF4-FFF2-40B4-BE49-F238E27FC236}">
+                <a16:creationId xmlns:a16="http://schemas.microsoft.com/office/drawing/2014/main" id="{DA4B873C-F9FB-4A88-AEC6-27EF3A984454}"/>
+              </a:ext>
+            </a:extLst>
+          </p:cNvPr>
+          <p:cNvSpPr/>
+          <p:nvPr/>
+        </p:nvSpPr>
+        <p:spPr>
+          <a:xfrm>
+            <a:off x="524192" y="1352083"/>
+            <a:ext cx="1371600" cy="365760"/>
+          </a:xfrm>
+          <a:prstGeom prst="roundRect">
+            <a:avLst/>
+          </a:prstGeom>
+          <a:solidFill>
+            <a:schemeClr val="accent6">
+              <a:lumMod val="20000"/>
+              <a:lumOff val="80000"/>
+            </a:schemeClr>
+          </a:solidFill>
+          <a:ln w="25400"/>
+        </p:spPr>
+        <p:style>
+          <a:lnRef idx="2">
+            <a:schemeClr val="accent1">
+              <a:shade val="50000"/>
+            </a:schemeClr>
+          </a:lnRef>
+          <a:fillRef idx="1">
+            <a:schemeClr val="accent1"/>
+          </a:fillRef>
+          <a:effectRef idx="0">
+            <a:schemeClr val="accent1"/>
+          </a:effectRef>
+          <a:fontRef idx="minor">
+            <a:schemeClr val="lt1"/>
+          </a:fontRef>
+        </p:style>
+        <p:txBody>
+          <a:bodyPr rtlCol="0" anchor="ctr"/>
+          <a:lstStyle/>
+          <a:p>
+            <a:pPr algn="ctr"/>
+            <a:r>
+              <a:rPr lang="en-US" sz="1400" b="1" dirty="0" err="1">
+                <a:solidFill>
+                  <a:schemeClr val="tx1"/>
+                </a:solidFill>
+              </a:rPr>
+              <a:t>pt.asc</a:t>
+            </a:r>
+            <a:endParaRPr lang="en-US" sz="1400" b="1" dirty="0">
+              <a:solidFill>
+                <a:schemeClr val="tx1"/>
+              </a:solidFill>
+            </a:endParaRPr>
+          </a:p>
+        </p:txBody>
+      </p:sp>
+      <p:cxnSp>
+        <p:nvCxnSpPr>
+          <p:cNvPr id="91" name="Straight Arrow Connector 90">
+            <a:extLst>
+              <a:ext uri="{FF2B5EF4-FFF2-40B4-BE49-F238E27FC236}">
+                <a16:creationId xmlns:a16="http://schemas.microsoft.com/office/drawing/2014/main" id="{D49F79B6-7ABB-4A8F-B9C2-A81433649FFC}"/>
+              </a:ext>
+            </a:extLst>
+          </p:cNvPr>
+          <p:cNvCxnSpPr>
+            <a:cxnSpLocks/>
+            <a:stCxn id="14" idx="3"/>
+            <a:endCxn id="278" idx="1"/>
+          </p:cNvCxnSpPr>
+          <p:nvPr/>
+        </p:nvCxnSpPr>
+        <p:spPr>
+          <a:xfrm flipV="1">
+            <a:off x="1895792" y="1531340"/>
+            <a:ext cx="640849" cy="3623"/>
+          </a:xfrm>
+          <a:prstGeom prst="straightConnector1">
+            <a:avLst/>
+          </a:prstGeom>
+          <a:ln w="25400">
+            <a:tailEnd type="triangle"/>
+          </a:ln>
+        </p:spPr>
+        <p:style>
+          <a:lnRef idx="1">
+            <a:schemeClr val="accent1"/>
+          </a:lnRef>
+          <a:fillRef idx="0">
+            <a:schemeClr val="accent1"/>
+          </a:fillRef>
+          <a:effectRef idx="0">
+            <a:schemeClr val="accent1"/>
+          </a:effectRef>
+          <a:fontRef idx="minor">
+            <a:schemeClr val="tx1"/>
+          </a:fontRef>
+        </p:style>
+      </p:cxnSp>
+      <p:sp>
+        <p:nvSpPr>
+          <p:cNvPr id="63" name="Rectangle: Rounded Corners 62">
+            <a:extLst>
+              <a:ext uri="{FF2B5EF4-FFF2-40B4-BE49-F238E27FC236}">
+                <a16:creationId xmlns:a16="http://schemas.microsoft.com/office/drawing/2014/main" id="{8D667C63-262A-47C2-B259-F1A4DACEE85B}"/>
+              </a:ext>
+            </a:extLst>
+          </p:cNvPr>
+          <p:cNvSpPr/>
+          <p:nvPr/>
+        </p:nvSpPr>
+        <p:spPr>
+          <a:xfrm>
+            <a:off x="3234978" y="2259811"/>
+            <a:ext cx="1371600" cy="365760"/>
+          </a:xfrm>
+          <a:prstGeom prst="roundRect">
+            <a:avLst/>
+          </a:prstGeom>
+          <a:solidFill>
+            <a:schemeClr val="accent6">
+              <a:lumMod val="20000"/>
+              <a:lumOff val="80000"/>
+            </a:schemeClr>
+          </a:solidFill>
+          <a:ln w="25400">
+            <a:prstDash val="dash"/>
+          </a:ln>
+        </p:spPr>
+        <p:style>
+          <a:lnRef idx="2">
+            <a:schemeClr val="accent1">
+              <a:shade val="50000"/>
+            </a:schemeClr>
+          </a:lnRef>
+          <a:fillRef idx="1">
+            <a:schemeClr val="accent1"/>
+          </a:fillRef>
+          <a:effectRef idx="0">
+            <a:schemeClr val="accent1"/>
+          </a:effectRef>
+          <a:fontRef idx="minor">
+            <a:schemeClr val="lt1"/>
+          </a:fontRef>
+        </p:style>
+        <p:txBody>
+          <a:bodyPr rtlCol="0" anchor="ctr"/>
+          <a:lstStyle/>
+          <a:p>
+            <a:pPr algn="ctr"/>
+            <a:r>
+              <a:rPr lang="en-US" sz="1400" b="1" dirty="0">
+                <a:solidFill>
+                  <a:schemeClr val="tx1"/>
+                </a:solidFill>
+              </a:rPr>
+              <a:t>hlt_pt.asc</a:t>
+            </a:r>
+          </a:p>
+        </p:txBody>
+      </p:sp>
+      <p:sp>
+        <p:nvSpPr>
+          <p:cNvPr id="56" name="Rectangle: Rounded Corners 55">
+            <a:extLst>
+              <a:ext uri="{FF2B5EF4-FFF2-40B4-BE49-F238E27FC236}">
+                <a16:creationId xmlns:a16="http://schemas.microsoft.com/office/drawing/2014/main" id="{8400F0F5-BB9F-4D7E-BB00-BE5B95D235B8}"/>
+              </a:ext>
+            </a:extLst>
+          </p:cNvPr>
+          <p:cNvSpPr/>
+          <p:nvPr/>
+        </p:nvSpPr>
+        <p:spPr>
+          <a:xfrm>
+            <a:off x="487527" y="1816518"/>
+            <a:ext cx="1408265" cy="331114"/>
+          </a:xfrm>
+          <a:prstGeom prst="roundRect">
+            <a:avLst/>
+          </a:prstGeom>
+          <a:solidFill>
+            <a:schemeClr val="accent6">
+              <a:lumMod val="20000"/>
+              <a:lumOff val="80000"/>
+            </a:schemeClr>
+          </a:solidFill>
+          <a:ln w="25400"/>
+        </p:spPr>
+        <p:style>
+          <a:lnRef idx="2">
+            <a:schemeClr val="accent1">
+              <a:shade val="50000"/>
+            </a:schemeClr>
+          </a:lnRef>
+          <a:fillRef idx="1">
+            <a:schemeClr val="accent1"/>
+          </a:fillRef>
+          <a:effectRef idx="0">
+            <a:schemeClr val="accent1"/>
+          </a:effectRef>
+          <a:fontRef idx="minor">
+            <a:schemeClr val="lt1"/>
+          </a:fontRef>
+        </p:style>
+        <p:txBody>
+          <a:bodyPr rtlCol="0" anchor="ctr"/>
+          <a:lstStyle/>
+          <a:p>
+            <a:pPr algn="ctr"/>
+            <a:r>
+              <a:rPr lang="en-US" sz="1400" b="1" dirty="0" err="1">
+                <a:solidFill>
+                  <a:schemeClr val="tx1"/>
+                </a:solidFill>
+              </a:rPr>
+              <a:t>hlt.asc</a:t>
+            </a:r>
+            <a:endParaRPr lang="en-US" sz="1400" b="1" dirty="0">
+              <a:solidFill>
+                <a:schemeClr val="tx1"/>
+              </a:solidFill>
+            </a:endParaRPr>
+          </a:p>
+        </p:txBody>
+      </p:sp>
+      <p:sp>
+        <p:nvSpPr>
+          <p:cNvPr id="78" name="Rectangle: Rounded Corners 77">
+            <a:extLst>
+              <a:ext uri="{FF2B5EF4-FFF2-40B4-BE49-F238E27FC236}">
+                <a16:creationId xmlns:a16="http://schemas.microsoft.com/office/drawing/2014/main" id="{F2E581F9-F645-4CFF-9391-1F17DA1E604B}"/>
+              </a:ext>
+            </a:extLst>
+          </p:cNvPr>
+          <p:cNvSpPr/>
+          <p:nvPr/>
+        </p:nvSpPr>
+        <p:spPr>
+          <a:xfrm>
+            <a:off x="524192" y="2715999"/>
+            <a:ext cx="1371600" cy="365760"/>
+          </a:xfrm>
+          <a:prstGeom prst="roundRect">
+            <a:avLst/>
+          </a:prstGeom>
+          <a:solidFill>
+            <a:schemeClr val="accent6">
+              <a:lumMod val="20000"/>
+              <a:lumOff val="80000"/>
+            </a:schemeClr>
+          </a:solidFill>
+          <a:ln w="25400"/>
+        </p:spPr>
+        <p:style>
+          <a:lnRef idx="2">
+            <a:schemeClr val="accent1">
+              <a:shade val="50000"/>
+            </a:schemeClr>
+          </a:lnRef>
+          <a:fillRef idx="1">
+            <a:schemeClr val="accent1"/>
+          </a:fillRef>
+          <a:effectRef idx="0">
+            <a:schemeClr val="accent1"/>
+          </a:effectRef>
+          <a:fontRef idx="minor">
+            <a:schemeClr val="lt1"/>
+          </a:fontRef>
+        </p:style>
+        <p:txBody>
+          <a:bodyPr rtlCol="0" anchor="ctr"/>
+          <a:lstStyle/>
+          <a:p>
+            <a:pPr algn="ctr"/>
+            <a:r>
+              <a:rPr lang="en-US" sz="1400" b="1" dirty="0" err="1">
+                <a:solidFill>
+                  <a:schemeClr val="tx1"/>
+                </a:solidFill>
+              </a:rPr>
+              <a:t>hltgt.asc</a:t>
+            </a:r>
+            <a:endParaRPr lang="en-US" sz="1400" b="1" dirty="0">
+              <a:solidFill>
+                <a:schemeClr val="tx1"/>
+              </a:solidFill>
+            </a:endParaRPr>
+          </a:p>
+        </p:txBody>
+      </p:sp>
+      <p:cxnSp>
+        <p:nvCxnSpPr>
+          <p:cNvPr id="101" name="Straight Arrow Connector 100">
+            <a:extLst>
+              <a:ext uri="{FF2B5EF4-FFF2-40B4-BE49-F238E27FC236}">
+                <a16:creationId xmlns:a16="http://schemas.microsoft.com/office/drawing/2014/main" id="{1F58664C-714A-4F7D-BAA7-02A23D796583}"/>
+              </a:ext>
+            </a:extLst>
+          </p:cNvPr>
+          <p:cNvCxnSpPr>
+            <a:cxnSpLocks/>
+            <a:stCxn id="78" idx="3"/>
+            <a:endCxn id="281" idx="1"/>
+          </p:cNvCxnSpPr>
+          <p:nvPr/>
+        </p:nvCxnSpPr>
+        <p:spPr>
+          <a:xfrm>
+            <a:off x="1895792" y="2898879"/>
+            <a:ext cx="640849" cy="4277"/>
+          </a:xfrm>
+          <a:prstGeom prst="straightConnector1">
+            <a:avLst/>
+          </a:prstGeom>
+          <a:ln w="25400">
+            <a:tailEnd type="triangle"/>
+          </a:ln>
+        </p:spPr>
+        <p:style>
+          <a:lnRef idx="1">
+            <a:schemeClr val="accent1"/>
+          </a:lnRef>
+          <a:fillRef idx="0">
+            <a:schemeClr val="accent1"/>
+          </a:fillRef>
+          <a:effectRef idx="0">
+            <a:schemeClr val="accent1"/>
+          </a:effectRef>
+          <a:fontRef idx="minor">
+            <a:schemeClr val="tx1"/>
+          </a:fontRef>
+        </p:style>
+      </p:cxnSp>
+      <p:sp>
+        <p:nvSpPr>
+          <p:cNvPr id="76" name="Rectangle: Rounded Corners 75">
+            <a:extLst>
+              <a:ext uri="{FF2B5EF4-FFF2-40B4-BE49-F238E27FC236}">
+                <a16:creationId xmlns:a16="http://schemas.microsoft.com/office/drawing/2014/main" id="{8D1E8BF4-1C57-4462-B664-BC67A49CA647}"/>
+              </a:ext>
+            </a:extLst>
+          </p:cNvPr>
+          <p:cNvSpPr/>
+          <p:nvPr/>
+        </p:nvSpPr>
+        <p:spPr>
+          <a:xfrm>
+            <a:off x="3234978" y="3177882"/>
+            <a:ext cx="1371600" cy="365760"/>
+          </a:xfrm>
+          <a:prstGeom prst="roundRect">
+            <a:avLst/>
+          </a:prstGeom>
+          <a:solidFill>
+            <a:schemeClr val="accent6">
+              <a:lumMod val="20000"/>
+              <a:lumOff val="80000"/>
+            </a:schemeClr>
+          </a:solidFill>
+          <a:ln w="25400">
+            <a:prstDash val="dash"/>
+          </a:ln>
+        </p:spPr>
+        <p:style>
+          <a:lnRef idx="2">
+            <a:schemeClr val="accent1">
+              <a:shade val="50000"/>
+            </a:schemeClr>
+          </a:lnRef>
+          <a:fillRef idx="1">
+            <a:schemeClr val="accent1"/>
+          </a:fillRef>
+          <a:effectRef idx="0">
+            <a:schemeClr val="accent1"/>
+          </a:effectRef>
+          <a:fontRef idx="minor">
+            <a:schemeClr val="lt1"/>
+          </a:fontRef>
+        </p:style>
+        <p:txBody>
+          <a:bodyPr rtlCol="0" anchor="ctr"/>
+          <a:lstStyle/>
+          <a:p>
+            <a:pPr algn="ctr"/>
+            <a:r>
+              <a:rPr lang="en-US" sz="1400" b="1" dirty="0" err="1">
+                <a:solidFill>
+                  <a:schemeClr val="tx1"/>
+                </a:solidFill>
+              </a:rPr>
+              <a:t>hltgt_hlt.asc</a:t>
+            </a:r>
+            <a:endParaRPr lang="en-US" sz="1400" b="1" dirty="0">
+              <a:solidFill>
+                <a:schemeClr val="tx1"/>
+              </a:solidFill>
+            </a:endParaRPr>
+          </a:p>
+        </p:txBody>
+      </p:sp>
+      <p:cxnSp>
+        <p:nvCxnSpPr>
+          <p:cNvPr id="106" name="Straight Arrow Connector 105">
+            <a:extLst>
+              <a:ext uri="{FF2B5EF4-FFF2-40B4-BE49-F238E27FC236}">
+                <a16:creationId xmlns:a16="http://schemas.microsoft.com/office/drawing/2014/main" id="{04502225-171A-42F5-99CB-7E44229C42B8}"/>
+              </a:ext>
+            </a:extLst>
+          </p:cNvPr>
+          <p:cNvCxnSpPr>
+            <a:cxnSpLocks/>
+            <a:stCxn id="76" idx="1"/>
+            <a:endCxn id="285" idx="3"/>
+          </p:cNvCxnSpPr>
+          <p:nvPr/>
+        </p:nvCxnSpPr>
+        <p:spPr>
+          <a:xfrm flipH="1" flipV="1">
+            <a:off x="2688506" y="3360428"/>
+            <a:ext cx="546472" cy="334"/>
+          </a:xfrm>
+          <a:prstGeom prst="straightConnector1">
+            <a:avLst/>
+          </a:prstGeom>
+          <a:ln w="25400">
+            <a:tailEnd type="triangle"/>
+          </a:ln>
+        </p:spPr>
+        <p:style>
+          <a:lnRef idx="1">
+            <a:schemeClr val="accent1"/>
+          </a:lnRef>
+          <a:fillRef idx="0">
+            <a:schemeClr val="accent1"/>
+          </a:fillRef>
+          <a:effectRef idx="0">
+            <a:schemeClr val="accent1"/>
+          </a:effectRef>
+          <a:fontRef idx="minor">
+            <a:schemeClr val="tx1"/>
+          </a:fontRef>
+        </p:style>
+      </p:cxnSp>
+      <p:sp>
+        <p:nvSpPr>
+          <p:cNvPr id="81" name="Rectangle: Rounded Corners 80">
+            <a:extLst>
+              <a:ext uri="{FF2B5EF4-FFF2-40B4-BE49-F238E27FC236}">
+                <a16:creationId xmlns:a16="http://schemas.microsoft.com/office/drawing/2014/main" id="{B9479850-F9AE-4AC3-B3D5-EC16AED802EF}"/>
+              </a:ext>
+            </a:extLst>
+          </p:cNvPr>
+          <p:cNvSpPr/>
+          <p:nvPr/>
+        </p:nvSpPr>
+        <p:spPr>
+          <a:xfrm>
+            <a:off x="3234978" y="4094322"/>
+            <a:ext cx="1371600" cy="365760"/>
+          </a:xfrm>
+          <a:prstGeom prst="roundRect">
+            <a:avLst/>
+          </a:prstGeom>
+          <a:solidFill>
+            <a:schemeClr val="accent6">
+              <a:lumMod val="20000"/>
+              <a:lumOff val="80000"/>
+            </a:schemeClr>
+          </a:solidFill>
+          <a:ln w="25400">
+            <a:prstDash val="dash"/>
+          </a:ln>
+        </p:spPr>
+        <p:style>
+          <a:lnRef idx="2">
+            <a:schemeClr val="accent1">
+              <a:shade val="50000"/>
+            </a:schemeClr>
+          </a:lnRef>
+          <a:fillRef idx="1">
+            <a:schemeClr val="accent1"/>
+          </a:fillRef>
+          <a:effectRef idx="0">
+            <a:schemeClr val="accent1"/>
+          </a:effectRef>
+          <a:fontRef idx="minor">
+            <a:schemeClr val="lt1"/>
+          </a:fontRef>
+        </p:style>
+        <p:txBody>
+          <a:bodyPr rtlCol="0" anchor="ctr"/>
+          <a:lstStyle/>
+          <a:p>
+            <a:pPr algn="ctr"/>
+            <a:r>
+              <a:rPr lang="en-US" sz="1400" b="1" dirty="0" err="1">
+                <a:solidFill>
+                  <a:schemeClr val="tx1"/>
+                </a:solidFill>
+              </a:rPr>
+              <a:t>soc_hlgt.asc</a:t>
+            </a:r>
+            <a:endParaRPr lang="en-US" sz="1400" b="1" dirty="0">
+              <a:solidFill>
+                <a:schemeClr val="tx1"/>
+              </a:solidFill>
+            </a:endParaRPr>
+          </a:p>
+        </p:txBody>
+      </p:sp>
+      <p:cxnSp>
+        <p:nvCxnSpPr>
+          <p:cNvPr id="110" name="Straight Arrow Connector 109">
+            <a:extLst>
+              <a:ext uri="{FF2B5EF4-FFF2-40B4-BE49-F238E27FC236}">
+                <a16:creationId xmlns:a16="http://schemas.microsoft.com/office/drawing/2014/main" id="{A23F79E7-8B01-481E-96BC-EAD51DDFE7C6}"/>
+              </a:ext>
+            </a:extLst>
+          </p:cNvPr>
+          <p:cNvCxnSpPr>
+            <a:cxnSpLocks/>
+            <a:stCxn id="81" idx="1"/>
+            <a:endCxn id="291" idx="3"/>
+          </p:cNvCxnSpPr>
+          <p:nvPr/>
+        </p:nvCxnSpPr>
+        <p:spPr>
+          <a:xfrm flipH="1" flipV="1">
+            <a:off x="2688506" y="4274972"/>
+            <a:ext cx="546472" cy="2230"/>
+          </a:xfrm>
+          <a:prstGeom prst="straightConnector1">
+            <a:avLst/>
+          </a:prstGeom>
+          <a:ln w="25400">
+            <a:tailEnd type="triangle"/>
+          </a:ln>
+        </p:spPr>
+        <p:style>
+          <a:lnRef idx="1">
+            <a:schemeClr val="accent1"/>
+          </a:lnRef>
+          <a:fillRef idx="0">
+            <a:schemeClr val="accent1"/>
+          </a:fillRef>
+          <a:effectRef idx="0">
+            <a:schemeClr val="accent1"/>
+          </a:effectRef>
+          <a:fontRef idx="minor">
+            <a:schemeClr val="tx1"/>
+          </a:fontRef>
+        </p:style>
+      </p:cxnSp>
+      <p:sp>
+        <p:nvSpPr>
+          <p:cNvPr id="77" name="Rectangle: Rounded Corners 76">
+            <a:extLst>
+              <a:ext uri="{FF2B5EF4-FFF2-40B4-BE49-F238E27FC236}">
+                <a16:creationId xmlns:a16="http://schemas.microsoft.com/office/drawing/2014/main" id="{65E28D2B-E314-4566-A489-F145647F2E4C}"/>
+              </a:ext>
+            </a:extLst>
+          </p:cNvPr>
+          <p:cNvSpPr/>
+          <p:nvPr/>
+        </p:nvSpPr>
+        <p:spPr>
+          <a:xfrm>
+            <a:off x="524192" y="3627773"/>
+            <a:ext cx="1371600" cy="365760"/>
+          </a:xfrm>
+          <a:prstGeom prst="roundRect">
+            <a:avLst/>
+          </a:prstGeom>
+          <a:solidFill>
+            <a:schemeClr val="accent6">
+              <a:lumMod val="20000"/>
+              <a:lumOff val="80000"/>
+            </a:schemeClr>
+          </a:solidFill>
+          <a:ln w="25400"/>
+        </p:spPr>
+        <p:style>
+          <a:lnRef idx="2">
+            <a:schemeClr val="accent1">
+              <a:shade val="50000"/>
+            </a:schemeClr>
+          </a:lnRef>
+          <a:fillRef idx="1">
+            <a:schemeClr val="accent1"/>
+          </a:fillRef>
+          <a:effectRef idx="0">
+            <a:schemeClr val="accent1"/>
+          </a:effectRef>
+          <a:fontRef idx="minor">
+            <a:schemeClr val="lt1"/>
+          </a:fontRef>
+        </p:style>
+        <p:txBody>
+          <a:bodyPr rtlCol="0" anchor="ctr"/>
+          <a:lstStyle/>
+          <a:p>
+            <a:pPr algn="ctr"/>
+            <a:r>
+              <a:rPr lang="en-US" sz="1400" b="1" dirty="0" err="1">
+                <a:solidFill>
+                  <a:schemeClr val="tx1"/>
+                </a:solidFill>
+              </a:rPr>
+              <a:t>soc.asc</a:t>
+            </a:r>
+            <a:endParaRPr lang="en-US" sz="1400" b="1" dirty="0">
+              <a:solidFill>
+                <a:schemeClr val="tx1"/>
+              </a:solidFill>
+            </a:endParaRPr>
+          </a:p>
+        </p:txBody>
+      </p:sp>
+      <p:cxnSp>
+        <p:nvCxnSpPr>
+          <p:cNvPr id="115" name="Straight Arrow Connector 114">
+            <a:extLst>
+              <a:ext uri="{FF2B5EF4-FFF2-40B4-BE49-F238E27FC236}">
+                <a16:creationId xmlns:a16="http://schemas.microsoft.com/office/drawing/2014/main" id="{D2C05AD1-5430-4F02-ABC2-E3680D550AC0}"/>
+              </a:ext>
+            </a:extLst>
+          </p:cNvPr>
+          <p:cNvCxnSpPr>
+            <a:cxnSpLocks/>
+            <a:stCxn id="77" idx="3"/>
+            <a:endCxn id="283" idx="1"/>
+          </p:cNvCxnSpPr>
+          <p:nvPr/>
+        </p:nvCxnSpPr>
+        <p:spPr>
+          <a:xfrm>
+            <a:off x="1895792" y="3810653"/>
+            <a:ext cx="640849" cy="7047"/>
+          </a:xfrm>
+          <a:prstGeom prst="straightConnector1">
+            <a:avLst/>
+          </a:prstGeom>
+          <a:ln w="25400">
+            <a:tailEnd type="triangle"/>
+          </a:ln>
+        </p:spPr>
+        <p:style>
+          <a:lnRef idx="1">
+            <a:schemeClr val="accent1"/>
+          </a:lnRef>
+          <a:fillRef idx="0">
+            <a:schemeClr val="accent1"/>
+          </a:fillRef>
+          <a:effectRef idx="0">
+            <a:schemeClr val="accent1"/>
+          </a:effectRef>
+          <a:fontRef idx="minor">
+            <a:schemeClr val="tx1"/>
+          </a:fontRef>
+        </p:style>
+      </p:cxnSp>
+      <p:cxnSp>
+        <p:nvCxnSpPr>
+          <p:cNvPr id="266" name="Straight Arrow Connector 265">
+            <a:extLst>
+              <a:ext uri="{FF2B5EF4-FFF2-40B4-BE49-F238E27FC236}">
+                <a16:creationId xmlns:a16="http://schemas.microsoft.com/office/drawing/2014/main" id="{DF349E63-5481-4E8C-97DA-61C2496346F3}"/>
+              </a:ext>
+            </a:extLst>
+          </p:cNvPr>
+          <p:cNvCxnSpPr>
+            <a:cxnSpLocks/>
+            <a:stCxn id="273" idx="2"/>
+            <a:endCxn id="278" idx="0"/>
+          </p:cNvCxnSpPr>
+          <p:nvPr/>
+        </p:nvCxnSpPr>
+        <p:spPr>
+          <a:xfrm>
+            <a:off x="2612574" y="1170618"/>
+            <a:ext cx="0" cy="264171"/>
+          </a:xfrm>
+          <a:prstGeom prst="straightConnector1">
+            <a:avLst/>
+          </a:prstGeom>
+          <a:ln w="25400">
+            <a:solidFill>
+              <a:schemeClr val="bg1">
+                <a:lumMod val="65000"/>
+              </a:schemeClr>
+            </a:solidFill>
+            <a:tailEnd type="triangle"/>
+          </a:ln>
+        </p:spPr>
+        <p:style>
+          <a:lnRef idx="1">
+            <a:schemeClr val="accent1"/>
+          </a:lnRef>
+          <a:fillRef idx="0">
+            <a:schemeClr val="accent1"/>
+          </a:fillRef>
+          <a:effectRef idx="0">
+            <a:schemeClr val="accent1"/>
+          </a:effectRef>
+          <a:fontRef idx="minor">
+            <a:schemeClr val="tx1"/>
+          </a:fontRef>
+        </p:style>
+      </p:cxnSp>
+      <p:cxnSp>
+        <p:nvCxnSpPr>
+          <p:cNvPr id="267" name="Straight Arrow Connector 266">
+            <a:extLst>
+              <a:ext uri="{FF2B5EF4-FFF2-40B4-BE49-F238E27FC236}">
+                <a16:creationId xmlns:a16="http://schemas.microsoft.com/office/drawing/2014/main" id="{96983435-7D95-4EA1-841D-5BCDCC37A64D}"/>
+              </a:ext>
+            </a:extLst>
+          </p:cNvPr>
+          <p:cNvCxnSpPr>
+            <a:cxnSpLocks/>
+            <a:stCxn id="278" idx="2"/>
+            <a:endCxn id="279" idx="0"/>
+          </p:cNvCxnSpPr>
+          <p:nvPr/>
+        </p:nvCxnSpPr>
+        <p:spPr>
+          <a:xfrm>
+            <a:off x="2612574" y="1627890"/>
+            <a:ext cx="0" cy="264171"/>
+          </a:xfrm>
+          <a:prstGeom prst="straightConnector1">
+            <a:avLst/>
+          </a:prstGeom>
+          <a:ln w="25400">
+            <a:solidFill>
+              <a:schemeClr val="bg1">
+                <a:lumMod val="65000"/>
+              </a:schemeClr>
+            </a:solidFill>
+            <a:tailEnd type="triangle"/>
+          </a:ln>
+        </p:spPr>
+        <p:style>
+          <a:lnRef idx="1">
+            <a:schemeClr val="accent1"/>
+          </a:lnRef>
+          <a:fillRef idx="0">
+            <a:schemeClr val="accent1"/>
+          </a:fillRef>
+          <a:effectRef idx="0">
+            <a:schemeClr val="accent1"/>
+          </a:effectRef>
+          <a:fontRef idx="minor">
+            <a:schemeClr val="tx1"/>
+          </a:fontRef>
+        </p:style>
+      </p:cxnSp>
+      <p:cxnSp>
+        <p:nvCxnSpPr>
+          <p:cNvPr id="268" name="Straight Arrow Connector 267">
+            <a:extLst>
+              <a:ext uri="{FF2B5EF4-FFF2-40B4-BE49-F238E27FC236}">
+                <a16:creationId xmlns:a16="http://schemas.microsoft.com/office/drawing/2014/main" id="{38FF054B-44B6-4E4B-BBD7-A0B959C2D81E}"/>
+              </a:ext>
+            </a:extLst>
+          </p:cNvPr>
+          <p:cNvCxnSpPr>
+            <a:cxnSpLocks/>
+            <a:stCxn id="279" idx="2"/>
+            <a:endCxn id="280" idx="0"/>
+          </p:cNvCxnSpPr>
+          <p:nvPr/>
+        </p:nvCxnSpPr>
+        <p:spPr>
+          <a:xfrm>
+            <a:off x="2612574" y="2085162"/>
+            <a:ext cx="0" cy="264171"/>
+          </a:xfrm>
+          <a:prstGeom prst="straightConnector1">
+            <a:avLst/>
+          </a:prstGeom>
+          <a:ln w="25400">
+            <a:solidFill>
+              <a:schemeClr val="bg1">
+                <a:lumMod val="65000"/>
+              </a:schemeClr>
+            </a:solidFill>
+            <a:tailEnd type="triangle"/>
+          </a:ln>
+        </p:spPr>
+        <p:style>
+          <a:lnRef idx="1">
+            <a:schemeClr val="accent1"/>
+          </a:lnRef>
+          <a:fillRef idx="0">
+            <a:schemeClr val="accent1"/>
+          </a:fillRef>
+          <a:effectRef idx="0">
+            <a:schemeClr val="accent1"/>
+          </a:effectRef>
+          <a:fontRef idx="minor">
+            <a:schemeClr val="tx1"/>
+          </a:fontRef>
+        </p:style>
+      </p:cxnSp>
+      <p:sp>
+        <p:nvSpPr>
+          <p:cNvPr id="273" name="Rectangle 272">
+            <a:extLst>
+              <a:ext uri="{FF2B5EF4-FFF2-40B4-BE49-F238E27FC236}">
+                <a16:creationId xmlns:a16="http://schemas.microsoft.com/office/drawing/2014/main" id="{671B2436-5DC5-4ACD-BF8D-1B9DE3E677CC}"/>
+              </a:ext>
+            </a:extLst>
+          </p:cNvPr>
+          <p:cNvSpPr/>
+          <p:nvPr/>
+        </p:nvSpPr>
+        <p:spPr>
+          <a:xfrm>
+            <a:off x="2536641" y="977517"/>
+            <a:ext cx="151865" cy="193101"/>
+          </a:xfrm>
+          <a:prstGeom prst="rect">
+            <a:avLst/>
+          </a:prstGeom>
+          <a:solidFill>
+            <a:schemeClr val="bg1"/>
+          </a:solidFill>
+          <a:ln>
+            <a:solidFill>
+              <a:schemeClr val="bg1">
+                <a:lumMod val="65000"/>
+              </a:schemeClr>
+            </a:solidFill>
+          </a:ln>
+        </p:spPr>
+        <p:style>
+          <a:lnRef idx="2">
+            <a:schemeClr val="accent1">
+              <a:shade val="50000"/>
+            </a:schemeClr>
+          </a:lnRef>
+          <a:fillRef idx="1">
+            <a:schemeClr val="accent1"/>
+          </a:fillRef>
+          <a:effectRef idx="0">
+            <a:schemeClr val="accent1"/>
+          </a:effectRef>
+          <a:fontRef idx="minor">
+            <a:schemeClr val="lt1"/>
+          </a:fontRef>
+        </p:style>
+        <p:txBody>
+          <a:bodyPr rtlCol="0" anchor="ctr"/>
+          <a:lstStyle/>
+          <a:p>
+            <a:pPr algn="ctr"/>
+            <a:endParaRPr lang="en-US"/>
+          </a:p>
+        </p:txBody>
+      </p:sp>
+      <p:sp>
+        <p:nvSpPr>
+          <p:cNvPr id="278" name="Rectangle 277">
+            <a:extLst>
+              <a:ext uri="{FF2B5EF4-FFF2-40B4-BE49-F238E27FC236}">
+                <a16:creationId xmlns:a16="http://schemas.microsoft.com/office/drawing/2014/main" id="{AFABA13D-4A6D-4236-8A6E-74EFCFFFD269}"/>
+              </a:ext>
+            </a:extLst>
+          </p:cNvPr>
+          <p:cNvSpPr/>
+          <p:nvPr/>
+        </p:nvSpPr>
+        <p:spPr>
+          <a:xfrm>
+            <a:off x="2536641" y="1434789"/>
+            <a:ext cx="151865" cy="193101"/>
+          </a:xfrm>
+          <a:prstGeom prst="rect">
+            <a:avLst/>
+          </a:prstGeom>
+          <a:solidFill>
+            <a:schemeClr val="bg1"/>
+          </a:solidFill>
+          <a:ln>
+            <a:solidFill>
+              <a:schemeClr val="bg1">
+                <a:lumMod val="65000"/>
+              </a:schemeClr>
+            </a:solidFill>
+          </a:ln>
+        </p:spPr>
+        <p:style>
+          <a:lnRef idx="2">
+            <a:schemeClr val="accent1">
+              <a:shade val="50000"/>
+            </a:schemeClr>
+          </a:lnRef>
+          <a:fillRef idx="1">
+            <a:schemeClr val="accent1"/>
+          </a:fillRef>
+          <a:effectRef idx="0">
+            <a:schemeClr val="accent1"/>
+          </a:effectRef>
+          <a:fontRef idx="minor">
+            <a:schemeClr val="lt1"/>
+          </a:fontRef>
+        </p:style>
+        <p:txBody>
+          <a:bodyPr rtlCol="0" anchor="ctr"/>
+          <a:lstStyle/>
+          <a:p>
+            <a:pPr algn="ctr"/>
+            <a:endParaRPr lang="en-US"/>
+          </a:p>
+        </p:txBody>
+      </p:sp>
+      <p:sp>
+        <p:nvSpPr>
+          <p:cNvPr id="279" name="Rectangle 278">
+            <a:extLst>
+              <a:ext uri="{FF2B5EF4-FFF2-40B4-BE49-F238E27FC236}">
+                <a16:creationId xmlns:a16="http://schemas.microsoft.com/office/drawing/2014/main" id="{681DB312-49E3-476E-9AED-8A18BF8404D1}"/>
+              </a:ext>
+            </a:extLst>
+          </p:cNvPr>
+          <p:cNvSpPr/>
+          <p:nvPr/>
+        </p:nvSpPr>
+        <p:spPr>
+          <a:xfrm>
+            <a:off x="2536641" y="1892061"/>
+            <a:ext cx="151865" cy="193101"/>
+          </a:xfrm>
+          <a:prstGeom prst="rect">
+            <a:avLst/>
+          </a:prstGeom>
+          <a:solidFill>
+            <a:schemeClr val="bg1"/>
+          </a:solidFill>
+          <a:ln>
+            <a:solidFill>
+              <a:schemeClr val="bg1">
+                <a:lumMod val="65000"/>
+              </a:schemeClr>
+            </a:solidFill>
+          </a:ln>
+        </p:spPr>
+        <p:style>
+          <a:lnRef idx="2">
+            <a:schemeClr val="accent1">
+              <a:shade val="50000"/>
+            </a:schemeClr>
+          </a:lnRef>
+          <a:fillRef idx="1">
+            <a:schemeClr val="accent1"/>
+          </a:fillRef>
+          <a:effectRef idx="0">
+            <a:schemeClr val="accent1"/>
+          </a:effectRef>
+          <a:fontRef idx="minor">
+            <a:schemeClr val="lt1"/>
+          </a:fontRef>
+        </p:style>
+        <p:txBody>
+          <a:bodyPr rtlCol="0" anchor="ctr"/>
+          <a:lstStyle/>
+          <a:p>
+            <a:pPr algn="ctr"/>
+            <a:endParaRPr lang="en-US"/>
+          </a:p>
+        </p:txBody>
+      </p:sp>
+      <p:sp>
+        <p:nvSpPr>
+          <p:cNvPr id="280" name="Rectangle 279">
+            <a:extLst>
+              <a:ext uri="{FF2B5EF4-FFF2-40B4-BE49-F238E27FC236}">
+                <a16:creationId xmlns:a16="http://schemas.microsoft.com/office/drawing/2014/main" id="{5107B420-5248-4BC6-9602-E5546135FF29}"/>
+              </a:ext>
+            </a:extLst>
+          </p:cNvPr>
+          <p:cNvSpPr/>
+          <p:nvPr/>
+        </p:nvSpPr>
+        <p:spPr>
+          <a:xfrm>
+            <a:off x="2536641" y="2349333"/>
+            <a:ext cx="151865" cy="193101"/>
+          </a:xfrm>
+          <a:prstGeom prst="rect">
+            <a:avLst/>
+          </a:prstGeom>
+          <a:solidFill>
+            <a:schemeClr val="bg1"/>
+          </a:solidFill>
+          <a:ln>
+            <a:solidFill>
+              <a:schemeClr val="bg1">
+                <a:lumMod val="65000"/>
+              </a:schemeClr>
+            </a:solidFill>
+          </a:ln>
+        </p:spPr>
+        <p:style>
+          <a:lnRef idx="2">
+            <a:schemeClr val="accent1">
+              <a:shade val="50000"/>
+            </a:schemeClr>
+          </a:lnRef>
+          <a:fillRef idx="1">
+            <a:schemeClr val="accent1"/>
+          </a:fillRef>
+          <a:effectRef idx="0">
+            <a:schemeClr val="accent1"/>
+          </a:effectRef>
+          <a:fontRef idx="minor">
+            <a:schemeClr val="lt1"/>
+          </a:fontRef>
+        </p:style>
+        <p:txBody>
+          <a:bodyPr rtlCol="0" anchor="ctr"/>
+          <a:lstStyle/>
+          <a:p>
+            <a:pPr algn="ctr"/>
+            <a:endParaRPr lang="en-US"/>
+          </a:p>
+        </p:txBody>
+      </p:sp>
+      <p:sp>
+        <p:nvSpPr>
+          <p:cNvPr id="281" name="Rectangle 280">
+            <a:extLst>
+              <a:ext uri="{FF2B5EF4-FFF2-40B4-BE49-F238E27FC236}">
+                <a16:creationId xmlns:a16="http://schemas.microsoft.com/office/drawing/2014/main" id="{BA0F7480-2129-407A-8F27-ADBACF9F4FDA}"/>
+              </a:ext>
+            </a:extLst>
+          </p:cNvPr>
+          <p:cNvSpPr/>
+          <p:nvPr/>
+        </p:nvSpPr>
+        <p:spPr>
+          <a:xfrm>
+            <a:off x="2536641" y="2806605"/>
+            <a:ext cx="151865" cy="193101"/>
+          </a:xfrm>
+          <a:prstGeom prst="rect">
+            <a:avLst/>
+          </a:prstGeom>
+          <a:solidFill>
+            <a:schemeClr val="bg1"/>
+          </a:solidFill>
+          <a:ln>
+            <a:solidFill>
+              <a:schemeClr val="bg1">
+                <a:lumMod val="65000"/>
+              </a:schemeClr>
+            </a:solidFill>
+          </a:ln>
+        </p:spPr>
+        <p:style>
+          <a:lnRef idx="2">
+            <a:schemeClr val="accent1">
+              <a:shade val="50000"/>
+            </a:schemeClr>
+          </a:lnRef>
+          <a:fillRef idx="1">
+            <a:schemeClr val="accent1"/>
+          </a:fillRef>
+          <a:effectRef idx="0">
+            <a:schemeClr val="accent1"/>
+          </a:effectRef>
+          <a:fontRef idx="minor">
+            <a:schemeClr val="lt1"/>
+          </a:fontRef>
+        </p:style>
+        <p:txBody>
+          <a:bodyPr rtlCol="0" anchor="ctr"/>
+          <a:lstStyle/>
+          <a:p>
+            <a:pPr algn="ctr"/>
+            <a:endParaRPr lang="en-US"/>
+          </a:p>
+        </p:txBody>
+      </p:sp>
+      <p:sp>
+        <p:nvSpPr>
+          <p:cNvPr id="282" name="Rectangle 281">
+            <a:extLst>
+              <a:ext uri="{FF2B5EF4-FFF2-40B4-BE49-F238E27FC236}">
+                <a16:creationId xmlns:a16="http://schemas.microsoft.com/office/drawing/2014/main" id="{4E2ACD72-044A-4F5F-AA40-841FE9332E7A}"/>
+              </a:ext>
+            </a:extLst>
+          </p:cNvPr>
+          <p:cNvSpPr/>
+          <p:nvPr/>
+        </p:nvSpPr>
+        <p:spPr>
+          <a:xfrm>
+            <a:off x="2536641" y="4635690"/>
+            <a:ext cx="151865" cy="193101"/>
+          </a:xfrm>
+          <a:prstGeom prst="rect">
+            <a:avLst/>
+          </a:prstGeom>
+          <a:solidFill>
+            <a:schemeClr val="bg1"/>
+          </a:solidFill>
+          <a:ln>
+            <a:solidFill>
+              <a:schemeClr val="bg1">
+                <a:lumMod val="65000"/>
+              </a:schemeClr>
+            </a:solidFill>
+          </a:ln>
+        </p:spPr>
+        <p:style>
+          <a:lnRef idx="2">
+            <a:schemeClr val="accent1">
+              <a:shade val="50000"/>
+            </a:schemeClr>
+          </a:lnRef>
+          <a:fillRef idx="1">
+            <a:schemeClr val="accent1"/>
+          </a:fillRef>
+          <a:effectRef idx="0">
+            <a:schemeClr val="accent1"/>
+          </a:effectRef>
+          <a:fontRef idx="minor">
+            <a:schemeClr val="lt1"/>
+          </a:fontRef>
+        </p:style>
+        <p:txBody>
+          <a:bodyPr rtlCol="0" anchor="ctr"/>
+          <a:lstStyle/>
+          <a:p>
+            <a:pPr algn="ctr"/>
+            <a:endParaRPr lang="en-US"/>
+          </a:p>
+        </p:txBody>
+      </p:sp>
+      <p:sp>
+        <p:nvSpPr>
+          <p:cNvPr id="283" name="Rectangle 282">
+            <a:extLst>
+              <a:ext uri="{FF2B5EF4-FFF2-40B4-BE49-F238E27FC236}">
+                <a16:creationId xmlns:a16="http://schemas.microsoft.com/office/drawing/2014/main" id="{C3254E99-70C0-48AA-ABD3-A9F96C13F92A}"/>
+              </a:ext>
+            </a:extLst>
+          </p:cNvPr>
+          <p:cNvSpPr/>
+          <p:nvPr/>
+        </p:nvSpPr>
+        <p:spPr>
+          <a:xfrm>
+            <a:off x="2536641" y="3721149"/>
+            <a:ext cx="151865" cy="193101"/>
+          </a:xfrm>
+          <a:prstGeom prst="rect">
+            <a:avLst/>
+          </a:prstGeom>
+          <a:solidFill>
+            <a:schemeClr val="bg1"/>
+          </a:solidFill>
+          <a:ln>
+            <a:solidFill>
+              <a:schemeClr val="bg1">
+                <a:lumMod val="65000"/>
+              </a:schemeClr>
+            </a:solidFill>
+          </a:ln>
+        </p:spPr>
+        <p:style>
+          <a:lnRef idx="2">
+            <a:schemeClr val="accent1">
+              <a:shade val="50000"/>
+            </a:schemeClr>
+          </a:lnRef>
+          <a:fillRef idx="1">
+            <a:schemeClr val="accent1"/>
+          </a:fillRef>
+          <a:effectRef idx="0">
+            <a:schemeClr val="accent1"/>
+          </a:effectRef>
+          <a:fontRef idx="minor">
+            <a:schemeClr val="lt1"/>
+          </a:fontRef>
+        </p:style>
+        <p:txBody>
+          <a:bodyPr rtlCol="0" anchor="ctr"/>
+          <a:lstStyle/>
+          <a:p>
+            <a:pPr algn="ctr"/>
+            <a:endParaRPr lang="en-US"/>
+          </a:p>
+        </p:txBody>
+      </p:sp>
+      <p:sp>
+        <p:nvSpPr>
+          <p:cNvPr id="285" name="Rectangle 284">
+            <a:extLst>
+              <a:ext uri="{FF2B5EF4-FFF2-40B4-BE49-F238E27FC236}">
+                <a16:creationId xmlns:a16="http://schemas.microsoft.com/office/drawing/2014/main" id="{4244B7A4-CBB4-479F-B0B6-70AE06137F46}"/>
+              </a:ext>
+            </a:extLst>
+          </p:cNvPr>
+          <p:cNvSpPr/>
+          <p:nvPr/>
+        </p:nvSpPr>
+        <p:spPr>
+          <a:xfrm>
+            <a:off x="2536641" y="3263877"/>
+            <a:ext cx="151865" cy="193101"/>
+          </a:xfrm>
+          <a:prstGeom prst="rect">
+            <a:avLst/>
+          </a:prstGeom>
+          <a:solidFill>
+            <a:schemeClr val="bg1"/>
+          </a:solidFill>
+          <a:ln>
+            <a:solidFill>
+              <a:schemeClr val="bg1">
+                <a:lumMod val="65000"/>
+              </a:schemeClr>
+            </a:solidFill>
+          </a:ln>
+        </p:spPr>
+        <p:style>
+          <a:lnRef idx="2">
+            <a:schemeClr val="accent1">
+              <a:shade val="50000"/>
+            </a:schemeClr>
+          </a:lnRef>
+          <a:fillRef idx="1">
+            <a:schemeClr val="accent1"/>
+          </a:fillRef>
+          <a:effectRef idx="0">
+            <a:schemeClr val="accent1"/>
+          </a:effectRef>
+          <a:fontRef idx="minor">
+            <a:schemeClr val="lt1"/>
+          </a:fontRef>
+        </p:style>
+        <p:txBody>
+          <a:bodyPr rtlCol="0" anchor="ctr"/>
+          <a:lstStyle/>
+          <a:p>
+            <a:pPr algn="ctr"/>
+            <a:endParaRPr lang="en-US"/>
+          </a:p>
+        </p:txBody>
+      </p:sp>
+      <p:sp>
+        <p:nvSpPr>
+          <p:cNvPr id="291" name="Rectangle 290">
+            <a:extLst>
+              <a:ext uri="{FF2B5EF4-FFF2-40B4-BE49-F238E27FC236}">
+                <a16:creationId xmlns:a16="http://schemas.microsoft.com/office/drawing/2014/main" id="{00AA3CC3-980E-45D0-8293-8D32A696CAA0}"/>
+              </a:ext>
+            </a:extLst>
+          </p:cNvPr>
+          <p:cNvSpPr/>
+          <p:nvPr/>
+        </p:nvSpPr>
+        <p:spPr>
+          <a:xfrm>
+            <a:off x="2536641" y="4178421"/>
+            <a:ext cx="151865" cy="193101"/>
+          </a:xfrm>
+          <a:prstGeom prst="rect">
+            <a:avLst/>
+          </a:prstGeom>
+          <a:solidFill>
+            <a:schemeClr val="bg1"/>
+          </a:solidFill>
+          <a:ln>
+            <a:solidFill>
+              <a:schemeClr val="bg1">
+                <a:lumMod val="65000"/>
+              </a:schemeClr>
+            </a:solidFill>
+          </a:ln>
+        </p:spPr>
+        <p:style>
+          <a:lnRef idx="2">
+            <a:schemeClr val="accent1">
+              <a:shade val="50000"/>
+            </a:schemeClr>
+          </a:lnRef>
+          <a:fillRef idx="1">
+            <a:schemeClr val="accent1"/>
+          </a:fillRef>
+          <a:effectRef idx="0">
+            <a:schemeClr val="accent1"/>
+          </a:effectRef>
+          <a:fontRef idx="minor">
+            <a:schemeClr val="lt1"/>
+          </a:fontRef>
+        </p:style>
+        <p:txBody>
+          <a:bodyPr rtlCol="0" anchor="ctr"/>
+          <a:lstStyle/>
+          <a:p>
+            <a:pPr algn="ctr"/>
+            <a:endParaRPr lang="en-US"/>
+          </a:p>
+        </p:txBody>
+      </p:sp>
+      <p:cxnSp>
+        <p:nvCxnSpPr>
+          <p:cNvPr id="326" name="Straight Arrow Connector 325">
+            <a:extLst>
+              <a:ext uri="{FF2B5EF4-FFF2-40B4-BE49-F238E27FC236}">
+                <a16:creationId xmlns:a16="http://schemas.microsoft.com/office/drawing/2014/main" id="{5BECE949-4F2C-44AD-85C6-7801EBC13424}"/>
+              </a:ext>
+            </a:extLst>
+          </p:cNvPr>
+          <p:cNvCxnSpPr>
+            <a:cxnSpLocks/>
+            <a:stCxn id="280" idx="2"/>
+            <a:endCxn id="281" idx="0"/>
+          </p:cNvCxnSpPr>
+          <p:nvPr/>
+        </p:nvCxnSpPr>
+        <p:spPr>
+          <a:xfrm>
+            <a:off x="2612574" y="2542434"/>
+            <a:ext cx="0" cy="264171"/>
+          </a:xfrm>
+          <a:prstGeom prst="straightConnector1">
+            <a:avLst/>
+          </a:prstGeom>
+          <a:ln w="25400">
+            <a:solidFill>
+              <a:schemeClr val="bg1">
+                <a:lumMod val="65000"/>
+              </a:schemeClr>
+            </a:solidFill>
+            <a:tailEnd type="triangle"/>
+          </a:ln>
+        </p:spPr>
+        <p:style>
+          <a:lnRef idx="1">
+            <a:schemeClr val="accent1"/>
+          </a:lnRef>
+          <a:fillRef idx="0">
+            <a:schemeClr val="accent1"/>
+          </a:fillRef>
+          <a:effectRef idx="0">
+            <a:schemeClr val="accent1"/>
+          </a:effectRef>
+          <a:fontRef idx="minor">
+            <a:schemeClr val="tx1"/>
+          </a:fontRef>
+        </p:style>
+      </p:cxnSp>
+      <p:cxnSp>
+        <p:nvCxnSpPr>
+          <p:cNvPr id="327" name="Straight Arrow Connector 326">
+            <a:extLst>
+              <a:ext uri="{FF2B5EF4-FFF2-40B4-BE49-F238E27FC236}">
+                <a16:creationId xmlns:a16="http://schemas.microsoft.com/office/drawing/2014/main" id="{95058B50-A1A1-4B9D-8C67-36A7AB21E3E9}"/>
+              </a:ext>
+            </a:extLst>
+          </p:cNvPr>
+          <p:cNvCxnSpPr>
+            <a:cxnSpLocks/>
+            <a:stCxn id="281" idx="2"/>
+            <a:endCxn id="285" idx="0"/>
+          </p:cNvCxnSpPr>
+          <p:nvPr/>
+        </p:nvCxnSpPr>
+        <p:spPr>
+          <a:xfrm>
+            <a:off x="2612574" y="2999706"/>
+            <a:ext cx="0" cy="264171"/>
+          </a:xfrm>
+          <a:prstGeom prst="straightConnector1">
+            <a:avLst/>
+          </a:prstGeom>
+          <a:ln w="25400">
+            <a:solidFill>
+              <a:schemeClr val="bg1">
+                <a:lumMod val="65000"/>
+              </a:schemeClr>
+            </a:solidFill>
+            <a:tailEnd type="triangle"/>
+          </a:ln>
+        </p:spPr>
+        <p:style>
+          <a:lnRef idx="1">
+            <a:schemeClr val="accent1"/>
+          </a:lnRef>
+          <a:fillRef idx="0">
+            <a:schemeClr val="accent1"/>
+          </a:fillRef>
+          <a:effectRef idx="0">
+            <a:schemeClr val="accent1"/>
+          </a:effectRef>
+          <a:fontRef idx="minor">
+            <a:schemeClr val="tx1"/>
+          </a:fontRef>
+        </p:style>
+      </p:cxnSp>
+      <p:cxnSp>
+        <p:nvCxnSpPr>
+          <p:cNvPr id="328" name="Straight Arrow Connector 327">
+            <a:extLst>
+              <a:ext uri="{FF2B5EF4-FFF2-40B4-BE49-F238E27FC236}">
+                <a16:creationId xmlns:a16="http://schemas.microsoft.com/office/drawing/2014/main" id="{4C82704E-7FD5-4CE4-9421-C80B5C15C398}"/>
+              </a:ext>
+            </a:extLst>
+          </p:cNvPr>
+          <p:cNvCxnSpPr>
+            <a:cxnSpLocks/>
+            <a:stCxn id="285" idx="2"/>
+            <a:endCxn id="283" idx="0"/>
+          </p:cNvCxnSpPr>
+          <p:nvPr/>
+        </p:nvCxnSpPr>
+        <p:spPr>
+          <a:xfrm>
+            <a:off x="2612574" y="3456978"/>
+            <a:ext cx="0" cy="264171"/>
+          </a:xfrm>
+          <a:prstGeom prst="straightConnector1">
+            <a:avLst/>
+          </a:prstGeom>
+          <a:ln w="25400">
+            <a:solidFill>
+              <a:schemeClr val="bg1">
+                <a:lumMod val="65000"/>
+              </a:schemeClr>
+            </a:solidFill>
+            <a:tailEnd type="triangle"/>
+          </a:ln>
+        </p:spPr>
+        <p:style>
+          <a:lnRef idx="1">
+            <a:schemeClr val="accent1"/>
+          </a:lnRef>
+          <a:fillRef idx="0">
+            <a:schemeClr val="accent1"/>
+          </a:fillRef>
+          <a:effectRef idx="0">
+            <a:schemeClr val="accent1"/>
+          </a:effectRef>
+          <a:fontRef idx="minor">
+            <a:schemeClr val="tx1"/>
+          </a:fontRef>
+        </p:style>
+      </p:cxnSp>
+      <p:cxnSp>
+        <p:nvCxnSpPr>
+          <p:cNvPr id="336" name="Straight Arrow Connector 335">
+            <a:extLst>
+              <a:ext uri="{FF2B5EF4-FFF2-40B4-BE49-F238E27FC236}">
+                <a16:creationId xmlns:a16="http://schemas.microsoft.com/office/drawing/2014/main" id="{9C99D745-E712-447D-84CC-683C1FE8E0FF}"/>
+              </a:ext>
+            </a:extLst>
+          </p:cNvPr>
+          <p:cNvCxnSpPr>
+            <a:cxnSpLocks/>
+            <a:stCxn id="283" idx="2"/>
+            <a:endCxn id="291" idx="0"/>
+          </p:cNvCxnSpPr>
+          <p:nvPr/>
+        </p:nvCxnSpPr>
+        <p:spPr>
+          <a:xfrm>
+            <a:off x="2612574" y="3914250"/>
+            <a:ext cx="0" cy="264171"/>
+          </a:xfrm>
+          <a:prstGeom prst="straightConnector1">
+            <a:avLst/>
+          </a:prstGeom>
+          <a:ln w="25400">
+            <a:solidFill>
+              <a:schemeClr val="bg1">
+                <a:lumMod val="65000"/>
+              </a:schemeClr>
+            </a:solidFill>
+            <a:tailEnd type="triangle"/>
+          </a:ln>
+        </p:spPr>
+        <p:style>
+          <a:lnRef idx="1">
+            <a:schemeClr val="accent1"/>
+          </a:lnRef>
+          <a:fillRef idx="0">
+            <a:schemeClr val="accent1"/>
+          </a:fillRef>
+          <a:effectRef idx="0">
+            <a:schemeClr val="accent1"/>
+          </a:effectRef>
+          <a:fontRef idx="minor">
+            <a:schemeClr val="tx1"/>
+          </a:fontRef>
+        </p:style>
+      </p:cxnSp>
+      <p:cxnSp>
+        <p:nvCxnSpPr>
+          <p:cNvPr id="337" name="Straight Arrow Connector 336">
+            <a:extLst>
+              <a:ext uri="{FF2B5EF4-FFF2-40B4-BE49-F238E27FC236}">
+                <a16:creationId xmlns:a16="http://schemas.microsoft.com/office/drawing/2014/main" id="{72C61179-3FEF-484F-BFBD-4A9943734BDC}"/>
+              </a:ext>
+            </a:extLst>
+          </p:cNvPr>
+          <p:cNvCxnSpPr>
+            <a:cxnSpLocks/>
+            <a:stCxn id="291" idx="2"/>
+            <a:endCxn id="282" idx="0"/>
+          </p:cNvCxnSpPr>
+          <p:nvPr/>
+        </p:nvCxnSpPr>
+        <p:spPr>
+          <a:xfrm>
+            <a:off x="2612574" y="4371522"/>
+            <a:ext cx="0" cy="264168"/>
+          </a:xfrm>
+          <a:prstGeom prst="straightConnector1">
+            <a:avLst/>
+          </a:prstGeom>
+          <a:ln w="25400">
+            <a:solidFill>
+              <a:schemeClr val="bg1">
+                <a:lumMod val="65000"/>
+              </a:schemeClr>
+            </a:solidFill>
+            <a:tailEnd type="triangle"/>
+          </a:ln>
+        </p:spPr>
+        <p:style>
+          <a:lnRef idx="1">
+            <a:schemeClr val="accent1"/>
+          </a:lnRef>
+          <a:fillRef idx="0">
+            <a:schemeClr val="accent1"/>
+          </a:fillRef>
+          <a:effectRef idx="0">
+            <a:schemeClr val="accent1"/>
+          </a:effectRef>
+          <a:fontRef idx="minor">
+            <a:schemeClr val="tx1"/>
+          </a:fontRef>
+        </p:style>
+      </p:cxnSp>
+      <p:cxnSp>
+        <p:nvCxnSpPr>
+          <p:cNvPr id="345" name="Straight Arrow Connector 344">
+            <a:extLst>
+              <a:ext uri="{FF2B5EF4-FFF2-40B4-BE49-F238E27FC236}">
+                <a16:creationId xmlns:a16="http://schemas.microsoft.com/office/drawing/2014/main" id="{31B5A508-C01B-4CE5-952D-317A38F71D3D}"/>
+              </a:ext>
+            </a:extLst>
+          </p:cNvPr>
+          <p:cNvCxnSpPr>
+            <a:cxnSpLocks/>
+            <a:stCxn id="282" idx="2"/>
+            <a:endCxn id="67" idx="0"/>
+          </p:cNvCxnSpPr>
+          <p:nvPr/>
+        </p:nvCxnSpPr>
+        <p:spPr>
+          <a:xfrm>
+            <a:off x="2612574" y="4828791"/>
+            <a:ext cx="1608" cy="360725"/>
+          </a:xfrm>
+          <a:prstGeom prst="straightConnector1">
+            <a:avLst/>
+          </a:prstGeom>
+          <a:ln w="44450">
+            <a:solidFill>
+              <a:schemeClr val="tx1">
+                <a:lumMod val="85000"/>
+                <a:lumOff val="15000"/>
+              </a:schemeClr>
+            </a:solidFill>
+            <a:tailEnd type="triangle"/>
+          </a:ln>
+        </p:spPr>
+        <p:style>
+          <a:lnRef idx="1">
+            <a:schemeClr val="accent1"/>
+          </a:lnRef>
+          <a:fillRef idx="0">
+            <a:schemeClr val="accent1"/>
+          </a:fillRef>
+          <a:effectRef idx="0">
+            <a:schemeClr val="accent1"/>
+          </a:effectRef>
+          <a:fontRef idx="minor">
+            <a:schemeClr val="tx1"/>
+          </a:fontRef>
+        </p:style>
+      </p:cxnSp>
+    </p:spTree>
+    <p:extLst>
+      <p:ext uri="{BB962C8B-B14F-4D97-AF65-F5344CB8AC3E}">
+        <p14:creationId xmlns:p14="http://schemas.microsoft.com/office/powerpoint/2010/main" val="3895755014"/>
+      </p:ext>
+    </p:extLst>
+  </p:cSld>
+  <p:clrMapOvr>
+    <a:masterClrMapping/>
+  </p:clrMapOvr>
+</p:sld>
+</file>
+
 <file path=ppt/theme/theme1.xml><?xml version="1.0" encoding="utf-8"?>
 <a:theme xmlns:a="http://schemas.openxmlformats.org/drawingml/2006/main" name="Office Theme">
   <a:themeElements>

--- a/doc/images/ImageSources.pptx
+++ b/doc/images/ImageSources.pptx
@@ -11642,119 +11642,6 @@
       </p:sp>
       <p:sp>
         <p:nvSpPr>
-          <p:cNvPr id="37" name="Rectangle: Rounded Corners 36">
-            <a:extLst>
-              <a:ext uri="{FF2B5EF4-FFF2-40B4-BE49-F238E27FC236}">
-                <a16:creationId xmlns:a16="http://schemas.microsoft.com/office/drawing/2014/main" id="{36F0524D-C4D2-406B-B29F-D8B995EF1F1B}"/>
-              </a:ext>
-            </a:extLst>
-          </p:cNvPr>
-          <p:cNvSpPr/>
-          <p:nvPr/>
-        </p:nvSpPr>
-        <p:spPr>
-          <a:xfrm>
-            <a:off x="8472761" y="3193917"/>
-            <a:ext cx="1737360" cy="365760"/>
-          </a:xfrm>
-          <a:prstGeom prst="roundRect">
-            <a:avLst/>
-          </a:prstGeom>
-          <a:solidFill>
-            <a:schemeClr val="accent6">
-              <a:lumMod val="20000"/>
-              <a:lumOff val="80000"/>
-            </a:schemeClr>
-          </a:solidFill>
-        </p:spPr>
-        <p:style>
-          <a:lnRef idx="2">
-            <a:schemeClr val="accent1">
-              <a:shade val="50000"/>
-            </a:schemeClr>
-          </a:lnRef>
-          <a:fillRef idx="1">
-            <a:schemeClr val="accent1"/>
-          </a:fillRef>
-          <a:effectRef idx="0">
-            <a:schemeClr val="accent1"/>
-          </a:effectRef>
-          <a:fontRef idx="minor">
-            <a:schemeClr val="lt1"/>
-          </a:fontRef>
-        </p:style>
-        <p:txBody>
-          <a:bodyPr rtlCol="0" anchor="ctr"/>
-          <a:lstStyle/>
-          <a:p>
-            <a:pPr algn="ctr"/>
-            <a:r>
-              <a:rPr lang="en-US" sz="1200" dirty="0" err="1">
-                <a:solidFill>
-                  <a:schemeClr val="tx1"/>
-                </a:solidFill>
-              </a:rPr>
-              <a:t>ChecksOntToJSON</a:t>
-            </a:r>
-            <a:r>
-              <a:rPr lang="en-US" sz="1200" dirty="0">
-                <a:solidFill>
-                  <a:schemeClr val="tx1"/>
-                </a:solidFill>
-              </a:rPr>
-              <a:t>-TTL.R</a:t>
-            </a:r>
-          </a:p>
-        </p:txBody>
-      </p:sp>
-      <p:cxnSp>
-        <p:nvCxnSpPr>
-          <p:cNvPr id="38" name="Connector: Elbow 37">
-            <a:extLst>
-              <a:ext uri="{FF2B5EF4-FFF2-40B4-BE49-F238E27FC236}">
-                <a16:creationId xmlns:a16="http://schemas.microsoft.com/office/drawing/2014/main" id="{241E245B-054A-4AA8-BF09-BD33B1D5F9CC}"/>
-              </a:ext>
-            </a:extLst>
-          </p:cNvPr>
-          <p:cNvCxnSpPr>
-            <a:cxnSpLocks/>
-            <a:stCxn id="31" idx="2"/>
-            <a:endCxn id="37" idx="1"/>
-          </p:cNvCxnSpPr>
-          <p:nvPr/>
-        </p:nvCxnSpPr>
-        <p:spPr>
-          <a:xfrm rot="5400000" flipH="1" flipV="1">
-            <a:off x="7983391" y="3331145"/>
-            <a:ext cx="443718" cy="535021"/>
-          </a:xfrm>
-          <a:prstGeom prst="bentConnector4">
-            <a:avLst>
-              <a:gd name="adj1" fmla="val -51519"/>
-              <a:gd name="adj2" fmla="val -183164"/>
-            </a:avLst>
-          </a:prstGeom>
-          <a:ln w="25400">
-            <a:tailEnd type="triangle"/>
-          </a:ln>
-        </p:spPr>
-        <p:style>
-          <a:lnRef idx="1">
-            <a:schemeClr val="accent1"/>
-          </a:lnRef>
-          <a:fillRef idx="0">
-            <a:schemeClr val="accent1"/>
-          </a:fillRef>
-          <a:effectRef idx="0">
-            <a:schemeClr val="accent1"/>
-          </a:effectRef>
-          <a:fontRef idx="minor">
-            <a:schemeClr val="tx1"/>
-          </a:fontRef>
-        </p:style>
-      </p:cxnSp>
-      <p:sp>
-        <p:nvSpPr>
           <p:cNvPr id="39" name="TextBox 38">
             <a:extLst>
               <a:ext uri="{FF2B5EF4-FFF2-40B4-BE49-F238E27FC236}">
@@ -11768,7 +11655,7 @@
         <p:spPr>
           <a:xfrm>
             <a:off x="6958374" y="6003767"/>
-            <a:ext cx="1614545" cy="246221"/>
+            <a:ext cx="1598515" cy="246221"/>
           </a:xfrm>
           <a:prstGeom prst="rect">
             <a:avLst/>
@@ -11783,7 +11670,7 @@
           <a:p>
             <a:r>
               <a:rPr lang="en-US" sz="1000" dirty="0"/>
-              <a:t>Source: ProgramFlows.pptx</a:t>
+              <a:t>Source: ImageSources.pptx</a:t>
             </a:r>
           </a:p>
         </p:txBody>
@@ -11799,7 +11686,6 @@
           </p:cNvPr>
           <p:cNvCxnSpPr>
             <a:cxnSpLocks/>
-            <a:stCxn id="37" idx="3"/>
             <a:endCxn id="35" idx="2"/>
           </p:cNvCxnSpPr>
           <p:nvPr/>
@@ -11988,8 +11874,8 @@
         </p:nvSpPr>
         <p:spPr>
           <a:xfrm>
-            <a:off x="9919905" y="2509521"/>
-            <a:ext cx="1237140" cy="365760"/>
+            <a:off x="5866626" y="4525330"/>
+            <a:ext cx="1645920" cy="365760"/>
           </a:xfrm>
           <a:prstGeom prst="roundRect">
             <a:avLst/>
@@ -12037,7 +11923,7 @@
                   </a:schemeClr>
                 </a:solidFill>
               </a:rPr>
-              <a:t>SMSMapVis</a:t>
+              <a:t>compTriplesTTL</a:t>
             </a:r>
             <a:r>
               <a:rPr lang="en-US" sz="1200" dirty="0">
@@ -12049,91 +11935,6 @@
               </a:rPr>
               <a:t>-app</a:t>
             </a:r>
-          </a:p>
-        </p:txBody>
-      </p:sp>
-      <p:sp>
-        <p:nvSpPr>
-          <p:cNvPr id="51" name="Rectangle: Rounded Corners 50">
-            <a:extLst>
-              <a:ext uri="{FF2B5EF4-FFF2-40B4-BE49-F238E27FC236}">
-                <a16:creationId xmlns:a16="http://schemas.microsoft.com/office/drawing/2014/main" id="{7F75D476-E583-4F30-A03A-14454691CC79}"/>
-              </a:ext>
-            </a:extLst>
-          </p:cNvPr>
-          <p:cNvSpPr/>
-          <p:nvPr/>
-        </p:nvSpPr>
-        <p:spPr>
-          <a:xfrm>
-            <a:off x="5534841" y="6184077"/>
-            <a:ext cx="1613847" cy="381743"/>
-          </a:xfrm>
-          <a:prstGeom prst="roundRect">
-            <a:avLst/>
-          </a:prstGeom>
-          <a:solidFill>
-            <a:schemeClr val="accent1">
-              <a:lumMod val="50000"/>
-            </a:schemeClr>
-          </a:solidFill>
-          <a:ln w="25400">
-            <a:solidFill>
-              <a:schemeClr val="bg1">
-                <a:lumMod val="75000"/>
-              </a:schemeClr>
-            </a:solidFill>
-            <a:prstDash val="solid"/>
-          </a:ln>
-        </p:spPr>
-        <p:style>
-          <a:lnRef idx="2">
-            <a:schemeClr val="accent1">
-              <a:shade val="50000"/>
-            </a:schemeClr>
-          </a:lnRef>
-          <a:fillRef idx="1">
-            <a:schemeClr val="accent1"/>
-          </a:fillRef>
-          <a:effectRef idx="0">
-            <a:schemeClr val="accent1"/>
-          </a:effectRef>
-          <a:fontRef idx="minor">
-            <a:schemeClr val="lt1"/>
-          </a:fontRef>
-        </p:style>
-        <p:txBody>
-          <a:bodyPr rtlCol="0" anchor="ctr"/>
-          <a:lstStyle/>
-          <a:p>
-            <a:pPr algn="ctr"/>
-            <a:r>
-              <a:rPr lang="en-US" sz="1200" dirty="0">
-                <a:solidFill>
-                  <a:schemeClr val="bg1">
-                    <a:lumMod val="85000"/>
-                  </a:schemeClr>
-                </a:solidFill>
-              </a:rPr>
-              <a:t>foo-</a:t>
-            </a:r>
-            <a:r>
-              <a:rPr lang="en-US" sz="1200" dirty="0" err="1">
-                <a:solidFill>
-                  <a:schemeClr val="bg1">
-                    <a:lumMod val="85000"/>
-                  </a:schemeClr>
-                </a:solidFill>
-              </a:rPr>
-              <a:t>app.R</a:t>
-            </a:r>
-            <a:endParaRPr lang="en-US" sz="1200" dirty="0">
-              <a:solidFill>
-                <a:schemeClr val="bg1">
-                  <a:lumMod val="85000"/>
-                </a:schemeClr>
-              </a:solidFill>
-            </a:endParaRPr>
           </a:p>
         </p:txBody>
       </p:sp>
@@ -12147,14 +11948,16 @@
             </a:extLst>
           </p:cNvPr>
           <p:cNvCxnSpPr>
+            <a:cxnSpLocks/>
+            <a:stCxn id="67" idx="3"/>
             <a:endCxn id="50" idx="1"/>
           </p:cNvCxnSpPr>
           <p:nvPr/>
         </p:nvCxnSpPr>
         <p:spPr>
-          <a:xfrm>
-            <a:off x="9454536" y="2692401"/>
-            <a:ext cx="465369" cy="0"/>
+          <a:xfrm flipV="1">
+            <a:off x="3299982" y="4708210"/>
+            <a:ext cx="2566644" cy="664186"/>
           </a:xfrm>
           <a:prstGeom prst="straightConnector1">
             <a:avLst/>
@@ -14023,6 +13826,260 @@
           </a:fontRef>
         </p:style>
       </p:cxnSp>
+      <p:sp>
+        <p:nvSpPr>
+          <p:cNvPr id="351" name="Rectangle: Rounded Corners 350">
+            <a:extLst>
+              <a:ext uri="{FF2B5EF4-FFF2-40B4-BE49-F238E27FC236}">
+                <a16:creationId xmlns:a16="http://schemas.microsoft.com/office/drawing/2014/main" id="{77B4770B-BA6C-4B0B-82A3-EC5E1093BC3D}"/>
+              </a:ext>
+            </a:extLst>
+          </p:cNvPr>
+          <p:cNvSpPr/>
+          <p:nvPr/>
+        </p:nvSpPr>
+        <p:spPr>
+          <a:xfrm>
+            <a:off x="8562983" y="4548873"/>
+            <a:ext cx="1371600" cy="365760"/>
+          </a:xfrm>
+          <a:prstGeom prst="roundRect">
+            <a:avLst/>
+          </a:prstGeom>
+          <a:solidFill>
+            <a:schemeClr val="accent4">
+              <a:lumMod val="40000"/>
+              <a:lumOff val="60000"/>
+            </a:schemeClr>
+          </a:solidFill>
+        </p:spPr>
+        <p:style>
+          <a:lnRef idx="2">
+            <a:schemeClr val="accent1">
+              <a:shade val="50000"/>
+            </a:schemeClr>
+          </a:lnRef>
+          <a:fillRef idx="1">
+            <a:schemeClr val="accent1"/>
+          </a:fillRef>
+          <a:effectRef idx="0">
+            <a:schemeClr val="accent1"/>
+          </a:effectRef>
+          <a:fontRef idx="minor">
+            <a:schemeClr val="lt1"/>
+          </a:fontRef>
+        </p:style>
+        <p:txBody>
+          <a:bodyPr lIns="45720" rIns="45720" rtlCol="0" anchor="ctr"/>
+          <a:lstStyle/>
+          <a:p>
+            <a:pPr algn="ctr"/>
+            <a:r>
+              <a:rPr lang="en-US" sz="1200" dirty="0" err="1">
+                <a:solidFill>
+                  <a:schemeClr val="tx1"/>
+                </a:solidFill>
+              </a:rPr>
+              <a:t>meddra.ttl</a:t>
+            </a:r>
+            <a:endParaRPr lang="en-US" sz="1200" dirty="0">
+              <a:solidFill>
+                <a:schemeClr val="tx1"/>
+              </a:solidFill>
+            </a:endParaRPr>
+          </a:p>
+        </p:txBody>
+      </p:sp>
+      <p:cxnSp>
+        <p:nvCxnSpPr>
+          <p:cNvPr id="352" name="Straight Arrow Connector 351">
+            <a:extLst>
+              <a:ext uri="{FF2B5EF4-FFF2-40B4-BE49-F238E27FC236}">
+                <a16:creationId xmlns:a16="http://schemas.microsoft.com/office/drawing/2014/main" id="{12F2AF7C-AF4D-49A1-A5EF-B8154F3F12BC}"/>
+              </a:ext>
+            </a:extLst>
+          </p:cNvPr>
+          <p:cNvCxnSpPr>
+            <a:cxnSpLocks/>
+            <a:stCxn id="351" idx="1"/>
+            <a:endCxn id="50" idx="3"/>
+          </p:cNvCxnSpPr>
+          <p:nvPr/>
+        </p:nvCxnSpPr>
+        <p:spPr>
+          <a:xfrm flipH="1" flipV="1">
+            <a:off x="7512546" y="4708210"/>
+            <a:ext cx="1050437" cy="23543"/>
+          </a:xfrm>
+          <a:prstGeom prst="straightConnector1">
+            <a:avLst/>
+          </a:prstGeom>
+          <a:ln w="25400">
+            <a:tailEnd type="triangle"/>
+          </a:ln>
+        </p:spPr>
+        <p:style>
+          <a:lnRef idx="1">
+            <a:schemeClr val="accent1"/>
+          </a:lnRef>
+          <a:fillRef idx="0">
+            <a:schemeClr val="accent1"/>
+          </a:fillRef>
+          <a:effectRef idx="0">
+            <a:schemeClr val="accent1"/>
+          </a:effectRef>
+          <a:fontRef idx="minor">
+            <a:schemeClr val="tx1"/>
+          </a:fontRef>
+        </p:style>
+      </p:cxnSp>
+      <p:sp>
+        <p:nvSpPr>
+          <p:cNvPr id="359" name="Rectangle: Rounded Corners 358">
+            <a:extLst>
+              <a:ext uri="{FF2B5EF4-FFF2-40B4-BE49-F238E27FC236}">
+                <a16:creationId xmlns:a16="http://schemas.microsoft.com/office/drawing/2014/main" id="{8E762F08-0821-4AAD-8CC3-CCDD0471D016}"/>
+              </a:ext>
+            </a:extLst>
+          </p:cNvPr>
+          <p:cNvSpPr/>
+          <p:nvPr/>
+        </p:nvSpPr>
+        <p:spPr>
+          <a:xfrm>
+            <a:off x="203029" y="5555276"/>
+            <a:ext cx="1371600" cy="365760"/>
+          </a:xfrm>
+          <a:prstGeom prst="roundRect">
+            <a:avLst/>
+          </a:prstGeom>
+          <a:solidFill>
+            <a:schemeClr val="accent4">
+              <a:lumMod val="40000"/>
+              <a:lumOff val="60000"/>
+            </a:schemeClr>
+          </a:solidFill>
+        </p:spPr>
+        <p:style>
+          <a:lnRef idx="2">
+            <a:schemeClr val="accent1">
+              <a:shade val="50000"/>
+            </a:schemeClr>
+          </a:lnRef>
+          <a:fillRef idx="1">
+            <a:schemeClr val="accent1"/>
+          </a:fillRef>
+          <a:effectRef idx="0">
+            <a:schemeClr val="accent1"/>
+          </a:effectRef>
+          <a:fontRef idx="minor">
+            <a:schemeClr val="lt1"/>
+          </a:fontRef>
+        </p:style>
+        <p:txBody>
+          <a:bodyPr lIns="45720" rIns="45720" rtlCol="0" anchor="ctr"/>
+          <a:lstStyle/>
+          <a:p>
+            <a:pPr algn="ctr"/>
+            <a:r>
+              <a:rPr lang="en-US" sz="1200" dirty="0" err="1">
+                <a:solidFill>
+                  <a:schemeClr val="tx1"/>
+                </a:solidFill>
+              </a:rPr>
+              <a:t>meddra.ttl</a:t>
+            </a:r>
+            <a:endParaRPr lang="en-US" sz="1200" dirty="0">
+              <a:solidFill>
+                <a:schemeClr val="tx1"/>
+              </a:solidFill>
+            </a:endParaRPr>
+          </a:p>
+        </p:txBody>
+      </p:sp>
+      <p:cxnSp>
+        <p:nvCxnSpPr>
+          <p:cNvPr id="360" name="Straight Arrow Connector 359">
+            <a:extLst>
+              <a:ext uri="{FF2B5EF4-FFF2-40B4-BE49-F238E27FC236}">
+                <a16:creationId xmlns:a16="http://schemas.microsoft.com/office/drawing/2014/main" id="{048FDBF3-E595-4EAA-8AFC-0FDCDF55183E}"/>
+              </a:ext>
+            </a:extLst>
+          </p:cNvPr>
+          <p:cNvCxnSpPr>
+            <a:cxnSpLocks/>
+            <a:stCxn id="359" idx="3"/>
+          </p:cNvCxnSpPr>
+          <p:nvPr/>
+        </p:nvCxnSpPr>
+        <p:spPr>
+          <a:xfrm>
+            <a:off x="1574629" y="5738156"/>
+            <a:ext cx="1037944" cy="18821"/>
+          </a:xfrm>
+          <a:prstGeom prst="straightConnector1">
+            <a:avLst/>
+          </a:prstGeom>
+          <a:ln w="25400">
+            <a:tailEnd type="triangle"/>
+          </a:ln>
+        </p:spPr>
+        <p:style>
+          <a:lnRef idx="1">
+            <a:schemeClr val="accent1"/>
+          </a:lnRef>
+          <a:fillRef idx="0">
+            <a:schemeClr val="accent1"/>
+          </a:fillRef>
+          <a:effectRef idx="0">
+            <a:schemeClr val="accent1"/>
+          </a:effectRef>
+          <a:fontRef idx="minor">
+            <a:schemeClr val="tx1"/>
+          </a:fontRef>
+        </p:style>
+      </p:cxnSp>
+      <p:sp>
+        <p:nvSpPr>
+          <p:cNvPr id="365" name="TextBox 364">
+            <a:extLst>
+              <a:ext uri="{FF2B5EF4-FFF2-40B4-BE49-F238E27FC236}">
+                <a16:creationId xmlns:a16="http://schemas.microsoft.com/office/drawing/2014/main" id="{E8031B79-CD95-4777-ABB6-52D1F2260D1B}"/>
+              </a:ext>
+            </a:extLst>
+          </p:cNvPr>
+          <p:cNvSpPr txBox="1"/>
+          <p:nvPr/>
+        </p:nvSpPr>
+        <p:spPr>
+          <a:xfrm>
+            <a:off x="284588" y="6003766"/>
+            <a:ext cx="1189749" cy="400110"/>
+          </a:xfrm>
+          <a:prstGeom prst="rect">
+            <a:avLst/>
+          </a:prstGeom>
+          <a:noFill/>
+        </p:spPr>
+        <p:txBody>
+          <a:bodyPr wrap="none" rtlCol="0">
+            <a:spAutoFit/>
+          </a:bodyPr>
+          <a:lstStyle/>
+          <a:p>
+            <a:r>
+              <a:rPr lang="en-US" sz="1000" dirty="0"/>
+              <a:t>Ontology triples </a:t>
+            </a:r>
+          </a:p>
+          <a:p>
+            <a:r>
+              <a:rPr lang="en-US" sz="1000" dirty="0"/>
+              <a:t>(non instance data)</a:t>
+            </a:r>
+          </a:p>
+        </p:txBody>
+      </p:sp>
     </p:spTree>
     <p:extLst>
       <p:ext uri="{BB962C8B-B14F-4D97-AF65-F5344CB8AC3E}">

--- a/doc/images/ImageSources.pptx
+++ b/doc/images/ImageSources.pptx
@@ -379,7 +379,7 @@
           <a:p>
             <a:fld id="{03ABD037-9D82-4436-AC70-ED75D2FE9417}" type="datetimeFigureOut">
               <a:rPr lang="en-US" smtClean="0"/>
-              <a:t>4/21/2019</a:t>
+              <a:t>4/28/2019</a:t>
             </a:fld>
             <a:endParaRPr lang="en-US"/>
           </a:p>
@@ -547,7 +547,7 @@
           <a:p>
             <a:fld id="{03ABD037-9D82-4436-AC70-ED75D2FE9417}" type="datetimeFigureOut">
               <a:rPr lang="en-US" smtClean="0"/>
-              <a:t>4/21/2019</a:t>
+              <a:t>4/28/2019</a:t>
             </a:fld>
             <a:endParaRPr lang="en-US"/>
           </a:p>
@@ -725,7 +725,7 @@
           <a:p>
             <a:fld id="{03ABD037-9D82-4436-AC70-ED75D2FE9417}" type="datetimeFigureOut">
               <a:rPr lang="en-US" smtClean="0"/>
-              <a:t>4/21/2019</a:t>
+              <a:t>4/28/2019</a:t>
             </a:fld>
             <a:endParaRPr lang="en-US"/>
           </a:p>
@@ -893,7 +893,7 @@
           <a:p>
             <a:fld id="{03ABD037-9D82-4436-AC70-ED75D2FE9417}" type="datetimeFigureOut">
               <a:rPr lang="en-US" smtClean="0"/>
-              <a:t>4/21/2019</a:t>
+              <a:t>4/28/2019</a:t>
             </a:fld>
             <a:endParaRPr lang="en-US"/>
           </a:p>
@@ -1138,7 +1138,7 @@
           <a:p>
             <a:fld id="{03ABD037-9D82-4436-AC70-ED75D2FE9417}" type="datetimeFigureOut">
               <a:rPr lang="en-US" smtClean="0"/>
-              <a:t>4/21/2019</a:t>
+              <a:t>4/28/2019</a:t>
             </a:fld>
             <a:endParaRPr lang="en-US"/>
           </a:p>
@@ -1367,7 +1367,7 @@
           <a:p>
             <a:fld id="{03ABD037-9D82-4436-AC70-ED75D2FE9417}" type="datetimeFigureOut">
               <a:rPr lang="en-US" smtClean="0"/>
-              <a:t>4/21/2019</a:t>
+              <a:t>4/28/2019</a:t>
             </a:fld>
             <a:endParaRPr lang="en-US"/>
           </a:p>
@@ -1731,7 +1731,7 @@
           <a:p>
             <a:fld id="{03ABD037-9D82-4436-AC70-ED75D2FE9417}" type="datetimeFigureOut">
               <a:rPr lang="en-US" smtClean="0"/>
-              <a:t>4/21/2019</a:t>
+              <a:t>4/28/2019</a:t>
             </a:fld>
             <a:endParaRPr lang="en-US"/>
           </a:p>
@@ -1848,7 +1848,7 @@
           <a:p>
             <a:fld id="{03ABD037-9D82-4436-AC70-ED75D2FE9417}" type="datetimeFigureOut">
               <a:rPr lang="en-US" smtClean="0"/>
-              <a:t>4/21/2019</a:t>
+              <a:t>4/28/2019</a:t>
             </a:fld>
             <a:endParaRPr lang="en-US"/>
           </a:p>
@@ -1943,7 +1943,7 @@
           <a:p>
             <a:fld id="{03ABD037-9D82-4436-AC70-ED75D2FE9417}" type="datetimeFigureOut">
               <a:rPr lang="en-US" smtClean="0"/>
-              <a:t>4/21/2019</a:t>
+              <a:t>4/28/2019</a:t>
             </a:fld>
             <a:endParaRPr lang="en-US"/>
           </a:p>
@@ -2218,7 +2218,7 @@
           <a:p>
             <a:fld id="{03ABD037-9D82-4436-AC70-ED75D2FE9417}" type="datetimeFigureOut">
               <a:rPr lang="en-US" smtClean="0"/>
-              <a:t>4/21/2019</a:t>
+              <a:t>4/28/2019</a:t>
             </a:fld>
             <a:endParaRPr lang="en-US"/>
           </a:p>
@@ -2470,7 +2470,7 @@
           <a:p>
             <a:fld id="{03ABD037-9D82-4436-AC70-ED75D2FE9417}" type="datetimeFigureOut">
               <a:rPr lang="en-US" smtClean="0"/>
-              <a:t>4/21/2019</a:t>
+              <a:t>4/28/2019</a:t>
             </a:fld>
             <a:endParaRPr lang="en-US"/>
           </a:p>
@@ -2681,7 +2681,7 @@
           <a:p>
             <a:fld id="{03ABD037-9D82-4436-AC70-ED75D2FE9417}" type="datetimeFigureOut">
               <a:rPr lang="en-US" smtClean="0"/>
-              <a:t>4/21/2019</a:t>
+              <a:t>4/28/2019</a:t>
             </a:fld>
             <a:endParaRPr lang="en-US"/>
           </a:p>
@@ -5147,8 +5147,8 @@
           </a:p>
         </p:txBody>
       </p:sp>
-      <mc:AlternateContent xmlns:mc="http://schemas.openxmlformats.org/markup-compatibility/2006">
-        <mc:Choice xmlns:p14="http://schemas.microsoft.com/office/powerpoint/2010/main" Requires="p14">
+      <mc:AlternateContent xmlns:mc="http://schemas.openxmlformats.org/markup-compatibility/2006" xmlns:p14="http://schemas.microsoft.com/office/powerpoint/2010/main">
+        <mc:Choice Requires="p14">
           <p:contentPart p14:bwMode="auto" r:id="rId2">
             <p14:nvContentPartPr>
               <p14:cNvPr id="5" name="Ink 4">
@@ -5167,7 +5167,7 @@
             </p14:xfrm>
           </p:contentPart>
         </mc:Choice>
-        <mc:Fallback>
+        <mc:Fallback xmlns="">
           <p:pic>
             <p:nvPicPr>
               <p:cNvPr id="5" name="Ink 4">
@@ -5198,8 +5198,8 @@
           </p:pic>
         </mc:Fallback>
       </mc:AlternateContent>
-      <mc:AlternateContent xmlns:mc="http://schemas.openxmlformats.org/markup-compatibility/2006">
-        <mc:Choice xmlns:p14="http://schemas.microsoft.com/office/powerpoint/2010/main" Requires="p14">
+      <mc:AlternateContent xmlns:mc="http://schemas.openxmlformats.org/markup-compatibility/2006" xmlns:p14="http://schemas.microsoft.com/office/powerpoint/2010/main">
+        <mc:Choice Requires="p14">
           <p:contentPart p14:bwMode="auto" r:id="rId4">
             <p14:nvContentPartPr>
               <p14:cNvPr id="6" name="Ink 5">
@@ -5218,7 +5218,7 @@
             </p14:xfrm>
           </p:contentPart>
         </mc:Choice>
-        <mc:Fallback>
+        <mc:Fallback xmlns="">
           <p:pic>
             <p:nvPicPr>
               <p:cNvPr id="6" name="Ink 5">
@@ -5249,8 +5249,8 @@
           </p:pic>
         </mc:Fallback>
       </mc:AlternateContent>
-      <mc:AlternateContent xmlns:mc="http://schemas.openxmlformats.org/markup-compatibility/2006">
-        <mc:Choice xmlns:p14="http://schemas.microsoft.com/office/powerpoint/2010/main" Requires="p14">
+      <mc:AlternateContent xmlns:mc="http://schemas.openxmlformats.org/markup-compatibility/2006" xmlns:p14="http://schemas.microsoft.com/office/powerpoint/2010/main">
+        <mc:Choice Requires="p14">
           <p:contentPart p14:bwMode="auto" r:id="rId6">
             <p14:nvContentPartPr>
               <p14:cNvPr id="7" name="Ink 6">
@@ -5269,7 +5269,7 @@
             </p14:xfrm>
           </p:contentPart>
         </mc:Choice>
-        <mc:Fallback>
+        <mc:Fallback xmlns="">
           <p:pic>
             <p:nvPicPr>
               <p:cNvPr id="7" name="Ink 6">
@@ -5300,8 +5300,8 @@
           </p:pic>
         </mc:Fallback>
       </mc:AlternateContent>
-      <mc:AlternateContent xmlns:mc="http://schemas.openxmlformats.org/markup-compatibility/2006">
-        <mc:Choice xmlns:p14="http://schemas.microsoft.com/office/powerpoint/2010/main" Requires="p14">
+      <mc:AlternateContent xmlns:mc="http://schemas.openxmlformats.org/markup-compatibility/2006" xmlns:p14="http://schemas.microsoft.com/office/powerpoint/2010/main">
+        <mc:Choice Requires="p14">
           <p:contentPart p14:bwMode="auto" r:id="rId7">
             <p14:nvContentPartPr>
               <p14:cNvPr id="8" name="Ink 7">
@@ -5320,7 +5320,7 @@
             </p14:xfrm>
           </p:contentPart>
         </mc:Choice>
-        <mc:Fallback>
+        <mc:Fallback xmlns="">
           <p:pic>
             <p:nvPicPr>
               <p:cNvPr id="8" name="Ink 7">
@@ -11241,140 +11241,6 @@
           </a:fontRef>
         </p:style>
       </p:cxnSp>
-      <p:sp>
-        <p:nvSpPr>
-          <p:cNvPr id="20" name="Rectangle: Rounded Corners 19">
-            <a:extLst>
-              <a:ext uri="{FF2B5EF4-FFF2-40B4-BE49-F238E27FC236}">
-                <a16:creationId xmlns:a16="http://schemas.microsoft.com/office/drawing/2014/main" id="{BED2EE9A-8BD8-47D1-8F7C-3799999C287B}"/>
-              </a:ext>
-            </a:extLst>
-          </p:cNvPr>
-          <p:cNvSpPr/>
-          <p:nvPr/>
-        </p:nvSpPr>
-        <p:spPr>
-          <a:xfrm>
-            <a:off x="7103766" y="1656081"/>
-            <a:ext cx="1920240" cy="365760"/>
-          </a:xfrm>
-          <a:prstGeom prst="roundRect">
-            <a:avLst/>
-          </a:prstGeom>
-          <a:solidFill>
-            <a:schemeClr val="bg1">
-              <a:lumMod val="85000"/>
-            </a:schemeClr>
-          </a:solidFill>
-        </p:spPr>
-        <p:style>
-          <a:lnRef idx="2">
-            <a:schemeClr val="accent1">
-              <a:shade val="50000"/>
-            </a:schemeClr>
-          </a:lnRef>
-          <a:fillRef idx="1">
-            <a:schemeClr val="accent1"/>
-          </a:fillRef>
-          <a:effectRef idx="0">
-            <a:schemeClr val="accent1"/>
-          </a:effectRef>
-          <a:fontRef idx="minor">
-            <a:schemeClr val="lt1"/>
-          </a:fontRef>
-        </p:style>
-        <p:txBody>
-          <a:bodyPr lIns="45720" rIns="45720" rtlCol="0" anchor="ctr"/>
-          <a:lstStyle/>
-          <a:p>
-            <a:pPr algn="ctr"/>
-            <a:r>
-              <a:rPr lang="en-US" sz="1200" dirty="0">
-                <a:solidFill>
-                  <a:schemeClr val="tx1"/>
-                </a:solidFill>
-              </a:rPr>
-              <a:t>_</a:t>
-            </a:r>
-            <a:r>
-              <a:rPr lang="en-US" sz="1200" dirty="0" err="1">
-                <a:solidFill>
-                  <a:schemeClr val="tx1"/>
-                </a:solidFill>
-              </a:rPr>
-              <a:t>SAS_Audit_im_map.TTL</a:t>
-            </a:r>
-            <a:endParaRPr lang="en-US" sz="1200" dirty="0">
-              <a:solidFill>
-                <a:schemeClr val="tx1"/>
-              </a:solidFill>
-            </a:endParaRPr>
-          </a:p>
-        </p:txBody>
-      </p:sp>
-      <p:sp>
-        <p:nvSpPr>
-          <p:cNvPr id="21" name="Rectangle: Rounded Corners 20">
-            <a:extLst>
-              <a:ext uri="{FF2B5EF4-FFF2-40B4-BE49-F238E27FC236}">
-                <a16:creationId xmlns:a16="http://schemas.microsoft.com/office/drawing/2014/main" id="{AE3C5127-F46D-4BE9-AD67-B14D2CA1209D}"/>
-              </a:ext>
-            </a:extLst>
-          </p:cNvPr>
-          <p:cNvSpPr/>
-          <p:nvPr/>
-        </p:nvSpPr>
-        <p:spPr>
-          <a:xfrm>
-            <a:off x="7103766" y="976951"/>
-            <a:ext cx="1920240" cy="365760"/>
-          </a:xfrm>
-          <a:prstGeom prst="roundRect">
-            <a:avLst/>
-          </a:prstGeom>
-          <a:solidFill>
-            <a:schemeClr val="bg1">
-              <a:lumMod val="85000"/>
-            </a:schemeClr>
-          </a:solidFill>
-        </p:spPr>
-        <p:style>
-          <a:lnRef idx="2">
-            <a:schemeClr val="accent1">
-              <a:shade val="50000"/>
-            </a:schemeClr>
-          </a:lnRef>
-          <a:fillRef idx="1">
-            <a:schemeClr val="accent1"/>
-          </a:fillRef>
-          <a:effectRef idx="0">
-            <a:schemeClr val="accent1"/>
-          </a:effectRef>
-          <a:fontRef idx="minor">
-            <a:schemeClr val="lt1"/>
-          </a:fontRef>
-        </p:style>
-        <p:txBody>
-          <a:bodyPr lIns="45720" rIns="45720" rtlCol="0" anchor="ctr"/>
-          <a:lstStyle/>
-          <a:p>
-            <a:pPr algn="ctr"/>
-            <a:r>
-              <a:rPr lang="en-US" sz="1200" dirty="0" err="1">
-                <a:solidFill>
-                  <a:schemeClr val="tx1"/>
-                </a:solidFill>
-              </a:rPr>
-              <a:t>people_im_map.TTL</a:t>
-            </a:r>
-            <a:endParaRPr lang="en-US" sz="1200" dirty="0">
-              <a:solidFill>
-                <a:schemeClr val="tx1"/>
-              </a:solidFill>
-            </a:endParaRPr>
-          </a:p>
-        </p:txBody>
-      </p:sp>
       <p:cxnSp>
         <p:nvCxnSpPr>
           <p:cNvPr id="24" name="Straight Arrow Connector 23">
@@ -11423,223 +11289,6 @@
           </a:fontRef>
         </p:style>
       </p:cxnSp>
-      <p:grpSp>
-        <p:nvGrpSpPr>
-          <p:cNvPr id="30" name="Group 29">
-            <a:extLst>
-              <a:ext uri="{FF2B5EF4-FFF2-40B4-BE49-F238E27FC236}">
-                <a16:creationId xmlns:a16="http://schemas.microsoft.com/office/drawing/2014/main" id="{1569E72C-91CB-4F72-B4A2-86A08AB1799F}"/>
-              </a:ext>
-            </a:extLst>
-          </p:cNvPr>
-          <p:cNvGrpSpPr/>
-          <p:nvPr/>
-        </p:nvGrpSpPr>
-        <p:grpSpPr>
-          <a:xfrm>
-            <a:off x="7149865" y="2806605"/>
-            <a:ext cx="1760037" cy="1013910"/>
-            <a:chOff x="184552" y="3858794"/>
-            <a:chExt cx="1760037" cy="1013910"/>
-          </a:xfrm>
-        </p:grpSpPr>
-        <p:sp>
-          <p:nvSpPr>
-            <p:cNvPr id="31" name="Rectangle 30">
-              <a:extLst>
-                <a:ext uri="{FF2B5EF4-FFF2-40B4-BE49-F238E27FC236}">
-                  <a16:creationId xmlns:a16="http://schemas.microsoft.com/office/drawing/2014/main" id="{5515EAA1-5025-4523-8877-ABAE30063C88}"/>
-                </a:ext>
-              </a:extLst>
-            </p:cNvPr>
-            <p:cNvSpPr/>
-            <p:nvPr/>
-          </p:nvSpPr>
-          <p:spPr>
-            <a:xfrm>
-              <a:off x="221059" y="3858794"/>
-              <a:ext cx="1502735" cy="1013910"/>
-            </a:xfrm>
-            <a:prstGeom prst="rect">
-              <a:avLst/>
-            </a:prstGeom>
-            <a:solidFill>
-              <a:schemeClr val="accent4">
-                <a:lumMod val="40000"/>
-                <a:lumOff val="60000"/>
-              </a:schemeClr>
-            </a:solidFill>
-          </p:spPr>
-          <p:style>
-            <a:lnRef idx="2">
-              <a:schemeClr val="accent1">
-                <a:shade val="50000"/>
-              </a:schemeClr>
-            </a:lnRef>
-            <a:fillRef idx="1">
-              <a:schemeClr val="accent1"/>
-            </a:fillRef>
-            <a:effectRef idx="0">
-              <a:schemeClr val="accent1"/>
-            </a:effectRef>
-            <a:fontRef idx="minor">
-              <a:schemeClr val="lt1"/>
-            </a:fontRef>
-          </p:style>
-          <p:txBody>
-            <a:bodyPr rtlCol="0" anchor="ctr"/>
-            <a:lstStyle/>
-            <a:p>
-              <a:pPr algn="ctr"/>
-              <a:endParaRPr lang="en-US"/>
-            </a:p>
-          </p:txBody>
-        </p:sp>
-        <p:sp>
-          <p:nvSpPr>
-            <p:cNvPr id="32" name="Flowchart: Magnetic Disk 31">
-              <a:extLst>
-                <a:ext uri="{FF2B5EF4-FFF2-40B4-BE49-F238E27FC236}">
-                  <a16:creationId xmlns:a16="http://schemas.microsoft.com/office/drawing/2014/main" id="{12029AB4-C7C6-484A-97A8-330065B3BB05}"/>
-                </a:ext>
-              </a:extLst>
-            </p:cNvPr>
-            <p:cNvSpPr/>
-            <p:nvPr/>
-          </p:nvSpPr>
-          <p:spPr>
-            <a:xfrm>
-              <a:off x="784585" y="4130743"/>
-              <a:ext cx="375683" cy="401695"/>
-            </a:xfrm>
-            <a:prstGeom prst="flowChartMagneticDisk">
-              <a:avLst/>
-            </a:prstGeom>
-            <a:solidFill>
-              <a:srgbClr val="FFC000"/>
-            </a:solidFill>
-            <a:ln>
-              <a:solidFill>
-                <a:schemeClr val="tx1"/>
-              </a:solidFill>
-            </a:ln>
-          </p:spPr>
-          <p:style>
-            <a:lnRef idx="2">
-              <a:schemeClr val="accent1">
-                <a:shade val="50000"/>
-              </a:schemeClr>
-            </a:lnRef>
-            <a:fillRef idx="1">
-              <a:schemeClr val="accent1"/>
-            </a:fillRef>
-            <a:effectRef idx="0">
-              <a:schemeClr val="accent1"/>
-            </a:effectRef>
-            <a:fontRef idx="minor">
-              <a:schemeClr val="lt1"/>
-            </a:fontRef>
-          </p:style>
-          <p:txBody>
-            <a:bodyPr rtlCol="0" anchor="ctr"/>
-            <a:lstStyle/>
-            <a:p>
-              <a:pPr algn="ctr"/>
-              <a:endParaRPr lang="en-US"/>
-            </a:p>
-          </p:txBody>
-        </p:sp>
-        <p:sp>
-          <p:nvSpPr>
-            <p:cNvPr id="33" name="TextBox 32">
-              <a:extLst>
-                <a:ext uri="{FF2B5EF4-FFF2-40B4-BE49-F238E27FC236}">
-                  <a16:creationId xmlns:a16="http://schemas.microsoft.com/office/drawing/2014/main" id="{1B84E0EF-7BCE-432A-812A-F8FB00BD09B5}"/>
-                </a:ext>
-              </a:extLst>
-            </p:cNvPr>
-            <p:cNvSpPr txBox="1"/>
-            <p:nvPr/>
-          </p:nvSpPr>
-          <p:spPr>
-            <a:xfrm flipH="1">
-              <a:off x="184552" y="4523887"/>
-              <a:ext cx="1760037" cy="253916"/>
-            </a:xfrm>
-            <a:prstGeom prst="rect">
-              <a:avLst/>
-            </a:prstGeom>
-            <a:noFill/>
-          </p:spPr>
-          <p:txBody>
-            <a:bodyPr wrap="square" rtlCol="0">
-              <a:spAutoFit/>
-            </a:bodyPr>
-            <a:lstStyle/>
-            <a:p>
-              <a:r>
-                <a:rPr lang="en-US" sz="1050" b="1" dirty="0" err="1"/>
-                <a:t>DataReviewTool-Ont.TTL</a:t>
-              </a:r>
-              <a:endParaRPr lang="en-US" sz="1050" b="1" dirty="0"/>
-            </a:p>
-          </p:txBody>
-        </p:sp>
-      </p:grpSp>
-      <p:sp>
-        <p:nvSpPr>
-          <p:cNvPr id="35" name="Flowchart: Magnetic Disk 34">
-            <a:extLst>
-              <a:ext uri="{FF2B5EF4-FFF2-40B4-BE49-F238E27FC236}">
-                <a16:creationId xmlns:a16="http://schemas.microsoft.com/office/drawing/2014/main" id="{C9385CCC-1272-4D32-BA5B-D66DC5EEA09D}"/>
-              </a:ext>
-            </a:extLst>
-          </p:cNvPr>
-          <p:cNvSpPr/>
-          <p:nvPr/>
-        </p:nvSpPr>
-        <p:spPr>
-          <a:xfrm>
-            <a:off x="11158924" y="3463406"/>
-            <a:ext cx="375683" cy="401695"/>
-          </a:xfrm>
-          <a:prstGeom prst="flowChartMagneticDisk">
-            <a:avLst/>
-          </a:prstGeom>
-          <a:solidFill>
-            <a:srgbClr val="CC99FF"/>
-          </a:solidFill>
-          <a:ln>
-            <a:solidFill>
-              <a:schemeClr val="tx1"/>
-            </a:solidFill>
-          </a:ln>
-        </p:spPr>
-        <p:style>
-          <a:lnRef idx="2">
-            <a:schemeClr val="accent1">
-              <a:shade val="50000"/>
-            </a:schemeClr>
-          </a:lnRef>
-          <a:fillRef idx="1">
-            <a:schemeClr val="accent1"/>
-          </a:fillRef>
-          <a:effectRef idx="0">
-            <a:schemeClr val="accent1"/>
-          </a:effectRef>
-          <a:fontRef idx="minor">
-            <a:schemeClr val="lt1"/>
-          </a:fontRef>
-        </p:style>
-        <p:txBody>
-          <a:bodyPr rtlCol="0" anchor="ctr"/>
-          <a:lstStyle/>
-          <a:p>
-            <a:pPr algn="ctr"/>
-            <a:endParaRPr lang="en-US"/>
-          </a:p>
-        </p:txBody>
-      </p:sp>
       <p:sp>
         <p:nvSpPr>
           <p:cNvPr id="39" name="TextBox 38">
@@ -11654,7 +11303,7 @@
         </p:nvSpPr>
         <p:spPr>
           <a:xfrm>
-            <a:off x="6958374" y="6003767"/>
+            <a:off x="6136750" y="6091588"/>
             <a:ext cx="1598515" cy="246221"/>
           </a:xfrm>
           <a:prstGeom prst="rect">
@@ -11675,48 +11324,6 @@
           </a:p>
         </p:txBody>
       </p:sp>
-      <p:cxnSp>
-        <p:nvCxnSpPr>
-          <p:cNvPr id="40" name="Straight Arrow Connector 39">
-            <a:extLst>
-              <a:ext uri="{FF2B5EF4-FFF2-40B4-BE49-F238E27FC236}">
-                <a16:creationId xmlns:a16="http://schemas.microsoft.com/office/drawing/2014/main" id="{38D90F9A-6980-46EB-981C-8930A74DC9DA}"/>
-              </a:ext>
-            </a:extLst>
-          </p:cNvPr>
-          <p:cNvCxnSpPr>
-            <a:cxnSpLocks/>
-            <a:endCxn id="35" idx="2"/>
-          </p:cNvCxnSpPr>
-          <p:nvPr/>
-        </p:nvCxnSpPr>
-        <p:spPr>
-          <a:xfrm>
-            <a:off x="10210121" y="3376797"/>
-            <a:ext cx="948803" cy="287457"/>
-          </a:xfrm>
-          <a:prstGeom prst="straightConnector1">
-            <a:avLst/>
-          </a:prstGeom>
-          <a:ln w="25400">
-            <a:tailEnd type="triangle"/>
-          </a:ln>
-        </p:spPr>
-        <p:style>
-          <a:lnRef idx="1">
-            <a:schemeClr val="accent1"/>
-          </a:lnRef>
-          <a:fillRef idx="0">
-            <a:schemeClr val="accent1"/>
-          </a:fillRef>
-          <a:effectRef idx="0">
-            <a:schemeClr val="accent1"/>
-          </a:effectRef>
-          <a:fontRef idx="minor">
-            <a:schemeClr val="tx1"/>
-          </a:fontRef>
-        </p:style>
-      </p:cxnSp>
       <p:sp>
         <p:nvSpPr>
           <p:cNvPr id="44" name="Flowchart: Magnetic Disk 43">
@@ -11777,41 +11384,6 @@
                 </a:solidFill>
               </a:rPr>
               <a:t>Stardog</a:t>
-            </a:r>
-          </a:p>
-        </p:txBody>
-      </p:sp>
-      <p:sp>
-        <p:nvSpPr>
-          <p:cNvPr id="48" name="TextBox 47">
-            <a:extLst>
-              <a:ext uri="{FF2B5EF4-FFF2-40B4-BE49-F238E27FC236}">
-                <a16:creationId xmlns:a16="http://schemas.microsoft.com/office/drawing/2014/main" id="{16611592-3848-465A-9296-23EAF17AE811}"/>
-              </a:ext>
-            </a:extLst>
-          </p:cNvPr>
-          <p:cNvSpPr txBox="1"/>
-          <p:nvPr/>
-        </p:nvSpPr>
-        <p:spPr>
-          <a:xfrm flipH="1">
-            <a:off x="7103766" y="2792862"/>
-            <a:ext cx="782545" cy="276999"/>
-          </a:xfrm>
-          <a:prstGeom prst="rect">
-            <a:avLst/>
-          </a:prstGeom>
-          <a:noFill/>
-        </p:spPr>
-        <p:txBody>
-          <a:bodyPr wrap="square" rtlCol="0">
-            <a:spAutoFit/>
-          </a:bodyPr>
-          <a:lstStyle/>
-          <a:p>
-            <a:r>
-              <a:rPr lang="en-US" sz="1200" dirty="0"/>
-              <a:t>Ontology</a:t>
             </a:r>
           </a:p>
         </p:txBody>
@@ -11874,8 +11446,8 @@
         </p:nvSpPr>
         <p:spPr>
           <a:xfrm>
-            <a:off x="5866626" y="4525330"/>
-            <a:ext cx="1645920" cy="365760"/>
+            <a:off x="4387796" y="4637181"/>
+            <a:ext cx="2194560" cy="365760"/>
           </a:xfrm>
           <a:prstGeom prst="roundRect">
             <a:avLst/>
@@ -11956,8 +11528,8 @@
         </p:nvCxnSpPr>
         <p:spPr>
           <a:xfrm flipV="1">
-            <a:off x="3299982" y="4708210"/>
-            <a:ext cx="2566644" cy="664186"/>
+            <a:off x="3299982" y="4820061"/>
+            <a:ext cx="1087814" cy="552335"/>
           </a:xfrm>
           <a:prstGeom prst="straightConnector1">
             <a:avLst/>
@@ -12026,77 +11598,6 @@
       </p:cxnSp>
       <p:sp>
         <p:nvSpPr>
-          <p:cNvPr id="60" name="Rectangle: Rounded Corners 59">
-            <a:extLst>
-              <a:ext uri="{FF2B5EF4-FFF2-40B4-BE49-F238E27FC236}">
-                <a16:creationId xmlns:a16="http://schemas.microsoft.com/office/drawing/2014/main" id="{802C3779-9A6D-49B6-8BD6-2FCCBBA72DD3}"/>
-              </a:ext>
-            </a:extLst>
-          </p:cNvPr>
-          <p:cNvSpPr/>
-          <p:nvPr/>
-        </p:nvSpPr>
-        <p:spPr>
-          <a:xfrm>
-            <a:off x="7106038" y="2272508"/>
-            <a:ext cx="1920240" cy="365760"/>
-          </a:xfrm>
-          <a:prstGeom prst="roundRect">
-            <a:avLst/>
-          </a:prstGeom>
-          <a:solidFill>
-            <a:schemeClr val="bg1">
-              <a:lumMod val="85000"/>
-            </a:schemeClr>
-          </a:solidFill>
-        </p:spPr>
-        <p:style>
-          <a:lnRef idx="2">
-            <a:schemeClr val="accent1">
-              <a:shade val="50000"/>
-            </a:schemeClr>
-          </a:lnRef>
-          <a:fillRef idx="1">
-            <a:schemeClr val="accent1"/>
-          </a:fillRef>
-          <a:effectRef idx="0">
-            <a:schemeClr val="accent1"/>
-          </a:effectRef>
-          <a:fontRef idx="minor">
-            <a:schemeClr val="lt1"/>
-          </a:fontRef>
-        </p:style>
-        <p:txBody>
-          <a:bodyPr lIns="45720" rIns="45720" rtlCol="0" anchor="ctr"/>
-          <a:lstStyle/>
-          <a:p>
-            <a:pPr algn="ctr"/>
-            <a:r>
-              <a:rPr lang="en-US" sz="1200" dirty="0">
-                <a:solidFill>
-                  <a:schemeClr val="tx1"/>
-                </a:solidFill>
-              </a:rPr>
-              <a:t>_</a:t>
-            </a:r>
-            <a:r>
-              <a:rPr lang="en-US" sz="1200" dirty="0" err="1">
-                <a:solidFill>
-                  <a:schemeClr val="tx1"/>
-                </a:solidFill>
-              </a:rPr>
-              <a:t>TBD_im_map.TTL</a:t>
-            </a:r>
-            <a:endParaRPr lang="en-US" sz="1200" dirty="0">
-              <a:solidFill>
-                <a:schemeClr val="tx1"/>
-              </a:solidFill>
-            </a:endParaRPr>
-          </a:p>
-        </p:txBody>
-      </p:sp>
-      <p:sp>
-        <p:nvSpPr>
           <p:cNvPr id="67" name="Rectangle: Rounded Corners 66">
             <a:extLst>
               <a:ext uri="{FF2B5EF4-FFF2-40B4-BE49-F238E27FC236}">
@@ -13826,70 +13327,6 @@
           </a:fontRef>
         </p:style>
       </p:cxnSp>
-      <p:sp>
-        <p:nvSpPr>
-          <p:cNvPr id="351" name="Rectangle: Rounded Corners 350">
-            <a:extLst>
-              <a:ext uri="{FF2B5EF4-FFF2-40B4-BE49-F238E27FC236}">
-                <a16:creationId xmlns:a16="http://schemas.microsoft.com/office/drawing/2014/main" id="{77B4770B-BA6C-4B0B-82A3-EC5E1093BC3D}"/>
-              </a:ext>
-            </a:extLst>
-          </p:cNvPr>
-          <p:cNvSpPr/>
-          <p:nvPr/>
-        </p:nvSpPr>
-        <p:spPr>
-          <a:xfrm>
-            <a:off x="8562983" y="4548873"/>
-            <a:ext cx="1371600" cy="365760"/>
-          </a:xfrm>
-          <a:prstGeom prst="roundRect">
-            <a:avLst/>
-          </a:prstGeom>
-          <a:solidFill>
-            <a:schemeClr val="accent4">
-              <a:lumMod val="40000"/>
-              <a:lumOff val="60000"/>
-            </a:schemeClr>
-          </a:solidFill>
-        </p:spPr>
-        <p:style>
-          <a:lnRef idx="2">
-            <a:schemeClr val="accent1">
-              <a:shade val="50000"/>
-            </a:schemeClr>
-          </a:lnRef>
-          <a:fillRef idx="1">
-            <a:schemeClr val="accent1"/>
-          </a:fillRef>
-          <a:effectRef idx="0">
-            <a:schemeClr val="accent1"/>
-          </a:effectRef>
-          <a:fontRef idx="minor">
-            <a:schemeClr val="lt1"/>
-          </a:fontRef>
-        </p:style>
-        <p:txBody>
-          <a:bodyPr lIns="45720" rIns="45720" rtlCol="0" anchor="ctr"/>
-          <a:lstStyle/>
-          <a:p>
-            <a:pPr algn="ctr"/>
-            <a:r>
-              <a:rPr lang="en-US" sz="1200" dirty="0" err="1">
-                <a:solidFill>
-                  <a:schemeClr val="tx1"/>
-                </a:solidFill>
-              </a:rPr>
-              <a:t>meddra.ttl</a:t>
-            </a:r>
-            <a:endParaRPr lang="en-US" sz="1200" dirty="0">
-              <a:solidFill>
-                <a:schemeClr val="tx1"/>
-              </a:solidFill>
-            </a:endParaRPr>
-          </a:p>
-        </p:txBody>
-      </p:sp>
       <p:cxnSp>
         <p:nvCxnSpPr>
           <p:cNvPr id="352" name="Straight Arrow Connector 351">
@@ -13901,15 +13338,15 @@
           </p:cNvPr>
           <p:cNvCxnSpPr>
             <a:cxnSpLocks/>
-            <a:stCxn id="351" idx="1"/>
+            <a:stCxn id="359" idx="1"/>
             <a:endCxn id="50" idx="3"/>
           </p:cNvCxnSpPr>
           <p:nvPr/>
         </p:nvCxnSpPr>
         <p:spPr>
           <a:xfrm flipH="1" flipV="1">
-            <a:off x="7512546" y="4708210"/>
-            <a:ext cx="1050437" cy="23543"/>
+            <a:off x="6582356" y="4820061"/>
+            <a:ext cx="460753" cy="2994"/>
           </a:xfrm>
           <a:prstGeom prst="straightConnector1">
             <a:avLst/>
@@ -13947,7 +13384,7 @@
         </p:nvSpPr>
         <p:spPr>
           <a:xfrm>
-            <a:off x="203029" y="5555276"/>
+            <a:off x="7043109" y="4640175"/>
             <a:ext cx="1371600" cy="365760"/>
           </a:xfrm>
           <a:prstGeom prst="roundRect">
@@ -13997,48 +13434,6 @@
           </a:p>
         </p:txBody>
       </p:sp>
-      <p:cxnSp>
-        <p:nvCxnSpPr>
-          <p:cNvPr id="360" name="Straight Arrow Connector 359">
-            <a:extLst>
-              <a:ext uri="{FF2B5EF4-FFF2-40B4-BE49-F238E27FC236}">
-                <a16:creationId xmlns:a16="http://schemas.microsoft.com/office/drawing/2014/main" id="{048FDBF3-E595-4EAA-8AFC-0FDCDF55183E}"/>
-              </a:ext>
-            </a:extLst>
-          </p:cNvPr>
-          <p:cNvCxnSpPr>
-            <a:cxnSpLocks/>
-            <a:stCxn id="359" idx="3"/>
-          </p:cNvCxnSpPr>
-          <p:nvPr/>
-        </p:nvCxnSpPr>
-        <p:spPr>
-          <a:xfrm>
-            <a:off x="1574629" y="5738156"/>
-            <a:ext cx="1037944" cy="18821"/>
-          </a:xfrm>
-          <a:prstGeom prst="straightConnector1">
-            <a:avLst/>
-          </a:prstGeom>
-          <a:ln w="25400">
-            <a:tailEnd type="triangle"/>
-          </a:ln>
-        </p:spPr>
-        <p:style>
-          <a:lnRef idx="1">
-            <a:schemeClr val="accent1"/>
-          </a:lnRef>
-          <a:fillRef idx="0">
-            <a:schemeClr val="accent1"/>
-          </a:fillRef>
-          <a:effectRef idx="0">
-            <a:schemeClr val="accent1"/>
-          </a:effectRef>
-          <a:fontRef idx="minor">
-            <a:schemeClr val="tx1"/>
-          </a:fontRef>
-        </p:style>
-      </p:cxnSp>
       <p:sp>
         <p:nvSpPr>
           <p:cNvPr id="365" name="TextBox 364">
@@ -14080,6 +13475,250 @@
           </a:p>
         </p:txBody>
       </p:sp>
+      <p:cxnSp>
+        <p:nvCxnSpPr>
+          <p:cNvPr id="8" name="Connector: Elbow 7">
+            <a:extLst>
+              <a:ext uri="{FF2B5EF4-FFF2-40B4-BE49-F238E27FC236}">
+                <a16:creationId xmlns:a16="http://schemas.microsoft.com/office/drawing/2014/main" id="{5D21DFD1-84EA-4963-9930-AA65F16D9DF3}"/>
+              </a:ext>
+            </a:extLst>
+          </p:cNvPr>
+          <p:cNvCxnSpPr>
+            <a:cxnSpLocks/>
+            <a:stCxn id="359" idx="2"/>
+          </p:cNvCxnSpPr>
+          <p:nvPr/>
+        </p:nvCxnSpPr>
+        <p:spPr>
+          <a:xfrm rot="5400000">
+            <a:off x="4759055" y="2859455"/>
+            <a:ext cx="823375" cy="5116335"/>
+          </a:xfrm>
+          <a:prstGeom prst="bentConnector2">
+            <a:avLst/>
+          </a:prstGeom>
+          <a:ln w="25400">
+            <a:prstDash val="sysDot"/>
+            <a:tailEnd type="triangle"/>
+          </a:ln>
+        </p:spPr>
+        <p:style>
+          <a:lnRef idx="1">
+            <a:schemeClr val="accent1"/>
+          </a:lnRef>
+          <a:fillRef idx="0">
+            <a:schemeClr val="accent1"/>
+          </a:fillRef>
+          <a:effectRef idx="0">
+            <a:schemeClr val="accent1"/>
+          </a:effectRef>
+          <a:fontRef idx="minor">
+            <a:schemeClr val="tx1"/>
+          </a:fontRef>
+        </p:style>
+      </p:cxnSp>
+      <p:sp>
+        <p:nvSpPr>
+          <p:cNvPr id="66" name="TextBox 65">
+            <a:extLst>
+              <a:ext uri="{FF2B5EF4-FFF2-40B4-BE49-F238E27FC236}">
+                <a16:creationId xmlns:a16="http://schemas.microsoft.com/office/drawing/2014/main" id="{8B90144B-E08B-49F3-A0A1-23344A93250D}"/>
+              </a:ext>
+            </a:extLst>
+          </p:cNvPr>
+          <p:cNvSpPr txBox="1"/>
+          <p:nvPr/>
+        </p:nvSpPr>
+        <p:spPr>
+          <a:xfrm flipH="1">
+            <a:off x="5083399" y="4380479"/>
+            <a:ext cx="803354" cy="278152"/>
+          </a:xfrm>
+          <a:prstGeom prst="rect">
+            <a:avLst/>
+          </a:prstGeom>
+          <a:noFill/>
+        </p:spPr>
+        <p:txBody>
+          <a:bodyPr wrap="square" rtlCol="0">
+            <a:spAutoFit/>
+          </a:bodyPr>
+          <a:lstStyle/>
+          <a:p>
+            <a:r>
+              <a:rPr lang="en-US" sz="1200" dirty="0"/>
+              <a:t>Validation</a:t>
+            </a:r>
+          </a:p>
+        </p:txBody>
+      </p:sp>
+      <p:sp>
+        <p:nvSpPr>
+          <p:cNvPr id="68" name="TextBox 67">
+            <a:extLst>
+              <a:ext uri="{FF2B5EF4-FFF2-40B4-BE49-F238E27FC236}">
+                <a16:creationId xmlns:a16="http://schemas.microsoft.com/office/drawing/2014/main" id="{A6052105-BB33-4A86-A533-70DB40BFC67F}"/>
+              </a:ext>
+            </a:extLst>
+          </p:cNvPr>
+          <p:cNvSpPr txBox="1"/>
+          <p:nvPr/>
+        </p:nvSpPr>
+        <p:spPr>
+          <a:xfrm flipH="1">
+            <a:off x="4966559" y="5130555"/>
+            <a:ext cx="1037034" cy="276999"/>
+          </a:xfrm>
+          <a:prstGeom prst="rect">
+            <a:avLst/>
+          </a:prstGeom>
+          <a:noFill/>
+        </p:spPr>
+        <p:txBody>
+          <a:bodyPr wrap="square" rtlCol="0">
+            <a:spAutoFit/>
+          </a:bodyPr>
+          <a:lstStyle/>
+          <a:p>
+            <a:r>
+              <a:rPr lang="en-US" sz="1200" dirty="0"/>
+              <a:t>Visualization</a:t>
+            </a:r>
+          </a:p>
+        </p:txBody>
+      </p:sp>
+      <p:sp>
+        <p:nvSpPr>
+          <p:cNvPr id="69" name="Rectangle: Rounded Corners 68">
+            <a:extLst>
+              <a:ext uri="{FF2B5EF4-FFF2-40B4-BE49-F238E27FC236}">
+                <a16:creationId xmlns:a16="http://schemas.microsoft.com/office/drawing/2014/main" id="{75D80146-BFEB-4A4F-8BF5-0EBB6B11F55E}"/>
+              </a:ext>
+            </a:extLst>
+          </p:cNvPr>
+          <p:cNvSpPr/>
+          <p:nvPr/>
+        </p:nvSpPr>
+        <p:spPr>
+          <a:xfrm>
+            <a:off x="4387796" y="5368777"/>
+            <a:ext cx="2194560" cy="365760"/>
+          </a:xfrm>
+          <a:prstGeom prst="roundRect">
+            <a:avLst/>
+          </a:prstGeom>
+          <a:solidFill>
+            <a:schemeClr val="accent1">
+              <a:lumMod val="50000"/>
+            </a:schemeClr>
+          </a:solidFill>
+          <a:ln w="25400">
+            <a:solidFill>
+              <a:schemeClr val="bg1">
+                <a:lumMod val="75000"/>
+              </a:schemeClr>
+            </a:solidFill>
+            <a:prstDash val="solid"/>
+          </a:ln>
+        </p:spPr>
+        <p:style>
+          <a:lnRef idx="2">
+            <a:schemeClr val="accent1">
+              <a:shade val="50000"/>
+            </a:schemeClr>
+          </a:lnRef>
+          <a:fillRef idx="1">
+            <a:schemeClr val="accent1"/>
+          </a:fillRef>
+          <a:effectRef idx="0">
+            <a:schemeClr val="accent1"/>
+          </a:effectRef>
+          <a:fontRef idx="minor">
+            <a:schemeClr val="lt1"/>
+          </a:fontRef>
+        </p:style>
+        <p:txBody>
+          <a:bodyPr rtlCol="0" anchor="ctr"/>
+          <a:lstStyle/>
+          <a:p>
+            <a:pPr algn="ctr"/>
+            <a:r>
+              <a:rPr lang="en-US" sz="1200" dirty="0">
+                <a:solidFill>
+                  <a:schemeClr val="bg1">
+                    <a:lumMod val="85000"/>
+                  </a:schemeClr>
+                </a:solidFill>
+              </a:rPr>
+              <a:t>vis/</a:t>
+            </a:r>
+            <a:r>
+              <a:rPr lang="en-US" sz="1200" dirty="0" err="1">
+                <a:solidFill>
+                  <a:schemeClr val="bg1">
+                    <a:lumMod val="85000"/>
+                  </a:schemeClr>
+                </a:solidFill>
+              </a:rPr>
+              <a:t>MedDRALTtoSOCVis</a:t>
+            </a:r>
+            <a:r>
+              <a:rPr lang="en-US" sz="1200" dirty="0">
+                <a:solidFill>
+                  <a:schemeClr val="bg1">
+                    <a:lumMod val="85000"/>
+                  </a:schemeClr>
+                </a:solidFill>
+              </a:rPr>
+              <a:t>-app</a:t>
+            </a:r>
+          </a:p>
+        </p:txBody>
+      </p:sp>
+      <p:cxnSp>
+        <p:nvCxnSpPr>
+          <p:cNvPr id="70" name="Straight Arrow Connector 69">
+            <a:extLst>
+              <a:ext uri="{FF2B5EF4-FFF2-40B4-BE49-F238E27FC236}">
+                <a16:creationId xmlns:a16="http://schemas.microsoft.com/office/drawing/2014/main" id="{DF0F37CA-F809-4B91-8C78-3425F8BFB0B7}"/>
+              </a:ext>
+            </a:extLst>
+          </p:cNvPr>
+          <p:cNvCxnSpPr>
+            <a:cxnSpLocks/>
+            <a:stCxn id="67" idx="3"/>
+            <a:endCxn id="69" idx="1"/>
+          </p:cNvCxnSpPr>
+          <p:nvPr/>
+        </p:nvCxnSpPr>
+        <p:spPr>
+          <a:xfrm>
+            <a:off x="3299982" y="5372396"/>
+            <a:ext cx="1087814" cy="179261"/>
+          </a:xfrm>
+          <a:prstGeom prst="straightConnector1">
+            <a:avLst/>
+          </a:prstGeom>
+          <a:ln w="25400">
+            <a:tailEnd type="triangle"/>
+          </a:ln>
+        </p:spPr>
+        <p:style>
+          <a:lnRef idx="1">
+            <a:schemeClr val="accent1"/>
+          </a:lnRef>
+          <a:fillRef idx="0">
+            <a:schemeClr val="accent1"/>
+          </a:fillRef>
+          <a:effectRef idx="0">
+            <a:schemeClr val="accent1"/>
+          </a:effectRef>
+          <a:fontRef idx="minor">
+            <a:schemeClr val="tx1"/>
+          </a:fontRef>
+        </p:style>
+      </p:cxnSp>
     </p:spTree>
     <p:extLst>
       <p:ext uri="{BB962C8B-B14F-4D97-AF65-F5344CB8AC3E}">
